--- a/GAB/Version-aurelien/IHM-aurelien.pptx
+++ b/GAB/Version-aurelien/IHM-aurelien.pptx
@@ -7,6 +7,8 @@
   <p:sldIdLst>
     <p:sldId id="256" r:id="rId2"/>
     <p:sldId id="257" r:id="rId3"/>
+    <p:sldId id="258" r:id="rId4"/>
+    <p:sldId id="259" r:id="rId5"/>
   </p:sldIdLst>
   <p:sldSz cx="12192000" cy="6858000"/>
   <p:notesSz cx="6858000" cy="9144000"/>
@@ -3376,7 +3378,7 @@
         </p:nvSpPr>
         <p:spPr>
           <a:xfrm>
-            <a:off x="1900237" y="311317"/>
+            <a:off x="1890712" y="311317"/>
             <a:ext cx="8391525" cy="5632283"/>
           </a:xfrm>
           <a:prstGeom prst="roundRect">
@@ -3447,7 +3449,7 @@
         </p:nvSpPr>
         <p:spPr>
           <a:xfrm>
-            <a:off x="2009774" y="2676278"/>
+            <a:off x="1924049" y="2676278"/>
             <a:ext cx="1876425" cy="676275"/>
           </a:xfrm>
           <a:prstGeom prst="roundRect">
@@ -3537,7 +3539,7 @@
         </p:nvSpPr>
         <p:spPr>
           <a:xfrm>
-            <a:off x="2009774" y="3730543"/>
+            <a:off x="1924049" y="3730543"/>
             <a:ext cx="1876425" cy="676275"/>
           </a:xfrm>
           <a:prstGeom prst="roundRect">
@@ -3627,7 +3629,7 @@
         </p:nvSpPr>
         <p:spPr>
           <a:xfrm>
-            <a:off x="2009774" y="4784808"/>
+            <a:off x="1924049" y="4784808"/>
             <a:ext cx="1876425" cy="676275"/>
           </a:xfrm>
           <a:prstGeom prst="roundRect">
@@ -3717,7 +3719,7 @@
         </p:nvSpPr>
         <p:spPr>
           <a:xfrm>
-            <a:off x="8305801" y="2676278"/>
+            <a:off x="8362951" y="2676278"/>
             <a:ext cx="1876425" cy="676275"/>
           </a:xfrm>
           <a:prstGeom prst="roundRect">
@@ -3807,7 +3809,7 @@
         </p:nvSpPr>
         <p:spPr>
           <a:xfrm>
-            <a:off x="8305801" y="3730543"/>
+            <a:off x="8362951" y="3730543"/>
             <a:ext cx="1876425" cy="676275"/>
           </a:xfrm>
           <a:prstGeom prst="roundRect">
@@ -3897,7 +3899,7 @@
         </p:nvSpPr>
         <p:spPr>
           <a:xfrm>
-            <a:off x="8305801" y="4784808"/>
+            <a:off x="8362951" y="4784808"/>
             <a:ext cx="1876425" cy="676275"/>
           </a:xfrm>
           <a:prstGeom prst="roundRect">
@@ -4425,7 +4427,7 @@
         </p:nvSpPr>
         <p:spPr>
           <a:xfrm>
-            <a:off x="2009774" y="4108533"/>
+            <a:off x="1933574" y="4108533"/>
             <a:ext cx="2466976" cy="676275"/>
           </a:xfrm>
           <a:prstGeom prst="roundRect">
@@ -4501,7 +4503,7 @@
         <p:spPr>
           <a:xfrm>
             <a:off x="2590799" y="2182346"/>
-            <a:ext cx="7010400" cy="767393"/>
+            <a:ext cx="7010400" cy="923330"/>
           </a:xfrm>
           <a:prstGeom prst="roundRect">
             <a:avLst>
@@ -4575,7 +4577,7 @@
         </p:nvSpPr>
         <p:spPr>
           <a:xfrm>
-            <a:off x="7715250" y="4108532"/>
+            <a:off x="7781925" y="4108532"/>
             <a:ext cx="2466976" cy="676275"/>
           </a:xfrm>
           <a:prstGeom prst="roundRect">
@@ -4698,6 +4700,855 @@
     <p:extLst>
       <p:ext uri="{BB962C8B-B14F-4D97-AF65-F5344CB8AC3E}">
         <p14:creationId xmlns:p14="http://schemas.microsoft.com/office/powerpoint/2010/main" val="1997744263"/>
+      </p:ext>
+    </p:extLst>
+  </p:cSld>
+  <p:clrMapOvr>
+    <a:masterClrMapping/>
+  </p:clrMapOvr>
+</p:sld>
+</file>
+
+<file path=ppt/slides/slide3.xml><?xml version="1.0" encoding="utf-8"?>
+<p:sld xmlns:a="http://schemas.openxmlformats.org/drawingml/2006/main" xmlns:r="http://schemas.openxmlformats.org/officeDocument/2006/relationships" xmlns:p="http://schemas.openxmlformats.org/presentationml/2006/main">
+  <p:cSld>
+    <p:spTree>
+      <p:nvGrpSpPr>
+        <p:cNvPr id="1" name=""/>
+        <p:cNvGrpSpPr/>
+        <p:nvPr/>
+      </p:nvGrpSpPr>
+      <p:grpSpPr>
+        <a:xfrm>
+          <a:off x="0" y="0"/>
+          <a:ext cx="0" cy="0"/>
+          <a:chOff x="0" y="0"/>
+          <a:chExt cx="0" cy="0"/>
+        </a:xfrm>
+      </p:grpSpPr>
+      <p:sp>
+        <p:nvSpPr>
+          <p:cNvPr id="3" name="Sous-titre 2">
+            <a:extLst>
+              <a:ext uri="{FF2B5EF4-FFF2-40B4-BE49-F238E27FC236}">
+                <a16:creationId xmlns:a16="http://schemas.microsoft.com/office/drawing/2014/main" id="{2F1EE27C-78B4-4B33-99B3-A0AF4C9E45EA}"/>
+              </a:ext>
+            </a:extLst>
+          </p:cNvPr>
+          <p:cNvSpPr>
+            <a:spLocks noGrp="1"/>
+          </p:cNvSpPr>
+          <p:nvPr>
+            <p:ph type="subTitle" idx="1"/>
+          </p:nvPr>
+        </p:nvSpPr>
+        <p:spPr>
+          <a:xfrm>
+            <a:off x="1524000" y="6343649"/>
+            <a:ext cx="9144000" cy="371475"/>
+          </a:xfrm>
+        </p:spPr>
+        <p:txBody>
+          <a:bodyPr>
+            <a:normAutofit fontScale="92500" lnSpcReduction="10000"/>
+          </a:bodyPr>
+          <a:lstStyle/>
+          <a:p>
+            <a:r>
+              <a:rPr lang="fr-FR" dirty="0"/>
+              <a:t>Sélection d’un montant</a:t>
+            </a:r>
+          </a:p>
+        </p:txBody>
+      </p:sp>
+      <p:sp>
+        <p:nvSpPr>
+          <p:cNvPr id="4" name="Rectangle : coins arrondis 3">
+            <a:extLst>
+              <a:ext uri="{FF2B5EF4-FFF2-40B4-BE49-F238E27FC236}">
+                <a16:creationId xmlns:a16="http://schemas.microsoft.com/office/drawing/2014/main" id="{02FBE784-47C0-4031-9F81-3ECD86806F9C}"/>
+              </a:ext>
+            </a:extLst>
+          </p:cNvPr>
+          <p:cNvSpPr/>
+          <p:nvPr/>
+        </p:nvSpPr>
+        <p:spPr>
+          <a:xfrm>
+            <a:off x="1900237" y="311317"/>
+            <a:ext cx="8391525" cy="5632283"/>
+          </a:xfrm>
+          <a:prstGeom prst="roundRect">
+            <a:avLst>
+              <a:gd name="adj" fmla="val 1999"/>
+            </a:avLst>
+          </a:prstGeom>
+          <a:gradFill flip="none" rotWithShape="1">
+            <a:gsLst>
+              <a:gs pos="8000">
+                <a:schemeClr val="accent1"/>
+              </a:gs>
+              <a:gs pos="100000">
+                <a:schemeClr val="accent1">
+                  <a:lumMod val="40000"/>
+                  <a:lumOff val="60000"/>
+                </a:schemeClr>
+              </a:gs>
+            </a:gsLst>
+            <a:lin ang="16200000" scaled="1"/>
+            <a:tileRect/>
+          </a:gradFill>
+          <a:ln w="57150">
+            <a:solidFill>
+              <a:schemeClr val="tx1"/>
+            </a:solidFill>
+          </a:ln>
+          <a:effectLst>
+            <a:softEdge rad="0"/>
+          </a:effectLst>
+        </p:spPr>
+        <p:style>
+          <a:lnRef idx="2">
+            <a:schemeClr val="accent1">
+              <a:shade val="50000"/>
+            </a:schemeClr>
+          </a:lnRef>
+          <a:fillRef idx="1">
+            <a:schemeClr val="accent1"/>
+          </a:fillRef>
+          <a:effectRef idx="0">
+            <a:schemeClr val="accent1"/>
+          </a:effectRef>
+          <a:fontRef idx="minor">
+            <a:schemeClr val="lt1"/>
+          </a:fontRef>
+        </p:style>
+        <p:txBody>
+          <a:bodyPr rtlCol="0" anchor="ctr"/>
+          <a:lstStyle/>
+          <a:p>
+            <a:pPr algn="ctr"/>
+            <a:endParaRPr lang="fr-FR"/>
+          </a:p>
+        </p:txBody>
+      </p:sp>
+      <p:sp>
+        <p:nvSpPr>
+          <p:cNvPr id="15" name="Rectangle : coins arrondis 14">
+            <a:extLst>
+              <a:ext uri="{FF2B5EF4-FFF2-40B4-BE49-F238E27FC236}">
+                <a16:creationId xmlns:a16="http://schemas.microsoft.com/office/drawing/2014/main" id="{B5827BF7-218A-4332-BAF2-E92D4406F668}"/>
+              </a:ext>
+            </a:extLst>
+          </p:cNvPr>
+          <p:cNvSpPr/>
+          <p:nvPr/>
+        </p:nvSpPr>
+        <p:spPr>
+          <a:xfrm>
+            <a:off x="3138485" y="2036380"/>
+            <a:ext cx="5915025" cy="3246904"/>
+          </a:xfrm>
+          <a:prstGeom prst="roundRect">
+            <a:avLst>
+              <a:gd name="adj" fmla="val 3991"/>
+            </a:avLst>
+          </a:prstGeom>
+          <a:solidFill>
+            <a:schemeClr val="accent1">
+              <a:lumMod val="50000"/>
+            </a:schemeClr>
+          </a:solidFill>
+          <a:ln>
+            <a:noFill/>
+          </a:ln>
+          <a:effectLst/>
+          <a:scene3d>
+            <a:camera prst="orthographicFront">
+              <a:rot lat="0" lon="0" rev="0"/>
+            </a:camera>
+            <a:lightRig rig="glow" dir="t">
+              <a:rot lat="0" lon="0" rev="14100000"/>
+            </a:lightRig>
+          </a:scene3d>
+          <a:sp3d prstMaterial="softEdge">
+            <a:bevelT w="127000" prst="artDeco"/>
+          </a:sp3d>
+        </p:spPr>
+        <p:style>
+          <a:lnRef idx="2">
+            <a:schemeClr val="accent1">
+              <a:shade val="50000"/>
+            </a:schemeClr>
+          </a:lnRef>
+          <a:fillRef idx="1">
+            <a:schemeClr val="accent1"/>
+          </a:fillRef>
+          <a:effectRef idx="0">
+            <a:schemeClr val="accent1"/>
+          </a:effectRef>
+          <a:fontRef idx="minor">
+            <a:schemeClr val="lt1"/>
+          </a:fontRef>
+        </p:style>
+        <p:txBody>
+          <a:bodyPr rtlCol="0" anchor="ctr"/>
+          <a:lstStyle/>
+          <a:p>
+            <a:pPr algn="ctr"/>
+            <a:endParaRPr lang="fr-FR" sz="3600" dirty="0">
+              <a:solidFill>
+                <a:schemeClr val="bg1"/>
+              </a:solidFill>
+            </a:endParaRPr>
+          </a:p>
+        </p:txBody>
+      </p:sp>
+      <p:sp>
+        <p:nvSpPr>
+          <p:cNvPr id="2" name="Rectangle 1">
+            <a:extLst>
+              <a:ext uri="{FF2B5EF4-FFF2-40B4-BE49-F238E27FC236}">
+                <a16:creationId xmlns:a16="http://schemas.microsoft.com/office/drawing/2014/main" id="{EB383D13-68D1-45F3-9CA2-0B67015E2B37}"/>
+              </a:ext>
+            </a:extLst>
+          </p:cNvPr>
+          <p:cNvSpPr/>
+          <p:nvPr/>
+        </p:nvSpPr>
+        <p:spPr>
+          <a:xfrm>
+            <a:off x="2782655" y="452735"/>
+            <a:ext cx="6626687" cy="923330"/>
+          </a:xfrm>
+          <a:prstGeom prst="rect">
+            <a:avLst/>
+          </a:prstGeom>
+          <a:noFill/>
+        </p:spPr>
+        <p:txBody>
+          <a:bodyPr wrap="none" lIns="91440" tIns="45720" rIns="91440" bIns="45720">
+            <a:spAutoFit/>
+          </a:bodyPr>
+          <a:lstStyle/>
+          <a:p>
+            <a:pPr algn="ctr"/>
+            <a:r>
+              <a:rPr lang="fr-FR" sz="5400" b="1" dirty="0">
+                <a:ln w="9525">
+                  <a:solidFill>
+                    <a:schemeClr val="bg2">
+                      <a:lumMod val="50000"/>
+                    </a:schemeClr>
+                  </a:solidFill>
+                  <a:prstDash val="solid"/>
+                </a:ln>
+                <a:solidFill>
+                  <a:schemeClr val="accent4">
+                    <a:lumMod val="60000"/>
+                    <a:lumOff val="40000"/>
+                  </a:schemeClr>
+                </a:solidFill>
+                <a:effectLst>
+                  <a:outerShdw blurRad="12700" dist="38100" dir="2700000" algn="tl" rotWithShape="0">
+                    <a:schemeClr val="bg1">
+                      <a:lumMod val="50000"/>
+                    </a:schemeClr>
+                  </a:outerShdw>
+                </a:effectLst>
+              </a:rPr>
+              <a:t>-Unified Process Bank-</a:t>
+            </a:r>
+          </a:p>
+        </p:txBody>
+      </p:sp>
+      <p:pic>
+        <p:nvPicPr>
+          <p:cNvPr id="2052" name="Picture 4" descr="Image result for patientez png transaparent">
+            <a:extLst>
+              <a:ext uri="{FF2B5EF4-FFF2-40B4-BE49-F238E27FC236}">
+                <a16:creationId xmlns:a16="http://schemas.microsoft.com/office/drawing/2014/main" id="{A59060C5-22EF-4B76-A875-6B43D6330B9B}"/>
+              </a:ext>
+            </a:extLst>
+          </p:cNvPr>
+          <p:cNvPicPr>
+            <a:picLocks noChangeAspect="1" noChangeArrowheads="1"/>
+          </p:cNvPicPr>
+          <p:nvPr/>
+        </p:nvPicPr>
+        <p:blipFill>
+          <a:blip r:embed="rId2">
+            <a:duotone>
+              <a:schemeClr val="accent4">
+                <a:shade val="45000"/>
+                <a:satMod val="135000"/>
+              </a:schemeClr>
+              <a:prstClr val="white"/>
+            </a:duotone>
+            <a:extLst>
+              <a:ext uri="{28A0092B-C50C-407E-A947-70E740481C1C}">
+                <a14:useLocalDpi xmlns:a14="http://schemas.microsoft.com/office/drawing/2010/main" val="0"/>
+              </a:ext>
+            </a:extLst>
+          </a:blip>
+          <a:srcRect/>
+          <a:stretch>
+            <a:fillRect/>
+          </a:stretch>
+        </p:blipFill>
+        <p:spPr bwMode="auto">
+          <a:xfrm>
+            <a:off x="3542348" y="2590710"/>
+            <a:ext cx="1430655" cy="1430655"/>
+          </a:xfrm>
+          <a:prstGeom prst="rect">
+            <a:avLst/>
+          </a:prstGeom>
+          <a:noFill/>
+          <a:extLst>
+            <a:ext uri="{909E8E84-426E-40DD-AFC4-6F175D3DCCD1}">
+              <a14:hiddenFill xmlns:a14="http://schemas.microsoft.com/office/drawing/2010/main">
+                <a:solidFill>
+                  <a:srgbClr val="FFFFFF"/>
+                </a:solidFill>
+              </a14:hiddenFill>
+            </a:ext>
+          </a:extLst>
+        </p:spPr>
+      </p:pic>
+      <p:sp>
+        <p:nvSpPr>
+          <p:cNvPr id="8" name="ZoneTexte 7">
+            <a:extLst>
+              <a:ext uri="{FF2B5EF4-FFF2-40B4-BE49-F238E27FC236}">
+                <a16:creationId xmlns:a16="http://schemas.microsoft.com/office/drawing/2014/main" id="{E2B5A035-C00A-460D-A6D5-0B202A648BCC}"/>
+              </a:ext>
+            </a:extLst>
+          </p:cNvPr>
+          <p:cNvSpPr txBox="1"/>
+          <p:nvPr/>
+        </p:nvSpPr>
+        <p:spPr>
+          <a:xfrm>
+            <a:off x="5355906" y="2466453"/>
+            <a:ext cx="3314700" cy="1569660"/>
+          </a:xfrm>
+          <a:prstGeom prst="rect">
+            <a:avLst/>
+          </a:prstGeom>
+          <a:noFill/>
+        </p:spPr>
+        <p:txBody>
+          <a:bodyPr wrap="square" rtlCol="0">
+            <a:spAutoFit/>
+          </a:bodyPr>
+          <a:lstStyle/>
+          <a:p>
+            <a:r>
+              <a:rPr lang="fr-FR" sz="4800" b="1" dirty="0">
+                <a:solidFill>
+                  <a:schemeClr val="bg1"/>
+                </a:solidFill>
+              </a:rPr>
+              <a:t>Veuillez patienter…</a:t>
+            </a:r>
+          </a:p>
+        </p:txBody>
+      </p:sp>
+      <p:sp>
+        <p:nvSpPr>
+          <p:cNvPr id="13" name="ZoneTexte 12">
+            <a:extLst>
+              <a:ext uri="{FF2B5EF4-FFF2-40B4-BE49-F238E27FC236}">
+                <a16:creationId xmlns:a16="http://schemas.microsoft.com/office/drawing/2014/main" id="{3806FF0C-BF60-400C-A04A-B7908A74E2B6}"/>
+              </a:ext>
+            </a:extLst>
+          </p:cNvPr>
+          <p:cNvSpPr txBox="1"/>
+          <p:nvPr/>
+        </p:nvSpPr>
+        <p:spPr>
+          <a:xfrm>
+            <a:off x="3531868" y="4312337"/>
+            <a:ext cx="5128258" cy="523220"/>
+          </a:xfrm>
+          <a:prstGeom prst="rect">
+            <a:avLst/>
+          </a:prstGeom>
+          <a:noFill/>
+        </p:spPr>
+        <p:txBody>
+          <a:bodyPr wrap="square" rtlCol="0">
+            <a:spAutoFit/>
+          </a:bodyPr>
+          <a:lstStyle/>
+          <a:p>
+            <a:pPr algn="ctr"/>
+            <a:r>
+              <a:rPr lang="fr-FR" sz="2800" b="1" dirty="0">
+                <a:solidFill>
+                  <a:schemeClr val="bg1"/>
+                </a:solidFill>
+              </a:rPr>
+              <a:t>Nous traitons votre opération </a:t>
+            </a:r>
+          </a:p>
+        </p:txBody>
+      </p:sp>
+    </p:spTree>
+    <p:extLst>
+      <p:ext uri="{BB962C8B-B14F-4D97-AF65-F5344CB8AC3E}">
+        <p14:creationId xmlns:p14="http://schemas.microsoft.com/office/powerpoint/2010/main" val="4107451318"/>
+      </p:ext>
+    </p:extLst>
+  </p:cSld>
+  <p:clrMapOvr>
+    <a:masterClrMapping/>
+  </p:clrMapOvr>
+</p:sld>
+</file>
+
+<file path=ppt/slides/slide4.xml><?xml version="1.0" encoding="utf-8"?>
+<p:sld xmlns:a="http://schemas.openxmlformats.org/drawingml/2006/main" xmlns:r="http://schemas.openxmlformats.org/officeDocument/2006/relationships" xmlns:p="http://schemas.openxmlformats.org/presentationml/2006/main">
+  <p:cSld>
+    <p:spTree>
+      <p:nvGrpSpPr>
+        <p:cNvPr id="1" name=""/>
+        <p:cNvGrpSpPr/>
+        <p:nvPr/>
+      </p:nvGrpSpPr>
+      <p:grpSpPr>
+        <a:xfrm>
+          <a:off x="0" y="0"/>
+          <a:ext cx="0" cy="0"/>
+          <a:chOff x="0" y="0"/>
+          <a:chExt cx="0" cy="0"/>
+        </a:xfrm>
+      </p:grpSpPr>
+      <p:sp>
+        <p:nvSpPr>
+          <p:cNvPr id="3" name="Sous-titre 2">
+            <a:extLst>
+              <a:ext uri="{FF2B5EF4-FFF2-40B4-BE49-F238E27FC236}">
+                <a16:creationId xmlns:a16="http://schemas.microsoft.com/office/drawing/2014/main" id="{2F1EE27C-78B4-4B33-99B3-A0AF4C9E45EA}"/>
+              </a:ext>
+            </a:extLst>
+          </p:cNvPr>
+          <p:cNvSpPr>
+            <a:spLocks noGrp="1"/>
+          </p:cNvSpPr>
+          <p:nvPr>
+            <p:ph type="subTitle" idx="1"/>
+          </p:nvPr>
+        </p:nvSpPr>
+        <p:spPr>
+          <a:xfrm>
+            <a:off x="1524000" y="6343649"/>
+            <a:ext cx="9144000" cy="371475"/>
+          </a:xfrm>
+        </p:spPr>
+        <p:txBody>
+          <a:bodyPr>
+            <a:normAutofit fontScale="92500" lnSpcReduction="10000"/>
+          </a:bodyPr>
+          <a:lstStyle/>
+          <a:p>
+            <a:r>
+              <a:rPr lang="fr-FR" dirty="0"/>
+              <a:t>Sélection d’un montant</a:t>
+            </a:r>
+          </a:p>
+        </p:txBody>
+      </p:sp>
+      <p:sp>
+        <p:nvSpPr>
+          <p:cNvPr id="4" name="Rectangle : coins arrondis 3">
+            <a:extLst>
+              <a:ext uri="{FF2B5EF4-FFF2-40B4-BE49-F238E27FC236}">
+                <a16:creationId xmlns:a16="http://schemas.microsoft.com/office/drawing/2014/main" id="{02FBE784-47C0-4031-9F81-3ECD86806F9C}"/>
+              </a:ext>
+            </a:extLst>
+          </p:cNvPr>
+          <p:cNvSpPr/>
+          <p:nvPr/>
+        </p:nvSpPr>
+        <p:spPr>
+          <a:xfrm>
+            <a:off x="1900237" y="311317"/>
+            <a:ext cx="8391525" cy="5632283"/>
+          </a:xfrm>
+          <a:prstGeom prst="roundRect">
+            <a:avLst>
+              <a:gd name="adj" fmla="val 1999"/>
+            </a:avLst>
+          </a:prstGeom>
+          <a:gradFill flip="none" rotWithShape="1">
+            <a:gsLst>
+              <a:gs pos="8000">
+                <a:schemeClr val="accent1"/>
+              </a:gs>
+              <a:gs pos="100000">
+                <a:schemeClr val="accent1">
+                  <a:lumMod val="40000"/>
+                  <a:lumOff val="60000"/>
+                </a:schemeClr>
+              </a:gs>
+            </a:gsLst>
+            <a:lin ang="16200000" scaled="1"/>
+            <a:tileRect/>
+          </a:gradFill>
+          <a:ln w="57150">
+            <a:solidFill>
+              <a:schemeClr val="tx1"/>
+            </a:solidFill>
+          </a:ln>
+          <a:effectLst>
+            <a:softEdge rad="0"/>
+          </a:effectLst>
+        </p:spPr>
+        <p:style>
+          <a:lnRef idx="2">
+            <a:schemeClr val="accent1">
+              <a:shade val="50000"/>
+            </a:schemeClr>
+          </a:lnRef>
+          <a:fillRef idx="1">
+            <a:schemeClr val="accent1"/>
+          </a:fillRef>
+          <a:effectRef idx="0">
+            <a:schemeClr val="accent1"/>
+          </a:effectRef>
+          <a:fontRef idx="minor">
+            <a:schemeClr val="lt1"/>
+          </a:fontRef>
+        </p:style>
+        <p:txBody>
+          <a:bodyPr rtlCol="0" anchor="ctr"/>
+          <a:lstStyle/>
+          <a:p>
+            <a:pPr algn="ctr"/>
+            <a:endParaRPr lang="fr-FR"/>
+          </a:p>
+        </p:txBody>
+      </p:sp>
+      <p:sp>
+        <p:nvSpPr>
+          <p:cNvPr id="15" name="Rectangle : coins arrondis 14">
+            <a:extLst>
+              <a:ext uri="{FF2B5EF4-FFF2-40B4-BE49-F238E27FC236}">
+                <a16:creationId xmlns:a16="http://schemas.microsoft.com/office/drawing/2014/main" id="{B5827BF7-218A-4332-BAF2-E92D4406F668}"/>
+              </a:ext>
+            </a:extLst>
+          </p:cNvPr>
+          <p:cNvSpPr/>
+          <p:nvPr/>
+        </p:nvSpPr>
+        <p:spPr>
+          <a:xfrm>
+            <a:off x="2582228" y="2155486"/>
+            <a:ext cx="3314701" cy="3246904"/>
+          </a:xfrm>
+          <a:prstGeom prst="roundRect">
+            <a:avLst>
+              <a:gd name="adj" fmla="val 3991"/>
+            </a:avLst>
+          </a:prstGeom>
+          <a:solidFill>
+            <a:schemeClr val="accent1">
+              <a:lumMod val="50000"/>
+            </a:schemeClr>
+          </a:solidFill>
+          <a:ln>
+            <a:noFill/>
+          </a:ln>
+          <a:effectLst/>
+          <a:scene3d>
+            <a:camera prst="orthographicFront">
+              <a:rot lat="0" lon="0" rev="0"/>
+            </a:camera>
+            <a:lightRig rig="glow" dir="t">
+              <a:rot lat="0" lon="0" rev="14100000"/>
+            </a:lightRig>
+          </a:scene3d>
+          <a:sp3d prstMaterial="softEdge">
+            <a:bevelT w="127000" prst="artDeco"/>
+          </a:sp3d>
+        </p:spPr>
+        <p:style>
+          <a:lnRef idx="2">
+            <a:schemeClr val="accent1">
+              <a:shade val="50000"/>
+            </a:schemeClr>
+          </a:lnRef>
+          <a:fillRef idx="1">
+            <a:schemeClr val="accent1"/>
+          </a:fillRef>
+          <a:effectRef idx="0">
+            <a:schemeClr val="accent1"/>
+          </a:effectRef>
+          <a:fontRef idx="minor">
+            <a:schemeClr val="lt1"/>
+          </a:fontRef>
+        </p:style>
+        <p:txBody>
+          <a:bodyPr rtlCol="0" anchor="ctr"/>
+          <a:lstStyle/>
+          <a:p>
+            <a:pPr algn="ctr"/>
+            <a:endParaRPr lang="fr-FR" sz="3600" dirty="0">
+              <a:solidFill>
+                <a:schemeClr val="bg1"/>
+              </a:solidFill>
+            </a:endParaRPr>
+          </a:p>
+        </p:txBody>
+      </p:sp>
+      <p:sp>
+        <p:nvSpPr>
+          <p:cNvPr id="2" name="Rectangle 1">
+            <a:extLst>
+              <a:ext uri="{FF2B5EF4-FFF2-40B4-BE49-F238E27FC236}">
+                <a16:creationId xmlns:a16="http://schemas.microsoft.com/office/drawing/2014/main" id="{EB383D13-68D1-45F3-9CA2-0B67015E2B37}"/>
+              </a:ext>
+            </a:extLst>
+          </p:cNvPr>
+          <p:cNvSpPr/>
+          <p:nvPr/>
+        </p:nvSpPr>
+        <p:spPr>
+          <a:xfrm>
+            <a:off x="2782655" y="452735"/>
+            <a:ext cx="6626687" cy="923330"/>
+          </a:xfrm>
+          <a:prstGeom prst="rect">
+            <a:avLst/>
+          </a:prstGeom>
+          <a:noFill/>
+        </p:spPr>
+        <p:txBody>
+          <a:bodyPr wrap="none" lIns="91440" tIns="45720" rIns="91440" bIns="45720">
+            <a:spAutoFit/>
+          </a:bodyPr>
+          <a:lstStyle/>
+          <a:p>
+            <a:pPr algn="ctr"/>
+            <a:r>
+              <a:rPr lang="fr-FR" sz="5400" b="1" dirty="0">
+                <a:ln w="9525">
+                  <a:solidFill>
+                    <a:schemeClr val="bg2">
+                      <a:lumMod val="50000"/>
+                    </a:schemeClr>
+                  </a:solidFill>
+                  <a:prstDash val="solid"/>
+                </a:ln>
+                <a:solidFill>
+                  <a:schemeClr val="accent4">
+                    <a:lumMod val="60000"/>
+                    <a:lumOff val="40000"/>
+                  </a:schemeClr>
+                </a:solidFill>
+                <a:effectLst>
+                  <a:outerShdw blurRad="12700" dist="38100" dir="2700000" algn="tl" rotWithShape="0">
+                    <a:schemeClr val="bg1">
+                      <a:lumMod val="50000"/>
+                    </a:schemeClr>
+                  </a:outerShdw>
+                </a:effectLst>
+              </a:rPr>
+              <a:t>-Unified Process Bank-</a:t>
+            </a:r>
+          </a:p>
+        </p:txBody>
+      </p:sp>
+      <p:sp>
+        <p:nvSpPr>
+          <p:cNvPr id="8" name="ZoneTexte 7">
+            <a:extLst>
+              <a:ext uri="{FF2B5EF4-FFF2-40B4-BE49-F238E27FC236}">
+                <a16:creationId xmlns:a16="http://schemas.microsoft.com/office/drawing/2014/main" id="{E2B5A035-C00A-460D-A6D5-0B202A648BCC}"/>
+              </a:ext>
+            </a:extLst>
+          </p:cNvPr>
+          <p:cNvSpPr txBox="1"/>
+          <p:nvPr/>
+        </p:nvSpPr>
+        <p:spPr>
+          <a:xfrm>
+            <a:off x="2702242" y="2994108"/>
+            <a:ext cx="3314700" cy="1569660"/>
+          </a:xfrm>
+          <a:prstGeom prst="rect">
+            <a:avLst/>
+          </a:prstGeom>
+          <a:noFill/>
+        </p:spPr>
+        <p:txBody>
+          <a:bodyPr wrap="square" rtlCol="0">
+            <a:spAutoFit/>
+          </a:bodyPr>
+          <a:lstStyle/>
+          <a:p>
+            <a:r>
+              <a:rPr lang="fr-FR" sz="4800" b="1" dirty="0">
+                <a:solidFill>
+                  <a:schemeClr val="bg1"/>
+                </a:solidFill>
+              </a:rPr>
+              <a:t>Reprenez</a:t>
+            </a:r>
+          </a:p>
+          <a:p>
+            <a:r>
+              <a:rPr lang="fr-FR" sz="4800" b="1" dirty="0">
+                <a:solidFill>
+                  <a:schemeClr val="bg1"/>
+                </a:solidFill>
+              </a:rPr>
+              <a:t>votre carte</a:t>
+            </a:r>
+          </a:p>
+        </p:txBody>
+      </p:sp>
+      <p:sp>
+        <p:nvSpPr>
+          <p:cNvPr id="12" name="Rectangle : coins arrondis 11">
+            <a:extLst>
+              <a:ext uri="{FF2B5EF4-FFF2-40B4-BE49-F238E27FC236}">
+                <a16:creationId xmlns:a16="http://schemas.microsoft.com/office/drawing/2014/main" id="{63338D1B-EEE7-41C8-B948-FCD4C379E42F}"/>
+              </a:ext>
+            </a:extLst>
+          </p:cNvPr>
+          <p:cNvSpPr/>
+          <p:nvPr/>
+        </p:nvSpPr>
+        <p:spPr>
+          <a:xfrm>
+            <a:off x="6295073" y="2155486"/>
+            <a:ext cx="3314701" cy="3246904"/>
+          </a:xfrm>
+          <a:prstGeom prst="roundRect">
+            <a:avLst>
+              <a:gd name="adj" fmla="val 3991"/>
+            </a:avLst>
+          </a:prstGeom>
+          <a:solidFill>
+            <a:schemeClr val="accent1">
+              <a:lumMod val="50000"/>
+            </a:schemeClr>
+          </a:solidFill>
+          <a:ln>
+            <a:noFill/>
+          </a:ln>
+          <a:effectLst/>
+          <a:scene3d>
+            <a:camera prst="orthographicFront">
+              <a:rot lat="0" lon="0" rev="0"/>
+            </a:camera>
+            <a:lightRig rig="glow" dir="t">
+              <a:rot lat="0" lon="0" rev="14100000"/>
+            </a:lightRig>
+          </a:scene3d>
+          <a:sp3d prstMaterial="softEdge">
+            <a:bevelT w="127000" prst="artDeco"/>
+          </a:sp3d>
+        </p:spPr>
+        <p:style>
+          <a:lnRef idx="2">
+            <a:schemeClr val="accent1">
+              <a:shade val="50000"/>
+            </a:schemeClr>
+          </a:lnRef>
+          <a:fillRef idx="1">
+            <a:schemeClr val="accent1"/>
+          </a:fillRef>
+          <a:effectRef idx="0">
+            <a:schemeClr val="accent1"/>
+          </a:effectRef>
+          <a:fontRef idx="minor">
+            <a:schemeClr val="lt1"/>
+          </a:fontRef>
+        </p:style>
+        <p:txBody>
+          <a:bodyPr rtlCol="0" anchor="ctr"/>
+          <a:lstStyle/>
+          <a:p>
+            <a:pPr algn="ctr"/>
+            <a:endParaRPr lang="fr-FR" sz="3600" dirty="0">
+              <a:solidFill>
+                <a:schemeClr val="bg1"/>
+              </a:solidFill>
+            </a:endParaRPr>
+          </a:p>
+        </p:txBody>
+      </p:sp>
+      <p:pic>
+        <p:nvPicPr>
+          <p:cNvPr id="4100" name="Picture 4" descr="Image result for take card">
+            <a:extLst>
+              <a:ext uri="{FF2B5EF4-FFF2-40B4-BE49-F238E27FC236}">
+                <a16:creationId xmlns:a16="http://schemas.microsoft.com/office/drawing/2014/main" id="{895FB45E-7982-44A7-9C6E-8A8F83504B41}"/>
+              </a:ext>
+            </a:extLst>
+          </p:cNvPr>
+          <p:cNvPicPr>
+            <a:picLocks noChangeAspect="1" noChangeArrowheads="1"/>
+          </p:cNvPicPr>
+          <p:nvPr/>
+        </p:nvPicPr>
+        <p:blipFill>
+          <a:blip r:embed="rId2">
+            <a:duotone>
+              <a:schemeClr val="accent4">
+                <a:shade val="45000"/>
+                <a:satMod val="135000"/>
+              </a:schemeClr>
+              <a:prstClr val="white"/>
+            </a:duotone>
+            <a:extLst>
+              <a:ext uri="{BEBA8EAE-BF5A-486C-A8C5-ECC9F3942E4B}">
+                <a14:imgProps xmlns:a14="http://schemas.microsoft.com/office/drawing/2010/main">
+                  <a14:imgLayer r:embed="rId3">
+                    <a14:imgEffect>
+                      <a14:artisticCrisscrossEtching/>
+                    </a14:imgEffect>
+                  </a14:imgLayer>
+                </a14:imgProps>
+              </a:ext>
+              <a:ext uri="{28A0092B-C50C-407E-A947-70E740481C1C}">
+                <a14:useLocalDpi xmlns:a14="http://schemas.microsoft.com/office/drawing/2010/main" val="0"/>
+              </a:ext>
+            </a:extLst>
+          </a:blip>
+          <a:srcRect/>
+          <a:stretch>
+            <a:fillRect/>
+          </a:stretch>
+        </p:blipFill>
+        <p:spPr bwMode="auto">
+          <a:xfrm>
+            <a:off x="6658929" y="2485444"/>
+            <a:ext cx="2586987" cy="2586987"/>
+          </a:xfrm>
+          <a:prstGeom prst="rect">
+            <a:avLst/>
+          </a:prstGeom>
+          <a:noFill/>
+          <a:extLst>
+            <a:ext uri="{909E8E84-426E-40DD-AFC4-6F175D3DCCD1}">
+              <a14:hiddenFill xmlns:a14="http://schemas.microsoft.com/office/drawing/2010/main">
+                <a:solidFill>
+                  <a:srgbClr val="FFFFFF"/>
+                </a:solidFill>
+              </a14:hiddenFill>
+            </a:ext>
+          </a:extLst>
+        </p:spPr>
+      </p:pic>
+    </p:spTree>
+    <p:extLst>
+      <p:ext uri="{BB962C8B-B14F-4D97-AF65-F5344CB8AC3E}">
+        <p14:creationId xmlns:p14="http://schemas.microsoft.com/office/powerpoint/2010/main" val="1936647027"/>
       </p:ext>
     </p:extLst>
   </p:cSld>

--- a/GAB/Version-aurelien/IHM-aurelien.pptx
+++ b/GAB/Version-aurelien/IHM-aurelien.pptx
@@ -5245,8 +5245,8 @@
         </p:nvSpPr>
         <p:spPr>
           <a:xfrm>
-            <a:off x="2582228" y="2155486"/>
-            <a:ext cx="3314701" cy="3246904"/>
+            <a:off x="2682441" y="2036380"/>
+            <a:ext cx="6827114" cy="3246904"/>
           </a:xfrm>
           <a:prstGeom prst="roundRect">
             <a:avLst>
@@ -5361,190 +5361,139 @@
           </a:p>
         </p:txBody>
       </p:sp>
-      <p:sp>
-        <p:nvSpPr>
-          <p:cNvPr id="8" name="ZoneTexte 7">
-            <a:extLst>
-              <a:ext uri="{FF2B5EF4-FFF2-40B4-BE49-F238E27FC236}">
-                <a16:creationId xmlns:a16="http://schemas.microsoft.com/office/drawing/2014/main" id="{E2B5A035-C00A-460D-A6D5-0B202A648BCC}"/>
-              </a:ext>
-            </a:extLst>
-          </p:cNvPr>
-          <p:cNvSpPr txBox="1"/>
+      <p:grpSp>
+        <p:nvGrpSpPr>
+          <p:cNvPr id="5" name="Groupe 4">
+            <a:extLst>
+              <a:ext uri="{FF2B5EF4-FFF2-40B4-BE49-F238E27FC236}">
+                <a16:creationId xmlns:a16="http://schemas.microsoft.com/office/drawing/2014/main" id="{FFBF72D0-BCAA-4E63-A043-4195266A7820}"/>
+              </a:ext>
+            </a:extLst>
+          </p:cNvPr>
+          <p:cNvGrpSpPr/>
           <p:nvPr/>
-        </p:nvSpPr>
-        <p:spPr>
+        </p:nvGrpSpPr>
+        <p:grpSpPr>
           <a:xfrm>
-            <a:off x="2702242" y="2994108"/>
-            <a:ext cx="3314700" cy="1569660"/>
+            <a:off x="3023641" y="2485442"/>
+            <a:ext cx="6002454" cy="2586987"/>
+            <a:chOff x="3023641" y="2485442"/>
+            <a:chExt cx="6002454" cy="2586987"/>
           </a:xfrm>
-          <a:prstGeom prst="rect">
-            <a:avLst/>
-          </a:prstGeom>
-          <a:noFill/>
-        </p:spPr>
-        <p:txBody>
-          <a:bodyPr wrap="square" rtlCol="0">
-            <a:spAutoFit/>
-          </a:bodyPr>
-          <a:lstStyle/>
-          <a:p>
-            <a:r>
-              <a:rPr lang="fr-FR" sz="4800" b="1" dirty="0">
-                <a:solidFill>
-                  <a:schemeClr val="bg1"/>
-                </a:solidFill>
-              </a:rPr>
-              <a:t>Reprenez</a:t>
-            </a:r>
-          </a:p>
-          <a:p>
-            <a:r>
-              <a:rPr lang="fr-FR" sz="4800" b="1" dirty="0">
-                <a:solidFill>
-                  <a:schemeClr val="bg1"/>
-                </a:solidFill>
-              </a:rPr>
-              <a:t>votre carte</a:t>
-            </a:r>
-          </a:p>
-        </p:txBody>
-      </p:sp>
-      <p:sp>
-        <p:nvSpPr>
-          <p:cNvPr id="12" name="Rectangle : coins arrondis 11">
-            <a:extLst>
-              <a:ext uri="{FF2B5EF4-FFF2-40B4-BE49-F238E27FC236}">
-                <a16:creationId xmlns:a16="http://schemas.microsoft.com/office/drawing/2014/main" id="{63338D1B-EEE7-41C8-B948-FCD4C379E42F}"/>
-              </a:ext>
-            </a:extLst>
-          </p:cNvPr>
-          <p:cNvSpPr/>
-          <p:nvPr/>
-        </p:nvSpPr>
-        <p:spPr>
-          <a:xfrm>
-            <a:off x="6295073" y="2155486"/>
-            <a:ext cx="3314701" cy="3246904"/>
-          </a:xfrm>
-          <a:prstGeom prst="roundRect">
-            <a:avLst>
-              <a:gd name="adj" fmla="val 3991"/>
-            </a:avLst>
-          </a:prstGeom>
-          <a:solidFill>
-            <a:schemeClr val="accent1">
-              <a:lumMod val="50000"/>
-            </a:schemeClr>
-          </a:solidFill>
-          <a:ln>
+        </p:grpSpPr>
+        <p:sp>
+          <p:nvSpPr>
+            <p:cNvPr id="8" name="ZoneTexte 7">
+              <a:extLst>
+                <a:ext uri="{FF2B5EF4-FFF2-40B4-BE49-F238E27FC236}">
+                  <a16:creationId xmlns:a16="http://schemas.microsoft.com/office/drawing/2014/main" id="{E2B5A035-C00A-460D-A6D5-0B202A648BCC}"/>
+                </a:ext>
+              </a:extLst>
+            </p:cNvPr>
+            <p:cNvSpPr txBox="1"/>
+            <p:nvPr/>
+          </p:nvSpPr>
+          <p:spPr>
+            <a:xfrm>
+              <a:off x="3023641" y="2994106"/>
+              <a:ext cx="3074267" cy="1569660"/>
+            </a:xfrm>
+            <a:prstGeom prst="rect">
+              <a:avLst/>
+            </a:prstGeom>
             <a:noFill/>
-          </a:ln>
-          <a:effectLst/>
-          <a:scene3d>
-            <a:camera prst="orthographicFront">
-              <a:rot lat="0" lon="0" rev="0"/>
-            </a:camera>
-            <a:lightRig rig="glow" dir="t">
-              <a:rot lat="0" lon="0" rev="14100000"/>
-            </a:lightRig>
-          </a:scene3d>
-          <a:sp3d prstMaterial="softEdge">
-            <a:bevelT w="127000" prst="artDeco"/>
-          </a:sp3d>
-        </p:spPr>
-        <p:style>
-          <a:lnRef idx="2">
-            <a:schemeClr val="accent1">
-              <a:shade val="50000"/>
-            </a:schemeClr>
-          </a:lnRef>
-          <a:fillRef idx="1">
-            <a:schemeClr val="accent1"/>
-          </a:fillRef>
-          <a:effectRef idx="0">
-            <a:schemeClr val="accent1"/>
-          </a:effectRef>
-          <a:fontRef idx="minor">
-            <a:schemeClr val="lt1"/>
-          </a:fontRef>
-        </p:style>
-        <p:txBody>
-          <a:bodyPr rtlCol="0" anchor="ctr"/>
-          <a:lstStyle/>
-          <a:p>
-            <a:pPr algn="ctr"/>
-            <a:endParaRPr lang="fr-FR" sz="3600" dirty="0">
-              <a:solidFill>
-                <a:schemeClr val="bg1"/>
-              </a:solidFill>
-            </a:endParaRPr>
-          </a:p>
-        </p:txBody>
-      </p:sp>
-      <p:pic>
-        <p:nvPicPr>
-          <p:cNvPr id="4100" name="Picture 4" descr="Image result for take card">
-            <a:extLst>
-              <a:ext uri="{FF2B5EF4-FFF2-40B4-BE49-F238E27FC236}">
-                <a16:creationId xmlns:a16="http://schemas.microsoft.com/office/drawing/2014/main" id="{895FB45E-7982-44A7-9C6E-8A8F83504B41}"/>
-              </a:ext>
-            </a:extLst>
-          </p:cNvPr>
-          <p:cNvPicPr>
-            <a:picLocks noChangeAspect="1" noChangeArrowheads="1"/>
-          </p:cNvPicPr>
-          <p:nvPr/>
-        </p:nvPicPr>
-        <p:blipFill>
-          <a:blip r:embed="rId2">
-            <a:duotone>
-              <a:schemeClr val="accent4">
-                <a:shade val="45000"/>
-                <a:satMod val="135000"/>
-              </a:schemeClr>
-              <a:prstClr val="white"/>
-            </a:duotone>
-            <a:extLst>
-              <a:ext uri="{BEBA8EAE-BF5A-486C-A8C5-ECC9F3942E4B}">
-                <a14:imgProps xmlns:a14="http://schemas.microsoft.com/office/drawing/2010/main">
-                  <a14:imgLayer r:embed="rId3">
-                    <a14:imgEffect>
-                      <a14:artisticCrisscrossEtching/>
-                    </a14:imgEffect>
-                  </a14:imgLayer>
-                </a14:imgProps>
-              </a:ext>
-              <a:ext uri="{28A0092B-C50C-407E-A947-70E740481C1C}">
-                <a14:useLocalDpi xmlns:a14="http://schemas.microsoft.com/office/drawing/2010/main" val="0"/>
-              </a:ext>
-            </a:extLst>
-          </a:blip>
-          <a:srcRect/>
-          <a:stretch>
-            <a:fillRect/>
-          </a:stretch>
-        </p:blipFill>
-        <p:spPr bwMode="auto">
-          <a:xfrm>
-            <a:off x="6658929" y="2485444"/>
-            <a:ext cx="2586987" cy="2586987"/>
-          </a:xfrm>
-          <a:prstGeom prst="rect">
-            <a:avLst/>
-          </a:prstGeom>
-          <a:noFill/>
-          <a:extLst>
-            <a:ext uri="{909E8E84-426E-40DD-AFC4-6F175D3DCCD1}">
-              <a14:hiddenFill xmlns:a14="http://schemas.microsoft.com/office/drawing/2010/main">
-                <a:solidFill>
-                  <a:srgbClr val="FFFFFF"/>
-                </a:solidFill>
-              </a14:hiddenFill>
-            </a:ext>
-          </a:extLst>
-        </p:spPr>
-      </p:pic>
+          </p:spPr>
+          <p:txBody>
+            <a:bodyPr wrap="square" rtlCol="0">
+              <a:spAutoFit/>
+            </a:bodyPr>
+            <a:lstStyle/>
+            <a:p>
+              <a:r>
+                <a:rPr lang="fr-FR" sz="4800" b="1" dirty="0">
+                  <a:solidFill>
+                    <a:schemeClr val="bg1"/>
+                  </a:solidFill>
+                </a:rPr>
+                <a:t>Reprenez</a:t>
+              </a:r>
+            </a:p>
+            <a:p>
+              <a:r>
+                <a:rPr lang="fr-FR" sz="4800" b="1" dirty="0">
+                  <a:solidFill>
+                    <a:schemeClr val="bg1"/>
+                  </a:solidFill>
+                </a:rPr>
+                <a:t>votre carte</a:t>
+              </a:r>
+            </a:p>
+          </p:txBody>
+        </p:sp>
+        <p:pic>
+          <p:nvPicPr>
+            <p:cNvPr id="4100" name="Picture 4" descr="Image result for take card">
+              <a:extLst>
+                <a:ext uri="{FF2B5EF4-FFF2-40B4-BE49-F238E27FC236}">
+                  <a16:creationId xmlns:a16="http://schemas.microsoft.com/office/drawing/2014/main" id="{895FB45E-7982-44A7-9C6E-8A8F83504B41}"/>
+                </a:ext>
+              </a:extLst>
+            </p:cNvPr>
+            <p:cNvPicPr>
+              <a:picLocks noChangeAspect="1" noChangeArrowheads="1"/>
+            </p:cNvPicPr>
+            <p:nvPr/>
+          </p:nvPicPr>
+          <p:blipFill>
+            <a:blip r:embed="rId2">
+              <a:duotone>
+                <a:schemeClr val="accent4">
+                  <a:shade val="45000"/>
+                  <a:satMod val="135000"/>
+                </a:schemeClr>
+                <a:prstClr val="white"/>
+              </a:duotone>
+              <a:extLst>
+                <a:ext uri="{BEBA8EAE-BF5A-486C-A8C5-ECC9F3942E4B}">
+                  <a14:imgProps xmlns:a14="http://schemas.microsoft.com/office/drawing/2010/main">
+                    <a14:imgLayer r:embed="rId3">
+                      <a14:imgEffect>
+                        <a14:artisticCrisscrossEtching/>
+                      </a14:imgEffect>
+                    </a14:imgLayer>
+                  </a14:imgProps>
+                </a:ext>
+                <a:ext uri="{28A0092B-C50C-407E-A947-70E740481C1C}">
+                  <a14:useLocalDpi xmlns:a14="http://schemas.microsoft.com/office/drawing/2010/main" val="0"/>
+                </a:ext>
+              </a:extLst>
+            </a:blip>
+            <a:srcRect/>
+            <a:stretch>
+              <a:fillRect/>
+            </a:stretch>
+          </p:blipFill>
+          <p:spPr bwMode="auto">
+            <a:xfrm>
+              <a:off x="6439108" y="2485442"/>
+              <a:ext cx="2586987" cy="2586987"/>
+            </a:xfrm>
+            <a:prstGeom prst="rect">
+              <a:avLst/>
+            </a:prstGeom>
+            <a:noFill/>
+            <a:extLst>
+              <a:ext uri="{909E8E84-426E-40DD-AFC4-6F175D3DCCD1}">
+                <a14:hiddenFill xmlns:a14="http://schemas.microsoft.com/office/drawing/2010/main">
+                  <a:solidFill>
+                    <a:srgbClr val="FFFFFF"/>
+                  </a:solidFill>
+                </a14:hiddenFill>
+              </a:ext>
+            </a:extLst>
+          </p:spPr>
+        </p:pic>
+      </p:grpSp>
     </p:spTree>
     <p:extLst>
       <p:ext uri="{BB962C8B-B14F-4D97-AF65-F5344CB8AC3E}">

--- a/GAB/Version-aurelien/IHM-aurelien.pptx
+++ b/GAB/Version-aurelien/IHM-aurelien.pptx
@@ -6,9 +6,11 @@
   </p:sldMasterIdLst>
   <p:sldIdLst>
     <p:sldId id="256" r:id="rId2"/>
-    <p:sldId id="257" r:id="rId3"/>
-    <p:sldId id="258" r:id="rId4"/>
-    <p:sldId id="259" r:id="rId5"/>
+    <p:sldId id="261" r:id="rId3"/>
+    <p:sldId id="260" r:id="rId4"/>
+    <p:sldId id="257" r:id="rId5"/>
+    <p:sldId id="258" r:id="rId6"/>
+    <p:sldId id="259" r:id="rId7"/>
   </p:sldIdLst>
   <p:sldSz cx="12192000" cy="6858000"/>
   <p:notesSz cx="6858000" cy="9144000"/>
@@ -4309,41 +4311,6 @@
       </p:grpSpPr>
       <p:sp>
         <p:nvSpPr>
-          <p:cNvPr id="3" name="Sous-titre 2">
-            <a:extLst>
-              <a:ext uri="{FF2B5EF4-FFF2-40B4-BE49-F238E27FC236}">
-                <a16:creationId xmlns:a16="http://schemas.microsoft.com/office/drawing/2014/main" id="{2F1EE27C-78B4-4B33-99B3-A0AF4C9E45EA}"/>
-              </a:ext>
-            </a:extLst>
-          </p:cNvPr>
-          <p:cNvSpPr>
-            <a:spLocks noGrp="1"/>
-          </p:cNvSpPr>
-          <p:nvPr>
-            <p:ph type="subTitle" idx="1"/>
-          </p:nvPr>
-        </p:nvSpPr>
-        <p:spPr>
-          <a:xfrm>
-            <a:off x="1524000" y="6343649"/>
-            <a:ext cx="9144000" cy="371475"/>
-          </a:xfrm>
-        </p:spPr>
-        <p:txBody>
-          <a:bodyPr>
-            <a:normAutofit fontScale="92500" lnSpcReduction="10000"/>
-          </a:bodyPr>
-          <a:lstStyle/>
-          <a:p>
-            <a:r>
-              <a:rPr lang="fr-FR" dirty="0"/>
-              <a:t>Sélection d’un montant</a:t>
-            </a:r>
-          </a:p>
-        </p:txBody>
-      </p:sp>
-      <p:sp>
-        <p:nvSpPr>
           <p:cNvPr id="4" name="Rectangle : coins arrondis 3">
             <a:extLst>
               <a:ext uri="{FF2B5EF4-FFF2-40B4-BE49-F238E27FC236}">
@@ -4415,10 +4382,10 @@
       </p:sp>
       <p:sp>
         <p:nvSpPr>
-          <p:cNvPr id="7" name="Rectangle : coins arrondis 6">
-            <a:extLst>
-              <a:ext uri="{FF2B5EF4-FFF2-40B4-BE49-F238E27FC236}">
-                <a16:creationId xmlns:a16="http://schemas.microsoft.com/office/drawing/2014/main" id="{82553E18-ED43-40E1-A09B-DD389833AA31}"/>
+          <p:cNvPr id="15" name="Rectangle : coins arrondis 14">
+            <a:extLst>
+              <a:ext uri="{FF2B5EF4-FFF2-40B4-BE49-F238E27FC236}">
+                <a16:creationId xmlns:a16="http://schemas.microsoft.com/office/drawing/2014/main" id="{B5827BF7-218A-4332-BAF2-E92D4406F668}"/>
               </a:ext>
             </a:extLst>
           </p:cNvPr>
@@ -4427,83 +4394,8 @@
         </p:nvSpPr>
         <p:spPr>
           <a:xfrm>
-            <a:off x="1933574" y="4108533"/>
-            <a:ext cx="2466976" cy="676275"/>
-          </a:xfrm>
-          <a:prstGeom prst="roundRect">
-            <a:avLst>
-              <a:gd name="adj" fmla="val 3991"/>
-            </a:avLst>
-          </a:prstGeom>
-          <a:solidFill>
-            <a:schemeClr val="bg2">
-              <a:lumMod val="25000"/>
-            </a:schemeClr>
-          </a:solidFill>
-          <a:ln>
-            <a:noFill/>
-          </a:ln>
-          <a:effectLst/>
-          <a:scene3d>
-            <a:camera prst="orthographicFront">
-              <a:rot lat="0" lon="0" rev="0"/>
-            </a:camera>
-            <a:lightRig rig="glow" dir="t">
-              <a:rot lat="0" lon="0" rev="14100000"/>
-            </a:lightRig>
-          </a:scene3d>
-          <a:sp3d prstMaterial="softEdge">
-            <a:bevelT w="127000" prst="artDeco"/>
-          </a:sp3d>
-        </p:spPr>
-        <p:style>
-          <a:lnRef idx="2">
-            <a:schemeClr val="accent1">
-              <a:shade val="50000"/>
-            </a:schemeClr>
-          </a:lnRef>
-          <a:fillRef idx="1">
-            <a:schemeClr val="accent1"/>
-          </a:fillRef>
-          <a:effectRef idx="0">
-            <a:schemeClr val="accent1"/>
-          </a:effectRef>
-          <a:fontRef idx="minor">
-            <a:schemeClr val="lt1"/>
-          </a:fontRef>
-        </p:style>
-        <p:txBody>
-          <a:bodyPr rtlCol="0" anchor="ctr"/>
-          <a:lstStyle/>
-          <a:p>
-            <a:pPr algn="ctr"/>
-            <a:r>
-              <a:rPr lang="fr-FR" sz="4800" dirty="0">
-                <a:solidFill>
-                  <a:schemeClr val="bg1"/>
-                </a:solidFill>
-              </a:rPr>
-              <a:t>Non</a:t>
-            </a:r>
-          </a:p>
-        </p:txBody>
-      </p:sp>
-      <p:sp>
-        <p:nvSpPr>
-          <p:cNvPr id="15" name="Rectangle : coins arrondis 14">
-            <a:extLst>
-              <a:ext uri="{FF2B5EF4-FFF2-40B4-BE49-F238E27FC236}">
-                <a16:creationId xmlns:a16="http://schemas.microsoft.com/office/drawing/2014/main" id="{B5827BF7-218A-4332-BAF2-E92D4406F668}"/>
-              </a:ext>
-            </a:extLst>
-          </p:cNvPr>
-          <p:cNvSpPr/>
-          <p:nvPr/>
-        </p:nvSpPr>
-        <p:spPr>
-          <a:xfrm>
-            <a:off x="2590799" y="2182346"/>
-            <a:ext cx="7010400" cy="923330"/>
+            <a:off x="3138485" y="2036380"/>
+            <a:ext cx="5915025" cy="3246904"/>
           </a:xfrm>
           <a:prstGeom prst="roundRect">
             <a:avLst>
@@ -4552,89 +4444,11 @@
           <a:lstStyle/>
           <a:p>
             <a:pPr algn="ctr"/>
-            <a:r>
-              <a:rPr lang="fr-FR" sz="3600" dirty="0">
-                <a:solidFill>
-                  <a:schemeClr val="bg1"/>
-                </a:solidFill>
-              </a:rPr>
-              <a:t>Désirez-vous un ticket ?</a:t>
-            </a:r>
-          </a:p>
-        </p:txBody>
-      </p:sp>
-      <p:sp>
-        <p:nvSpPr>
-          <p:cNvPr id="16" name="Rectangle : coins arrondis 15">
-            <a:extLst>
-              <a:ext uri="{FF2B5EF4-FFF2-40B4-BE49-F238E27FC236}">
-                <a16:creationId xmlns:a16="http://schemas.microsoft.com/office/drawing/2014/main" id="{85F404D9-435A-42D4-BA88-1053F3E5CF07}"/>
-              </a:ext>
-            </a:extLst>
-          </p:cNvPr>
-          <p:cNvSpPr/>
-          <p:nvPr/>
-        </p:nvSpPr>
-        <p:spPr>
-          <a:xfrm>
-            <a:off x="7781925" y="4108532"/>
-            <a:ext cx="2466976" cy="676275"/>
-          </a:xfrm>
-          <a:prstGeom prst="roundRect">
-            <a:avLst>
-              <a:gd name="adj" fmla="val 3991"/>
-            </a:avLst>
-          </a:prstGeom>
-          <a:solidFill>
-            <a:schemeClr val="bg2">
-              <a:lumMod val="25000"/>
-            </a:schemeClr>
-          </a:solidFill>
-          <a:ln>
-            <a:noFill/>
-          </a:ln>
-          <a:effectLst/>
-          <a:scene3d>
-            <a:camera prst="orthographicFront">
-              <a:rot lat="0" lon="0" rev="0"/>
-            </a:camera>
-            <a:lightRig rig="glow" dir="t">
-              <a:rot lat="0" lon="0" rev="14100000"/>
-            </a:lightRig>
-          </a:scene3d>
-          <a:sp3d prstMaterial="softEdge">
-            <a:bevelT w="127000" prst="artDeco"/>
-          </a:sp3d>
-        </p:spPr>
-        <p:style>
-          <a:lnRef idx="2">
-            <a:schemeClr val="accent1">
-              <a:shade val="50000"/>
-            </a:schemeClr>
-          </a:lnRef>
-          <a:fillRef idx="1">
-            <a:schemeClr val="accent1"/>
-          </a:fillRef>
-          <a:effectRef idx="0">
-            <a:schemeClr val="accent1"/>
-          </a:effectRef>
-          <a:fontRef idx="minor">
-            <a:schemeClr val="lt1"/>
-          </a:fontRef>
-        </p:style>
-        <p:txBody>
-          <a:bodyPr rtlCol="0" anchor="ctr"/>
-          <a:lstStyle/>
-          <a:p>
-            <a:pPr algn="ctr"/>
-            <a:r>
-              <a:rPr lang="fr-FR" sz="4800" dirty="0">
-                <a:solidFill>
-                  <a:schemeClr val="bg1"/>
-                </a:solidFill>
-              </a:rPr>
-              <a:t>Oui</a:t>
-            </a:r>
+            <a:endParaRPr lang="fr-FR" sz="3600" dirty="0">
+              <a:solidFill>
+                <a:schemeClr val="bg1"/>
+              </a:solidFill>
+            </a:endParaRPr>
           </a:p>
         </p:txBody>
       </p:sp>
@@ -4696,10 +4510,183 @@
           </a:p>
         </p:txBody>
       </p:sp>
+      <p:pic>
+        <p:nvPicPr>
+          <p:cNvPr id="2052" name="Picture 4" descr="Image result for patientez png transaparent">
+            <a:extLst>
+              <a:ext uri="{FF2B5EF4-FFF2-40B4-BE49-F238E27FC236}">
+                <a16:creationId xmlns:a16="http://schemas.microsoft.com/office/drawing/2014/main" id="{A59060C5-22EF-4B76-A875-6B43D6330B9B}"/>
+              </a:ext>
+            </a:extLst>
+          </p:cNvPr>
+          <p:cNvPicPr>
+            <a:picLocks noChangeAspect="1" noChangeArrowheads="1"/>
+          </p:cNvPicPr>
+          <p:nvPr/>
+        </p:nvPicPr>
+        <p:blipFill>
+          <a:blip r:embed="rId2">
+            <a:duotone>
+              <a:schemeClr val="accent4">
+                <a:shade val="45000"/>
+                <a:satMod val="135000"/>
+              </a:schemeClr>
+              <a:prstClr val="white"/>
+            </a:duotone>
+            <a:extLst>
+              <a:ext uri="{28A0092B-C50C-407E-A947-70E740481C1C}">
+                <a14:useLocalDpi xmlns:a14="http://schemas.microsoft.com/office/drawing/2010/main" val="0"/>
+              </a:ext>
+            </a:extLst>
+          </a:blip>
+          <a:srcRect/>
+          <a:stretch>
+            <a:fillRect/>
+          </a:stretch>
+        </p:blipFill>
+        <p:spPr bwMode="auto">
+          <a:xfrm>
+            <a:off x="3542348" y="2590710"/>
+            <a:ext cx="1430655" cy="1430655"/>
+          </a:xfrm>
+          <a:prstGeom prst="rect">
+            <a:avLst/>
+          </a:prstGeom>
+          <a:noFill/>
+          <a:extLst>
+            <a:ext uri="{909E8E84-426E-40DD-AFC4-6F175D3DCCD1}">
+              <a14:hiddenFill xmlns:a14="http://schemas.microsoft.com/office/drawing/2010/main">
+                <a:solidFill>
+                  <a:srgbClr val="FFFFFF"/>
+                </a:solidFill>
+              </a14:hiddenFill>
+            </a:ext>
+          </a:extLst>
+        </p:spPr>
+      </p:pic>
+      <p:sp>
+        <p:nvSpPr>
+          <p:cNvPr id="8" name="ZoneTexte 7">
+            <a:extLst>
+              <a:ext uri="{FF2B5EF4-FFF2-40B4-BE49-F238E27FC236}">
+                <a16:creationId xmlns:a16="http://schemas.microsoft.com/office/drawing/2014/main" id="{E2B5A035-C00A-460D-A6D5-0B202A648BCC}"/>
+              </a:ext>
+            </a:extLst>
+          </p:cNvPr>
+          <p:cNvSpPr txBox="1"/>
+          <p:nvPr/>
+        </p:nvSpPr>
+        <p:spPr>
+          <a:xfrm>
+            <a:off x="5355906" y="2466453"/>
+            <a:ext cx="3314700" cy="1569660"/>
+          </a:xfrm>
+          <a:prstGeom prst="rect">
+            <a:avLst/>
+          </a:prstGeom>
+          <a:noFill/>
+        </p:spPr>
+        <p:txBody>
+          <a:bodyPr wrap="square" rtlCol="0">
+            <a:spAutoFit/>
+          </a:bodyPr>
+          <a:lstStyle/>
+          <a:p>
+            <a:r>
+              <a:rPr lang="fr-FR" sz="4800" b="1" dirty="0">
+                <a:solidFill>
+                  <a:schemeClr val="bg1"/>
+                </a:solidFill>
+              </a:rPr>
+              <a:t>Veuillez patienter…</a:t>
+            </a:r>
+          </a:p>
+        </p:txBody>
+      </p:sp>
+      <p:sp>
+        <p:nvSpPr>
+          <p:cNvPr id="13" name="ZoneTexte 12">
+            <a:extLst>
+              <a:ext uri="{FF2B5EF4-FFF2-40B4-BE49-F238E27FC236}">
+                <a16:creationId xmlns:a16="http://schemas.microsoft.com/office/drawing/2014/main" id="{3806FF0C-BF60-400C-A04A-B7908A74E2B6}"/>
+              </a:ext>
+            </a:extLst>
+          </p:cNvPr>
+          <p:cNvSpPr txBox="1"/>
+          <p:nvPr/>
+        </p:nvSpPr>
+        <p:spPr>
+          <a:xfrm>
+            <a:off x="3531868" y="4312337"/>
+            <a:ext cx="5128258" cy="523220"/>
+          </a:xfrm>
+          <a:prstGeom prst="rect">
+            <a:avLst/>
+          </a:prstGeom>
+          <a:noFill/>
+        </p:spPr>
+        <p:txBody>
+          <a:bodyPr wrap="square" rtlCol="0">
+            <a:spAutoFit/>
+          </a:bodyPr>
+          <a:lstStyle/>
+          <a:p>
+            <a:pPr algn="ctr"/>
+            <a:r>
+              <a:rPr lang="fr-FR" sz="2800" b="1" dirty="0">
+                <a:solidFill>
+                  <a:schemeClr val="bg1"/>
+                </a:solidFill>
+              </a:rPr>
+              <a:t>Nous préparons vos billets </a:t>
+            </a:r>
+          </a:p>
+        </p:txBody>
+      </p:sp>
+      <p:sp>
+        <p:nvSpPr>
+          <p:cNvPr id="11" name="Sous-titre 2">
+            <a:extLst>
+              <a:ext uri="{FF2B5EF4-FFF2-40B4-BE49-F238E27FC236}">
+                <a16:creationId xmlns:a16="http://schemas.microsoft.com/office/drawing/2014/main" id="{D8B39AF6-1FD2-4453-84D1-ED20F646D6A2}"/>
+              </a:ext>
+            </a:extLst>
+          </p:cNvPr>
+          <p:cNvSpPr>
+            <a:spLocks noGrp="1"/>
+          </p:cNvSpPr>
+          <p:nvPr>
+            <p:ph type="subTitle" idx="1"/>
+          </p:nvPr>
+        </p:nvSpPr>
+        <p:spPr>
+          <a:xfrm>
+            <a:off x="1900238" y="6208545"/>
+            <a:ext cx="8391525" cy="506579"/>
+          </a:xfrm>
+          <a:ln>
+            <a:solidFill>
+              <a:schemeClr val="tx1"/>
+            </a:solidFill>
+          </a:ln>
+        </p:spPr>
+        <p:txBody>
+          <a:bodyPr>
+            <a:normAutofit/>
+          </a:bodyPr>
+          <a:lstStyle/>
+          <a:p>
+            <a:r>
+              <a:rPr lang="fr-FR" sz="2800" dirty="0"/>
+              <a:t>Préparation des billets</a:t>
+            </a:r>
+          </a:p>
+        </p:txBody>
+      </p:sp>
     </p:spTree>
     <p:extLst>
       <p:ext uri="{BB962C8B-B14F-4D97-AF65-F5344CB8AC3E}">
-        <p14:creationId xmlns:p14="http://schemas.microsoft.com/office/powerpoint/2010/main" val="1997744263"/>
+        <p14:creationId xmlns:p14="http://schemas.microsoft.com/office/powerpoint/2010/main" val="2526021597"/>
       </p:ext>
     </p:extLst>
   </p:cSld>
@@ -4726,41 +4713,6 @@
           <a:chExt cx="0" cy="0"/>
         </a:xfrm>
       </p:grpSpPr>
-      <p:sp>
-        <p:nvSpPr>
-          <p:cNvPr id="3" name="Sous-titre 2">
-            <a:extLst>
-              <a:ext uri="{FF2B5EF4-FFF2-40B4-BE49-F238E27FC236}">
-                <a16:creationId xmlns:a16="http://schemas.microsoft.com/office/drawing/2014/main" id="{2F1EE27C-78B4-4B33-99B3-A0AF4C9E45EA}"/>
-              </a:ext>
-            </a:extLst>
-          </p:cNvPr>
-          <p:cNvSpPr>
-            <a:spLocks noGrp="1"/>
-          </p:cNvSpPr>
-          <p:nvPr>
-            <p:ph type="subTitle" idx="1"/>
-          </p:nvPr>
-        </p:nvSpPr>
-        <p:spPr>
-          <a:xfrm>
-            <a:off x="1524000" y="6343649"/>
-            <a:ext cx="9144000" cy="371475"/>
-          </a:xfrm>
-        </p:spPr>
-        <p:txBody>
-          <a:bodyPr>
-            <a:normAutofit fontScale="92500" lnSpcReduction="10000"/>
-          </a:bodyPr>
-          <a:lstStyle/>
-          <a:p>
-            <a:r>
-              <a:rPr lang="fr-FR" dirty="0"/>
-              <a:t>Sélection d’un montant</a:t>
-            </a:r>
-          </a:p>
-        </p:txBody>
-      </p:sp>
       <p:sp>
         <p:nvSpPr>
           <p:cNvPr id="4" name="Rectangle : coins arrondis 3">
@@ -4846,8 +4798,8 @@
         </p:nvSpPr>
         <p:spPr>
           <a:xfrm>
-            <a:off x="3138485" y="2036380"/>
-            <a:ext cx="5915025" cy="3246904"/>
+            <a:off x="2682441" y="2036380"/>
+            <a:ext cx="6827114" cy="3246904"/>
           </a:xfrm>
           <a:prstGeom prst="roundRect">
             <a:avLst>
@@ -4962,12 +4914,61 @@
           </a:p>
         </p:txBody>
       </p:sp>
+      <p:sp>
+        <p:nvSpPr>
+          <p:cNvPr id="8" name="ZoneTexte 7">
+            <a:extLst>
+              <a:ext uri="{FF2B5EF4-FFF2-40B4-BE49-F238E27FC236}">
+                <a16:creationId xmlns:a16="http://schemas.microsoft.com/office/drawing/2014/main" id="{E2B5A035-C00A-460D-A6D5-0B202A648BCC}"/>
+              </a:ext>
+            </a:extLst>
+          </p:cNvPr>
+          <p:cNvSpPr txBox="1"/>
+          <p:nvPr/>
+        </p:nvSpPr>
+        <p:spPr>
+          <a:xfrm>
+            <a:off x="3171825" y="2505670"/>
+            <a:ext cx="3352800" cy="2308324"/>
+          </a:xfrm>
+          <a:prstGeom prst="rect">
+            <a:avLst/>
+          </a:prstGeom>
+          <a:noFill/>
+        </p:spPr>
+        <p:txBody>
+          <a:bodyPr wrap="square" rtlCol="0">
+            <a:spAutoFit/>
+          </a:bodyPr>
+          <a:lstStyle/>
+          <a:p>
+            <a:r>
+              <a:rPr lang="fr-FR" sz="4800" b="1" dirty="0">
+                <a:solidFill>
+                  <a:schemeClr val="bg1"/>
+                </a:solidFill>
+              </a:rPr>
+              <a:t>Veuillez récupérer </a:t>
+            </a:r>
+          </a:p>
+          <a:p>
+            <a:r>
+              <a:rPr lang="fr-FR" sz="4800" b="1" dirty="0">
+                <a:solidFill>
+                  <a:schemeClr val="bg1"/>
+                </a:solidFill>
+              </a:rPr>
+              <a:t>votre argent</a:t>
+            </a:r>
+          </a:p>
+        </p:txBody>
+      </p:sp>
       <p:pic>
         <p:nvPicPr>
-          <p:cNvPr id="2052" name="Picture 4" descr="Image result for patientez png transaparent">
-            <a:extLst>
-              <a:ext uri="{FF2B5EF4-FFF2-40B4-BE49-F238E27FC236}">
-                <a16:creationId xmlns:a16="http://schemas.microsoft.com/office/drawing/2014/main" id="{A59060C5-22EF-4B76-A875-6B43D6330B9B}"/>
+          <p:cNvPr id="5122" name="Picture 2" descr="28 Collection Of Cash Clipart Png - Clip Art Money Png (2400x2400), Png Download">
+            <a:extLst>
+              <a:ext uri="{FF2B5EF4-FFF2-40B4-BE49-F238E27FC236}">
+                <a16:creationId xmlns:a16="http://schemas.microsoft.com/office/drawing/2014/main" id="{618B274D-8054-4549-A564-918C433890AF}"/>
               </a:ext>
             </a:extLst>
           </p:cNvPr>
@@ -4998,8 +4999,8 @@
         </p:blipFill>
         <p:spPr bwMode="auto">
           <a:xfrm>
-            <a:off x="3542348" y="2590710"/>
-            <a:ext cx="1430655" cy="1430655"/>
+            <a:off x="6720600" y="2875002"/>
+            <a:ext cx="2221505" cy="1569660"/>
           </a:xfrm>
           <a:prstGeom prst="rect">
             <a:avLst/>
@@ -5018,79 +5019,40 @@
       </p:pic>
       <p:sp>
         <p:nvSpPr>
-          <p:cNvPr id="8" name="ZoneTexte 7">
-            <a:extLst>
-              <a:ext uri="{FF2B5EF4-FFF2-40B4-BE49-F238E27FC236}">
-                <a16:creationId xmlns:a16="http://schemas.microsoft.com/office/drawing/2014/main" id="{E2B5A035-C00A-460D-A6D5-0B202A648BCC}"/>
-              </a:ext>
-            </a:extLst>
-          </p:cNvPr>
-          <p:cNvSpPr txBox="1"/>
-          <p:nvPr/>
+          <p:cNvPr id="12" name="Sous-titre 2">
+            <a:extLst>
+              <a:ext uri="{FF2B5EF4-FFF2-40B4-BE49-F238E27FC236}">
+                <a16:creationId xmlns:a16="http://schemas.microsoft.com/office/drawing/2014/main" id="{F31BF23D-24CA-440B-86C8-98EE78D26210}"/>
+              </a:ext>
+            </a:extLst>
+          </p:cNvPr>
+          <p:cNvSpPr>
+            <a:spLocks noGrp="1"/>
+          </p:cNvSpPr>
+          <p:nvPr>
+            <p:ph type="subTitle" idx="1"/>
+          </p:nvPr>
         </p:nvSpPr>
         <p:spPr>
           <a:xfrm>
-            <a:off x="5355906" y="2466453"/>
-            <a:ext cx="3314700" cy="1569660"/>
-          </a:xfrm>
-          <a:prstGeom prst="rect">
-            <a:avLst/>
-          </a:prstGeom>
-          <a:noFill/>
-        </p:spPr>
-        <p:txBody>
-          <a:bodyPr wrap="square" rtlCol="0">
-            <a:spAutoFit/>
+            <a:off x="1900238" y="6208545"/>
+            <a:ext cx="8391525" cy="506579"/>
+          </a:xfrm>
+          <a:ln>
+            <a:solidFill>
+              <a:schemeClr val="tx1"/>
+            </a:solidFill>
+          </a:ln>
+        </p:spPr>
+        <p:txBody>
+          <a:bodyPr>
+            <a:normAutofit/>
           </a:bodyPr>
           <a:lstStyle/>
           <a:p>
             <a:r>
-              <a:rPr lang="fr-FR" sz="4800" b="1" dirty="0">
-                <a:solidFill>
-                  <a:schemeClr val="bg1"/>
-                </a:solidFill>
-              </a:rPr>
-              <a:t>Veuillez patienter…</a:t>
-            </a:r>
-          </a:p>
-        </p:txBody>
-      </p:sp>
-      <p:sp>
-        <p:nvSpPr>
-          <p:cNvPr id="13" name="ZoneTexte 12">
-            <a:extLst>
-              <a:ext uri="{FF2B5EF4-FFF2-40B4-BE49-F238E27FC236}">
-                <a16:creationId xmlns:a16="http://schemas.microsoft.com/office/drawing/2014/main" id="{3806FF0C-BF60-400C-A04A-B7908A74E2B6}"/>
-              </a:ext>
-            </a:extLst>
-          </p:cNvPr>
-          <p:cNvSpPr txBox="1"/>
-          <p:nvPr/>
-        </p:nvSpPr>
-        <p:spPr>
-          <a:xfrm>
-            <a:off x="3531868" y="4312337"/>
-            <a:ext cx="5128258" cy="523220"/>
-          </a:xfrm>
-          <a:prstGeom prst="rect">
-            <a:avLst/>
-          </a:prstGeom>
-          <a:noFill/>
-        </p:spPr>
-        <p:txBody>
-          <a:bodyPr wrap="square" rtlCol="0">
-            <a:spAutoFit/>
-          </a:bodyPr>
-          <a:lstStyle/>
-          <a:p>
-            <a:pPr algn="ctr"/>
-            <a:r>
-              <a:rPr lang="fr-FR" sz="2800" b="1" dirty="0">
-                <a:solidFill>
-                  <a:schemeClr val="bg1"/>
-                </a:solidFill>
-              </a:rPr>
-              <a:t>Nous traitons votre opération </a:t>
+              <a:rPr lang="fr-FR" sz="2800" dirty="0"/>
+              <a:t>Récupération des billets</a:t>
             </a:r>
           </a:p>
         </p:txBody>
@@ -5098,7 +5060,7 @@
     </p:spTree>
     <p:extLst>
       <p:ext uri="{BB962C8B-B14F-4D97-AF65-F5344CB8AC3E}">
-        <p14:creationId xmlns:p14="http://schemas.microsoft.com/office/powerpoint/2010/main" val="4107451318"/>
+        <p14:creationId xmlns:p14="http://schemas.microsoft.com/office/powerpoint/2010/main" val="3317536990"/>
       </p:ext>
     </p:extLst>
   </p:cSld>
@@ -5127,10 +5089,364 @@
       </p:grpSpPr>
       <p:sp>
         <p:nvSpPr>
-          <p:cNvPr id="3" name="Sous-titre 2">
-            <a:extLst>
-              <a:ext uri="{FF2B5EF4-FFF2-40B4-BE49-F238E27FC236}">
-                <a16:creationId xmlns:a16="http://schemas.microsoft.com/office/drawing/2014/main" id="{2F1EE27C-78B4-4B33-99B3-A0AF4C9E45EA}"/>
+          <p:cNvPr id="4" name="Rectangle : coins arrondis 3">
+            <a:extLst>
+              <a:ext uri="{FF2B5EF4-FFF2-40B4-BE49-F238E27FC236}">
+                <a16:creationId xmlns:a16="http://schemas.microsoft.com/office/drawing/2014/main" id="{02FBE784-47C0-4031-9F81-3ECD86806F9C}"/>
+              </a:ext>
+            </a:extLst>
+          </p:cNvPr>
+          <p:cNvSpPr/>
+          <p:nvPr/>
+        </p:nvSpPr>
+        <p:spPr>
+          <a:xfrm>
+            <a:off x="1900237" y="311317"/>
+            <a:ext cx="8391525" cy="5632283"/>
+          </a:xfrm>
+          <a:prstGeom prst="roundRect">
+            <a:avLst>
+              <a:gd name="adj" fmla="val 1999"/>
+            </a:avLst>
+          </a:prstGeom>
+          <a:gradFill flip="none" rotWithShape="1">
+            <a:gsLst>
+              <a:gs pos="8000">
+                <a:schemeClr val="accent1"/>
+              </a:gs>
+              <a:gs pos="100000">
+                <a:schemeClr val="accent1">
+                  <a:lumMod val="40000"/>
+                  <a:lumOff val="60000"/>
+                </a:schemeClr>
+              </a:gs>
+            </a:gsLst>
+            <a:lin ang="16200000" scaled="1"/>
+            <a:tileRect/>
+          </a:gradFill>
+          <a:ln w="57150">
+            <a:solidFill>
+              <a:schemeClr val="tx1"/>
+            </a:solidFill>
+          </a:ln>
+          <a:effectLst>
+            <a:softEdge rad="0"/>
+          </a:effectLst>
+        </p:spPr>
+        <p:style>
+          <a:lnRef idx="2">
+            <a:schemeClr val="accent1">
+              <a:shade val="50000"/>
+            </a:schemeClr>
+          </a:lnRef>
+          <a:fillRef idx="1">
+            <a:schemeClr val="accent1"/>
+          </a:fillRef>
+          <a:effectRef idx="0">
+            <a:schemeClr val="accent1"/>
+          </a:effectRef>
+          <a:fontRef idx="minor">
+            <a:schemeClr val="lt1"/>
+          </a:fontRef>
+        </p:style>
+        <p:txBody>
+          <a:bodyPr rtlCol="0" anchor="ctr"/>
+          <a:lstStyle/>
+          <a:p>
+            <a:pPr algn="ctr"/>
+            <a:endParaRPr lang="fr-FR"/>
+          </a:p>
+        </p:txBody>
+      </p:sp>
+      <p:sp>
+        <p:nvSpPr>
+          <p:cNvPr id="7" name="Rectangle : coins arrondis 6">
+            <a:extLst>
+              <a:ext uri="{FF2B5EF4-FFF2-40B4-BE49-F238E27FC236}">
+                <a16:creationId xmlns:a16="http://schemas.microsoft.com/office/drawing/2014/main" id="{82553E18-ED43-40E1-A09B-DD389833AA31}"/>
+              </a:ext>
+            </a:extLst>
+          </p:cNvPr>
+          <p:cNvSpPr/>
+          <p:nvPr/>
+        </p:nvSpPr>
+        <p:spPr>
+          <a:xfrm>
+            <a:off x="1933574" y="4108533"/>
+            <a:ext cx="2466976" cy="676275"/>
+          </a:xfrm>
+          <a:prstGeom prst="roundRect">
+            <a:avLst>
+              <a:gd name="adj" fmla="val 3991"/>
+            </a:avLst>
+          </a:prstGeom>
+          <a:solidFill>
+            <a:schemeClr val="bg2">
+              <a:lumMod val="25000"/>
+            </a:schemeClr>
+          </a:solidFill>
+          <a:ln>
+            <a:noFill/>
+          </a:ln>
+          <a:effectLst/>
+          <a:scene3d>
+            <a:camera prst="orthographicFront">
+              <a:rot lat="0" lon="0" rev="0"/>
+            </a:camera>
+            <a:lightRig rig="glow" dir="t">
+              <a:rot lat="0" lon="0" rev="14100000"/>
+            </a:lightRig>
+          </a:scene3d>
+          <a:sp3d prstMaterial="softEdge">
+            <a:bevelT w="127000" prst="artDeco"/>
+          </a:sp3d>
+        </p:spPr>
+        <p:style>
+          <a:lnRef idx="2">
+            <a:schemeClr val="accent1">
+              <a:shade val="50000"/>
+            </a:schemeClr>
+          </a:lnRef>
+          <a:fillRef idx="1">
+            <a:schemeClr val="accent1"/>
+          </a:fillRef>
+          <a:effectRef idx="0">
+            <a:schemeClr val="accent1"/>
+          </a:effectRef>
+          <a:fontRef idx="minor">
+            <a:schemeClr val="lt1"/>
+          </a:fontRef>
+        </p:style>
+        <p:txBody>
+          <a:bodyPr rtlCol="0" anchor="ctr"/>
+          <a:lstStyle/>
+          <a:p>
+            <a:pPr algn="ctr"/>
+            <a:r>
+              <a:rPr lang="fr-FR" sz="4800" dirty="0">
+                <a:solidFill>
+                  <a:schemeClr val="bg1"/>
+                </a:solidFill>
+              </a:rPr>
+              <a:t>Non</a:t>
+            </a:r>
+          </a:p>
+        </p:txBody>
+      </p:sp>
+      <p:sp>
+        <p:nvSpPr>
+          <p:cNvPr id="15" name="Rectangle : coins arrondis 14">
+            <a:extLst>
+              <a:ext uri="{FF2B5EF4-FFF2-40B4-BE49-F238E27FC236}">
+                <a16:creationId xmlns:a16="http://schemas.microsoft.com/office/drawing/2014/main" id="{B5827BF7-218A-4332-BAF2-E92D4406F668}"/>
+              </a:ext>
+            </a:extLst>
+          </p:cNvPr>
+          <p:cNvSpPr/>
+          <p:nvPr/>
+        </p:nvSpPr>
+        <p:spPr>
+          <a:xfrm>
+            <a:off x="2590799" y="2182346"/>
+            <a:ext cx="7010400" cy="923330"/>
+          </a:xfrm>
+          <a:prstGeom prst="roundRect">
+            <a:avLst>
+              <a:gd name="adj" fmla="val 3991"/>
+            </a:avLst>
+          </a:prstGeom>
+          <a:solidFill>
+            <a:schemeClr val="accent1">
+              <a:lumMod val="50000"/>
+            </a:schemeClr>
+          </a:solidFill>
+          <a:ln>
+            <a:noFill/>
+          </a:ln>
+          <a:effectLst/>
+          <a:scene3d>
+            <a:camera prst="orthographicFront">
+              <a:rot lat="0" lon="0" rev="0"/>
+            </a:camera>
+            <a:lightRig rig="glow" dir="t">
+              <a:rot lat="0" lon="0" rev="14100000"/>
+            </a:lightRig>
+          </a:scene3d>
+          <a:sp3d prstMaterial="softEdge">
+            <a:bevelT w="127000" prst="artDeco"/>
+          </a:sp3d>
+        </p:spPr>
+        <p:style>
+          <a:lnRef idx="2">
+            <a:schemeClr val="accent1">
+              <a:shade val="50000"/>
+            </a:schemeClr>
+          </a:lnRef>
+          <a:fillRef idx="1">
+            <a:schemeClr val="accent1"/>
+          </a:fillRef>
+          <a:effectRef idx="0">
+            <a:schemeClr val="accent1"/>
+          </a:effectRef>
+          <a:fontRef idx="minor">
+            <a:schemeClr val="lt1"/>
+          </a:fontRef>
+        </p:style>
+        <p:txBody>
+          <a:bodyPr rtlCol="0" anchor="ctr"/>
+          <a:lstStyle/>
+          <a:p>
+            <a:pPr algn="ctr"/>
+            <a:r>
+              <a:rPr lang="fr-FR" sz="3600" dirty="0">
+                <a:solidFill>
+                  <a:schemeClr val="bg1"/>
+                </a:solidFill>
+              </a:rPr>
+              <a:t>Désirez-vous un ticket ?</a:t>
+            </a:r>
+          </a:p>
+        </p:txBody>
+      </p:sp>
+      <p:sp>
+        <p:nvSpPr>
+          <p:cNvPr id="16" name="Rectangle : coins arrondis 15">
+            <a:extLst>
+              <a:ext uri="{FF2B5EF4-FFF2-40B4-BE49-F238E27FC236}">
+                <a16:creationId xmlns:a16="http://schemas.microsoft.com/office/drawing/2014/main" id="{85F404D9-435A-42D4-BA88-1053F3E5CF07}"/>
+              </a:ext>
+            </a:extLst>
+          </p:cNvPr>
+          <p:cNvSpPr/>
+          <p:nvPr/>
+        </p:nvSpPr>
+        <p:spPr>
+          <a:xfrm>
+            <a:off x="7781925" y="4108532"/>
+            <a:ext cx="2466976" cy="676275"/>
+          </a:xfrm>
+          <a:prstGeom prst="roundRect">
+            <a:avLst>
+              <a:gd name="adj" fmla="val 3991"/>
+            </a:avLst>
+          </a:prstGeom>
+          <a:solidFill>
+            <a:schemeClr val="bg2">
+              <a:lumMod val="25000"/>
+            </a:schemeClr>
+          </a:solidFill>
+          <a:ln>
+            <a:noFill/>
+          </a:ln>
+          <a:effectLst/>
+          <a:scene3d>
+            <a:camera prst="orthographicFront">
+              <a:rot lat="0" lon="0" rev="0"/>
+            </a:camera>
+            <a:lightRig rig="glow" dir="t">
+              <a:rot lat="0" lon="0" rev="14100000"/>
+            </a:lightRig>
+          </a:scene3d>
+          <a:sp3d prstMaterial="softEdge">
+            <a:bevelT w="127000" prst="artDeco"/>
+          </a:sp3d>
+        </p:spPr>
+        <p:style>
+          <a:lnRef idx="2">
+            <a:schemeClr val="accent1">
+              <a:shade val="50000"/>
+            </a:schemeClr>
+          </a:lnRef>
+          <a:fillRef idx="1">
+            <a:schemeClr val="accent1"/>
+          </a:fillRef>
+          <a:effectRef idx="0">
+            <a:schemeClr val="accent1"/>
+          </a:effectRef>
+          <a:fontRef idx="minor">
+            <a:schemeClr val="lt1"/>
+          </a:fontRef>
+        </p:style>
+        <p:txBody>
+          <a:bodyPr rtlCol="0" anchor="ctr"/>
+          <a:lstStyle/>
+          <a:p>
+            <a:pPr algn="ctr"/>
+            <a:r>
+              <a:rPr lang="fr-FR" sz="4800" dirty="0">
+                <a:solidFill>
+                  <a:schemeClr val="bg1"/>
+                </a:solidFill>
+              </a:rPr>
+              <a:t>Oui</a:t>
+            </a:r>
+          </a:p>
+        </p:txBody>
+      </p:sp>
+      <p:sp>
+        <p:nvSpPr>
+          <p:cNvPr id="2" name="Rectangle 1">
+            <a:extLst>
+              <a:ext uri="{FF2B5EF4-FFF2-40B4-BE49-F238E27FC236}">
+                <a16:creationId xmlns:a16="http://schemas.microsoft.com/office/drawing/2014/main" id="{EB383D13-68D1-45F3-9CA2-0B67015E2B37}"/>
+              </a:ext>
+            </a:extLst>
+          </p:cNvPr>
+          <p:cNvSpPr/>
+          <p:nvPr/>
+        </p:nvSpPr>
+        <p:spPr>
+          <a:xfrm>
+            <a:off x="2782655" y="452735"/>
+            <a:ext cx="6626687" cy="923330"/>
+          </a:xfrm>
+          <a:prstGeom prst="rect">
+            <a:avLst/>
+          </a:prstGeom>
+          <a:noFill/>
+        </p:spPr>
+        <p:txBody>
+          <a:bodyPr wrap="none" lIns="91440" tIns="45720" rIns="91440" bIns="45720">
+            <a:spAutoFit/>
+          </a:bodyPr>
+          <a:lstStyle/>
+          <a:p>
+            <a:pPr algn="ctr"/>
+            <a:r>
+              <a:rPr lang="fr-FR" sz="5400" b="1" dirty="0">
+                <a:ln w="9525">
+                  <a:solidFill>
+                    <a:schemeClr val="bg2">
+                      <a:lumMod val="50000"/>
+                    </a:schemeClr>
+                  </a:solidFill>
+                  <a:prstDash val="solid"/>
+                </a:ln>
+                <a:solidFill>
+                  <a:schemeClr val="accent4">
+                    <a:lumMod val="60000"/>
+                    <a:lumOff val="40000"/>
+                  </a:schemeClr>
+                </a:solidFill>
+                <a:effectLst>
+                  <a:outerShdw blurRad="12700" dist="38100" dir="2700000" algn="tl" rotWithShape="0">
+                    <a:schemeClr val="bg1">
+                      <a:lumMod val="50000"/>
+                    </a:schemeClr>
+                  </a:outerShdw>
+                </a:effectLst>
+              </a:rPr>
+              <a:t>-Unified Process Bank-</a:t>
+            </a:r>
+          </a:p>
+        </p:txBody>
+      </p:sp>
+      <p:sp>
+        <p:nvSpPr>
+          <p:cNvPr id="19" name="Sous-titre 2">
+            <a:extLst>
+              <a:ext uri="{FF2B5EF4-FFF2-40B4-BE49-F238E27FC236}">
+                <a16:creationId xmlns:a16="http://schemas.microsoft.com/office/drawing/2014/main" id="{7D804DAE-FF2F-4EE2-90CF-F3A9F497CDCA}"/>
               </a:ext>
             </a:extLst>
           </p:cNvPr>
@@ -5143,23 +5459,462 @@
         </p:nvSpPr>
         <p:spPr>
           <a:xfrm>
-            <a:off x="1524000" y="6343649"/>
-            <a:ext cx="9144000" cy="371475"/>
-          </a:xfrm>
+            <a:off x="1900238" y="6208545"/>
+            <a:ext cx="8391525" cy="506579"/>
+          </a:xfrm>
+          <a:ln>
+            <a:solidFill>
+              <a:schemeClr val="tx1"/>
+            </a:solidFill>
+          </a:ln>
         </p:spPr>
         <p:txBody>
           <a:bodyPr>
-            <a:normAutofit fontScale="92500" lnSpcReduction="10000"/>
+            <a:normAutofit/>
           </a:bodyPr>
           <a:lstStyle/>
           <a:p>
             <a:r>
-              <a:rPr lang="fr-FR" dirty="0"/>
-              <a:t>Sélection d’un montant</a:t>
-            </a:r>
-          </a:p>
-        </p:txBody>
-      </p:sp>
+              <a:rPr lang="fr-FR" sz="2800" dirty="0"/>
+              <a:t>Proposition de reçu </a:t>
+            </a:r>
+          </a:p>
+        </p:txBody>
+      </p:sp>
+    </p:spTree>
+    <p:extLst>
+      <p:ext uri="{BB962C8B-B14F-4D97-AF65-F5344CB8AC3E}">
+        <p14:creationId xmlns:p14="http://schemas.microsoft.com/office/powerpoint/2010/main" val="1997744263"/>
+      </p:ext>
+    </p:extLst>
+  </p:cSld>
+  <p:clrMapOvr>
+    <a:masterClrMapping/>
+  </p:clrMapOvr>
+</p:sld>
+</file>
+
+<file path=ppt/slides/slide5.xml><?xml version="1.0" encoding="utf-8"?>
+<p:sld xmlns:a="http://schemas.openxmlformats.org/drawingml/2006/main" xmlns:r="http://schemas.openxmlformats.org/officeDocument/2006/relationships" xmlns:p="http://schemas.openxmlformats.org/presentationml/2006/main">
+  <p:cSld>
+    <p:spTree>
+      <p:nvGrpSpPr>
+        <p:cNvPr id="1" name=""/>
+        <p:cNvGrpSpPr/>
+        <p:nvPr/>
+      </p:nvGrpSpPr>
+      <p:grpSpPr>
+        <a:xfrm>
+          <a:off x="0" y="0"/>
+          <a:ext cx="0" cy="0"/>
+          <a:chOff x="0" y="0"/>
+          <a:chExt cx="0" cy="0"/>
+        </a:xfrm>
+      </p:grpSpPr>
+      <p:sp>
+        <p:nvSpPr>
+          <p:cNvPr id="4" name="Rectangle : coins arrondis 3">
+            <a:extLst>
+              <a:ext uri="{FF2B5EF4-FFF2-40B4-BE49-F238E27FC236}">
+                <a16:creationId xmlns:a16="http://schemas.microsoft.com/office/drawing/2014/main" id="{02FBE784-47C0-4031-9F81-3ECD86806F9C}"/>
+              </a:ext>
+            </a:extLst>
+          </p:cNvPr>
+          <p:cNvSpPr/>
+          <p:nvPr/>
+        </p:nvSpPr>
+        <p:spPr>
+          <a:xfrm>
+            <a:off x="1900237" y="311317"/>
+            <a:ext cx="8391525" cy="5632283"/>
+          </a:xfrm>
+          <a:prstGeom prst="roundRect">
+            <a:avLst>
+              <a:gd name="adj" fmla="val 1999"/>
+            </a:avLst>
+          </a:prstGeom>
+          <a:gradFill flip="none" rotWithShape="1">
+            <a:gsLst>
+              <a:gs pos="8000">
+                <a:schemeClr val="accent1"/>
+              </a:gs>
+              <a:gs pos="100000">
+                <a:schemeClr val="accent1">
+                  <a:lumMod val="40000"/>
+                  <a:lumOff val="60000"/>
+                </a:schemeClr>
+              </a:gs>
+            </a:gsLst>
+            <a:lin ang="16200000" scaled="1"/>
+            <a:tileRect/>
+          </a:gradFill>
+          <a:ln w="57150">
+            <a:solidFill>
+              <a:schemeClr val="tx1"/>
+            </a:solidFill>
+          </a:ln>
+          <a:effectLst>
+            <a:softEdge rad="0"/>
+          </a:effectLst>
+        </p:spPr>
+        <p:style>
+          <a:lnRef idx="2">
+            <a:schemeClr val="accent1">
+              <a:shade val="50000"/>
+            </a:schemeClr>
+          </a:lnRef>
+          <a:fillRef idx="1">
+            <a:schemeClr val="accent1"/>
+          </a:fillRef>
+          <a:effectRef idx="0">
+            <a:schemeClr val="accent1"/>
+          </a:effectRef>
+          <a:fontRef idx="minor">
+            <a:schemeClr val="lt1"/>
+          </a:fontRef>
+        </p:style>
+        <p:txBody>
+          <a:bodyPr rtlCol="0" anchor="ctr"/>
+          <a:lstStyle/>
+          <a:p>
+            <a:pPr algn="ctr"/>
+            <a:endParaRPr lang="fr-FR"/>
+          </a:p>
+        </p:txBody>
+      </p:sp>
+      <p:sp>
+        <p:nvSpPr>
+          <p:cNvPr id="15" name="Rectangle : coins arrondis 14">
+            <a:extLst>
+              <a:ext uri="{FF2B5EF4-FFF2-40B4-BE49-F238E27FC236}">
+                <a16:creationId xmlns:a16="http://schemas.microsoft.com/office/drawing/2014/main" id="{B5827BF7-218A-4332-BAF2-E92D4406F668}"/>
+              </a:ext>
+            </a:extLst>
+          </p:cNvPr>
+          <p:cNvSpPr/>
+          <p:nvPr/>
+        </p:nvSpPr>
+        <p:spPr>
+          <a:xfrm>
+            <a:off x="3138485" y="2036380"/>
+            <a:ext cx="5915025" cy="3246904"/>
+          </a:xfrm>
+          <a:prstGeom prst="roundRect">
+            <a:avLst>
+              <a:gd name="adj" fmla="val 3991"/>
+            </a:avLst>
+          </a:prstGeom>
+          <a:solidFill>
+            <a:schemeClr val="accent1">
+              <a:lumMod val="50000"/>
+            </a:schemeClr>
+          </a:solidFill>
+          <a:ln>
+            <a:noFill/>
+          </a:ln>
+          <a:effectLst/>
+          <a:scene3d>
+            <a:camera prst="orthographicFront">
+              <a:rot lat="0" lon="0" rev="0"/>
+            </a:camera>
+            <a:lightRig rig="glow" dir="t">
+              <a:rot lat="0" lon="0" rev="14100000"/>
+            </a:lightRig>
+          </a:scene3d>
+          <a:sp3d prstMaterial="softEdge">
+            <a:bevelT w="127000" prst="artDeco"/>
+          </a:sp3d>
+        </p:spPr>
+        <p:style>
+          <a:lnRef idx="2">
+            <a:schemeClr val="accent1">
+              <a:shade val="50000"/>
+            </a:schemeClr>
+          </a:lnRef>
+          <a:fillRef idx="1">
+            <a:schemeClr val="accent1"/>
+          </a:fillRef>
+          <a:effectRef idx="0">
+            <a:schemeClr val="accent1"/>
+          </a:effectRef>
+          <a:fontRef idx="minor">
+            <a:schemeClr val="lt1"/>
+          </a:fontRef>
+        </p:style>
+        <p:txBody>
+          <a:bodyPr rtlCol="0" anchor="ctr"/>
+          <a:lstStyle/>
+          <a:p>
+            <a:pPr algn="ctr"/>
+            <a:endParaRPr lang="fr-FR" sz="3600" dirty="0">
+              <a:solidFill>
+                <a:schemeClr val="bg1"/>
+              </a:solidFill>
+            </a:endParaRPr>
+          </a:p>
+        </p:txBody>
+      </p:sp>
+      <p:sp>
+        <p:nvSpPr>
+          <p:cNvPr id="2" name="Rectangle 1">
+            <a:extLst>
+              <a:ext uri="{FF2B5EF4-FFF2-40B4-BE49-F238E27FC236}">
+                <a16:creationId xmlns:a16="http://schemas.microsoft.com/office/drawing/2014/main" id="{EB383D13-68D1-45F3-9CA2-0B67015E2B37}"/>
+              </a:ext>
+            </a:extLst>
+          </p:cNvPr>
+          <p:cNvSpPr/>
+          <p:nvPr/>
+        </p:nvSpPr>
+        <p:spPr>
+          <a:xfrm>
+            <a:off x="2782655" y="452735"/>
+            <a:ext cx="6626687" cy="923330"/>
+          </a:xfrm>
+          <a:prstGeom prst="rect">
+            <a:avLst/>
+          </a:prstGeom>
+          <a:noFill/>
+        </p:spPr>
+        <p:txBody>
+          <a:bodyPr wrap="none" lIns="91440" tIns="45720" rIns="91440" bIns="45720">
+            <a:spAutoFit/>
+          </a:bodyPr>
+          <a:lstStyle/>
+          <a:p>
+            <a:pPr algn="ctr"/>
+            <a:r>
+              <a:rPr lang="fr-FR" sz="5400" b="1" dirty="0">
+                <a:ln w="9525">
+                  <a:solidFill>
+                    <a:schemeClr val="bg2">
+                      <a:lumMod val="50000"/>
+                    </a:schemeClr>
+                  </a:solidFill>
+                  <a:prstDash val="solid"/>
+                </a:ln>
+                <a:solidFill>
+                  <a:schemeClr val="accent4">
+                    <a:lumMod val="60000"/>
+                    <a:lumOff val="40000"/>
+                  </a:schemeClr>
+                </a:solidFill>
+                <a:effectLst>
+                  <a:outerShdw blurRad="12700" dist="38100" dir="2700000" algn="tl" rotWithShape="0">
+                    <a:schemeClr val="bg1">
+                      <a:lumMod val="50000"/>
+                    </a:schemeClr>
+                  </a:outerShdw>
+                </a:effectLst>
+              </a:rPr>
+              <a:t>-Unified Process Bank-</a:t>
+            </a:r>
+          </a:p>
+        </p:txBody>
+      </p:sp>
+      <p:pic>
+        <p:nvPicPr>
+          <p:cNvPr id="2052" name="Picture 4" descr="Image result for patientez png transaparent">
+            <a:extLst>
+              <a:ext uri="{FF2B5EF4-FFF2-40B4-BE49-F238E27FC236}">
+                <a16:creationId xmlns:a16="http://schemas.microsoft.com/office/drawing/2014/main" id="{A59060C5-22EF-4B76-A875-6B43D6330B9B}"/>
+              </a:ext>
+            </a:extLst>
+          </p:cNvPr>
+          <p:cNvPicPr>
+            <a:picLocks noChangeAspect="1" noChangeArrowheads="1"/>
+          </p:cNvPicPr>
+          <p:nvPr/>
+        </p:nvPicPr>
+        <p:blipFill>
+          <a:blip r:embed="rId2">
+            <a:duotone>
+              <a:schemeClr val="accent4">
+                <a:shade val="45000"/>
+                <a:satMod val="135000"/>
+              </a:schemeClr>
+              <a:prstClr val="white"/>
+            </a:duotone>
+            <a:extLst>
+              <a:ext uri="{28A0092B-C50C-407E-A947-70E740481C1C}">
+                <a14:useLocalDpi xmlns:a14="http://schemas.microsoft.com/office/drawing/2010/main" val="0"/>
+              </a:ext>
+            </a:extLst>
+          </a:blip>
+          <a:srcRect/>
+          <a:stretch>
+            <a:fillRect/>
+          </a:stretch>
+        </p:blipFill>
+        <p:spPr bwMode="auto">
+          <a:xfrm>
+            <a:off x="3542348" y="2590710"/>
+            <a:ext cx="1430655" cy="1430655"/>
+          </a:xfrm>
+          <a:prstGeom prst="rect">
+            <a:avLst/>
+          </a:prstGeom>
+          <a:noFill/>
+          <a:extLst>
+            <a:ext uri="{909E8E84-426E-40DD-AFC4-6F175D3DCCD1}">
+              <a14:hiddenFill xmlns:a14="http://schemas.microsoft.com/office/drawing/2010/main">
+                <a:solidFill>
+                  <a:srgbClr val="FFFFFF"/>
+                </a:solidFill>
+              </a14:hiddenFill>
+            </a:ext>
+          </a:extLst>
+        </p:spPr>
+      </p:pic>
+      <p:sp>
+        <p:nvSpPr>
+          <p:cNvPr id="8" name="ZoneTexte 7">
+            <a:extLst>
+              <a:ext uri="{FF2B5EF4-FFF2-40B4-BE49-F238E27FC236}">
+                <a16:creationId xmlns:a16="http://schemas.microsoft.com/office/drawing/2014/main" id="{E2B5A035-C00A-460D-A6D5-0B202A648BCC}"/>
+              </a:ext>
+            </a:extLst>
+          </p:cNvPr>
+          <p:cNvSpPr txBox="1"/>
+          <p:nvPr/>
+        </p:nvSpPr>
+        <p:spPr>
+          <a:xfrm>
+            <a:off x="5355906" y="2466453"/>
+            <a:ext cx="3314700" cy="1569660"/>
+          </a:xfrm>
+          <a:prstGeom prst="rect">
+            <a:avLst/>
+          </a:prstGeom>
+          <a:noFill/>
+        </p:spPr>
+        <p:txBody>
+          <a:bodyPr wrap="square" rtlCol="0">
+            <a:spAutoFit/>
+          </a:bodyPr>
+          <a:lstStyle/>
+          <a:p>
+            <a:r>
+              <a:rPr lang="fr-FR" sz="4800" b="1" dirty="0">
+                <a:solidFill>
+                  <a:schemeClr val="bg1"/>
+                </a:solidFill>
+              </a:rPr>
+              <a:t>Veuillez patienter…</a:t>
+            </a:r>
+          </a:p>
+        </p:txBody>
+      </p:sp>
+      <p:sp>
+        <p:nvSpPr>
+          <p:cNvPr id="13" name="ZoneTexte 12">
+            <a:extLst>
+              <a:ext uri="{FF2B5EF4-FFF2-40B4-BE49-F238E27FC236}">
+                <a16:creationId xmlns:a16="http://schemas.microsoft.com/office/drawing/2014/main" id="{3806FF0C-BF60-400C-A04A-B7908A74E2B6}"/>
+              </a:ext>
+            </a:extLst>
+          </p:cNvPr>
+          <p:cNvSpPr txBox="1"/>
+          <p:nvPr/>
+        </p:nvSpPr>
+        <p:spPr>
+          <a:xfrm>
+            <a:off x="3531868" y="4312337"/>
+            <a:ext cx="5128258" cy="523220"/>
+          </a:xfrm>
+          <a:prstGeom prst="rect">
+            <a:avLst/>
+          </a:prstGeom>
+          <a:noFill/>
+        </p:spPr>
+        <p:txBody>
+          <a:bodyPr wrap="square" rtlCol="0">
+            <a:spAutoFit/>
+          </a:bodyPr>
+          <a:lstStyle/>
+          <a:p>
+            <a:pPr algn="ctr"/>
+            <a:r>
+              <a:rPr lang="fr-FR" sz="2800" b="1" dirty="0">
+                <a:solidFill>
+                  <a:schemeClr val="bg1"/>
+                </a:solidFill>
+              </a:rPr>
+              <a:t>Nous traitons votre opération </a:t>
+            </a:r>
+          </a:p>
+        </p:txBody>
+      </p:sp>
+      <p:sp>
+        <p:nvSpPr>
+          <p:cNvPr id="17" name="Sous-titre 2">
+            <a:extLst>
+              <a:ext uri="{FF2B5EF4-FFF2-40B4-BE49-F238E27FC236}">
+                <a16:creationId xmlns:a16="http://schemas.microsoft.com/office/drawing/2014/main" id="{97B02117-07C6-43DE-A0FD-3BD3CB8AA1A1}"/>
+              </a:ext>
+            </a:extLst>
+          </p:cNvPr>
+          <p:cNvSpPr>
+            <a:spLocks noGrp="1"/>
+          </p:cNvSpPr>
+          <p:nvPr>
+            <p:ph type="subTitle" idx="1"/>
+          </p:nvPr>
+        </p:nvSpPr>
+        <p:spPr>
+          <a:xfrm>
+            <a:off x="1900238" y="6208545"/>
+            <a:ext cx="8391525" cy="506579"/>
+          </a:xfrm>
+          <a:ln>
+            <a:solidFill>
+              <a:schemeClr val="tx1"/>
+            </a:solidFill>
+          </a:ln>
+        </p:spPr>
+        <p:txBody>
+          <a:bodyPr>
+            <a:normAutofit/>
+          </a:bodyPr>
+          <a:lstStyle/>
+          <a:p>
+            <a:r>
+              <a:rPr lang="fr-FR" sz="2800" dirty="0"/>
+              <a:t>Préparation du ticket</a:t>
+            </a:r>
+          </a:p>
+        </p:txBody>
+      </p:sp>
+    </p:spTree>
+    <p:extLst>
+      <p:ext uri="{BB962C8B-B14F-4D97-AF65-F5344CB8AC3E}">
+        <p14:creationId xmlns:p14="http://schemas.microsoft.com/office/powerpoint/2010/main" val="4107451318"/>
+      </p:ext>
+    </p:extLst>
+  </p:cSld>
+  <p:clrMapOvr>
+    <a:masterClrMapping/>
+  </p:clrMapOvr>
+</p:sld>
+</file>
+
+<file path=ppt/slides/slide6.xml><?xml version="1.0" encoding="utf-8"?>
+<p:sld xmlns:a="http://schemas.openxmlformats.org/drawingml/2006/main" xmlns:r="http://schemas.openxmlformats.org/officeDocument/2006/relationships" xmlns:p="http://schemas.openxmlformats.org/presentationml/2006/main">
+  <p:cSld>
+    <p:spTree>
+      <p:nvGrpSpPr>
+        <p:cNvPr id="1" name=""/>
+        <p:cNvGrpSpPr/>
+        <p:nvPr/>
+      </p:nvGrpSpPr>
+      <p:grpSpPr>
+        <a:xfrm>
+          <a:off x="0" y="0"/>
+          <a:ext cx="0" cy="0"/>
+          <a:chOff x="0" y="0"/>
+          <a:chExt cx="0" cy="0"/>
+        </a:xfrm>
+      </p:grpSpPr>
       <p:sp>
         <p:nvSpPr>
           <p:cNvPr id="4" name="Rectangle : coins arrondis 3">
@@ -5494,6 +6249,46 @@
           </p:spPr>
         </p:pic>
       </p:grpSp>
+      <p:sp>
+        <p:nvSpPr>
+          <p:cNvPr id="16" name="Sous-titre 2">
+            <a:extLst>
+              <a:ext uri="{FF2B5EF4-FFF2-40B4-BE49-F238E27FC236}">
+                <a16:creationId xmlns:a16="http://schemas.microsoft.com/office/drawing/2014/main" id="{74ABFAE1-6B34-4C47-959C-29C720FB8AD3}"/>
+              </a:ext>
+            </a:extLst>
+          </p:cNvPr>
+          <p:cNvSpPr>
+            <a:spLocks noGrp="1"/>
+          </p:cNvSpPr>
+          <p:nvPr>
+            <p:ph type="subTitle" idx="1"/>
+          </p:nvPr>
+        </p:nvSpPr>
+        <p:spPr>
+          <a:xfrm>
+            <a:off x="1900238" y="6208545"/>
+            <a:ext cx="8391525" cy="506579"/>
+          </a:xfrm>
+          <a:ln>
+            <a:solidFill>
+              <a:schemeClr val="tx1"/>
+            </a:solidFill>
+          </a:ln>
+        </p:spPr>
+        <p:txBody>
+          <a:bodyPr>
+            <a:normAutofit/>
+          </a:bodyPr>
+          <a:lstStyle/>
+          <a:p>
+            <a:r>
+              <a:rPr lang="fr-FR" sz="2800" dirty="0"/>
+              <a:t>Récupération de la carte</a:t>
+            </a:r>
+          </a:p>
+        </p:txBody>
+      </p:sp>
     </p:spTree>
     <p:extLst>
       <p:ext uri="{BB962C8B-B14F-4D97-AF65-F5344CB8AC3E}">

--- a/GAB/Version-aurelien/IHM-aurelien.pptx
+++ b/GAB/Version-aurelien/IHM-aurelien.pptx
@@ -6,19 +6,22 @@
   </p:sldMasterIdLst>
   <p:sldIdLst>
     <p:sldId id="263" r:id="rId2"/>
-    <p:sldId id="264" r:id="rId3"/>
-    <p:sldId id="265" r:id="rId4"/>
-    <p:sldId id="267" r:id="rId5"/>
-    <p:sldId id="266" r:id="rId6"/>
-    <p:sldId id="256" r:id="rId7"/>
-    <p:sldId id="262" r:id="rId8"/>
-    <p:sldId id="268" r:id="rId9"/>
-    <p:sldId id="269" r:id="rId10"/>
-    <p:sldId id="258" r:id="rId11"/>
-    <p:sldId id="259" r:id="rId12"/>
-    <p:sldId id="257" r:id="rId13"/>
-    <p:sldId id="260" r:id="rId14"/>
-    <p:sldId id="261" r:id="rId15"/>
+    <p:sldId id="271" r:id="rId3"/>
+    <p:sldId id="272" r:id="rId4"/>
+    <p:sldId id="264" r:id="rId5"/>
+    <p:sldId id="265" r:id="rId6"/>
+    <p:sldId id="267" r:id="rId7"/>
+    <p:sldId id="266" r:id="rId8"/>
+    <p:sldId id="270" r:id="rId9"/>
+    <p:sldId id="256" r:id="rId10"/>
+    <p:sldId id="262" r:id="rId11"/>
+    <p:sldId id="268" r:id="rId12"/>
+    <p:sldId id="269" r:id="rId13"/>
+    <p:sldId id="257" r:id="rId14"/>
+    <p:sldId id="258" r:id="rId15"/>
+    <p:sldId id="259" r:id="rId16"/>
+    <p:sldId id="260" r:id="rId17"/>
+    <p:sldId id="261" r:id="rId18"/>
   </p:sldIdLst>
   <p:sldSz cx="8891588" cy="6858000"/>
   <p:notesSz cx="6858000" cy="9144000"/>
@@ -256,7 +259,7 @@
           <a:p>
             <a:fld id="{C0ACAFDB-F154-4340-9CA5-1DCE496C2763}" type="datetimeFigureOut">
               <a:rPr lang="fr-FR" smtClean="0"/>
-              <a:t>22/02/2021</a:t>
+              <a:t>23/02/2021</a:t>
             </a:fld>
             <a:endParaRPr lang="fr-FR"/>
           </a:p>
@@ -426,7 +429,7 @@
           <a:p>
             <a:fld id="{C0ACAFDB-F154-4340-9CA5-1DCE496C2763}" type="datetimeFigureOut">
               <a:rPr lang="fr-FR" smtClean="0"/>
-              <a:t>22/02/2021</a:t>
+              <a:t>23/02/2021</a:t>
             </a:fld>
             <a:endParaRPr lang="fr-FR"/>
           </a:p>
@@ -606,7 +609,7 @@
           <a:p>
             <a:fld id="{C0ACAFDB-F154-4340-9CA5-1DCE496C2763}" type="datetimeFigureOut">
               <a:rPr lang="fr-FR" smtClean="0"/>
-              <a:t>22/02/2021</a:t>
+              <a:t>23/02/2021</a:t>
             </a:fld>
             <a:endParaRPr lang="fr-FR"/>
           </a:p>
@@ -776,7 +779,7 @@
           <a:p>
             <a:fld id="{C0ACAFDB-F154-4340-9CA5-1DCE496C2763}" type="datetimeFigureOut">
               <a:rPr lang="fr-FR" smtClean="0"/>
-              <a:t>22/02/2021</a:t>
+              <a:t>23/02/2021</a:t>
             </a:fld>
             <a:endParaRPr lang="fr-FR"/>
           </a:p>
@@ -1020,7 +1023,7 @@
           <a:p>
             <a:fld id="{C0ACAFDB-F154-4340-9CA5-1DCE496C2763}" type="datetimeFigureOut">
               <a:rPr lang="fr-FR" smtClean="0"/>
-              <a:t>22/02/2021</a:t>
+              <a:t>23/02/2021</a:t>
             </a:fld>
             <a:endParaRPr lang="fr-FR"/>
           </a:p>
@@ -1252,7 +1255,7 @@
           <a:p>
             <a:fld id="{C0ACAFDB-F154-4340-9CA5-1DCE496C2763}" type="datetimeFigureOut">
               <a:rPr lang="fr-FR" smtClean="0"/>
-              <a:t>22/02/2021</a:t>
+              <a:t>23/02/2021</a:t>
             </a:fld>
             <a:endParaRPr lang="fr-FR"/>
           </a:p>
@@ -1619,7 +1622,7 @@
           <a:p>
             <a:fld id="{C0ACAFDB-F154-4340-9CA5-1DCE496C2763}" type="datetimeFigureOut">
               <a:rPr lang="fr-FR" smtClean="0"/>
-              <a:t>22/02/2021</a:t>
+              <a:t>23/02/2021</a:t>
             </a:fld>
             <a:endParaRPr lang="fr-FR"/>
           </a:p>
@@ -1737,7 +1740,7 @@
           <a:p>
             <a:fld id="{C0ACAFDB-F154-4340-9CA5-1DCE496C2763}" type="datetimeFigureOut">
               <a:rPr lang="fr-FR" smtClean="0"/>
-              <a:t>22/02/2021</a:t>
+              <a:t>23/02/2021</a:t>
             </a:fld>
             <a:endParaRPr lang="fr-FR"/>
           </a:p>
@@ -1832,7 +1835,7 @@
           <a:p>
             <a:fld id="{C0ACAFDB-F154-4340-9CA5-1DCE496C2763}" type="datetimeFigureOut">
               <a:rPr lang="fr-FR" smtClean="0"/>
-              <a:t>22/02/2021</a:t>
+              <a:t>23/02/2021</a:t>
             </a:fld>
             <a:endParaRPr lang="fr-FR"/>
           </a:p>
@@ -2109,7 +2112,7 @@
           <a:p>
             <a:fld id="{C0ACAFDB-F154-4340-9CA5-1DCE496C2763}" type="datetimeFigureOut">
               <a:rPr lang="fr-FR" smtClean="0"/>
-              <a:t>22/02/2021</a:t>
+              <a:t>23/02/2021</a:t>
             </a:fld>
             <a:endParaRPr lang="fr-FR"/>
           </a:p>
@@ -2366,7 +2369,7 @@
           <a:p>
             <a:fld id="{C0ACAFDB-F154-4340-9CA5-1DCE496C2763}" type="datetimeFigureOut">
               <a:rPr lang="fr-FR" smtClean="0"/>
-              <a:t>22/02/2021</a:t>
+              <a:t>23/02/2021</a:t>
             </a:fld>
             <a:endParaRPr lang="fr-FR"/>
           </a:p>
@@ -2579,7 +2582,7 @@
           <a:p>
             <a:fld id="{C0ACAFDB-F154-4340-9CA5-1DCE496C2763}" type="datetimeFigureOut">
               <a:rPr lang="fr-FR" smtClean="0"/>
-              <a:t>22/02/2021</a:t>
+              <a:t>23/02/2021</a:t>
             </a:fld>
             <a:endParaRPr lang="fr-FR"/>
           </a:p>
@@ -3689,6 +3692,2648 @@
           <p:cNvPr id="2" name="Sous-titre 2">
             <a:extLst>
               <a:ext uri="{FF2B5EF4-FFF2-40B4-BE49-F238E27FC236}">
+                <a16:creationId xmlns:a16="http://schemas.microsoft.com/office/drawing/2014/main" id="{3091645F-2B9C-42AF-ACAC-4B76C34809DB}"/>
+              </a:ext>
+            </a:extLst>
+          </p:cNvPr>
+          <p:cNvSpPr txBox="1">
+            <a:spLocks/>
+          </p:cNvSpPr>
+          <p:nvPr/>
+        </p:nvSpPr>
+        <p:spPr>
+          <a:xfrm>
+            <a:off x="0" y="6171674"/>
+            <a:ext cx="8891588" cy="686326"/>
+          </a:xfrm>
+          <a:prstGeom prst="rect">
+            <a:avLst/>
+          </a:prstGeom>
+          <a:solidFill>
+            <a:schemeClr val="bg2">
+              <a:lumMod val="25000"/>
+            </a:schemeClr>
+          </a:solidFill>
+          <a:ln>
+            <a:solidFill>
+              <a:schemeClr val="tx1"/>
+            </a:solidFill>
+          </a:ln>
+        </p:spPr>
+        <p:txBody>
+          <a:bodyPr vert="horz" lIns="91440" tIns="45720" rIns="91440" bIns="45720" rtlCol="0" anchor="ctr">
+            <a:normAutofit/>
+          </a:bodyPr>
+          <a:lstStyle>
+            <a:lvl1pPr marL="222291" indent="-222291" algn="l" defTabSz="889163" rtl="0" eaLnBrk="1" latinLnBrk="0" hangingPunct="1">
+              <a:lnSpc>
+                <a:spcPct val="90000"/>
+              </a:lnSpc>
+              <a:spcBef>
+                <a:spcPts val="972"/>
+              </a:spcBef>
+              <a:buFont typeface="Arial" panose="020B0604020202020204" pitchFamily="34" charset="0"/>
+              <a:buChar char="•"/>
+              <a:defRPr sz="2723" kern="1200">
+                <a:solidFill>
+                  <a:schemeClr val="tx1"/>
+                </a:solidFill>
+                <a:latin typeface="+mn-lt"/>
+                <a:ea typeface="+mn-ea"/>
+                <a:cs typeface="+mn-cs"/>
+              </a:defRPr>
+            </a:lvl1pPr>
+            <a:lvl2pPr marL="666872" indent="-222291" algn="l" defTabSz="889163" rtl="0" eaLnBrk="1" latinLnBrk="0" hangingPunct="1">
+              <a:lnSpc>
+                <a:spcPct val="90000"/>
+              </a:lnSpc>
+              <a:spcBef>
+                <a:spcPts val="486"/>
+              </a:spcBef>
+              <a:buFont typeface="Arial" panose="020B0604020202020204" pitchFamily="34" charset="0"/>
+              <a:buChar char="•"/>
+              <a:defRPr sz="2334" kern="1200">
+                <a:solidFill>
+                  <a:schemeClr val="tx1"/>
+                </a:solidFill>
+                <a:latin typeface="+mn-lt"/>
+                <a:ea typeface="+mn-ea"/>
+                <a:cs typeface="+mn-cs"/>
+              </a:defRPr>
+            </a:lvl2pPr>
+            <a:lvl3pPr marL="1111453" indent="-222291" algn="l" defTabSz="889163" rtl="0" eaLnBrk="1" latinLnBrk="0" hangingPunct="1">
+              <a:lnSpc>
+                <a:spcPct val="90000"/>
+              </a:lnSpc>
+              <a:spcBef>
+                <a:spcPts val="486"/>
+              </a:spcBef>
+              <a:buFont typeface="Arial" panose="020B0604020202020204" pitchFamily="34" charset="0"/>
+              <a:buChar char="•"/>
+              <a:defRPr sz="1945" kern="1200">
+                <a:solidFill>
+                  <a:schemeClr val="tx1"/>
+                </a:solidFill>
+                <a:latin typeface="+mn-lt"/>
+                <a:ea typeface="+mn-ea"/>
+                <a:cs typeface="+mn-cs"/>
+              </a:defRPr>
+            </a:lvl3pPr>
+            <a:lvl4pPr marL="1556034" indent="-222291" algn="l" defTabSz="889163" rtl="0" eaLnBrk="1" latinLnBrk="0" hangingPunct="1">
+              <a:lnSpc>
+                <a:spcPct val="90000"/>
+              </a:lnSpc>
+              <a:spcBef>
+                <a:spcPts val="486"/>
+              </a:spcBef>
+              <a:buFont typeface="Arial" panose="020B0604020202020204" pitchFamily="34" charset="0"/>
+              <a:buChar char="•"/>
+              <a:defRPr sz="1750" kern="1200">
+                <a:solidFill>
+                  <a:schemeClr val="tx1"/>
+                </a:solidFill>
+                <a:latin typeface="+mn-lt"/>
+                <a:ea typeface="+mn-ea"/>
+                <a:cs typeface="+mn-cs"/>
+              </a:defRPr>
+            </a:lvl4pPr>
+            <a:lvl5pPr marL="2000616" indent="-222291" algn="l" defTabSz="889163" rtl="0" eaLnBrk="1" latinLnBrk="0" hangingPunct="1">
+              <a:lnSpc>
+                <a:spcPct val="90000"/>
+              </a:lnSpc>
+              <a:spcBef>
+                <a:spcPts val="486"/>
+              </a:spcBef>
+              <a:buFont typeface="Arial" panose="020B0604020202020204" pitchFamily="34" charset="0"/>
+              <a:buChar char="•"/>
+              <a:defRPr sz="1750" kern="1200">
+                <a:solidFill>
+                  <a:schemeClr val="tx1"/>
+                </a:solidFill>
+                <a:latin typeface="+mn-lt"/>
+                <a:ea typeface="+mn-ea"/>
+                <a:cs typeface="+mn-cs"/>
+              </a:defRPr>
+            </a:lvl5pPr>
+            <a:lvl6pPr marL="2445197" indent="-222291" algn="l" defTabSz="889163" rtl="0" eaLnBrk="1" latinLnBrk="0" hangingPunct="1">
+              <a:lnSpc>
+                <a:spcPct val="90000"/>
+              </a:lnSpc>
+              <a:spcBef>
+                <a:spcPts val="486"/>
+              </a:spcBef>
+              <a:buFont typeface="Arial" panose="020B0604020202020204" pitchFamily="34" charset="0"/>
+              <a:buChar char="•"/>
+              <a:defRPr sz="1750" kern="1200">
+                <a:solidFill>
+                  <a:schemeClr val="tx1"/>
+                </a:solidFill>
+                <a:latin typeface="+mn-lt"/>
+                <a:ea typeface="+mn-ea"/>
+                <a:cs typeface="+mn-cs"/>
+              </a:defRPr>
+            </a:lvl6pPr>
+            <a:lvl7pPr marL="2889778" indent="-222291" algn="l" defTabSz="889163" rtl="0" eaLnBrk="1" latinLnBrk="0" hangingPunct="1">
+              <a:lnSpc>
+                <a:spcPct val="90000"/>
+              </a:lnSpc>
+              <a:spcBef>
+                <a:spcPts val="486"/>
+              </a:spcBef>
+              <a:buFont typeface="Arial" panose="020B0604020202020204" pitchFamily="34" charset="0"/>
+              <a:buChar char="•"/>
+              <a:defRPr sz="1750" kern="1200">
+                <a:solidFill>
+                  <a:schemeClr val="tx1"/>
+                </a:solidFill>
+                <a:latin typeface="+mn-lt"/>
+                <a:ea typeface="+mn-ea"/>
+                <a:cs typeface="+mn-cs"/>
+              </a:defRPr>
+            </a:lvl7pPr>
+            <a:lvl8pPr marL="3334360" indent="-222291" algn="l" defTabSz="889163" rtl="0" eaLnBrk="1" latinLnBrk="0" hangingPunct="1">
+              <a:lnSpc>
+                <a:spcPct val="90000"/>
+              </a:lnSpc>
+              <a:spcBef>
+                <a:spcPts val="486"/>
+              </a:spcBef>
+              <a:buFont typeface="Arial" panose="020B0604020202020204" pitchFamily="34" charset="0"/>
+              <a:buChar char="•"/>
+              <a:defRPr sz="1750" kern="1200">
+                <a:solidFill>
+                  <a:schemeClr val="tx1"/>
+                </a:solidFill>
+                <a:latin typeface="+mn-lt"/>
+                <a:ea typeface="+mn-ea"/>
+                <a:cs typeface="+mn-cs"/>
+              </a:defRPr>
+            </a:lvl8pPr>
+            <a:lvl9pPr marL="3778941" indent="-222291" algn="l" defTabSz="889163" rtl="0" eaLnBrk="1" latinLnBrk="0" hangingPunct="1">
+              <a:lnSpc>
+                <a:spcPct val="90000"/>
+              </a:lnSpc>
+              <a:spcBef>
+                <a:spcPts val="486"/>
+              </a:spcBef>
+              <a:buFont typeface="Arial" panose="020B0604020202020204" pitchFamily="34" charset="0"/>
+              <a:buChar char="•"/>
+              <a:defRPr sz="1750" kern="1200">
+                <a:solidFill>
+                  <a:schemeClr val="tx1"/>
+                </a:solidFill>
+                <a:latin typeface="+mn-lt"/>
+                <a:ea typeface="+mn-ea"/>
+                <a:cs typeface="+mn-cs"/>
+              </a:defRPr>
+            </a:lvl9pPr>
+          </a:lstStyle>
+          <a:p>
+            <a:pPr marL="0" indent="0" algn="ctr">
+              <a:buNone/>
+            </a:pPr>
+            <a:r>
+              <a:rPr lang="fr-FR" sz="3200" dirty="0">
+                <a:solidFill>
+                  <a:schemeClr val="bg1"/>
+                </a:solidFill>
+              </a:rPr>
+              <a:t>Saisir un montant</a:t>
+            </a:r>
+          </a:p>
+        </p:txBody>
+      </p:sp>
+      <p:grpSp>
+        <p:nvGrpSpPr>
+          <p:cNvPr id="3" name="Groupe 2">
+            <a:extLst>
+              <a:ext uri="{FF2B5EF4-FFF2-40B4-BE49-F238E27FC236}">
+                <a16:creationId xmlns:a16="http://schemas.microsoft.com/office/drawing/2014/main" id="{912A1E3A-4EC6-4908-AD23-CCC64166B2B5}"/>
+              </a:ext>
+            </a:extLst>
+          </p:cNvPr>
+          <p:cNvGrpSpPr/>
+          <p:nvPr/>
+        </p:nvGrpSpPr>
+        <p:grpSpPr>
+          <a:xfrm>
+            <a:off x="250031" y="179747"/>
+            <a:ext cx="8391525" cy="5632283"/>
+            <a:chOff x="1900237" y="311317"/>
+            <a:chExt cx="8391525" cy="5632283"/>
+          </a:xfrm>
+        </p:grpSpPr>
+        <p:sp>
+          <p:nvSpPr>
+            <p:cNvPr id="4" name="Rectangle : coins arrondis 3">
+              <a:extLst>
+                <a:ext uri="{FF2B5EF4-FFF2-40B4-BE49-F238E27FC236}">
+                  <a16:creationId xmlns:a16="http://schemas.microsoft.com/office/drawing/2014/main" id="{280E73EF-439E-48F9-9122-8210DE6592C6}"/>
+                </a:ext>
+              </a:extLst>
+            </p:cNvPr>
+            <p:cNvSpPr/>
+            <p:nvPr/>
+          </p:nvSpPr>
+          <p:spPr>
+            <a:xfrm>
+              <a:off x="1900237" y="311317"/>
+              <a:ext cx="8391525" cy="5632283"/>
+            </a:xfrm>
+            <a:prstGeom prst="roundRect">
+              <a:avLst>
+                <a:gd name="adj" fmla="val 1999"/>
+              </a:avLst>
+            </a:prstGeom>
+            <a:gradFill flip="none" rotWithShape="1">
+              <a:gsLst>
+                <a:gs pos="8000">
+                  <a:schemeClr val="accent1"/>
+                </a:gs>
+                <a:gs pos="100000">
+                  <a:schemeClr val="accent1">
+                    <a:lumMod val="40000"/>
+                    <a:lumOff val="60000"/>
+                  </a:schemeClr>
+                </a:gs>
+              </a:gsLst>
+              <a:lin ang="16200000" scaled="1"/>
+              <a:tileRect/>
+            </a:gradFill>
+            <a:ln w="57150">
+              <a:solidFill>
+                <a:schemeClr val="tx1"/>
+              </a:solidFill>
+            </a:ln>
+            <a:effectLst>
+              <a:softEdge rad="0"/>
+            </a:effectLst>
+          </p:spPr>
+          <p:style>
+            <a:lnRef idx="2">
+              <a:schemeClr val="accent1">
+                <a:shade val="50000"/>
+              </a:schemeClr>
+            </a:lnRef>
+            <a:fillRef idx="1">
+              <a:schemeClr val="accent1"/>
+            </a:fillRef>
+            <a:effectRef idx="0">
+              <a:schemeClr val="accent1"/>
+            </a:effectRef>
+            <a:fontRef idx="minor">
+              <a:schemeClr val="lt1"/>
+            </a:fontRef>
+          </p:style>
+          <p:txBody>
+            <a:bodyPr rtlCol="0" anchor="ctr"/>
+            <a:lstStyle/>
+            <a:p>
+              <a:pPr algn="ctr"/>
+              <a:endParaRPr lang="fr-FR"/>
+            </a:p>
+          </p:txBody>
+        </p:sp>
+        <p:sp>
+          <p:nvSpPr>
+            <p:cNvPr id="5" name="Rectangle : coins arrondis 4">
+              <a:extLst>
+                <a:ext uri="{FF2B5EF4-FFF2-40B4-BE49-F238E27FC236}">
+                  <a16:creationId xmlns:a16="http://schemas.microsoft.com/office/drawing/2014/main" id="{63F6DF86-3ADF-46E7-B525-B37DD4263275}"/>
+                </a:ext>
+              </a:extLst>
+            </p:cNvPr>
+            <p:cNvSpPr/>
+            <p:nvPr/>
+          </p:nvSpPr>
+          <p:spPr>
+            <a:xfrm>
+              <a:off x="2682441" y="1793611"/>
+              <a:ext cx="6827114" cy="2777803"/>
+            </a:xfrm>
+            <a:prstGeom prst="roundRect">
+              <a:avLst>
+                <a:gd name="adj" fmla="val 3991"/>
+              </a:avLst>
+            </a:prstGeom>
+            <a:solidFill>
+              <a:schemeClr val="accent1">
+                <a:lumMod val="50000"/>
+              </a:schemeClr>
+            </a:solidFill>
+            <a:ln>
+              <a:noFill/>
+            </a:ln>
+            <a:effectLst/>
+            <a:scene3d>
+              <a:camera prst="orthographicFront">
+                <a:rot lat="0" lon="0" rev="0"/>
+              </a:camera>
+              <a:lightRig rig="glow" dir="t">
+                <a:rot lat="0" lon="0" rev="14100000"/>
+              </a:lightRig>
+            </a:scene3d>
+            <a:sp3d prstMaterial="softEdge">
+              <a:bevelT w="127000" prst="artDeco"/>
+            </a:sp3d>
+          </p:spPr>
+          <p:style>
+            <a:lnRef idx="2">
+              <a:schemeClr val="accent1">
+                <a:shade val="50000"/>
+              </a:schemeClr>
+            </a:lnRef>
+            <a:fillRef idx="1">
+              <a:schemeClr val="accent1"/>
+            </a:fillRef>
+            <a:effectRef idx="0">
+              <a:schemeClr val="accent1"/>
+            </a:effectRef>
+            <a:fontRef idx="minor">
+              <a:schemeClr val="lt1"/>
+            </a:fontRef>
+          </p:style>
+          <p:txBody>
+            <a:bodyPr rtlCol="0" anchor="ctr"/>
+            <a:lstStyle/>
+            <a:p>
+              <a:pPr algn="ctr"/>
+              <a:endParaRPr lang="fr-FR" sz="3600" dirty="0">
+                <a:solidFill>
+                  <a:schemeClr val="bg1"/>
+                </a:solidFill>
+              </a:endParaRPr>
+            </a:p>
+          </p:txBody>
+        </p:sp>
+        <p:sp>
+          <p:nvSpPr>
+            <p:cNvPr id="6" name="Rectangle 5">
+              <a:extLst>
+                <a:ext uri="{FF2B5EF4-FFF2-40B4-BE49-F238E27FC236}">
+                  <a16:creationId xmlns:a16="http://schemas.microsoft.com/office/drawing/2014/main" id="{2D28C16A-428D-4889-B5A4-0C14DA483AC8}"/>
+                </a:ext>
+              </a:extLst>
+            </p:cNvPr>
+            <p:cNvSpPr/>
+            <p:nvPr/>
+          </p:nvSpPr>
+          <p:spPr>
+            <a:xfrm>
+              <a:off x="2782655" y="452735"/>
+              <a:ext cx="6626687" cy="923330"/>
+            </a:xfrm>
+            <a:prstGeom prst="rect">
+              <a:avLst/>
+            </a:prstGeom>
+            <a:noFill/>
+          </p:spPr>
+          <p:txBody>
+            <a:bodyPr wrap="none" lIns="91440" tIns="45720" rIns="91440" bIns="45720">
+              <a:spAutoFit/>
+            </a:bodyPr>
+            <a:lstStyle/>
+            <a:p>
+              <a:pPr algn="ctr"/>
+              <a:r>
+                <a:rPr lang="fr-FR" sz="5400" b="1" dirty="0">
+                  <a:ln w="9525">
+                    <a:solidFill>
+                      <a:schemeClr val="bg2">
+                        <a:lumMod val="50000"/>
+                      </a:schemeClr>
+                    </a:solidFill>
+                    <a:prstDash val="solid"/>
+                  </a:ln>
+                  <a:solidFill>
+                    <a:schemeClr val="accent4">
+                      <a:lumMod val="60000"/>
+                      <a:lumOff val="40000"/>
+                    </a:schemeClr>
+                  </a:solidFill>
+                  <a:effectLst>
+                    <a:outerShdw blurRad="12700" dist="38100" dir="2700000" algn="tl" rotWithShape="0">
+                      <a:schemeClr val="bg1">
+                        <a:lumMod val="50000"/>
+                      </a:schemeClr>
+                    </a:outerShdw>
+                  </a:effectLst>
+                </a:rPr>
+                <a:t>-Unified Process Bank-</a:t>
+              </a:r>
+            </a:p>
+          </p:txBody>
+        </p:sp>
+        <p:sp>
+          <p:nvSpPr>
+            <p:cNvPr id="8" name="ZoneTexte 7">
+              <a:extLst>
+                <a:ext uri="{FF2B5EF4-FFF2-40B4-BE49-F238E27FC236}">
+                  <a16:creationId xmlns:a16="http://schemas.microsoft.com/office/drawing/2014/main" id="{07A7DA36-9961-4BF8-96F5-804F97294176}"/>
+                </a:ext>
+              </a:extLst>
+            </p:cNvPr>
+            <p:cNvSpPr txBox="1"/>
+            <p:nvPr/>
+          </p:nvSpPr>
+          <p:spPr>
+            <a:xfrm>
+              <a:off x="3165901" y="2643903"/>
+              <a:ext cx="2866726" cy="1077218"/>
+            </a:xfrm>
+            <a:prstGeom prst="rect">
+              <a:avLst/>
+            </a:prstGeom>
+            <a:noFill/>
+          </p:spPr>
+          <p:txBody>
+            <a:bodyPr wrap="square" rtlCol="0">
+              <a:spAutoFit/>
+            </a:bodyPr>
+            <a:lstStyle/>
+            <a:p>
+              <a:r>
+                <a:rPr lang="fr-FR" sz="3200" b="1" dirty="0">
+                  <a:solidFill>
+                    <a:schemeClr val="bg1"/>
+                  </a:solidFill>
+                </a:rPr>
+                <a:t>Veuillez saisir le montant désiré </a:t>
+              </a:r>
+            </a:p>
+          </p:txBody>
+        </p:sp>
+      </p:grpSp>
+      <p:sp>
+        <p:nvSpPr>
+          <p:cNvPr id="10" name="Rectangle : coins arrondis 9">
+            <a:extLst>
+              <a:ext uri="{FF2B5EF4-FFF2-40B4-BE49-F238E27FC236}">
+                <a16:creationId xmlns:a16="http://schemas.microsoft.com/office/drawing/2014/main" id="{07EEF76F-782C-484F-B1FE-49B5C8C8E12C}"/>
+              </a:ext>
+            </a:extLst>
+          </p:cNvPr>
+          <p:cNvSpPr/>
+          <p:nvPr/>
+        </p:nvSpPr>
+        <p:spPr>
+          <a:xfrm>
+            <a:off x="4865881" y="2742674"/>
+            <a:ext cx="2510000" cy="686326"/>
+          </a:xfrm>
+          <a:prstGeom prst="roundRect">
+            <a:avLst/>
+          </a:prstGeom>
+          <a:solidFill>
+            <a:schemeClr val="bg1"/>
+          </a:solidFill>
+          <a:ln>
+            <a:solidFill>
+              <a:schemeClr val="accent1">
+                <a:lumMod val="50000"/>
+              </a:schemeClr>
+            </a:solidFill>
+          </a:ln>
+          <a:effectLst/>
+          <a:scene3d>
+            <a:camera prst="orthographicFront">
+              <a:rot lat="0" lon="0" rev="0"/>
+            </a:camera>
+            <a:lightRig rig="glow" dir="t">
+              <a:rot lat="0" lon="0" rev="14100000"/>
+            </a:lightRig>
+          </a:scene3d>
+          <a:sp3d prstMaterial="softEdge">
+            <a:bevelT w="127000" prst="artDeco"/>
+          </a:sp3d>
+        </p:spPr>
+        <p:style>
+          <a:lnRef idx="2">
+            <a:schemeClr val="accent1">
+              <a:shade val="50000"/>
+            </a:schemeClr>
+          </a:lnRef>
+          <a:fillRef idx="1">
+            <a:schemeClr val="accent1"/>
+          </a:fillRef>
+          <a:effectRef idx="0">
+            <a:schemeClr val="accent1"/>
+          </a:effectRef>
+          <a:fontRef idx="minor">
+            <a:schemeClr val="lt1"/>
+          </a:fontRef>
+        </p:style>
+        <p:txBody>
+          <a:bodyPr rtlCol="0" anchor="ctr"/>
+          <a:lstStyle/>
+          <a:p>
+            <a:pPr algn="ctr"/>
+            <a:endParaRPr lang="fr-FR"/>
+          </a:p>
+        </p:txBody>
+      </p:sp>
+      <p:cxnSp>
+        <p:nvCxnSpPr>
+          <p:cNvPr id="12" name="Connecteur droit 11">
+            <a:extLst>
+              <a:ext uri="{FF2B5EF4-FFF2-40B4-BE49-F238E27FC236}">
+                <a16:creationId xmlns:a16="http://schemas.microsoft.com/office/drawing/2014/main" id="{BFDCCA59-46CE-4D39-9001-9D7ACF886226}"/>
+              </a:ext>
+            </a:extLst>
+          </p:cNvPr>
+          <p:cNvCxnSpPr/>
+          <p:nvPr/>
+        </p:nvCxnSpPr>
+        <p:spPr>
+          <a:xfrm>
+            <a:off x="7130837" y="2888683"/>
+            <a:ext cx="0" cy="412955"/>
+          </a:xfrm>
+          <a:prstGeom prst="line">
+            <a:avLst/>
+          </a:prstGeom>
+          <a:ln w="28575"/>
+        </p:spPr>
+        <p:style>
+          <a:lnRef idx="1">
+            <a:schemeClr val="accent1"/>
+          </a:lnRef>
+          <a:fillRef idx="0">
+            <a:schemeClr val="accent1"/>
+          </a:fillRef>
+          <a:effectRef idx="0">
+            <a:schemeClr val="accent1"/>
+          </a:effectRef>
+          <a:fontRef idx="minor">
+            <a:schemeClr val="tx1"/>
+          </a:fontRef>
+        </p:style>
+      </p:cxnSp>
+      <p:sp>
+        <p:nvSpPr>
+          <p:cNvPr id="13" name="Rectangle : coins arrondis 12">
+            <a:extLst>
+              <a:ext uri="{FF2B5EF4-FFF2-40B4-BE49-F238E27FC236}">
+                <a16:creationId xmlns:a16="http://schemas.microsoft.com/office/drawing/2014/main" id="{0CFD2F57-4366-4255-A828-54F18122800A}"/>
+              </a:ext>
+            </a:extLst>
+          </p:cNvPr>
+          <p:cNvSpPr/>
+          <p:nvPr/>
+        </p:nvSpPr>
+        <p:spPr>
+          <a:xfrm>
+            <a:off x="6423612" y="4886887"/>
+            <a:ext cx="2183948" cy="676275"/>
+          </a:xfrm>
+          <a:prstGeom prst="roundRect">
+            <a:avLst>
+              <a:gd name="adj" fmla="val 3991"/>
+            </a:avLst>
+          </a:prstGeom>
+          <a:solidFill>
+            <a:schemeClr val="bg2">
+              <a:lumMod val="25000"/>
+            </a:schemeClr>
+          </a:solidFill>
+          <a:ln>
+            <a:noFill/>
+          </a:ln>
+          <a:effectLst/>
+          <a:scene3d>
+            <a:camera prst="orthographicFront">
+              <a:rot lat="0" lon="0" rev="0"/>
+            </a:camera>
+            <a:lightRig rig="glow" dir="t">
+              <a:rot lat="0" lon="0" rev="14100000"/>
+            </a:lightRig>
+          </a:scene3d>
+          <a:sp3d prstMaterial="softEdge">
+            <a:bevelT w="127000" prst="artDeco"/>
+          </a:sp3d>
+        </p:spPr>
+        <p:style>
+          <a:lnRef idx="2">
+            <a:schemeClr val="accent1">
+              <a:shade val="50000"/>
+            </a:schemeClr>
+          </a:lnRef>
+          <a:fillRef idx="1">
+            <a:schemeClr val="accent1"/>
+          </a:fillRef>
+          <a:effectRef idx="0">
+            <a:schemeClr val="accent1"/>
+          </a:effectRef>
+          <a:fontRef idx="minor">
+            <a:schemeClr val="lt1"/>
+          </a:fontRef>
+        </p:style>
+        <p:txBody>
+          <a:bodyPr rtlCol="0" anchor="ctr"/>
+          <a:lstStyle/>
+          <a:p>
+            <a:pPr algn="ctr"/>
+            <a:r>
+              <a:rPr lang="fr-FR" sz="2400" dirty="0">
+                <a:solidFill>
+                  <a:schemeClr val="bg1"/>
+                </a:solidFill>
+              </a:rPr>
+              <a:t>Retour</a:t>
+            </a:r>
+          </a:p>
+        </p:txBody>
+      </p:sp>
+    </p:spTree>
+    <p:extLst>
+      <p:ext uri="{BB962C8B-B14F-4D97-AF65-F5344CB8AC3E}">
+        <p14:creationId xmlns:p14="http://schemas.microsoft.com/office/powerpoint/2010/main" val="3463567121"/>
+      </p:ext>
+    </p:extLst>
+  </p:cSld>
+  <p:clrMapOvr>
+    <a:masterClrMapping/>
+  </p:clrMapOvr>
+</p:sld>
+</file>
+
+<file path=ppt/slides/slide11.xml><?xml version="1.0" encoding="utf-8"?>
+<p:sld xmlns:a="http://schemas.openxmlformats.org/drawingml/2006/main" xmlns:r="http://schemas.openxmlformats.org/officeDocument/2006/relationships" xmlns:p="http://schemas.openxmlformats.org/presentationml/2006/main">
+  <p:cSld>
+    <p:spTree>
+      <p:nvGrpSpPr>
+        <p:cNvPr id="1" name=""/>
+        <p:cNvGrpSpPr/>
+        <p:nvPr/>
+      </p:nvGrpSpPr>
+      <p:grpSpPr>
+        <a:xfrm>
+          <a:off x="0" y="0"/>
+          <a:ext cx="0" cy="0"/>
+          <a:chOff x="0" y="0"/>
+          <a:chExt cx="0" cy="0"/>
+        </a:xfrm>
+      </p:grpSpPr>
+      <p:sp>
+        <p:nvSpPr>
+          <p:cNvPr id="12" name="Sous-titre 2">
+            <a:extLst>
+              <a:ext uri="{FF2B5EF4-FFF2-40B4-BE49-F238E27FC236}">
+                <a16:creationId xmlns:a16="http://schemas.microsoft.com/office/drawing/2014/main" id="{B7B52974-B731-454E-B237-2421A49809BF}"/>
+              </a:ext>
+            </a:extLst>
+          </p:cNvPr>
+          <p:cNvSpPr txBox="1">
+            <a:spLocks/>
+          </p:cNvSpPr>
+          <p:nvPr/>
+        </p:nvSpPr>
+        <p:spPr>
+          <a:xfrm>
+            <a:off x="0" y="6171674"/>
+            <a:ext cx="8891588" cy="686326"/>
+          </a:xfrm>
+          <a:prstGeom prst="rect">
+            <a:avLst/>
+          </a:prstGeom>
+          <a:solidFill>
+            <a:schemeClr val="bg2">
+              <a:lumMod val="25000"/>
+            </a:schemeClr>
+          </a:solidFill>
+          <a:ln>
+            <a:solidFill>
+              <a:schemeClr val="tx1"/>
+            </a:solidFill>
+          </a:ln>
+        </p:spPr>
+        <p:txBody>
+          <a:bodyPr vert="horz" lIns="91440" tIns="45720" rIns="91440" bIns="45720" rtlCol="0" anchor="ctr">
+            <a:normAutofit/>
+          </a:bodyPr>
+          <a:lstStyle>
+            <a:lvl1pPr marL="222291" indent="-222291" algn="l" defTabSz="889163" rtl="0" eaLnBrk="1" latinLnBrk="0" hangingPunct="1">
+              <a:lnSpc>
+                <a:spcPct val="90000"/>
+              </a:lnSpc>
+              <a:spcBef>
+                <a:spcPts val="972"/>
+              </a:spcBef>
+              <a:buFont typeface="Arial" panose="020B0604020202020204" pitchFamily="34" charset="0"/>
+              <a:buChar char="•"/>
+              <a:defRPr sz="2723" kern="1200">
+                <a:solidFill>
+                  <a:schemeClr val="tx1"/>
+                </a:solidFill>
+                <a:latin typeface="+mn-lt"/>
+                <a:ea typeface="+mn-ea"/>
+                <a:cs typeface="+mn-cs"/>
+              </a:defRPr>
+            </a:lvl1pPr>
+            <a:lvl2pPr marL="666872" indent="-222291" algn="l" defTabSz="889163" rtl="0" eaLnBrk="1" latinLnBrk="0" hangingPunct="1">
+              <a:lnSpc>
+                <a:spcPct val="90000"/>
+              </a:lnSpc>
+              <a:spcBef>
+                <a:spcPts val="486"/>
+              </a:spcBef>
+              <a:buFont typeface="Arial" panose="020B0604020202020204" pitchFamily="34" charset="0"/>
+              <a:buChar char="•"/>
+              <a:defRPr sz="2334" kern="1200">
+                <a:solidFill>
+                  <a:schemeClr val="tx1"/>
+                </a:solidFill>
+                <a:latin typeface="+mn-lt"/>
+                <a:ea typeface="+mn-ea"/>
+                <a:cs typeface="+mn-cs"/>
+              </a:defRPr>
+            </a:lvl2pPr>
+            <a:lvl3pPr marL="1111453" indent="-222291" algn="l" defTabSz="889163" rtl="0" eaLnBrk="1" latinLnBrk="0" hangingPunct="1">
+              <a:lnSpc>
+                <a:spcPct val="90000"/>
+              </a:lnSpc>
+              <a:spcBef>
+                <a:spcPts val="486"/>
+              </a:spcBef>
+              <a:buFont typeface="Arial" panose="020B0604020202020204" pitchFamily="34" charset="0"/>
+              <a:buChar char="•"/>
+              <a:defRPr sz="1945" kern="1200">
+                <a:solidFill>
+                  <a:schemeClr val="tx1"/>
+                </a:solidFill>
+                <a:latin typeface="+mn-lt"/>
+                <a:ea typeface="+mn-ea"/>
+                <a:cs typeface="+mn-cs"/>
+              </a:defRPr>
+            </a:lvl3pPr>
+            <a:lvl4pPr marL="1556034" indent="-222291" algn="l" defTabSz="889163" rtl="0" eaLnBrk="1" latinLnBrk="0" hangingPunct="1">
+              <a:lnSpc>
+                <a:spcPct val="90000"/>
+              </a:lnSpc>
+              <a:spcBef>
+                <a:spcPts val="486"/>
+              </a:spcBef>
+              <a:buFont typeface="Arial" panose="020B0604020202020204" pitchFamily="34" charset="0"/>
+              <a:buChar char="•"/>
+              <a:defRPr sz="1750" kern="1200">
+                <a:solidFill>
+                  <a:schemeClr val="tx1"/>
+                </a:solidFill>
+                <a:latin typeface="+mn-lt"/>
+                <a:ea typeface="+mn-ea"/>
+                <a:cs typeface="+mn-cs"/>
+              </a:defRPr>
+            </a:lvl4pPr>
+            <a:lvl5pPr marL="2000616" indent="-222291" algn="l" defTabSz="889163" rtl="0" eaLnBrk="1" latinLnBrk="0" hangingPunct="1">
+              <a:lnSpc>
+                <a:spcPct val="90000"/>
+              </a:lnSpc>
+              <a:spcBef>
+                <a:spcPts val="486"/>
+              </a:spcBef>
+              <a:buFont typeface="Arial" panose="020B0604020202020204" pitchFamily="34" charset="0"/>
+              <a:buChar char="•"/>
+              <a:defRPr sz="1750" kern="1200">
+                <a:solidFill>
+                  <a:schemeClr val="tx1"/>
+                </a:solidFill>
+                <a:latin typeface="+mn-lt"/>
+                <a:ea typeface="+mn-ea"/>
+                <a:cs typeface="+mn-cs"/>
+              </a:defRPr>
+            </a:lvl5pPr>
+            <a:lvl6pPr marL="2445197" indent="-222291" algn="l" defTabSz="889163" rtl="0" eaLnBrk="1" latinLnBrk="0" hangingPunct="1">
+              <a:lnSpc>
+                <a:spcPct val="90000"/>
+              </a:lnSpc>
+              <a:spcBef>
+                <a:spcPts val="486"/>
+              </a:spcBef>
+              <a:buFont typeface="Arial" panose="020B0604020202020204" pitchFamily="34" charset="0"/>
+              <a:buChar char="•"/>
+              <a:defRPr sz="1750" kern="1200">
+                <a:solidFill>
+                  <a:schemeClr val="tx1"/>
+                </a:solidFill>
+                <a:latin typeface="+mn-lt"/>
+                <a:ea typeface="+mn-ea"/>
+                <a:cs typeface="+mn-cs"/>
+              </a:defRPr>
+            </a:lvl6pPr>
+            <a:lvl7pPr marL="2889778" indent="-222291" algn="l" defTabSz="889163" rtl="0" eaLnBrk="1" latinLnBrk="0" hangingPunct="1">
+              <a:lnSpc>
+                <a:spcPct val="90000"/>
+              </a:lnSpc>
+              <a:spcBef>
+                <a:spcPts val="486"/>
+              </a:spcBef>
+              <a:buFont typeface="Arial" panose="020B0604020202020204" pitchFamily="34" charset="0"/>
+              <a:buChar char="•"/>
+              <a:defRPr sz="1750" kern="1200">
+                <a:solidFill>
+                  <a:schemeClr val="tx1"/>
+                </a:solidFill>
+                <a:latin typeface="+mn-lt"/>
+                <a:ea typeface="+mn-ea"/>
+                <a:cs typeface="+mn-cs"/>
+              </a:defRPr>
+            </a:lvl7pPr>
+            <a:lvl8pPr marL="3334360" indent="-222291" algn="l" defTabSz="889163" rtl="0" eaLnBrk="1" latinLnBrk="0" hangingPunct="1">
+              <a:lnSpc>
+                <a:spcPct val="90000"/>
+              </a:lnSpc>
+              <a:spcBef>
+                <a:spcPts val="486"/>
+              </a:spcBef>
+              <a:buFont typeface="Arial" panose="020B0604020202020204" pitchFamily="34" charset="0"/>
+              <a:buChar char="•"/>
+              <a:defRPr sz="1750" kern="1200">
+                <a:solidFill>
+                  <a:schemeClr val="tx1"/>
+                </a:solidFill>
+                <a:latin typeface="+mn-lt"/>
+                <a:ea typeface="+mn-ea"/>
+                <a:cs typeface="+mn-cs"/>
+              </a:defRPr>
+            </a:lvl8pPr>
+            <a:lvl9pPr marL="3778941" indent="-222291" algn="l" defTabSz="889163" rtl="0" eaLnBrk="1" latinLnBrk="0" hangingPunct="1">
+              <a:lnSpc>
+                <a:spcPct val="90000"/>
+              </a:lnSpc>
+              <a:spcBef>
+                <a:spcPts val="486"/>
+              </a:spcBef>
+              <a:buFont typeface="Arial" panose="020B0604020202020204" pitchFamily="34" charset="0"/>
+              <a:buChar char="•"/>
+              <a:defRPr sz="1750" kern="1200">
+                <a:solidFill>
+                  <a:schemeClr val="tx1"/>
+                </a:solidFill>
+                <a:latin typeface="+mn-lt"/>
+                <a:ea typeface="+mn-ea"/>
+                <a:cs typeface="+mn-cs"/>
+              </a:defRPr>
+            </a:lvl9pPr>
+          </a:lstStyle>
+          <a:p>
+            <a:pPr marL="0" indent="0" algn="ctr">
+              <a:buNone/>
+            </a:pPr>
+            <a:r>
+              <a:rPr lang="fr-FR" sz="3200" dirty="0">
+                <a:solidFill>
+                  <a:schemeClr val="bg1"/>
+                </a:solidFill>
+              </a:rPr>
+              <a:t>Fonds insuffisants dans le DAB</a:t>
+            </a:r>
+          </a:p>
+        </p:txBody>
+      </p:sp>
+      <p:sp>
+        <p:nvSpPr>
+          <p:cNvPr id="14" name="Rectangle : coins arrondis 13">
+            <a:extLst>
+              <a:ext uri="{FF2B5EF4-FFF2-40B4-BE49-F238E27FC236}">
+                <a16:creationId xmlns:a16="http://schemas.microsoft.com/office/drawing/2014/main" id="{516D344F-4515-43C1-9032-98953D4963F5}"/>
+              </a:ext>
+            </a:extLst>
+          </p:cNvPr>
+          <p:cNvSpPr/>
+          <p:nvPr/>
+        </p:nvSpPr>
+        <p:spPr>
+          <a:xfrm>
+            <a:off x="250031" y="179747"/>
+            <a:ext cx="8391525" cy="5632283"/>
+          </a:xfrm>
+          <a:prstGeom prst="roundRect">
+            <a:avLst>
+              <a:gd name="adj" fmla="val 1999"/>
+            </a:avLst>
+          </a:prstGeom>
+          <a:gradFill flip="none" rotWithShape="1">
+            <a:gsLst>
+              <a:gs pos="8000">
+                <a:schemeClr val="accent1"/>
+              </a:gs>
+              <a:gs pos="100000">
+                <a:schemeClr val="accent1">
+                  <a:lumMod val="40000"/>
+                  <a:lumOff val="60000"/>
+                </a:schemeClr>
+              </a:gs>
+            </a:gsLst>
+            <a:lin ang="16200000" scaled="1"/>
+            <a:tileRect/>
+          </a:gradFill>
+          <a:ln w="57150">
+            <a:solidFill>
+              <a:schemeClr val="tx1"/>
+            </a:solidFill>
+          </a:ln>
+          <a:effectLst>
+            <a:softEdge rad="0"/>
+          </a:effectLst>
+        </p:spPr>
+        <p:style>
+          <a:lnRef idx="2">
+            <a:schemeClr val="accent1">
+              <a:shade val="50000"/>
+            </a:schemeClr>
+          </a:lnRef>
+          <a:fillRef idx="1">
+            <a:schemeClr val="accent1"/>
+          </a:fillRef>
+          <a:effectRef idx="0">
+            <a:schemeClr val="accent1"/>
+          </a:effectRef>
+          <a:fontRef idx="minor">
+            <a:schemeClr val="lt1"/>
+          </a:fontRef>
+        </p:style>
+        <p:txBody>
+          <a:bodyPr rtlCol="0" anchor="ctr"/>
+          <a:lstStyle/>
+          <a:p>
+            <a:pPr algn="ctr"/>
+            <a:endParaRPr lang="fr-FR"/>
+          </a:p>
+        </p:txBody>
+      </p:sp>
+      <p:sp>
+        <p:nvSpPr>
+          <p:cNvPr id="15" name="Rectangle : coins arrondis 14">
+            <a:extLst>
+              <a:ext uri="{FF2B5EF4-FFF2-40B4-BE49-F238E27FC236}">
+                <a16:creationId xmlns:a16="http://schemas.microsoft.com/office/drawing/2014/main" id="{D96FF100-503D-4E43-ACEB-62802412FC0E}"/>
+              </a:ext>
+            </a:extLst>
+          </p:cNvPr>
+          <p:cNvSpPr/>
+          <p:nvPr/>
+        </p:nvSpPr>
+        <p:spPr>
+          <a:xfrm>
+            <a:off x="1132449" y="1800922"/>
+            <a:ext cx="6626687" cy="2519195"/>
+          </a:xfrm>
+          <a:prstGeom prst="roundRect">
+            <a:avLst>
+              <a:gd name="adj" fmla="val 3991"/>
+            </a:avLst>
+          </a:prstGeom>
+          <a:solidFill>
+            <a:schemeClr val="accent1">
+              <a:lumMod val="50000"/>
+            </a:schemeClr>
+          </a:solidFill>
+          <a:ln>
+            <a:noFill/>
+          </a:ln>
+          <a:effectLst/>
+          <a:scene3d>
+            <a:camera prst="orthographicFront">
+              <a:rot lat="0" lon="0" rev="0"/>
+            </a:camera>
+            <a:lightRig rig="glow" dir="t">
+              <a:rot lat="0" lon="0" rev="14100000"/>
+            </a:lightRig>
+          </a:scene3d>
+          <a:sp3d prstMaterial="softEdge">
+            <a:bevelT w="127000" prst="artDeco"/>
+          </a:sp3d>
+        </p:spPr>
+        <p:style>
+          <a:lnRef idx="2">
+            <a:schemeClr val="accent1">
+              <a:shade val="50000"/>
+            </a:schemeClr>
+          </a:lnRef>
+          <a:fillRef idx="1">
+            <a:schemeClr val="accent1"/>
+          </a:fillRef>
+          <a:effectRef idx="0">
+            <a:schemeClr val="accent1"/>
+          </a:effectRef>
+          <a:fontRef idx="minor">
+            <a:schemeClr val="lt1"/>
+          </a:fontRef>
+        </p:style>
+        <p:txBody>
+          <a:bodyPr rtlCol="0" anchor="ctr"/>
+          <a:lstStyle/>
+          <a:p>
+            <a:pPr algn="ctr"/>
+            <a:endParaRPr lang="fr-FR" sz="3600" dirty="0">
+              <a:solidFill>
+                <a:schemeClr val="bg1"/>
+              </a:solidFill>
+            </a:endParaRPr>
+          </a:p>
+        </p:txBody>
+      </p:sp>
+      <p:sp>
+        <p:nvSpPr>
+          <p:cNvPr id="16" name="Rectangle 15">
+            <a:extLst>
+              <a:ext uri="{FF2B5EF4-FFF2-40B4-BE49-F238E27FC236}">
+                <a16:creationId xmlns:a16="http://schemas.microsoft.com/office/drawing/2014/main" id="{49EF0595-69F0-48CC-A387-A461C6BC1E6E}"/>
+              </a:ext>
+            </a:extLst>
+          </p:cNvPr>
+          <p:cNvSpPr/>
+          <p:nvPr/>
+        </p:nvSpPr>
+        <p:spPr>
+          <a:xfrm>
+            <a:off x="1132449" y="321165"/>
+            <a:ext cx="6626687" cy="923330"/>
+          </a:xfrm>
+          <a:prstGeom prst="rect">
+            <a:avLst/>
+          </a:prstGeom>
+          <a:noFill/>
+        </p:spPr>
+        <p:txBody>
+          <a:bodyPr wrap="none" lIns="91440" tIns="45720" rIns="91440" bIns="45720">
+            <a:spAutoFit/>
+          </a:bodyPr>
+          <a:lstStyle/>
+          <a:p>
+            <a:pPr algn="ctr"/>
+            <a:r>
+              <a:rPr lang="fr-FR" sz="5400" b="1" dirty="0">
+                <a:ln w="9525">
+                  <a:solidFill>
+                    <a:schemeClr val="bg2">
+                      <a:lumMod val="50000"/>
+                    </a:schemeClr>
+                  </a:solidFill>
+                  <a:prstDash val="solid"/>
+                </a:ln>
+                <a:solidFill>
+                  <a:schemeClr val="accent4">
+                    <a:lumMod val="60000"/>
+                    <a:lumOff val="40000"/>
+                  </a:schemeClr>
+                </a:solidFill>
+                <a:effectLst>
+                  <a:outerShdw blurRad="12700" dist="38100" dir="2700000" algn="tl" rotWithShape="0">
+                    <a:schemeClr val="bg1">
+                      <a:lumMod val="50000"/>
+                    </a:schemeClr>
+                  </a:outerShdw>
+                </a:effectLst>
+              </a:rPr>
+              <a:t>-Unified Process Bank-</a:t>
+            </a:r>
+          </a:p>
+        </p:txBody>
+      </p:sp>
+      <p:sp>
+        <p:nvSpPr>
+          <p:cNvPr id="18" name="ZoneTexte 17">
+            <a:extLst>
+              <a:ext uri="{FF2B5EF4-FFF2-40B4-BE49-F238E27FC236}">
+                <a16:creationId xmlns:a16="http://schemas.microsoft.com/office/drawing/2014/main" id="{4C837BDD-0D8C-4C15-BE90-294897226D46}"/>
+              </a:ext>
+            </a:extLst>
+          </p:cNvPr>
+          <p:cNvSpPr txBox="1"/>
+          <p:nvPr/>
+        </p:nvSpPr>
+        <p:spPr>
+          <a:xfrm>
+            <a:off x="3136550" y="2216234"/>
+            <a:ext cx="3939654" cy="1200329"/>
+          </a:xfrm>
+          <a:prstGeom prst="rect">
+            <a:avLst/>
+          </a:prstGeom>
+          <a:noFill/>
+        </p:spPr>
+        <p:txBody>
+          <a:bodyPr wrap="square" rtlCol="0">
+            <a:spAutoFit/>
+          </a:bodyPr>
+          <a:lstStyle/>
+          <a:p>
+            <a:r>
+              <a:rPr lang="fr-FR" sz="3600" b="1" dirty="0">
+                <a:solidFill>
+                  <a:schemeClr val="bg1"/>
+                </a:solidFill>
+              </a:rPr>
+              <a:t>Le montant désiré n’est pas disponible</a:t>
+            </a:r>
+          </a:p>
+        </p:txBody>
+      </p:sp>
+      <p:pic>
+        <p:nvPicPr>
+          <p:cNvPr id="5124" name="Picture 4" descr="Image result for information png transparent">
+            <a:extLst>
+              <a:ext uri="{FF2B5EF4-FFF2-40B4-BE49-F238E27FC236}">
+                <a16:creationId xmlns:a16="http://schemas.microsoft.com/office/drawing/2014/main" id="{7A860CF9-3043-4676-B0FB-CB45652A5A4E}"/>
+              </a:ext>
+            </a:extLst>
+          </p:cNvPr>
+          <p:cNvPicPr>
+            <a:picLocks noChangeAspect="1" noChangeArrowheads="1"/>
+          </p:cNvPicPr>
+          <p:nvPr/>
+        </p:nvPicPr>
+        <p:blipFill>
+          <a:blip r:embed="rId2">
+            <a:duotone>
+              <a:schemeClr val="accent4">
+                <a:shade val="45000"/>
+                <a:satMod val="135000"/>
+              </a:schemeClr>
+              <a:prstClr val="white"/>
+            </a:duotone>
+            <a:extLst>
+              <a:ext uri="{28A0092B-C50C-407E-A947-70E740481C1C}">
+                <a14:useLocalDpi xmlns:a14="http://schemas.microsoft.com/office/drawing/2010/main" val="0"/>
+              </a:ext>
+            </a:extLst>
+          </a:blip>
+          <a:srcRect/>
+          <a:stretch>
+            <a:fillRect/>
+          </a:stretch>
+        </p:blipFill>
+        <p:spPr bwMode="auto">
+          <a:xfrm>
+            <a:off x="1488733" y="2170631"/>
+            <a:ext cx="1291533" cy="1291533"/>
+          </a:xfrm>
+          <a:prstGeom prst="rect">
+            <a:avLst/>
+          </a:prstGeom>
+          <a:noFill/>
+          <a:extLst>
+            <a:ext uri="{909E8E84-426E-40DD-AFC4-6F175D3DCCD1}">
+              <a14:hiddenFill xmlns:a14="http://schemas.microsoft.com/office/drawing/2010/main">
+                <a:solidFill>
+                  <a:srgbClr val="FFFFFF"/>
+                </a:solidFill>
+              </a14:hiddenFill>
+            </a:ext>
+          </a:extLst>
+        </p:spPr>
+      </p:pic>
+      <p:sp>
+        <p:nvSpPr>
+          <p:cNvPr id="20" name="Rectangle : coins arrondis 19">
+            <a:extLst>
+              <a:ext uri="{FF2B5EF4-FFF2-40B4-BE49-F238E27FC236}">
+                <a16:creationId xmlns:a16="http://schemas.microsoft.com/office/drawing/2014/main" id="{AC97BC73-C1D1-49FB-9EFC-23DF8722218A}"/>
+              </a:ext>
+            </a:extLst>
+          </p:cNvPr>
+          <p:cNvSpPr/>
+          <p:nvPr/>
+        </p:nvSpPr>
+        <p:spPr>
+          <a:xfrm>
+            <a:off x="6416237" y="4783649"/>
+            <a:ext cx="2183948" cy="676275"/>
+          </a:xfrm>
+          <a:prstGeom prst="roundRect">
+            <a:avLst>
+              <a:gd name="adj" fmla="val 3991"/>
+            </a:avLst>
+          </a:prstGeom>
+          <a:solidFill>
+            <a:schemeClr val="bg2">
+              <a:lumMod val="25000"/>
+            </a:schemeClr>
+          </a:solidFill>
+          <a:ln>
+            <a:noFill/>
+          </a:ln>
+          <a:effectLst/>
+          <a:scene3d>
+            <a:camera prst="orthographicFront">
+              <a:rot lat="0" lon="0" rev="0"/>
+            </a:camera>
+            <a:lightRig rig="glow" dir="t">
+              <a:rot lat="0" lon="0" rev="14100000"/>
+            </a:lightRig>
+          </a:scene3d>
+          <a:sp3d prstMaterial="softEdge">
+            <a:bevelT w="127000" prst="artDeco"/>
+          </a:sp3d>
+        </p:spPr>
+        <p:style>
+          <a:lnRef idx="2">
+            <a:schemeClr val="accent1">
+              <a:shade val="50000"/>
+            </a:schemeClr>
+          </a:lnRef>
+          <a:fillRef idx="1">
+            <a:schemeClr val="accent1"/>
+          </a:fillRef>
+          <a:effectRef idx="0">
+            <a:schemeClr val="accent1"/>
+          </a:effectRef>
+          <a:fontRef idx="minor">
+            <a:schemeClr val="lt1"/>
+          </a:fontRef>
+        </p:style>
+        <p:txBody>
+          <a:bodyPr rtlCol="0" anchor="ctr"/>
+          <a:lstStyle/>
+          <a:p>
+            <a:pPr algn="ctr"/>
+            <a:r>
+              <a:rPr lang="fr-FR" sz="2400" dirty="0">
+                <a:solidFill>
+                  <a:schemeClr val="bg1"/>
+                </a:solidFill>
+              </a:rPr>
+              <a:t>Continuer</a:t>
+            </a:r>
+          </a:p>
+        </p:txBody>
+      </p:sp>
+      <p:sp>
+        <p:nvSpPr>
+          <p:cNvPr id="21" name="ZoneTexte 20">
+            <a:extLst>
+              <a:ext uri="{FF2B5EF4-FFF2-40B4-BE49-F238E27FC236}">
+                <a16:creationId xmlns:a16="http://schemas.microsoft.com/office/drawing/2014/main" id="{77380A2B-E761-463E-985C-D89B36B5D2D1}"/>
+              </a:ext>
+            </a:extLst>
+          </p:cNvPr>
+          <p:cNvSpPr txBox="1"/>
+          <p:nvPr/>
+        </p:nvSpPr>
+        <p:spPr>
+          <a:xfrm>
+            <a:off x="1748965" y="3619263"/>
+            <a:ext cx="5759246" cy="461665"/>
+          </a:xfrm>
+          <a:prstGeom prst="rect">
+            <a:avLst/>
+          </a:prstGeom>
+          <a:noFill/>
+        </p:spPr>
+        <p:txBody>
+          <a:bodyPr wrap="square" rtlCol="0">
+            <a:spAutoFit/>
+          </a:bodyPr>
+          <a:lstStyle/>
+          <a:p>
+            <a:r>
+              <a:rPr lang="fr-FR" sz="2400" b="1" dirty="0">
+                <a:solidFill>
+                  <a:schemeClr val="bg1"/>
+                </a:solidFill>
+              </a:rPr>
+              <a:t>Veuillez sélectionner un montant inférieur </a:t>
+            </a:r>
+          </a:p>
+        </p:txBody>
+      </p:sp>
+      <p:sp>
+        <p:nvSpPr>
+          <p:cNvPr id="10" name="Rectangle : coins arrondis 9">
+            <a:extLst>
+              <a:ext uri="{FF2B5EF4-FFF2-40B4-BE49-F238E27FC236}">
+                <a16:creationId xmlns:a16="http://schemas.microsoft.com/office/drawing/2014/main" id="{88A758DD-FB43-42C7-A6B7-791F2C68DE26}"/>
+              </a:ext>
+            </a:extLst>
+          </p:cNvPr>
+          <p:cNvSpPr/>
+          <p:nvPr/>
+        </p:nvSpPr>
+        <p:spPr>
+          <a:xfrm>
+            <a:off x="291404" y="4783648"/>
+            <a:ext cx="2183948" cy="676275"/>
+          </a:xfrm>
+          <a:prstGeom prst="roundRect">
+            <a:avLst>
+              <a:gd name="adj" fmla="val 3991"/>
+            </a:avLst>
+          </a:prstGeom>
+          <a:solidFill>
+            <a:schemeClr val="bg2">
+              <a:lumMod val="25000"/>
+            </a:schemeClr>
+          </a:solidFill>
+          <a:ln>
+            <a:noFill/>
+          </a:ln>
+          <a:effectLst/>
+          <a:scene3d>
+            <a:camera prst="orthographicFront">
+              <a:rot lat="0" lon="0" rev="0"/>
+            </a:camera>
+            <a:lightRig rig="glow" dir="t">
+              <a:rot lat="0" lon="0" rev="14100000"/>
+            </a:lightRig>
+          </a:scene3d>
+          <a:sp3d prstMaterial="softEdge">
+            <a:bevelT w="127000" prst="artDeco"/>
+          </a:sp3d>
+        </p:spPr>
+        <p:style>
+          <a:lnRef idx="2">
+            <a:schemeClr val="accent1">
+              <a:shade val="50000"/>
+            </a:schemeClr>
+          </a:lnRef>
+          <a:fillRef idx="1">
+            <a:schemeClr val="accent1"/>
+          </a:fillRef>
+          <a:effectRef idx="0">
+            <a:schemeClr val="accent1"/>
+          </a:effectRef>
+          <a:fontRef idx="minor">
+            <a:schemeClr val="lt1"/>
+          </a:fontRef>
+        </p:style>
+        <p:txBody>
+          <a:bodyPr rtlCol="0" anchor="ctr"/>
+          <a:lstStyle/>
+          <a:p>
+            <a:pPr algn="ctr"/>
+            <a:r>
+              <a:rPr lang="fr-FR" sz="2400" dirty="0">
+                <a:solidFill>
+                  <a:schemeClr val="bg1"/>
+                </a:solidFill>
+              </a:rPr>
+              <a:t>Annuler</a:t>
+            </a:r>
+          </a:p>
+        </p:txBody>
+      </p:sp>
+    </p:spTree>
+    <p:extLst>
+      <p:ext uri="{BB962C8B-B14F-4D97-AF65-F5344CB8AC3E}">
+        <p14:creationId xmlns:p14="http://schemas.microsoft.com/office/powerpoint/2010/main" val="592091665"/>
+      </p:ext>
+    </p:extLst>
+  </p:cSld>
+  <p:clrMapOvr>
+    <a:masterClrMapping/>
+  </p:clrMapOvr>
+</p:sld>
+</file>
+
+<file path=ppt/slides/slide12.xml><?xml version="1.0" encoding="utf-8"?>
+<p:sld xmlns:a="http://schemas.openxmlformats.org/drawingml/2006/main" xmlns:r="http://schemas.openxmlformats.org/officeDocument/2006/relationships" xmlns:p="http://schemas.openxmlformats.org/presentationml/2006/main">
+  <p:cSld>
+    <p:spTree>
+      <p:nvGrpSpPr>
+        <p:cNvPr id="1" name=""/>
+        <p:cNvGrpSpPr/>
+        <p:nvPr/>
+      </p:nvGrpSpPr>
+      <p:grpSpPr>
+        <a:xfrm>
+          <a:off x="0" y="0"/>
+          <a:ext cx="0" cy="0"/>
+          <a:chOff x="0" y="0"/>
+          <a:chExt cx="0" cy="0"/>
+        </a:xfrm>
+      </p:grpSpPr>
+      <p:sp>
+        <p:nvSpPr>
+          <p:cNvPr id="12" name="Sous-titre 2">
+            <a:extLst>
+              <a:ext uri="{FF2B5EF4-FFF2-40B4-BE49-F238E27FC236}">
+                <a16:creationId xmlns:a16="http://schemas.microsoft.com/office/drawing/2014/main" id="{B7B52974-B731-454E-B237-2421A49809BF}"/>
+              </a:ext>
+            </a:extLst>
+          </p:cNvPr>
+          <p:cNvSpPr txBox="1">
+            <a:spLocks/>
+          </p:cNvSpPr>
+          <p:nvPr/>
+        </p:nvSpPr>
+        <p:spPr>
+          <a:xfrm>
+            <a:off x="0" y="6171674"/>
+            <a:ext cx="8891588" cy="686326"/>
+          </a:xfrm>
+          <a:prstGeom prst="rect">
+            <a:avLst/>
+          </a:prstGeom>
+          <a:solidFill>
+            <a:schemeClr val="bg2">
+              <a:lumMod val="25000"/>
+            </a:schemeClr>
+          </a:solidFill>
+          <a:ln>
+            <a:solidFill>
+              <a:schemeClr val="tx1"/>
+            </a:solidFill>
+          </a:ln>
+        </p:spPr>
+        <p:txBody>
+          <a:bodyPr vert="horz" lIns="91440" tIns="45720" rIns="91440" bIns="45720" rtlCol="0" anchor="ctr">
+            <a:normAutofit/>
+          </a:bodyPr>
+          <a:lstStyle>
+            <a:lvl1pPr marL="222291" indent="-222291" algn="l" defTabSz="889163" rtl="0" eaLnBrk="1" latinLnBrk="0" hangingPunct="1">
+              <a:lnSpc>
+                <a:spcPct val="90000"/>
+              </a:lnSpc>
+              <a:spcBef>
+                <a:spcPts val="972"/>
+              </a:spcBef>
+              <a:buFont typeface="Arial" panose="020B0604020202020204" pitchFamily="34" charset="0"/>
+              <a:buChar char="•"/>
+              <a:defRPr sz="2723" kern="1200">
+                <a:solidFill>
+                  <a:schemeClr val="tx1"/>
+                </a:solidFill>
+                <a:latin typeface="+mn-lt"/>
+                <a:ea typeface="+mn-ea"/>
+                <a:cs typeface="+mn-cs"/>
+              </a:defRPr>
+            </a:lvl1pPr>
+            <a:lvl2pPr marL="666872" indent="-222291" algn="l" defTabSz="889163" rtl="0" eaLnBrk="1" latinLnBrk="0" hangingPunct="1">
+              <a:lnSpc>
+                <a:spcPct val="90000"/>
+              </a:lnSpc>
+              <a:spcBef>
+                <a:spcPts val="486"/>
+              </a:spcBef>
+              <a:buFont typeface="Arial" panose="020B0604020202020204" pitchFamily="34" charset="0"/>
+              <a:buChar char="•"/>
+              <a:defRPr sz="2334" kern="1200">
+                <a:solidFill>
+                  <a:schemeClr val="tx1"/>
+                </a:solidFill>
+                <a:latin typeface="+mn-lt"/>
+                <a:ea typeface="+mn-ea"/>
+                <a:cs typeface="+mn-cs"/>
+              </a:defRPr>
+            </a:lvl2pPr>
+            <a:lvl3pPr marL="1111453" indent="-222291" algn="l" defTabSz="889163" rtl="0" eaLnBrk="1" latinLnBrk="0" hangingPunct="1">
+              <a:lnSpc>
+                <a:spcPct val="90000"/>
+              </a:lnSpc>
+              <a:spcBef>
+                <a:spcPts val="486"/>
+              </a:spcBef>
+              <a:buFont typeface="Arial" panose="020B0604020202020204" pitchFamily="34" charset="0"/>
+              <a:buChar char="•"/>
+              <a:defRPr sz="1945" kern="1200">
+                <a:solidFill>
+                  <a:schemeClr val="tx1"/>
+                </a:solidFill>
+                <a:latin typeface="+mn-lt"/>
+                <a:ea typeface="+mn-ea"/>
+                <a:cs typeface="+mn-cs"/>
+              </a:defRPr>
+            </a:lvl3pPr>
+            <a:lvl4pPr marL="1556034" indent="-222291" algn="l" defTabSz="889163" rtl="0" eaLnBrk="1" latinLnBrk="0" hangingPunct="1">
+              <a:lnSpc>
+                <a:spcPct val="90000"/>
+              </a:lnSpc>
+              <a:spcBef>
+                <a:spcPts val="486"/>
+              </a:spcBef>
+              <a:buFont typeface="Arial" panose="020B0604020202020204" pitchFamily="34" charset="0"/>
+              <a:buChar char="•"/>
+              <a:defRPr sz="1750" kern="1200">
+                <a:solidFill>
+                  <a:schemeClr val="tx1"/>
+                </a:solidFill>
+                <a:latin typeface="+mn-lt"/>
+                <a:ea typeface="+mn-ea"/>
+                <a:cs typeface="+mn-cs"/>
+              </a:defRPr>
+            </a:lvl4pPr>
+            <a:lvl5pPr marL="2000616" indent="-222291" algn="l" defTabSz="889163" rtl="0" eaLnBrk="1" latinLnBrk="0" hangingPunct="1">
+              <a:lnSpc>
+                <a:spcPct val="90000"/>
+              </a:lnSpc>
+              <a:spcBef>
+                <a:spcPts val="486"/>
+              </a:spcBef>
+              <a:buFont typeface="Arial" panose="020B0604020202020204" pitchFamily="34" charset="0"/>
+              <a:buChar char="•"/>
+              <a:defRPr sz="1750" kern="1200">
+                <a:solidFill>
+                  <a:schemeClr val="tx1"/>
+                </a:solidFill>
+                <a:latin typeface="+mn-lt"/>
+                <a:ea typeface="+mn-ea"/>
+                <a:cs typeface="+mn-cs"/>
+              </a:defRPr>
+            </a:lvl5pPr>
+            <a:lvl6pPr marL="2445197" indent="-222291" algn="l" defTabSz="889163" rtl="0" eaLnBrk="1" latinLnBrk="0" hangingPunct="1">
+              <a:lnSpc>
+                <a:spcPct val="90000"/>
+              </a:lnSpc>
+              <a:spcBef>
+                <a:spcPts val="486"/>
+              </a:spcBef>
+              <a:buFont typeface="Arial" panose="020B0604020202020204" pitchFamily="34" charset="0"/>
+              <a:buChar char="•"/>
+              <a:defRPr sz="1750" kern="1200">
+                <a:solidFill>
+                  <a:schemeClr val="tx1"/>
+                </a:solidFill>
+                <a:latin typeface="+mn-lt"/>
+                <a:ea typeface="+mn-ea"/>
+                <a:cs typeface="+mn-cs"/>
+              </a:defRPr>
+            </a:lvl6pPr>
+            <a:lvl7pPr marL="2889778" indent="-222291" algn="l" defTabSz="889163" rtl="0" eaLnBrk="1" latinLnBrk="0" hangingPunct="1">
+              <a:lnSpc>
+                <a:spcPct val="90000"/>
+              </a:lnSpc>
+              <a:spcBef>
+                <a:spcPts val="486"/>
+              </a:spcBef>
+              <a:buFont typeface="Arial" panose="020B0604020202020204" pitchFamily="34" charset="0"/>
+              <a:buChar char="•"/>
+              <a:defRPr sz="1750" kern="1200">
+                <a:solidFill>
+                  <a:schemeClr val="tx1"/>
+                </a:solidFill>
+                <a:latin typeface="+mn-lt"/>
+                <a:ea typeface="+mn-ea"/>
+                <a:cs typeface="+mn-cs"/>
+              </a:defRPr>
+            </a:lvl7pPr>
+            <a:lvl8pPr marL="3334360" indent="-222291" algn="l" defTabSz="889163" rtl="0" eaLnBrk="1" latinLnBrk="0" hangingPunct="1">
+              <a:lnSpc>
+                <a:spcPct val="90000"/>
+              </a:lnSpc>
+              <a:spcBef>
+                <a:spcPts val="486"/>
+              </a:spcBef>
+              <a:buFont typeface="Arial" panose="020B0604020202020204" pitchFamily="34" charset="0"/>
+              <a:buChar char="•"/>
+              <a:defRPr sz="1750" kern="1200">
+                <a:solidFill>
+                  <a:schemeClr val="tx1"/>
+                </a:solidFill>
+                <a:latin typeface="+mn-lt"/>
+                <a:ea typeface="+mn-ea"/>
+                <a:cs typeface="+mn-cs"/>
+              </a:defRPr>
+            </a:lvl8pPr>
+            <a:lvl9pPr marL="3778941" indent="-222291" algn="l" defTabSz="889163" rtl="0" eaLnBrk="1" latinLnBrk="0" hangingPunct="1">
+              <a:lnSpc>
+                <a:spcPct val="90000"/>
+              </a:lnSpc>
+              <a:spcBef>
+                <a:spcPts val="486"/>
+              </a:spcBef>
+              <a:buFont typeface="Arial" panose="020B0604020202020204" pitchFamily="34" charset="0"/>
+              <a:buChar char="•"/>
+              <a:defRPr sz="1750" kern="1200">
+                <a:solidFill>
+                  <a:schemeClr val="tx1"/>
+                </a:solidFill>
+                <a:latin typeface="+mn-lt"/>
+                <a:ea typeface="+mn-ea"/>
+                <a:cs typeface="+mn-cs"/>
+              </a:defRPr>
+            </a:lvl9pPr>
+          </a:lstStyle>
+          <a:p>
+            <a:pPr marL="0" indent="0" algn="ctr">
+              <a:buNone/>
+            </a:pPr>
+            <a:r>
+              <a:rPr lang="fr-FR" sz="3200" dirty="0">
+                <a:solidFill>
+                  <a:schemeClr val="bg1"/>
+                </a:solidFill>
+              </a:rPr>
+              <a:t>Fonds insuffisants sur le compte</a:t>
+            </a:r>
+          </a:p>
+        </p:txBody>
+      </p:sp>
+      <p:sp>
+        <p:nvSpPr>
+          <p:cNvPr id="14" name="Rectangle : coins arrondis 13">
+            <a:extLst>
+              <a:ext uri="{FF2B5EF4-FFF2-40B4-BE49-F238E27FC236}">
+                <a16:creationId xmlns:a16="http://schemas.microsoft.com/office/drawing/2014/main" id="{516D344F-4515-43C1-9032-98953D4963F5}"/>
+              </a:ext>
+            </a:extLst>
+          </p:cNvPr>
+          <p:cNvSpPr/>
+          <p:nvPr/>
+        </p:nvSpPr>
+        <p:spPr>
+          <a:xfrm>
+            <a:off x="250031" y="179747"/>
+            <a:ext cx="8391525" cy="5632283"/>
+          </a:xfrm>
+          <a:prstGeom prst="roundRect">
+            <a:avLst>
+              <a:gd name="adj" fmla="val 1999"/>
+            </a:avLst>
+          </a:prstGeom>
+          <a:gradFill flip="none" rotWithShape="1">
+            <a:gsLst>
+              <a:gs pos="8000">
+                <a:schemeClr val="accent1"/>
+              </a:gs>
+              <a:gs pos="100000">
+                <a:schemeClr val="accent1">
+                  <a:lumMod val="40000"/>
+                  <a:lumOff val="60000"/>
+                </a:schemeClr>
+              </a:gs>
+            </a:gsLst>
+            <a:lin ang="16200000" scaled="1"/>
+            <a:tileRect/>
+          </a:gradFill>
+          <a:ln w="57150">
+            <a:solidFill>
+              <a:schemeClr val="tx1"/>
+            </a:solidFill>
+          </a:ln>
+          <a:effectLst>
+            <a:softEdge rad="0"/>
+          </a:effectLst>
+        </p:spPr>
+        <p:style>
+          <a:lnRef idx="2">
+            <a:schemeClr val="accent1">
+              <a:shade val="50000"/>
+            </a:schemeClr>
+          </a:lnRef>
+          <a:fillRef idx="1">
+            <a:schemeClr val="accent1"/>
+          </a:fillRef>
+          <a:effectRef idx="0">
+            <a:schemeClr val="accent1"/>
+          </a:effectRef>
+          <a:fontRef idx="minor">
+            <a:schemeClr val="lt1"/>
+          </a:fontRef>
+        </p:style>
+        <p:txBody>
+          <a:bodyPr rtlCol="0" anchor="ctr"/>
+          <a:lstStyle/>
+          <a:p>
+            <a:pPr algn="ctr"/>
+            <a:endParaRPr lang="fr-FR"/>
+          </a:p>
+        </p:txBody>
+      </p:sp>
+      <p:sp>
+        <p:nvSpPr>
+          <p:cNvPr id="15" name="Rectangle : coins arrondis 14">
+            <a:extLst>
+              <a:ext uri="{FF2B5EF4-FFF2-40B4-BE49-F238E27FC236}">
+                <a16:creationId xmlns:a16="http://schemas.microsoft.com/office/drawing/2014/main" id="{D96FF100-503D-4E43-ACEB-62802412FC0E}"/>
+              </a:ext>
+            </a:extLst>
+          </p:cNvPr>
+          <p:cNvSpPr/>
+          <p:nvPr/>
+        </p:nvSpPr>
+        <p:spPr>
+          <a:xfrm>
+            <a:off x="1132449" y="1800922"/>
+            <a:ext cx="6626687" cy="2519195"/>
+          </a:xfrm>
+          <a:prstGeom prst="roundRect">
+            <a:avLst>
+              <a:gd name="adj" fmla="val 3991"/>
+            </a:avLst>
+          </a:prstGeom>
+          <a:solidFill>
+            <a:schemeClr val="accent1">
+              <a:lumMod val="50000"/>
+            </a:schemeClr>
+          </a:solidFill>
+          <a:ln>
+            <a:noFill/>
+          </a:ln>
+          <a:effectLst/>
+          <a:scene3d>
+            <a:camera prst="orthographicFront">
+              <a:rot lat="0" lon="0" rev="0"/>
+            </a:camera>
+            <a:lightRig rig="glow" dir="t">
+              <a:rot lat="0" lon="0" rev="14100000"/>
+            </a:lightRig>
+          </a:scene3d>
+          <a:sp3d prstMaterial="softEdge">
+            <a:bevelT w="127000" prst="artDeco"/>
+          </a:sp3d>
+        </p:spPr>
+        <p:style>
+          <a:lnRef idx="2">
+            <a:schemeClr val="accent1">
+              <a:shade val="50000"/>
+            </a:schemeClr>
+          </a:lnRef>
+          <a:fillRef idx="1">
+            <a:schemeClr val="accent1"/>
+          </a:fillRef>
+          <a:effectRef idx="0">
+            <a:schemeClr val="accent1"/>
+          </a:effectRef>
+          <a:fontRef idx="minor">
+            <a:schemeClr val="lt1"/>
+          </a:fontRef>
+        </p:style>
+        <p:txBody>
+          <a:bodyPr rtlCol="0" anchor="ctr"/>
+          <a:lstStyle/>
+          <a:p>
+            <a:pPr algn="ctr"/>
+            <a:endParaRPr lang="fr-FR" sz="3600" dirty="0">
+              <a:solidFill>
+                <a:schemeClr val="bg1"/>
+              </a:solidFill>
+            </a:endParaRPr>
+          </a:p>
+        </p:txBody>
+      </p:sp>
+      <p:sp>
+        <p:nvSpPr>
+          <p:cNvPr id="16" name="Rectangle 15">
+            <a:extLst>
+              <a:ext uri="{FF2B5EF4-FFF2-40B4-BE49-F238E27FC236}">
+                <a16:creationId xmlns:a16="http://schemas.microsoft.com/office/drawing/2014/main" id="{49EF0595-69F0-48CC-A387-A461C6BC1E6E}"/>
+              </a:ext>
+            </a:extLst>
+          </p:cNvPr>
+          <p:cNvSpPr/>
+          <p:nvPr/>
+        </p:nvSpPr>
+        <p:spPr>
+          <a:xfrm>
+            <a:off x="1132449" y="321165"/>
+            <a:ext cx="6626687" cy="923330"/>
+          </a:xfrm>
+          <a:prstGeom prst="rect">
+            <a:avLst/>
+          </a:prstGeom>
+          <a:noFill/>
+        </p:spPr>
+        <p:txBody>
+          <a:bodyPr wrap="none" lIns="91440" tIns="45720" rIns="91440" bIns="45720">
+            <a:spAutoFit/>
+          </a:bodyPr>
+          <a:lstStyle/>
+          <a:p>
+            <a:pPr algn="ctr"/>
+            <a:r>
+              <a:rPr lang="fr-FR" sz="5400" b="1" dirty="0">
+                <a:ln w="9525">
+                  <a:solidFill>
+                    <a:schemeClr val="bg2">
+                      <a:lumMod val="50000"/>
+                    </a:schemeClr>
+                  </a:solidFill>
+                  <a:prstDash val="solid"/>
+                </a:ln>
+                <a:solidFill>
+                  <a:schemeClr val="accent4">
+                    <a:lumMod val="60000"/>
+                    <a:lumOff val="40000"/>
+                  </a:schemeClr>
+                </a:solidFill>
+                <a:effectLst>
+                  <a:outerShdw blurRad="12700" dist="38100" dir="2700000" algn="tl" rotWithShape="0">
+                    <a:schemeClr val="bg1">
+                      <a:lumMod val="50000"/>
+                    </a:schemeClr>
+                  </a:outerShdw>
+                </a:effectLst>
+              </a:rPr>
+              <a:t>-Unified Process Bank-</a:t>
+            </a:r>
+          </a:p>
+        </p:txBody>
+      </p:sp>
+      <p:sp>
+        <p:nvSpPr>
+          <p:cNvPr id="18" name="ZoneTexte 17">
+            <a:extLst>
+              <a:ext uri="{FF2B5EF4-FFF2-40B4-BE49-F238E27FC236}">
+                <a16:creationId xmlns:a16="http://schemas.microsoft.com/office/drawing/2014/main" id="{4C837BDD-0D8C-4C15-BE90-294897226D46}"/>
+              </a:ext>
+            </a:extLst>
+          </p:cNvPr>
+          <p:cNvSpPr txBox="1"/>
+          <p:nvPr/>
+        </p:nvSpPr>
+        <p:spPr>
+          <a:xfrm>
+            <a:off x="3136550" y="2275689"/>
+            <a:ext cx="4053289" cy="1446550"/>
+          </a:xfrm>
+          <a:prstGeom prst="rect">
+            <a:avLst/>
+          </a:prstGeom>
+          <a:noFill/>
+        </p:spPr>
+        <p:txBody>
+          <a:bodyPr wrap="square" rtlCol="0">
+            <a:spAutoFit/>
+          </a:bodyPr>
+          <a:lstStyle/>
+          <a:p>
+            <a:r>
+              <a:rPr lang="fr-FR" sz="3200" b="1" dirty="0">
+                <a:solidFill>
+                  <a:schemeClr val="bg1"/>
+                </a:solidFill>
+              </a:rPr>
+              <a:t>Opération impossible:</a:t>
+            </a:r>
+          </a:p>
+          <a:p>
+            <a:r>
+              <a:rPr lang="fr-FR" sz="2800" b="1" dirty="0">
+                <a:solidFill>
+                  <a:schemeClr val="bg1"/>
+                </a:solidFill>
+              </a:rPr>
+              <a:t>«Message personnalisé en fonction de la raison»</a:t>
+            </a:r>
+          </a:p>
+        </p:txBody>
+      </p:sp>
+      <p:pic>
+        <p:nvPicPr>
+          <p:cNvPr id="5124" name="Picture 4" descr="Image result for information png transparent">
+            <a:extLst>
+              <a:ext uri="{FF2B5EF4-FFF2-40B4-BE49-F238E27FC236}">
+                <a16:creationId xmlns:a16="http://schemas.microsoft.com/office/drawing/2014/main" id="{7A860CF9-3043-4676-B0FB-CB45652A5A4E}"/>
+              </a:ext>
+            </a:extLst>
+          </p:cNvPr>
+          <p:cNvPicPr>
+            <a:picLocks noChangeAspect="1" noChangeArrowheads="1"/>
+          </p:cNvPicPr>
+          <p:nvPr/>
+        </p:nvPicPr>
+        <p:blipFill>
+          <a:blip r:embed="rId2">
+            <a:duotone>
+              <a:schemeClr val="accent4">
+                <a:shade val="45000"/>
+                <a:satMod val="135000"/>
+              </a:schemeClr>
+              <a:prstClr val="white"/>
+            </a:duotone>
+            <a:extLst>
+              <a:ext uri="{28A0092B-C50C-407E-A947-70E740481C1C}">
+                <a14:useLocalDpi xmlns:a14="http://schemas.microsoft.com/office/drawing/2010/main" val="0"/>
+              </a:ext>
+            </a:extLst>
+          </a:blip>
+          <a:srcRect/>
+          <a:stretch>
+            <a:fillRect/>
+          </a:stretch>
+        </p:blipFill>
+        <p:spPr bwMode="auto">
+          <a:xfrm>
+            <a:off x="1488733" y="2170631"/>
+            <a:ext cx="1291533" cy="1291533"/>
+          </a:xfrm>
+          <a:prstGeom prst="rect">
+            <a:avLst/>
+          </a:prstGeom>
+          <a:noFill/>
+          <a:extLst>
+            <a:ext uri="{909E8E84-426E-40DD-AFC4-6F175D3DCCD1}">
+              <a14:hiddenFill xmlns:a14="http://schemas.microsoft.com/office/drawing/2010/main">
+                <a:solidFill>
+                  <a:srgbClr val="FFFFFF"/>
+                </a:solidFill>
+              </a14:hiddenFill>
+            </a:ext>
+          </a:extLst>
+        </p:spPr>
+      </p:pic>
+      <p:sp>
+        <p:nvSpPr>
+          <p:cNvPr id="20" name="Rectangle : coins arrondis 19">
+            <a:extLst>
+              <a:ext uri="{FF2B5EF4-FFF2-40B4-BE49-F238E27FC236}">
+                <a16:creationId xmlns:a16="http://schemas.microsoft.com/office/drawing/2014/main" id="{AC97BC73-C1D1-49FB-9EFC-23DF8722218A}"/>
+              </a:ext>
+            </a:extLst>
+          </p:cNvPr>
+          <p:cNvSpPr/>
+          <p:nvPr/>
+        </p:nvSpPr>
+        <p:spPr>
+          <a:xfrm>
+            <a:off x="5899355" y="4783649"/>
+            <a:ext cx="2700830" cy="676275"/>
+          </a:xfrm>
+          <a:prstGeom prst="roundRect">
+            <a:avLst>
+              <a:gd name="adj" fmla="val 3991"/>
+            </a:avLst>
+          </a:prstGeom>
+          <a:solidFill>
+            <a:schemeClr val="bg2">
+              <a:lumMod val="25000"/>
+            </a:schemeClr>
+          </a:solidFill>
+          <a:ln>
+            <a:noFill/>
+          </a:ln>
+          <a:effectLst/>
+          <a:scene3d>
+            <a:camera prst="orthographicFront">
+              <a:rot lat="0" lon="0" rev="0"/>
+            </a:camera>
+            <a:lightRig rig="glow" dir="t">
+              <a:rot lat="0" lon="0" rev="14100000"/>
+            </a:lightRig>
+          </a:scene3d>
+          <a:sp3d prstMaterial="softEdge">
+            <a:bevelT w="127000" prst="artDeco"/>
+          </a:sp3d>
+        </p:spPr>
+        <p:style>
+          <a:lnRef idx="2">
+            <a:schemeClr val="accent1">
+              <a:shade val="50000"/>
+            </a:schemeClr>
+          </a:lnRef>
+          <a:fillRef idx="1">
+            <a:schemeClr val="accent1"/>
+          </a:fillRef>
+          <a:effectRef idx="0">
+            <a:schemeClr val="accent1"/>
+          </a:effectRef>
+          <a:fontRef idx="minor">
+            <a:schemeClr val="lt1"/>
+          </a:fontRef>
+        </p:style>
+        <p:txBody>
+          <a:bodyPr rtlCol="0" anchor="ctr"/>
+          <a:lstStyle/>
+          <a:p>
+            <a:pPr algn="ctr"/>
+            <a:r>
+              <a:rPr lang="fr-FR" sz="2400" dirty="0">
+                <a:solidFill>
+                  <a:schemeClr val="bg1"/>
+                </a:solidFill>
+              </a:rPr>
+              <a:t>Récupérer la carte</a:t>
+            </a:r>
+          </a:p>
+        </p:txBody>
+      </p:sp>
+    </p:spTree>
+    <p:extLst>
+      <p:ext uri="{BB962C8B-B14F-4D97-AF65-F5344CB8AC3E}">
+        <p14:creationId xmlns:p14="http://schemas.microsoft.com/office/powerpoint/2010/main" val="1366676928"/>
+      </p:ext>
+    </p:extLst>
+  </p:cSld>
+  <p:clrMapOvr>
+    <a:masterClrMapping/>
+  </p:clrMapOvr>
+</p:sld>
+</file>
+
+<file path=ppt/slides/slide13.xml><?xml version="1.0" encoding="utf-8"?>
+<p:sld xmlns:a="http://schemas.openxmlformats.org/drawingml/2006/main" xmlns:r="http://schemas.openxmlformats.org/officeDocument/2006/relationships" xmlns:p="http://schemas.openxmlformats.org/presentationml/2006/main">
+  <p:cSld>
+    <p:spTree>
+      <p:nvGrpSpPr>
+        <p:cNvPr id="1" name=""/>
+        <p:cNvGrpSpPr/>
+        <p:nvPr/>
+      </p:nvGrpSpPr>
+      <p:grpSpPr>
+        <a:xfrm>
+          <a:off x="0" y="0"/>
+          <a:ext cx="0" cy="0"/>
+          <a:chOff x="0" y="0"/>
+          <a:chExt cx="0" cy="0"/>
+        </a:xfrm>
+      </p:grpSpPr>
+      <p:sp>
+        <p:nvSpPr>
+          <p:cNvPr id="12" name="Sous-titre 2">
+            <a:extLst>
+              <a:ext uri="{FF2B5EF4-FFF2-40B4-BE49-F238E27FC236}">
+                <a16:creationId xmlns:a16="http://schemas.microsoft.com/office/drawing/2014/main" id="{B7B52974-B731-454E-B237-2421A49809BF}"/>
+              </a:ext>
+            </a:extLst>
+          </p:cNvPr>
+          <p:cNvSpPr txBox="1">
+            <a:spLocks/>
+          </p:cNvSpPr>
+          <p:nvPr/>
+        </p:nvSpPr>
+        <p:spPr>
+          <a:xfrm>
+            <a:off x="0" y="6171674"/>
+            <a:ext cx="8891588" cy="686326"/>
+          </a:xfrm>
+          <a:prstGeom prst="rect">
+            <a:avLst/>
+          </a:prstGeom>
+          <a:solidFill>
+            <a:schemeClr val="bg2">
+              <a:lumMod val="25000"/>
+            </a:schemeClr>
+          </a:solidFill>
+          <a:ln>
+            <a:solidFill>
+              <a:schemeClr val="tx1"/>
+            </a:solidFill>
+          </a:ln>
+        </p:spPr>
+        <p:txBody>
+          <a:bodyPr vert="horz" lIns="91440" tIns="45720" rIns="91440" bIns="45720" rtlCol="0" anchor="ctr">
+            <a:normAutofit/>
+          </a:bodyPr>
+          <a:lstStyle>
+            <a:lvl1pPr marL="222291" indent="-222291" algn="l" defTabSz="889163" rtl="0" eaLnBrk="1" latinLnBrk="0" hangingPunct="1">
+              <a:lnSpc>
+                <a:spcPct val="90000"/>
+              </a:lnSpc>
+              <a:spcBef>
+                <a:spcPts val="972"/>
+              </a:spcBef>
+              <a:buFont typeface="Arial" panose="020B0604020202020204" pitchFamily="34" charset="0"/>
+              <a:buChar char="•"/>
+              <a:defRPr sz="2723" kern="1200">
+                <a:solidFill>
+                  <a:schemeClr val="tx1"/>
+                </a:solidFill>
+                <a:latin typeface="+mn-lt"/>
+                <a:ea typeface="+mn-ea"/>
+                <a:cs typeface="+mn-cs"/>
+              </a:defRPr>
+            </a:lvl1pPr>
+            <a:lvl2pPr marL="666872" indent="-222291" algn="l" defTabSz="889163" rtl="0" eaLnBrk="1" latinLnBrk="0" hangingPunct="1">
+              <a:lnSpc>
+                <a:spcPct val="90000"/>
+              </a:lnSpc>
+              <a:spcBef>
+                <a:spcPts val="486"/>
+              </a:spcBef>
+              <a:buFont typeface="Arial" panose="020B0604020202020204" pitchFamily="34" charset="0"/>
+              <a:buChar char="•"/>
+              <a:defRPr sz="2334" kern="1200">
+                <a:solidFill>
+                  <a:schemeClr val="tx1"/>
+                </a:solidFill>
+                <a:latin typeface="+mn-lt"/>
+                <a:ea typeface="+mn-ea"/>
+                <a:cs typeface="+mn-cs"/>
+              </a:defRPr>
+            </a:lvl2pPr>
+            <a:lvl3pPr marL="1111453" indent="-222291" algn="l" defTabSz="889163" rtl="0" eaLnBrk="1" latinLnBrk="0" hangingPunct="1">
+              <a:lnSpc>
+                <a:spcPct val="90000"/>
+              </a:lnSpc>
+              <a:spcBef>
+                <a:spcPts val="486"/>
+              </a:spcBef>
+              <a:buFont typeface="Arial" panose="020B0604020202020204" pitchFamily="34" charset="0"/>
+              <a:buChar char="•"/>
+              <a:defRPr sz="1945" kern="1200">
+                <a:solidFill>
+                  <a:schemeClr val="tx1"/>
+                </a:solidFill>
+                <a:latin typeface="+mn-lt"/>
+                <a:ea typeface="+mn-ea"/>
+                <a:cs typeface="+mn-cs"/>
+              </a:defRPr>
+            </a:lvl3pPr>
+            <a:lvl4pPr marL="1556034" indent="-222291" algn="l" defTabSz="889163" rtl="0" eaLnBrk="1" latinLnBrk="0" hangingPunct="1">
+              <a:lnSpc>
+                <a:spcPct val="90000"/>
+              </a:lnSpc>
+              <a:spcBef>
+                <a:spcPts val="486"/>
+              </a:spcBef>
+              <a:buFont typeface="Arial" panose="020B0604020202020204" pitchFamily="34" charset="0"/>
+              <a:buChar char="•"/>
+              <a:defRPr sz="1750" kern="1200">
+                <a:solidFill>
+                  <a:schemeClr val="tx1"/>
+                </a:solidFill>
+                <a:latin typeface="+mn-lt"/>
+                <a:ea typeface="+mn-ea"/>
+                <a:cs typeface="+mn-cs"/>
+              </a:defRPr>
+            </a:lvl4pPr>
+            <a:lvl5pPr marL="2000616" indent="-222291" algn="l" defTabSz="889163" rtl="0" eaLnBrk="1" latinLnBrk="0" hangingPunct="1">
+              <a:lnSpc>
+                <a:spcPct val="90000"/>
+              </a:lnSpc>
+              <a:spcBef>
+                <a:spcPts val="486"/>
+              </a:spcBef>
+              <a:buFont typeface="Arial" panose="020B0604020202020204" pitchFamily="34" charset="0"/>
+              <a:buChar char="•"/>
+              <a:defRPr sz="1750" kern="1200">
+                <a:solidFill>
+                  <a:schemeClr val="tx1"/>
+                </a:solidFill>
+                <a:latin typeface="+mn-lt"/>
+                <a:ea typeface="+mn-ea"/>
+                <a:cs typeface="+mn-cs"/>
+              </a:defRPr>
+            </a:lvl5pPr>
+            <a:lvl6pPr marL="2445197" indent="-222291" algn="l" defTabSz="889163" rtl="0" eaLnBrk="1" latinLnBrk="0" hangingPunct="1">
+              <a:lnSpc>
+                <a:spcPct val="90000"/>
+              </a:lnSpc>
+              <a:spcBef>
+                <a:spcPts val="486"/>
+              </a:spcBef>
+              <a:buFont typeface="Arial" panose="020B0604020202020204" pitchFamily="34" charset="0"/>
+              <a:buChar char="•"/>
+              <a:defRPr sz="1750" kern="1200">
+                <a:solidFill>
+                  <a:schemeClr val="tx1"/>
+                </a:solidFill>
+                <a:latin typeface="+mn-lt"/>
+                <a:ea typeface="+mn-ea"/>
+                <a:cs typeface="+mn-cs"/>
+              </a:defRPr>
+            </a:lvl6pPr>
+            <a:lvl7pPr marL="2889778" indent="-222291" algn="l" defTabSz="889163" rtl="0" eaLnBrk="1" latinLnBrk="0" hangingPunct="1">
+              <a:lnSpc>
+                <a:spcPct val="90000"/>
+              </a:lnSpc>
+              <a:spcBef>
+                <a:spcPts val="486"/>
+              </a:spcBef>
+              <a:buFont typeface="Arial" panose="020B0604020202020204" pitchFamily="34" charset="0"/>
+              <a:buChar char="•"/>
+              <a:defRPr sz="1750" kern="1200">
+                <a:solidFill>
+                  <a:schemeClr val="tx1"/>
+                </a:solidFill>
+                <a:latin typeface="+mn-lt"/>
+                <a:ea typeface="+mn-ea"/>
+                <a:cs typeface="+mn-cs"/>
+              </a:defRPr>
+            </a:lvl7pPr>
+            <a:lvl8pPr marL="3334360" indent="-222291" algn="l" defTabSz="889163" rtl="0" eaLnBrk="1" latinLnBrk="0" hangingPunct="1">
+              <a:lnSpc>
+                <a:spcPct val="90000"/>
+              </a:lnSpc>
+              <a:spcBef>
+                <a:spcPts val="486"/>
+              </a:spcBef>
+              <a:buFont typeface="Arial" panose="020B0604020202020204" pitchFamily="34" charset="0"/>
+              <a:buChar char="•"/>
+              <a:defRPr sz="1750" kern="1200">
+                <a:solidFill>
+                  <a:schemeClr val="tx1"/>
+                </a:solidFill>
+                <a:latin typeface="+mn-lt"/>
+                <a:ea typeface="+mn-ea"/>
+                <a:cs typeface="+mn-cs"/>
+              </a:defRPr>
+            </a:lvl8pPr>
+            <a:lvl9pPr marL="3778941" indent="-222291" algn="l" defTabSz="889163" rtl="0" eaLnBrk="1" latinLnBrk="0" hangingPunct="1">
+              <a:lnSpc>
+                <a:spcPct val="90000"/>
+              </a:lnSpc>
+              <a:spcBef>
+                <a:spcPts val="486"/>
+              </a:spcBef>
+              <a:buFont typeface="Arial" panose="020B0604020202020204" pitchFamily="34" charset="0"/>
+              <a:buChar char="•"/>
+              <a:defRPr sz="1750" kern="1200">
+                <a:solidFill>
+                  <a:schemeClr val="tx1"/>
+                </a:solidFill>
+                <a:latin typeface="+mn-lt"/>
+                <a:ea typeface="+mn-ea"/>
+                <a:cs typeface="+mn-cs"/>
+              </a:defRPr>
+            </a:lvl9pPr>
+          </a:lstStyle>
+          <a:p>
+            <a:pPr marL="0" indent="0" algn="ctr">
+              <a:buNone/>
+            </a:pPr>
+            <a:r>
+              <a:rPr lang="fr-FR" sz="3200" dirty="0">
+                <a:solidFill>
+                  <a:schemeClr val="bg1"/>
+                </a:solidFill>
+              </a:rPr>
+              <a:t>Préparation des billets</a:t>
+            </a:r>
+          </a:p>
+        </p:txBody>
+      </p:sp>
+      <p:grpSp>
+        <p:nvGrpSpPr>
+          <p:cNvPr id="13" name="Groupe 12">
+            <a:extLst>
+              <a:ext uri="{FF2B5EF4-FFF2-40B4-BE49-F238E27FC236}">
+                <a16:creationId xmlns:a16="http://schemas.microsoft.com/office/drawing/2014/main" id="{B43BAE69-B0CA-4628-93A0-40FC15E699F2}"/>
+              </a:ext>
+            </a:extLst>
+          </p:cNvPr>
+          <p:cNvGrpSpPr/>
+          <p:nvPr/>
+        </p:nvGrpSpPr>
+        <p:grpSpPr>
+          <a:xfrm>
+            <a:off x="250031" y="179747"/>
+            <a:ext cx="8391525" cy="5632283"/>
+            <a:chOff x="1900237" y="311317"/>
+            <a:chExt cx="8391525" cy="5632283"/>
+          </a:xfrm>
+        </p:grpSpPr>
+        <p:sp>
+          <p:nvSpPr>
+            <p:cNvPr id="14" name="Rectangle : coins arrondis 13">
+              <a:extLst>
+                <a:ext uri="{FF2B5EF4-FFF2-40B4-BE49-F238E27FC236}">
+                  <a16:creationId xmlns:a16="http://schemas.microsoft.com/office/drawing/2014/main" id="{516D344F-4515-43C1-9032-98953D4963F5}"/>
+                </a:ext>
+              </a:extLst>
+            </p:cNvPr>
+            <p:cNvSpPr/>
+            <p:nvPr/>
+          </p:nvSpPr>
+          <p:spPr>
+            <a:xfrm>
+              <a:off x="1900237" y="311317"/>
+              <a:ext cx="8391525" cy="5632283"/>
+            </a:xfrm>
+            <a:prstGeom prst="roundRect">
+              <a:avLst>
+                <a:gd name="adj" fmla="val 1999"/>
+              </a:avLst>
+            </a:prstGeom>
+            <a:gradFill flip="none" rotWithShape="1">
+              <a:gsLst>
+                <a:gs pos="8000">
+                  <a:schemeClr val="accent1"/>
+                </a:gs>
+                <a:gs pos="100000">
+                  <a:schemeClr val="accent1">
+                    <a:lumMod val="40000"/>
+                    <a:lumOff val="60000"/>
+                  </a:schemeClr>
+                </a:gs>
+              </a:gsLst>
+              <a:lin ang="16200000" scaled="1"/>
+              <a:tileRect/>
+            </a:gradFill>
+            <a:ln w="57150">
+              <a:solidFill>
+                <a:schemeClr val="tx1"/>
+              </a:solidFill>
+            </a:ln>
+            <a:effectLst>
+              <a:softEdge rad="0"/>
+            </a:effectLst>
+          </p:spPr>
+          <p:style>
+            <a:lnRef idx="2">
+              <a:schemeClr val="accent1">
+                <a:shade val="50000"/>
+              </a:schemeClr>
+            </a:lnRef>
+            <a:fillRef idx="1">
+              <a:schemeClr val="accent1"/>
+            </a:fillRef>
+            <a:effectRef idx="0">
+              <a:schemeClr val="accent1"/>
+            </a:effectRef>
+            <a:fontRef idx="minor">
+              <a:schemeClr val="lt1"/>
+            </a:fontRef>
+          </p:style>
+          <p:txBody>
+            <a:bodyPr rtlCol="0" anchor="ctr"/>
+            <a:lstStyle/>
+            <a:p>
+              <a:pPr algn="ctr"/>
+              <a:endParaRPr lang="fr-FR"/>
+            </a:p>
+          </p:txBody>
+        </p:sp>
+        <p:sp>
+          <p:nvSpPr>
+            <p:cNvPr id="15" name="Rectangle : coins arrondis 14">
+              <a:extLst>
+                <a:ext uri="{FF2B5EF4-FFF2-40B4-BE49-F238E27FC236}">
+                  <a16:creationId xmlns:a16="http://schemas.microsoft.com/office/drawing/2014/main" id="{D96FF100-503D-4E43-ACEB-62802412FC0E}"/>
+                </a:ext>
+              </a:extLst>
+            </p:cNvPr>
+            <p:cNvSpPr/>
+            <p:nvPr/>
+          </p:nvSpPr>
+          <p:spPr>
+            <a:xfrm>
+              <a:off x="3138485" y="2036380"/>
+              <a:ext cx="5915025" cy="3246904"/>
+            </a:xfrm>
+            <a:prstGeom prst="roundRect">
+              <a:avLst>
+                <a:gd name="adj" fmla="val 3991"/>
+              </a:avLst>
+            </a:prstGeom>
+            <a:solidFill>
+              <a:schemeClr val="accent1">
+                <a:lumMod val="50000"/>
+              </a:schemeClr>
+            </a:solidFill>
+            <a:ln>
+              <a:noFill/>
+            </a:ln>
+            <a:effectLst/>
+            <a:scene3d>
+              <a:camera prst="orthographicFront">
+                <a:rot lat="0" lon="0" rev="0"/>
+              </a:camera>
+              <a:lightRig rig="glow" dir="t">
+                <a:rot lat="0" lon="0" rev="14100000"/>
+              </a:lightRig>
+            </a:scene3d>
+            <a:sp3d prstMaterial="softEdge">
+              <a:bevelT w="127000" prst="artDeco"/>
+            </a:sp3d>
+          </p:spPr>
+          <p:style>
+            <a:lnRef idx="2">
+              <a:schemeClr val="accent1">
+                <a:shade val="50000"/>
+              </a:schemeClr>
+            </a:lnRef>
+            <a:fillRef idx="1">
+              <a:schemeClr val="accent1"/>
+            </a:fillRef>
+            <a:effectRef idx="0">
+              <a:schemeClr val="accent1"/>
+            </a:effectRef>
+            <a:fontRef idx="minor">
+              <a:schemeClr val="lt1"/>
+            </a:fontRef>
+          </p:style>
+          <p:txBody>
+            <a:bodyPr rtlCol="0" anchor="ctr"/>
+            <a:lstStyle/>
+            <a:p>
+              <a:pPr algn="ctr"/>
+              <a:endParaRPr lang="fr-FR" sz="3600" dirty="0">
+                <a:solidFill>
+                  <a:schemeClr val="bg1"/>
+                </a:solidFill>
+              </a:endParaRPr>
+            </a:p>
+          </p:txBody>
+        </p:sp>
+        <p:sp>
+          <p:nvSpPr>
+            <p:cNvPr id="16" name="Rectangle 15">
+              <a:extLst>
+                <a:ext uri="{FF2B5EF4-FFF2-40B4-BE49-F238E27FC236}">
+                  <a16:creationId xmlns:a16="http://schemas.microsoft.com/office/drawing/2014/main" id="{49EF0595-69F0-48CC-A387-A461C6BC1E6E}"/>
+                </a:ext>
+              </a:extLst>
+            </p:cNvPr>
+            <p:cNvSpPr/>
+            <p:nvPr/>
+          </p:nvSpPr>
+          <p:spPr>
+            <a:xfrm>
+              <a:off x="2782655" y="452735"/>
+              <a:ext cx="6626687" cy="923330"/>
+            </a:xfrm>
+            <a:prstGeom prst="rect">
+              <a:avLst/>
+            </a:prstGeom>
+            <a:noFill/>
+          </p:spPr>
+          <p:txBody>
+            <a:bodyPr wrap="none" lIns="91440" tIns="45720" rIns="91440" bIns="45720">
+              <a:spAutoFit/>
+            </a:bodyPr>
+            <a:lstStyle/>
+            <a:p>
+              <a:pPr algn="ctr"/>
+              <a:r>
+                <a:rPr lang="fr-FR" sz="5400" b="1" dirty="0">
+                  <a:ln w="9525">
+                    <a:solidFill>
+                      <a:schemeClr val="bg2">
+                        <a:lumMod val="50000"/>
+                      </a:schemeClr>
+                    </a:solidFill>
+                    <a:prstDash val="solid"/>
+                  </a:ln>
+                  <a:solidFill>
+                    <a:schemeClr val="accent4">
+                      <a:lumMod val="60000"/>
+                      <a:lumOff val="40000"/>
+                    </a:schemeClr>
+                  </a:solidFill>
+                  <a:effectLst>
+                    <a:outerShdw blurRad="12700" dist="38100" dir="2700000" algn="tl" rotWithShape="0">
+                      <a:schemeClr val="bg1">
+                        <a:lumMod val="50000"/>
+                      </a:schemeClr>
+                    </a:outerShdw>
+                  </a:effectLst>
+                </a:rPr>
+                <a:t>-Unified Process Bank-</a:t>
+              </a:r>
+            </a:p>
+          </p:txBody>
+        </p:sp>
+        <p:pic>
+          <p:nvPicPr>
+            <p:cNvPr id="17" name="Picture 4" descr="Image result for patientez png transaparent">
+              <a:extLst>
+                <a:ext uri="{FF2B5EF4-FFF2-40B4-BE49-F238E27FC236}">
+                  <a16:creationId xmlns:a16="http://schemas.microsoft.com/office/drawing/2014/main" id="{BB398115-CE77-494E-95AC-1746F01A2EC2}"/>
+                </a:ext>
+              </a:extLst>
+            </p:cNvPr>
+            <p:cNvPicPr>
+              <a:picLocks noChangeAspect="1" noChangeArrowheads="1"/>
+            </p:cNvPicPr>
+            <p:nvPr/>
+          </p:nvPicPr>
+          <p:blipFill>
+            <a:blip r:embed="rId2">
+              <a:duotone>
+                <a:schemeClr val="accent4">
+                  <a:shade val="45000"/>
+                  <a:satMod val="135000"/>
+                </a:schemeClr>
+                <a:prstClr val="white"/>
+              </a:duotone>
+              <a:extLst>
+                <a:ext uri="{28A0092B-C50C-407E-A947-70E740481C1C}">
+                  <a14:useLocalDpi xmlns:a14="http://schemas.microsoft.com/office/drawing/2010/main" val="0"/>
+                </a:ext>
+              </a:extLst>
+            </a:blip>
+            <a:srcRect/>
+            <a:stretch>
+              <a:fillRect/>
+            </a:stretch>
+          </p:blipFill>
+          <p:spPr bwMode="auto">
+            <a:xfrm>
+              <a:off x="3542348" y="2590710"/>
+              <a:ext cx="1430655" cy="1430655"/>
+            </a:xfrm>
+            <a:prstGeom prst="rect">
+              <a:avLst/>
+            </a:prstGeom>
+            <a:noFill/>
+            <a:extLst>
+              <a:ext uri="{909E8E84-426E-40DD-AFC4-6F175D3DCCD1}">
+                <a14:hiddenFill xmlns:a14="http://schemas.microsoft.com/office/drawing/2010/main">
+                  <a:solidFill>
+                    <a:srgbClr val="FFFFFF"/>
+                  </a:solidFill>
+                </a14:hiddenFill>
+              </a:ext>
+            </a:extLst>
+          </p:spPr>
+        </p:pic>
+        <p:sp>
+          <p:nvSpPr>
+            <p:cNvPr id="18" name="ZoneTexte 17">
+              <a:extLst>
+                <a:ext uri="{FF2B5EF4-FFF2-40B4-BE49-F238E27FC236}">
+                  <a16:creationId xmlns:a16="http://schemas.microsoft.com/office/drawing/2014/main" id="{4C837BDD-0D8C-4C15-BE90-294897226D46}"/>
+                </a:ext>
+              </a:extLst>
+            </p:cNvPr>
+            <p:cNvSpPr txBox="1"/>
+            <p:nvPr/>
+          </p:nvSpPr>
+          <p:spPr>
+            <a:xfrm>
+              <a:off x="5355906" y="2466453"/>
+              <a:ext cx="3314700" cy="1569660"/>
+            </a:xfrm>
+            <a:prstGeom prst="rect">
+              <a:avLst/>
+            </a:prstGeom>
+            <a:noFill/>
+          </p:spPr>
+          <p:txBody>
+            <a:bodyPr wrap="square" rtlCol="0">
+              <a:spAutoFit/>
+            </a:bodyPr>
+            <a:lstStyle/>
+            <a:p>
+              <a:r>
+                <a:rPr lang="fr-FR" sz="4800" b="1" dirty="0">
+                  <a:solidFill>
+                    <a:schemeClr val="bg1"/>
+                  </a:solidFill>
+                </a:rPr>
+                <a:t>Veuillez patienter…</a:t>
+              </a:r>
+            </a:p>
+          </p:txBody>
+        </p:sp>
+        <p:sp>
+          <p:nvSpPr>
+            <p:cNvPr id="19" name="ZoneTexte 18">
+              <a:extLst>
+                <a:ext uri="{FF2B5EF4-FFF2-40B4-BE49-F238E27FC236}">
+                  <a16:creationId xmlns:a16="http://schemas.microsoft.com/office/drawing/2014/main" id="{C7E14410-1306-4B9A-9E47-7855F4F0847C}"/>
+                </a:ext>
+              </a:extLst>
+            </p:cNvPr>
+            <p:cNvSpPr txBox="1"/>
+            <p:nvPr/>
+          </p:nvSpPr>
+          <p:spPr>
+            <a:xfrm>
+              <a:off x="3531868" y="4312337"/>
+              <a:ext cx="5128258" cy="523220"/>
+            </a:xfrm>
+            <a:prstGeom prst="rect">
+              <a:avLst/>
+            </a:prstGeom>
+            <a:noFill/>
+          </p:spPr>
+          <p:txBody>
+            <a:bodyPr wrap="square" rtlCol="0">
+              <a:spAutoFit/>
+            </a:bodyPr>
+            <a:lstStyle/>
+            <a:p>
+              <a:pPr algn="ctr"/>
+              <a:r>
+                <a:rPr lang="fr-FR" sz="2800" b="1" dirty="0">
+                  <a:solidFill>
+                    <a:schemeClr val="bg1"/>
+                  </a:solidFill>
+                </a:rPr>
+                <a:t>Nous préparons vos billets </a:t>
+              </a:r>
+            </a:p>
+          </p:txBody>
+        </p:sp>
+      </p:grpSp>
+    </p:spTree>
+    <p:extLst>
+      <p:ext uri="{BB962C8B-B14F-4D97-AF65-F5344CB8AC3E}">
+        <p14:creationId xmlns:p14="http://schemas.microsoft.com/office/powerpoint/2010/main" val="2078105630"/>
+      </p:ext>
+    </p:extLst>
+  </p:cSld>
+  <p:clrMapOvr>
+    <a:masterClrMapping/>
+  </p:clrMapOvr>
+</p:sld>
+</file>
+
+<file path=ppt/slides/slide14.xml><?xml version="1.0" encoding="utf-8"?>
+<p:sld xmlns:a="http://schemas.openxmlformats.org/drawingml/2006/main" xmlns:r="http://schemas.openxmlformats.org/officeDocument/2006/relationships" xmlns:p="http://schemas.openxmlformats.org/presentationml/2006/main">
+  <p:cSld>
+    <p:spTree>
+      <p:nvGrpSpPr>
+        <p:cNvPr id="1" name=""/>
+        <p:cNvGrpSpPr/>
+        <p:nvPr/>
+      </p:nvGrpSpPr>
+      <p:grpSpPr>
+        <a:xfrm>
+          <a:off x="0" y="0"/>
+          <a:ext cx="0" cy="0"/>
+          <a:chOff x="0" y="0"/>
+          <a:chExt cx="0" cy="0"/>
+        </a:xfrm>
+      </p:grpSpPr>
+      <p:sp>
+        <p:nvSpPr>
+          <p:cNvPr id="2" name="Sous-titre 2">
+            <a:extLst>
+              <a:ext uri="{FF2B5EF4-FFF2-40B4-BE49-F238E27FC236}">
                 <a16:creationId xmlns:a16="http://schemas.microsoft.com/office/drawing/2014/main" id="{DF82484C-4BD1-4447-9F28-7E03E5318432}"/>
               </a:ext>
             </a:extLst>
@@ -4238,7 +6883,7 @@
 </p:sld>
 </file>
 
-<file path=ppt/slides/slide11.xml><?xml version="1.0" encoding="utf-8"?>
+<file path=ppt/slides/slide15.xml><?xml version="1.0" encoding="utf-8"?>
 <p:sld xmlns:a="http://schemas.openxmlformats.org/drawingml/2006/main" xmlns:r="http://schemas.openxmlformats.org/officeDocument/2006/relationships" xmlns:p="http://schemas.openxmlformats.org/presentationml/2006/main">
   <p:cSld>
     <p:spTree>
@@ -4859,608 +7504,7 @@
 </p:sld>
 </file>
 
-<file path=ppt/slides/slide12.xml><?xml version="1.0" encoding="utf-8"?>
-<p:sld xmlns:a="http://schemas.openxmlformats.org/drawingml/2006/main" xmlns:r="http://schemas.openxmlformats.org/officeDocument/2006/relationships" xmlns:p="http://schemas.openxmlformats.org/presentationml/2006/main">
-  <p:cSld>
-    <p:spTree>
-      <p:nvGrpSpPr>
-        <p:cNvPr id="1" name=""/>
-        <p:cNvGrpSpPr/>
-        <p:nvPr/>
-      </p:nvGrpSpPr>
-      <p:grpSpPr>
-        <a:xfrm>
-          <a:off x="0" y="0"/>
-          <a:ext cx="0" cy="0"/>
-          <a:chOff x="0" y="0"/>
-          <a:chExt cx="0" cy="0"/>
-        </a:xfrm>
-      </p:grpSpPr>
-      <p:sp>
-        <p:nvSpPr>
-          <p:cNvPr id="12" name="Sous-titre 2">
-            <a:extLst>
-              <a:ext uri="{FF2B5EF4-FFF2-40B4-BE49-F238E27FC236}">
-                <a16:creationId xmlns:a16="http://schemas.microsoft.com/office/drawing/2014/main" id="{B7B52974-B731-454E-B237-2421A49809BF}"/>
-              </a:ext>
-            </a:extLst>
-          </p:cNvPr>
-          <p:cNvSpPr txBox="1">
-            <a:spLocks/>
-          </p:cNvSpPr>
-          <p:nvPr/>
-        </p:nvSpPr>
-        <p:spPr>
-          <a:xfrm>
-            <a:off x="0" y="6171674"/>
-            <a:ext cx="8891588" cy="686326"/>
-          </a:xfrm>
-          <a:prstGeom prst="rect">
-            <a:avLst/>
-          </a:prstGeom>
-          <a:solidFill>
-            <a:schemeClr val="bg2">
-              <a:lumMod val="25000"/>
-            </a:schemeClr>
-          </a:solidFill>
-          <a:ln>
-            <a:solidFill>
-              <a:schemeClr val="tx1"/>
-            </a:solidFill>
-          </a:ln>
-        </p:spPr>
-        <p:txBody>
-          <a:bodyPr vert="horz" lIns="91440" tIns="45720" rIns="91440" bIns="45720" rtlCol="0" anchor="ctr">
-            <a:normAutofit/>
-          </a:bodyPr>
-          <a:lstStyle>
-            <a:lvl1pPr marL="222291" indent="-222291" algn="l" defTabSz="889163" rtl="0" eaLnBrk="1" latinLnBrk="0" hangingPunct="1">
-              <a:lnSpc>
-                <a:spcPct val="90000"/>
-              </a:lnSpc>
-              <a:spcBef>
-                <a:spcPts val="972"/>
-              </a:spcBef>
-              <a:buFont typeface="Arial" panose="020B0604020202020204" pitchFamily="34" charset="0"/>
-              <a:buChar char="•"/>
-              <a:defRPr sz="2723" kern="1200">
-                <a:solidFill>
-                  <a:schemeClr val="tx1"/>
-                </a:solidFill>
-                <a:latin typeface="+mn-lt"/>
-                <a:ea typeface="+mn-ea"/>
-                <a:cs typeface="+mn-cs"/>
-              </a:defRPr>
-            </a:lvl1pPr>
-            <a:lvl2pPr marL="666872" indent="-222291" algn="l" defTabSz="889163" rtl="0" eaLnBrk="1" latinLnBrk="0" hangingPunct="1">
-              <a:lnSpc>
-                <a:spcPct val="90000"/>
-              </a:lnSpc>
-              <a:spcBef>
-                <a:spcPts val="486"/>
-              </a:spcBef>
-              <a:buFont typeface="Arial" panose="020B0604020202020204" pitchFamily="34" charset="0"/>
-              <a:buChar char="•"/>
-              <a:defRPr sz="2334" kern="1200">
-                <a:solidFill>
-                  <a:schemeClr val="tx1"/>
-                </a:solidFill>
-                <a:latin typeface="+mn-lt"/>
-                <a:ea typeface="+mn-ea"/>
-                <a:cs typeface="+mn-cs"/>
-              </a:defRPr>
-            </a:lvl2pPr>
-            <a:lvl3pPr marL="1111453" indent="-222291" algn="l" defTabSz="889163" rtl="0" eaLnBrk="1" latinLnBrk="0" hangingPunct="1">
-              <a:lnSpc>
-                <a:spcPct val="90000"/>
-              </a:lnSpc>
-              <a:spcBef>
-                <a:spcPts val="486"/>
-              </a:spcBef>
-              <a:buFont typeface="Arial" panose="020B0604020202020204" pitchFamily="34" charset="0"/>
-              <a:buChar char="•"/>
-              <a:defRPr sz="1945" kern="1200">
-                <a:solidFill>
-                  <a:schemeClr val="tx1"/>
-                </a:solidFill>
-                <a:latin typeface="+mn-lt"/>
-                <a:ea typeface="+mn-ea"/>
-                <a:cs typeface="+mn-cs"/>
-              </a:defRPr>
-            </a:lvl3pPr>
-            <a:lvl4pPr marL="1556034" indent="-222291" algn="l" defTabSz="889163" rtl="0" eaLnBrk="1" latinLnBrk="0" hangingPunct="1">
-              <a:lnSpc>
-                <a:spcPct val="90000"/>
-              </a:lnSpc>
-              <a:spcBef>
-                <a:spcPts val="486"/>
-              </a:spcBef>
-              <a:buFont typeface="Arial" panose="020B0604020202020204" pitchFamily="34" charset="0"/>
-              <a:buChar char="•"/>
-              <a:defRPr sz="1750" kern="1200">
-                <a:solidFill>
-                  <a:schemeClr val="tx1"/>
-                </a:solidFill>
-                <a:latin typeface="+mn-lt"/>
-                <a:ea typeface="+mn-ea"/>
-                <a:cs typeface="+mn-cs"/>
-              </a:defRPr>
-            </a:lvl4pPr>
-            <a:lvl5pPr marL="2000616" indent="-222291" algn="l" defTabSz="889163" rtl="0" eaLnBrk="1" latinLnBrk="0" hangingPunct="1">
-              <a:lnSpc>
-                <a:spcPct val="90000"/>
-              </a:lnSpc>
-              <a:spcBef>
-                <a:spcPts val="486"/>
-              </a:spcBef>
-              <a:buFont typeface="Arial" panose="020B0604020202020204" pitchFamily="34" charset="0"/>
-              <a:buChar char="•"/>
-              <a:defRPr sz="1750" kern="1200">
-                <a:solidFill>
-                  <a:schemeClr val="tx1"/>
-                </a:solidFill>
-                <a:latin typeface="+mn-lt"/>
-                <a:ea typeface="+mn-ea"/>
-                <a:cs typeface="+mn-cs"/>
-              </a:defRPr>
-            </a:lvl5pPr>
-            <a:lvl6pPr marL="2445197" indent="-222291" algn="l" defTabSz="889163" rtl="0" eaLnBrk="1" latinLnBrk="0" hangingPunct="1">
-              <a:lnSpc>
-                <a:spcPct val="90000"/>
-              </a:lnSpc>
-              <a:spcBef>
-                <a:spcPts val="486"/>
-              </a:spcBef>
-              <a:buFont typeface="Arial" panose="020B0604020202020204" pitchFamily="34" charset="0"/>
-              <a:buChar char="•"/>
-              <a:defRPr sz="1750" kern="1200">
-                <a:solidFill>
-                  <a:schemeClr val="tx1"/>
-                </a:solidFill>
-                <a:latin typeface="+mn-lt"/>
-                <a:ea typeface="+mn-ea"/>
-                <a:cs typeface="+mn-cs"/>
-              </a:defRPr>
-            </a:lvl6pPr>
-            <a:lvl7pPr marL="2889778" indent="-222291" algn="l" defTabSz="889163" rtl="0" eaLnBrk="1" latinLnBrk="0" hangingPunct="1">
-              <a:lnSpc>
-                <a:spcPct val="90000"/>
-              </a:lnSpc>
-              <a:spcBef>
-                <a:spcPts val="486"/>
-              </a:spcBef>
-              <a:buFont typeface="Arial" panose="020B0604020202020204" pitchFamily="34" charset="0"/>
-              <a:buChar char="•"/>
-              <a:defRPr sz="1750" kern="1200">
-                <a:solidFill>
-                  <a:schemeClr val="tx1"/>
-                </a:solidFill>
-                <a:latin typeface="+mn-lt"/>
-                <a:ea typeface="+mn-ea"/>
-                <a:cs typeface="+mn-cs"/>
-              </a:defRPr>
-            </a:lvl7pPr>
-            <a:lvl8pPr marL="3334360" indent="-222291" algn="l" defTabSz="889163" rtl="0" eaLnBrk="1" latinLnBrk="0" hangingPunct="1">
-              <a:lnSpc>
-                <a:spcPct val="90000"/>
-              </a:lnSpc>
-              <a:spcBef>
-                <a:spcPts val="486"/>
-              </a:spcBef>
-              <a:buFont typeface="Arial" panose="020B0604020202020204" pitchFamily="34" charset="0"/>
-              <a:buChar char="•"/>
-              <a:defRPr sz="1750" kern="1200">
-                <a:solidFill>
-                  <a:schemeClr val="tx1"/>
-                </a:solidFill>
-                <a:latin typeface="+mn-lt"/>
-                <a:ea typeface="+mn-ea"/>
-                <a:cs typeface="+mn-cs"/>
-              </a:defRPr>
-            </a:lvl8pPr>
-            <a:lvl9pPr marL="3778941" indent="-222291" algn="l" defTabSz="889163" rtl="0" eaLnBrk="1" latinLnBrk="0" hangingPunct="1">
-              <a:lnSpc>
-                <a:spcPct val="90000"/>
-              </a:lnSpc>
-              <a:spcBef>
-                <a:spcPts val="486"/>
-              </a:spcBef>
-              <a:buFont typeface="Arial" panose="020B0604020202020204" pitchFamily="34" charset="0"/>
-              <a:buChar char="•"/>
-              <a:defRPr sz="1750" kern="1200">
-                <a:solidFill>
-                  <a:schemeClr val="tx1"/>
-                </a:solidFill>
-                <a:latin typeface="+mn-lt"/>
-                <a:ea typeface="+mn-ea"/>
-                <a:cs typeface="+mn-cs"/>
-              </a:defRPr>
-            </a:lvl9pPr>
-          </a:lstStyle>
-          <a:p>
-            <a:pPr marL="0" indent="0" algn="ctr">
-              <a:buNone/>
-            </a:pPr>
-            <a:r>
-              <a:rPr lang="fr-FR" sz="3200" dirty="0">
-                <a:solidFill>
-                  <a:schemeClr val="bg1"/>
-                </a:solidFill>
-              </a:rPr>
-              <a:t>Préparation des billets</a:t>
-            </a:r>
-          </a:p>
-        </p:txBody>
-      </p:sp>
-      <p:grpSp>
-        <p:nvGrpSpPr>
-          <p:cNvPr id="13" name="Groupe 12">
-            <a:extLst>
-              <a:ext uri="{FF2B5EF4-FFF2-40B4-BE49-F238E27FC236}">
-                <a16:creationId xmlns:a16="http://schemas.microsoft.com/office/drawing/2014/main" id="{B43BAE69-B0CA-4628-93A0-40FC15E699F2}"/>
-              </a:ext>
-            </a:extLst>
-          </p:cNvPr>
-          <p:cNvGrpSpPr/>
-          <p:nvPr/>
-        </p:nvGrpSpPr>
-        <p:grpSpPr>
-          <a:xfrm>
-            <a:off x="250031" y="179747"/>
-            <a:ext cx="8391525" cy="5632283"/>
-            <a:chOff x="1900237" y="311317"/>
-            <a:chExt cx="8391525" cy="5632283"/>
-          </a:xfrm>
-        </p:grpSpPr>
-        <p:sp>
-          <p:nvSpPr>
-            <p:cNvPr id="14" name="Rectangle : coins arrondis 13">
-              <a:extLst>
-                <a:ext uri="{FF2B5EF4-FFF2-40B4-BE49-F238E27FC236}">
-                  <a16:creationId xmlns:a16="http://schemas.microsoft.com/office/drawing/2014/main" id="{516D344F-4515-43C1-9032-98953D4963F5}"/>
-                </a:ext>
-              </a:extLst>
-            </p:cNvPr>
-            <p:cNvSpPr/>
-            <p:nvPr/>
-          </p:nvSpPr>
-          <p:spPr>
-            <a:xfrm>
-              <a:off x="1900237" y="311317"/>
-              <a:ext cx="8391525" cy="5632283"/>
-            </a:xfrm>
-            <a:prstGeom prst="roundRect">
-              <a:avLst>
-                <a:gd name="adj" fmla="val 1999"/>
-              </a:avLst>
-            </a:prstGeom>
-            <a:gradFill flip="none" rotWithShape="1">
-              <a:gsLst>
-                <a:gs pos="8000">
-                  <a:schemeClr val="accent1"/>
-                </a:gs>
-                <a:gs pos="100000">
-                  <a:schemeClr val="accent1">
-                    <a:lumMod val="40000"/>
-                    <a:lumOff val="60000"/>
-                  </a:schemeClr>
-                </a:gs>
-              </a:gsLst>
-              <a:lin ang="16200000" scaled="1"/>
-              <a:tileRect/>
-            </a:gradFill>
-            <a:ln w="57150">
-              <a:solidFill>
-                <a:schemeClr val="tx1"/>
-              </a:solidFill>
-            </a:ln>
-            <a:effectLst>
-              <a:softEdge rad="0"/>
-            </a:effectLst>
-          </p:spPr>
-          <p:style>
-            <a:lnRef idx="2">
-              <a:schemeClr val="accent1">
-                <a:shade val="50000"/>
-              </a:schemeClr>
-            </a:lnRef>
-            <a:fillRef idx="1">
-              <a:schemeClr val="accent1"/>
-            </a:fillRef>
-            <a:effectRef idx="0">
-              <a:schemeClr val="accent1"/>
-            </a:effectRef>
-            <a:fontRef idx="minor">
-              <a:schemeClr val="lt1"/>
-            </a:fontRef>
-          </p:style>
-          <p:txBody>
-            <a:bodyPr rtlCol="0" anchor="ctr"/>
-            <a:lstStyle/>
-            <a:p>
-              <a:pPr algn="ctr"/>
-              <a:endParaRPr lang="fr-FR"/>
-            </a:p>
-          </p:txBody>
-        </p:sp>
-        <p:sp>
-          <p:nvSpPr>
-            <p:cNvPr id="15" name="Rectangle : coins arrondis 14">
-              <a:extLst>
-                <a:ext uri="{FF2B5EF4-FFF2-40B4-BE49-F238E27FC236}">
-                  <a16:creationId xmlns:a16="http://schemas.microsoft.com/office/drawing/2014/main" id="{D96FF100-503D-4E43-ACEB-62802412FC0E}"/>
-                </a:ext>
-              </a:extLst>
-            </p:cNvPr>
-            <p:cNvSpPr/>
-            <p:nvPr/>
-          </p:nvSpPr>
-          <p:spPr>
-            <a:xfrm>
-              <a:off x="3138485" y="2036380"/>
-              <a:ext cx="5915025" cy="3246904"/>
-            </a:xfrm>
-            <a:prstGeom prst="roundRect">
-              <a:avLst>
-                <a:gd name="adj" fmla="val 3991"/>
-              </a:avLst>
-            </a:prstGeom>
-            <a:solidFill>
-              <a:schemeClr val="accent1">
-                <a:lumMod val="50000"/>
-              </a:schemeClr>
-            </a:solidFill>
-            <a:ln>
-              <a:noFill/>
-            </a:ln>
-            <a:effectLst/>
-            <a:scene3d>
-              <a:camera prst="orthographicFront">
-                <a:rot lat="0" lon="0" rev="0"/>
-              </a:camera>
-              <a:lightRig rig="glow" dir="t">
-                <a:rot lat="0" lon="0" rev="14100000"/>
-              </a:lightRig>
-            </a:scene3d>
-            <a:sp3d prstMaterial="softEdge">
-              <a:bevelT w="127000" prst="artDeco"/>
-            </a:sp3d>
-          </p:spPr>
-          <p:style>
-            <a:lnRef idx="2">
-              <a:schemeClr val="accent1">
-                <a:shade val="50000"/>
-              </a:schemeClr>
-            </a:lnRef>
-            <a:fillRef idx="1">
-              <a:schemeClr val="accent1"/>
-            </a:fillRef>
-            <a:effectRef idx="0">
-              <a:schemeClr val="accent1"/>
-            </a:effectRef>
-            <a:fontRef idx="minor">
-              <a:schemeClr val="lt1"/>
-            </a:fontRef>
-          </p:style>
-          <p:txBody>
-            <a:bodyPr rtlCol="0" anchor="ctr"/>
-            <a:lstStyle/>
-            <a:p>
-              <a:pPr algn="ctr"/>
-              <a:endParaRPr lang="fr-FR" sz="3600" dirty="0">
-                <a:solidFill>
-                  <a:schemeClr val="bg1"/>
-                </a:solidFill>
-              </a:endParaRPr>
-            </a:p>
-          </p:txBody>
-        </p:sp>
-        <p:sp>
-          <p:nvSpPr>
-            <p:cNvPr id="16" name="Rectangle 15">
-              <a:extLst>
-                <a:ext uri="{FF2B5EF4-FFF2-40B4-BE49-F238E27FC236}">
-                  <a16:creationId xmlns:a16="http://schemas.microsoft.com/office/drawing/2014/main" id="{49EF0595-69F0-48CC-A387-A461C6BC1E6E}"/>
-                </a:ext>
-              </a:extLst>
-            </p:cNvPr>
-            <p:cNvSpPr/>
-            <p:nvPr/>
-          </p:nvSpPr>
-          <p:spPr>
-            <a:xfrm>
-              <a:off x="2782655" y="452735"/>
-              <a:ext cx="6626687" cy="923330"/>
-            </a:xfrm>
-            <a:prstGeom prst="rect">
-              <a:avLst/>
-            </a:prstGeom>
-            <a:noFill/>
-          </p:spPr>
-          <p:txBody>
-            <a:bodyPr wrap="none" lIns="91440" tIns="45720" rIns="91440" bIns="45720">
-              <a:spAutoFit/>
-            </a:bodyPr>
-            <a:lstStyle/>
-            <a:p>
-              <a:pPr algn="ctr"/>
-              <a:r>
-                <a:rPr lang="fr-FR" sz="5400" b="1" dirty="0">
-                  <a:ln w="9525">
-                    <a:solidFill>
-                      <a:schemeClr val="bg2">
-                        <a:lumMod val="50000"/>
-                      </a:schemeClr>
-                    </a:solidFill>
-                    <a:prstDash val="solid"/>
-                  </a:ln>
-                  <a:solidFill>
-                    <a:schemeClr val="accent4">
-                      <a:lumMod val="60000"/>
-                      <a:lumOff val="40000"/>
-                    </a:schemeClr>
-                  </a:solidFill>
-                  <a:effectLst>
-                    <a:outerShdw blurRad="12700" dist="38100" dir="2700000" algn="tl" rotWithShape="0">
-                      <a:schemeClr val="bg1">
-                        <a:lumMod val="50000"/>
-                      </a:schemeClr>
-                    </a:outerShdw>
-                  </a:effectLst>
-                </a:rPr>
-                <a:t>-Unified Process Bank-</a:t>
-              </a:r>
-            </a:p>
-          </p:txBody>
-        </p:sp>
-        <p:pic>
-          <p:nvPicPr>
-            <p:cNvPr id="17" name="Picture 4" descr="Image result for patientez png transaparent">
-              <a:extLst>
-                <a:ext uri="{FF2B5EF4-FFF2-40B4-BE49-F238E27FC236}">
-                  <a16:creationId xmlns:a16="http://schemas.microsoft.com/office/drawing/2014/main" id="{BB398115-CE77-494E-95AC-1746F01A2EC2}"/>
-                </a:ext>
-              </a:extLst>
-            </p:cNvPr>
-            <p:cNvPicPr>
-              <a:picLocks noChangeAspect="1" noChangeArrowheads="1"/>
-            </p:cNvPicPr>
-            <p:nvPr/>
-          </p:nvPicPr>
-          <p:blipFill>
-            <a:blip r:embed="rId2">
-              <a:duotone>
-                <a:schemeClr val="accent4">
-                  <a:shade val="45000"/>
-                  <a:satMod val="135000"/>
-                </a:schemeClr>
-                <a:prstClr val="white"/>
-              </a:duotone>
-              <a:extLst>
-                <a:ext uri="{28A0092B-C50C-407E-A947-70E740481C1C}">
-                  <a14:useLocalDpi xmlns:a14="http://schemas.microsoft.com/office/drawing/2010/main" val="0"/>
-                </a:ext>
-              </a:extLst>
-            </a:blip>
-            <a:srcRect/>
-            <a:stretch>
-              <a:fillRect/>
-            </a:stretch>
-          </p:blipFill>
-          <p:spPr bwMode="auto">
-            <a:xfrm>
-              <a:off x="3542348" y="2590710"/>
-              <a:ext cx="1430655" cy="1430655"/>
-            </a:xfrm>
-            <a:prstGeom prst="rect">
-              <a:avLst/>
-            </a:prstGeom>
-            <a:noFill/>
-            <a:extLst>
-              <a:ext uri="{909E8E84-426E-40DD-AFC4-6F175D3DCCD1}">
-                <a14:hiddenFill xmlns:a14="http://schemas.microsoft.com/office/drawing/2010/main">
-                  <a:solidFill>
-                    <a:srgbClr val="FFFFFF"/>
-                  </a:solidFill>
-                </a14:hiddenFill>
-              </a:ext>
-            </a:extLst>
-          </p:spPr>
-        </p:pic>
-        <p:sp>
-          <p:nvSpPr>
-            <p:cNvPr id="18" name="ZoneTexte 17">
-              <a:extLst>
-                <a:ext uri="{FF2B5EF4-FFF2-40B4-BE49-F238E27FC236}">
-                  <a16:creationId xmlns:a16="http://schemas.microsoft.com/office/drawing/2014/main" id="{4C837BDD-0D8C-4C15-BE90-294897226D46}"/>
-                </a:ext>
-              </a:extLst>
-            </p:cNvPr>
-            <p:cNvSpPr txBox="1"/>
-            <p:nvPr/>
-          </p:nvSpPr>
-          <p:spPr>
-            <a:xfrm>
-              <a:off x="5355906" y="2466453"/>
-              <a:ext cx="3314700" cy="1569660"/>
-            </a:xfrm>
-            <a:prstGeom prst="rect">
-              <a:avLst/>
-            </a:prstGeom>
-            <a:noFill/>
-          </p:spPr>
-          <p:txBody>
-            <a:bodyPr wrap="square" rtlCol="0">
-              <a:spAutoFit/>
-            </a:bodyPr>
-            <a:lstStyle/>
-            <a:p>
-              <a:r>
-                <a:rPr lang="fr-FR" sz="4800" b="1" dirty="0">
-                  <a:solidFill>
-                    <a:schemeClr val="bg1"/>
-                  </a:solidFill>
-                </a:rPr>
-                <a:t>Veuillez patienter…</a:t>
-              </a:r>
-            </a:p>
-          </p:txBody>
-        </p:sp>
-        <p:sp>
-          <p:nvSpPr>
-            <p:cNvPr id="19" name="ZoneTexte 18">
-              <a:extLst>
-                <a:ext uri="{FF2B5EF4-FFF2-40B4-BE49-F238E27FC236}">
-                  <a16:creationId xmlns:a16="http://schemas.microsoft.com/office/drawing/2014/main" id="{C7E14410-1306-4B9A-9E47-7855F4F0847C}"/>
-                </a:ext>
-              </a:extLst>
-            </p:cNvPr>
-            <p:cNvSpPr txBox="1"/>
-            <p:nvPr/>
-          </p:nvSpPr>
-          <p:spPr>
-            <a:xfrm>
-              <a:off x="3531868" y="4312337"/>
-              <a:ext cx="5128258" cy="523220"/>
-            </a:xfrm>
-            <a:prstGeom prst="rect">
-              <a:avLst/>
-            </a:prstGeom>
-            <a:noFill/>
-          </p:spPr>
-          <p:txBody>
-            <a:bodyPr wrap="square" rtlCol="0">
-              <a:spAutoFit/>
-            </a:bodyPr>
-            <a:lstStyle/>
-            <a:p>
-              <a:pPr algn="ctr"/>
-              <a:r>
-                <a:rPr lang="fr-FR" sz="2800" b="1" dirty="0">
-                  <a:solidFill>
-                    <a:schemeClr val="bg1"/>
-                  </a:solidFill>
-                </a:rPr>
-                <a:t>Nous préparons vos billets </a:t>
-              </a:r>
-            </a:p>
-          </p:txBody>
-        </p:sp>
-      </p:grpSp>
-    </p:spTree>
-    <p:extLst>
-      <p:ext uri="{BB962C8B-B14F-4D97-AF65-F5344CB8AC3E}">
-        <p14:creationId xmlns:p14="http://schemas.microsoft.com/office/powerpoint/2010/main" val="2078105630"/>
-      </p:ext>
-    </p:extLst>
-  </p:cSld>
-  <p:clrMapOvr>
-    <a:masterClrMapping/>
-  </p:clrMapOvr>
-</p:sld>
-</file>
-
-<file path=ppt/slides/slide13.xml><?xml version="1.0" encoding="utf-8"?>
+<file path=ppt/slides/slide16.xml><?xml version="1.0" encoding="utf-8"?>
 <p:sld xmlns:a="http://schemas.openxmlformats.org/drawingml/2006/main" xmlns:r="http://schemas.openxmlformats.org/officeDocument/2006/relationships" xmlns:p="http://schemas.openxmlformats.org/presentationml/2006/main">
   <p:cSld>
     <p:spTree>
@@ -6061,7 +8105,7 @@
 </p:sld>
 </file>
 
-<file path=ppt/slides/slide14.xml><?xml version="1.0" encoding="utf-8"?>
+<file path=ppt/slides/slide17.xml><?xml version="1.0" encoding="utf-8"?>
 <p:sld xmlns:a="http://schemas.openxmlformats.org/drawingml/2006/main" xmlns:r="http://schemas.openxmlformats.org/officeDocument/2006/relationships" xmlns:p="http://schemas.openxmlformats.org/presentationml/2006/main">
   <p:cSld>
     <p:spTree>
@@ -6681,6 +8725,1257 @@
       </p:grpSpPr>
       <p:sp>
         <p:nvSpPr>
+          <p:cNvPr id="12" name="Sous-titre 2">
+            <a:extLst>
+              <a:ext uri="{FF2B5EF4-FFF2-40B4-BE49-F238E27FC236}">
+                <a16:creationId xmlns:a16="http://schemas.microsoft.com/office/drawing/2014/main" id="{B7B52974-B731-454E-B237-2421A49809BF}"/>
+              </a:ext>
+            </a:extLst>
+          </p:cNvPr>
+          <p:cNvSpPr txBox="1">
+            <a:spLocks/>
+          </p:cNvSpPr>
+          <p:nvPr/>
+        </p:nvSpPr>
+        <p:spPr>
+          <a:xfrm>
+            <a:off x="0" y="6171674"/>
+            <a:ext cx="8891588" cy="686326"/>
+          </a:xfrm>
+          <a:prstGeom prst="rect">
+            <a:avLst/>
+          </a:prstGeom>
+          <a:solidFill>
+            <a:schemeClr val="bg2">
+              <a:lumMod val="25000"/>
+            </a:schemeClr>
+          </a:solidFill>
+          <a:ln>
+            <a:solidFill>
+              <a:schemeClr val="tx1"/>
+            </a:solidFill>
+          </a:ln>
+        </p:spPr>
+        <p:txBody>
+          <a:bodyPr vert="horz" lIns="91440" tIns="45720" rIns="91440" bIns="45720" rtlCol="0" anchor="ctr">
+            <a:normAutofit/>
+          </a:bodyPr>
+          <a:lstStyle>
+            <a:lvl1pPr marL="222291" indent="-222291" algn="l" defTabSz="889163" rtl="0" eaLnBrk="1" latinLnBrk="0" hangingPunct="1">
+              <a:lnSpc>
+                <a:spcPct val="90000"/>
+              </a:lnSpc>
+              <a:spcBef>
+                <a:spcPts val="972"/>
+              </a:spcBef>
+              <a:buFont typeface="Arial" panose="020B0604020202020204" pitchFamily="34" charset="0"/>
+              <a:buChar char="•"/>
+              <a:defRPr sz="2723" kern="1200">
+                <a:solidFill>
+                  <a:schemeClr val="tx1"/>
+                </a:solidFill>
+                <a:latin typeface="+mn-lt"/>
+                <a:ea typeface="+mn-ea"/>
+                <a:cs typeface="+mn-cs"/>
+              </a:defRPr>
+            </a:lvl1pPr>
+            <a:lvl2pPr marL="666872" indent="-222291" algn="l" defTabSz="889163" rtl="0" eaLnBrk="1" latinLnBrk="0" hangingPunct="1">
+              <a:lnSpc>
+                <a:spcPct val="90000"/>
+              </a:lnSpc>
+              <a:spcBef>
+                <a:spcPts val="486"/>
+              </a:spcBef>
+              <a:buFont typeface="Arial" panose="020B0604020202020204" pitchFamily="34" charset="0"/>
+              <a:buChar char="•"/>
+              <a:defRPr sz="2334" kern="1200">
+                <a:solidFill>
+                  <a:schemeClr val="tx1"/>
+                </a:solidFill>
+                <a:latin typeface="+mn-lt"/>
+                <a:ea typeface="+mn-ea"/>
+                <a:cs typeface="+mn-cs"/>
+              </a:defRPr>
+            </a:lvl2pPr>
+            <a:lvl3pPr marL="1111453" indent="-222291" algn="l" defTabSz="889163" rtl="0" eaLnBrk="1" latinLnBrk="0" hangingPunct="1">
+              <a:lnSpc>
+                <a:spcPct val="90000"/>
+              </a:lnSpc>
+              <a:spcBef>
+                <a:spcPts val="486"/>
+              </a:spcBef>
+              <a:buFont typeface="Arial" panose="020B0604020202020204" pitchFamily="34" charset="0"/>
+              <a:buChar char="•"/>
+              <a:defRPr sz="1945" kern="1200">
+                <a:solidFill>
+                  <a:schemeClr val="tx1"/>
+                </a:solidFill>
+                <a:latin typeface="+mn-lt"/>
+                <a:ea typeface="+mn-ea"/>
+                <a:cs typeface="+mn-cs"/>
+              </a:defRPr>
+            </a:lvl3pPr>
+            <a:lvl4pPr marL="1556034" indent="-222291" algn="l" defTabSz="889163" rtl="0" eaLnBrk="1" latinLnBrk="0" hangingPunct="1">
+              <a:lnSpc>
+                <a:spcPct val="90000"/>
+              </a:lnSpc>
+              <a:spcBef>
+                <a:spcPts val="486"/>
+              </a:spcBef>
+              <a:buFont typeface="Arial" panose="020B0604020202020204" pitchFamily="34" charset="0"/>
+              <a:buChar char="•"/>
+              <a:defRPr sz="1750" kern="1200">
+                <a:solidFill>
+                  <a:schemeClr val="tx1"/>
+                </a:solidFill>
+                <a:latin typeface="+mn-lt"/>
+                <a:ea typeface="+mn-ea"/>
+                <a:cs typeface="+mn-cs"/>
+              </a:defRPr>
+            </a:lvl4pPr>
+            <a:lvl5pPr marL="2000616" indent="-222291" algn="l" defTabSz="889163" rtl="0" eaLnBrk="1" latinLnBrk="0" hangingPunct="1">
+              <a:lnSpc>
+                <a:spcPct val="90000"/>
+              </a:lnSpc>
+              <a:spcBef>
+                <a:spcPts val="486"/>
+              </a:spcBef>
+              <a:buFont typeface="Arial" panose="020B0604020202020204" pitchFamily="34" charset="0"/>
+              <a:buChar char="•"/>
+              <a:defRPr sz="1750" kern="1200">
+                <a:solidFill>
+                  <a:schemeClr val="tx1"/>
+                </a:solidFill>
+                <a:latin typeface="+mn-lt"/>
+                <a:ea typeface="+mn-ea"/>
+                <a:cs typeface="+mn-cs"/>
+              </a:defRPr>
+            </a:lvl5pPr>
+            <a:lvl6pPr marL="2445197" indent="-222291" algn="l" defTabSz="889163" rtl="0" eaLnBrk="1" latinLnBrk="0" hangingPunct="1">
+              <a:lnSpc>
+                <a:spcPct val="90000"/>
+              </a:lnSpc>
+              <a:spcBef>
+                <a:spcPts val="486"/>
+              </a:spcBef>
+              <a:buFont typeface="Arial" panose="020B0604020202020204" pitchFamily="34" charset="0"/>
+              <a:buChar char="•"/>
+              <a:defRPr sz="1750" kern="1200">
+                <a:solidFill>
+                  <a:schemeClr val="tx1"/>
+                </a:solidFill>
+                <a:latin typeface="+mn-lt"/>
+                <a:ea typeface="+mn-ea"/>
+                <a:cs typeface="+mn-cs"/>
+              </a:defRPr>
+            </a:lvl6pPr>
+            <a:lvl7pPr marL="2889778" indent="-222291" algn="l" defTabSz="889163" rtl="0" eaLnBrk="1" latinLnBrk="0" hangingPunct="1">
+              <a:lnSpc>
+                <a:spcPct val="90000"/>
+              </a:lnSpc>
+              <a:spcBef>
+                <a:spcPts val="486"/>
+              </a:spcBef>
+              <a:buFont typeface="Arial" panose="020B0604020202020204" pitchFamily="34" charset="0"/>
+              <a:buChar char="•"/>
+              <a:defRPr sz="1750" kern="1200">
+                <a:solidFill>
+                  <a:schemeClr val="tx1"/>
+                </a:solidFill>
+                <a:latin typeface="+mn-lt"/>
+                <a:ea typeface="+mn-ea"/>
+                <a:cs typeface="+mn-cs"/>
+              </a:defRPr>
+            </a:lvl7pPr>
+            <a:lvl8pPr marL="3334360" indent="-222291" algn="l" defTabSz="889163" rtl="0" eaLnBrk="1" latinLnBrk="0" hangingPunct="1">
+              <a:lnSpc>
+                <a:spcPct val="90000"/>
+              </a:lnSpc>
+              <a:spcBef>
+                <a:spcPts val="486"/>
+              </a:spcBef>
+              <a:buFont typeface="Arial" panose="020B0604020202020204" pitchFamily="34" charset="0"/>
+              <a:buChar char="•"/>
+              <a:defRPr sz="1750" kern="1200">
+                <a:solidFill>
+                  <a:schemeClr val="tx1"/>
+                </a:solidFill>
+                <a:latin typeface="+mn-lt"/>
+                <a:ea typeface="+mn-ea"/>
+                <a:cs typeface="+mn-cs"/>
+              </a:defRPr>
+            </a:lvl8pPr>
+            <a:lvl9pPr marL="3778941" indent="-222291" algn="l" defTabSz="889163" rtl="0" eaLnBrk="1" latinLnBrk="0" hangingPunct="1">
+              <a:lnSpc>
+                <a:spcPct val="90000"/>
+              </a:lnSpc>
+              <a:spcBef>
+                <a:spcPts val="486"/>
+              </a:spcBef>
+              <a:buFont typeface="Arial" panose="020B0604020202020204" pitchFamily="34" charset="0"/>
+              <a:buChar char="•"/>
+              <a:defRPr sz="1750" kern="1200">
+                <a:solidFill>
+                  <a:schemeClr val="tx1"/>
+                </a:solidFill>
+                <a:latin typeface="+mn-lt"/>
+                <a:ea typeface="+mn-ea"/>
+                <a:cs typeface="+mn-cs"/>
+              </a:defRPr>
+            </a:lvl9pPr>
+          </a:lstStyle>
+          <a:p>
+            <a:pPr marL="0" indent="0" algn="ctr">
+              <a:buNone/>
+            </a:pPr>
+            <a:r>
+              <a:rPr lang="fr-FR" sz="3200" dirty="0">
+                <a:solidFill>
+                  <a:schemeClr val="bg1"/>
+                </a:solidFill>
+              </a:rPr>
+              <a:t>Carte invalide rendue</a:t>
+            </a:r>
+          </a:p>
+        </p:txBody>
+      </p:sp>
+      <p:sp>
+        <p:nvSpPr>
+          <p:cNvPr id="14" name="Rectangle : coins arrondis 13">
+            <a:extLst>
+              <a:ext uri="{FF2B5EF4-FFF2-40B4-BE49-F238E27FC236}">
+                <a16:creationId xmlns:a16="http://schemas.microsoft.com/office/drawing/2014/main" id="{516D344F-4515-43C1-9032-98953D4963F5}"/>
+              </a:ext>
+            </a:extLst>
+          </p:cNvPr>
+          <p:cNvSpPr/>
+          <p:nvPr/>
+        </p:nvSpPr>
+        <p:spPr>
+          <a:xfrm>
+            <a:off x="250031" y="179747"/>
+            <a:ext cx="8391525" cy="5632283"/>
+          </a:xfrm>
+          <a:prstGeom prst="roundRect">
+            <a:avLst>
+              <a:gd name="adj" fmla="val 1999"/>
+            </a:avLst>
+          </a:prstGeom>
+          <a:gradFill flip="none" rotWithShape="1">
+            <a:gsLst>
+              <a:gs pos="8000">
+                <a:schemeClr val="accent1"/>
+              </a:gs>
+              <a:gs pos="100000">
+                <a:schemeClr val="accent1">
+                  <a:lumMod val="40000"/>
+                  <a:lumOff val="60000"/>
+                </a:schemeClr>
+              </a:gs>
+            </a:gsLst>
+            <a:lin ang="16200000" scaled="1"/>
+            <a:tileRect/>
+          </a:gradFill>
+          <a:ln w="57150">
+            <a:solidFill>
+              <a:schemeClr val="tx1"/>
+            </a:solidFill>
+          </a:ln>
+          <a:effectLst>
+            <a:softEdge rad="0"/>
+          </a:effectLst>
+        </p:spPr>
+        <p:style>
+          <a:lnRef idx="2">
+            <a:schemeClr val="accent1">
+              <a:shade val="50000"/>
+            </a:schemeClr>
+          </a:lnRef>
+          <a:fillRef idx="1">
+            <a:schemeClr val="accent1"/>
+          </a:fillRef>
+          <a:effectRef idx="0">
+            <a:schemeClr val="accent1"/>
+          </a:effectRef>
+          <a:fontRef idx="minor">
+            <a:schemeClr val="lt1"/>
+          </a:fontRef>
+        </p:style>
+        <p:txBody>
+          <a:bodyPr rtlCol="0" anchor="ctr"/>
+          <a:lstStyle/>
+          <a:p>
+            <a:pPr algn="ctr"/>
+            <a:endParaRPr lang="fr-FR"/>
+          </a:p>
+        </p:txBody>
+      </p:sp>
+      <p:sp>
+        <p:nvSpPr>
+          <p:cNvPr id="15" name="Rectangle : coins arrondis 14">
+            <a:extLst>
+              <a:ext uri="{FF2B5EF4-FFF2-40B4-BE49-F238E27FC236}">
+                <a16:creationId xmlns:a16="http://schemas.microsoft.com/office/drawing/2014/main" id="{D96FF100-503D-4E43-ACEB-62802412FC0E}"/>
+              </a:ext>
+            </a:extLst>
+          </p:cNvPr>
+          <p:cNvSpPr/>
+          <p:nvPr/>
+        </p:nvSpPr>
+        <p:spPr>
+          <a:xfrm>
+            <a:off x="1132449" y="1800922"/>
+            <a:ext cx="6626687" cy="2519195"/>
+          </a:xfrm>
+          <a:prstGeom prst="roundRect">
+            <a:avLst>
+              <a:gd name="adj" fmla="val 3991"/>
+            </a:avLst>
+          </a:prstGeom>
+          <a:solidFill>
+            <a:schemeClr val="accent1">
+              <a:lumMod val="50000"/>
+            </a:schemeClr>
+          </a:solidFill>
+          <a:ln>
+            <a:noFill/>
+          </a:ln>
+          <a:effectLst/>
+          <a:scene3d>
+            <a:camera prst="orthographicFront">
+              <a:rot lat="0" lon="0" rev="0"/>
+            </a:camera>
+            <a:lightRig rig="glow" dir="t">
+              <a:rot lat="0" lon="0" rev="14100000"/>
+            </a:lightRig>
+          </a:scene3d>
+          <a:sp3d prstMaterial="softEdge">
+            <a:bevelT w="127000" prst="artDeco"/>
+          </a:sp3d>
+        </p:spPr>
+        <p:style>
+          <a:lnRef idx="2">
+            <a:schemeClr val="accent1">
+              <a:shade val="50000"/>
+            </a:schemeClr>
+          </a:lnRef>
+          <a:fillRef idx="1">
+            <a:schemeClr val="accent1"/>
+          </a:fillRef>
+          <a:effectRef idx="0">
+            <a:schemeClr val="accent1"/>
+          </a:effectRef>
+          <a:fontRef idx="minor">
+            <a:schemeClr val="lt1"/>
+          </a:fontRef>
+        </p:style>
+        <p:txBody>
+          <a:bodyPr rtlCol="0" anchor="ctr"/>
+          <a:lstStyle/>
+          <a:p>
+            <a:pPr algn="ctr"/>
+            <a:endParaRPr lang="fr-FR" sz="3600" dirty="0">
+              <a:solidFill>
+                <a:schemeClr val="bg1"/>
+              </a:solidFill>
+            </a:endParaRPr>
+          </a:p>
+        </p:txBody>
+      </p:sp>
+      <p:sp>
+        <p:nvSpPr>
+          <p:cNvPr id="16" name="Rectangle 15">
+            <a:extLst>
+              <a:ext uri="{FF2B5EF4-FFF2-40B4-BE49-F238E27FC236}">
+                <a16:creationId xmlns:a16="http://schemas.microsoft.com/office/drawing/2014/main" id="{49EF0595-69F0-48CC-A387-A461C6BC1E6E}"/>
+              </a:ext>
+            </a:extLst>
+          </p:cNvPr>
+          <p:cNvSpPr/>
+          <p:nvPr/>
+        </p:nvSpPr>
+        <p:spPr>
+          <a:xfrm>
+            <a:off x="1132449" y="321165"/>
+            <a:ext cx="6626687" cy="923330"/>
+          </a:xfrm>
+          <a:prstGeom prst="rect">
+            <a:avLst/>
+          </a:prstGeom>
+          <a:noFill/>
+        </p:spPr>
+        <p:txBody>
+          <a:bodyPr wrap="none" lIns="91440" tIns="45720" rIns="91440" bIns="45720">
+            <a:spAutoFit/>
+          </a:bodyPr>
+          <a:lstStyle/>
+          <a:p>
+            <a:pPr algn="ctr"/>
+            <a:r>
+              <a:rPr lang="fr-FR" sz="5400" b="1" dirty="0">
+                <a:ln w="9525">
+                  <a:solidFill>
+                    <a:schemeClr val="bg2">
+                      <a:lumMod val="50000"/>
+                    </a:schemeClr>
+                  </a:solidFill>
+                  <a:prstDash val="solid"/>
+                </a:ln>
+                <a:solidFill>
+                  <a:schemeClr val="accent4">
+                    <a:lumMod val="60000"/>
+                    <a:lumOff val="40000"/>
+                  </a:schemeClr>
+                </a:solidFill>
+                <a:effectLst>
+                  <a:outerShdw blurRad="12700" dist="38100" dir="2700000" algn="tl" rotWithShape="0">
+                    <a:schemeClr val="bg1">
+                      <a:lumMod val="50000"/>
+                    </a:schemeClr>
+                  </a:outerShdw>
+                </a:effectLst>
+              </a:rPr>
+              <a:t>-Unified Process Bank-</a:t>
+            </a:r>
+          </a:p>
+        </p:txBody>
+      </p:sp>
+      <p:sp>
+        <p:nvSpPr>
+          <p:cNvPr id="18" name="ZoneTexte 17">
+            <a:extLst>
+              <a:ext uri="{FF2B5EF4-FFF2-40B4-BE49-F238E27FC236}">
+                <a16:creationId xmlns:a16="http://schemas.microsoft.com/office/drawing/2014/main" id="{4C837BDD-0D8C-4C15-BE90-294897226D46}"/>
+              </a:ext>
+            </a:extLst>
+          </p:cNvPr>
+          <p:cNvSpPr txBox="1"/>
+          <p:nvPr/>
+        </p:nvSpPr>
+        <p:spPr>
+          <a:xfrm>
+            <a:off x="2859071" y="2400898"/>
+            <a:ext cx="4543784" cy="830997"/>
+          </a:xfrm>
+          <a:prstGeom prst="rect">
+            <a:avLst/>
+          </a:prstGeom>
+          <a:noFill/>
+        </p:spPr>
+        <p:txBody>
+          <a:bodyPr wrap="square" rtlCol="0">
+            <a:spAutoFit/>
+          </a:bodyPr>
+          <a:lstStyle/>
+          <a:p>
+            <a:r>
+              <a:rPr lang="fr-FR" sz="2400" b="1" dirty="0">
+                <a:solidFill>
+                  <a:schemeClr val="bg1"/>
+                </a:solidFill>
+              </a:rPr>
+              <a:t>Carte invalide : «Message personnalisé en fonction du cas»</a:t>
+            </a:r>
+          </a:p>
+        </p:txBody>
+      </p:sp>
+      <p:pic>
+        <p:nvPicPr>
+          <p:cNvPr id="5124" name="Picture 4" descr="Image result for information png transparent">
+            <a:extLst>
+              <a:ext uri="{FF2B5EF4-FFF2-40B4-BE49-F238E27FC236}">
+                <a16:creationId xmlns:a16="http://schemas.microsoft.com/office/drawing/2014/main" id="{7A860CF9-3043-4676-B0FB-CB45652A5A4E}"/>
+              </a:ext>
+            </a:extLst>
+          </p:cNvPr>
+          <p:cNvPicPr>
+            <a:picLocks noChangeAspect="1" noChangeArrowheads="1"/>
+          </p:cNvPicPr>
+          <p:nvPr/>
+        </p:nvPicPr>
+        <p:blipFill>
+          <a:blip r:embed="rId2">
+            <a:duotone>
+              <a:schemeClr val="accent4">
+                <a:shade val="45000"/>
+                <a:satMod val="135000"/>
+              </a:schemeClr>
+              <a:prstClr val="white"/>
+            </a:duotone>
+            <a:extLst>
+              <a:ext uri="{28A0092B-C50C-407E-A947-70E740481C1C}">
+                <a14:useLocalDpi xmlns:a14="http://schemas.microsoft.com/office/drawing/2010/main" val="0"/>
+              </a:ext>
+            </a:extLst>
+          </a:blip>
+          <a:srcRect/>
+          <a:stretch>
+            <a:fillRect/>
+          </a:stretch>
+        </p:blipFill>
+        <p:spPr bwMode="auto">
+          <a:xfrm>
+            <a:off x="1488733" y="2170631"/>
+            <a:ext cx="1291533" cy="1291533"/>
+          </a:xfrm>
+          <a:prstGeom prst="rect">
+            <a:avLst/>
+          </a:prstGeom>
+          <a:noFill/>
+          <a:extLst>
+            <a:ext uri="{909E8E84-426E-40DD-AFC4-6F175D3DCCD1}">
+              <a14:hiddenFill xmlns:a14="http://schemas.microsoft.com/office/drawing/2010/main">
+                <a:solidFill>
+                  <a:srgbClr val="FFFFFF"/>
+                </a:solidFill>
+              </a14:hiddenFill>
+            </a:ext>
+          </a:extLst>
+        </p:spPr>
+      </p:pic>
+      <p:sp>
+        <p:nvSpPr>
+          <p:cNvPr id="20" name="Rectangle : coins arrondis 19">
+            <a:extLst>
+              <a:ext uri="{FF2B5EF4-FFF2-40B4-BE49-F238E27FC236}">
+                <a16:creationId xmlns:a16="http://schemas.microsoft.com/office/drawing/2014/main" id="{AC97BC73-C1D1-49FB-9EFC-23DF8722218A}"/>
+              </a:ext>
+            </a:extLst>
+          </p:cNvPr>
+          <p:cNvSpPr/>
+          <p:nvPr/>
+        </p:nvSpPr>
+        <p:spPr>
+          <a:xfrm>
+            <a:off x="6416237" y="4783649"/>
+            <a:ext cx="2183948" cy="676275"/>
+          </a:xfrm>
+          <a:prstGeom prst="roundRect">
+            <a:avLst>
+              <a:gd name="adj" fmla="val 3991"/>
+            </a:avLst>
+          </a:prstGeom>
+          <a:solidFill>
+            <a:schemeClr val="bg2">
+              <a:lumMod val="25000"/>
+            </a:schemeClr>
+          </a:solidFill>
+          <a:ln>
+            <a:noFill/>
+          </a:ln>
+          <a:effectLst/>
+          <a:scene3d>
+            <a:camera prst="orthographicFront">
+              <a:rot lat="0" lon="0" rev="0"/>
+            </a:camera>
+            <a:lightRig rig="glow" dir="t">
+              <a:rot lat="0" lon="0" rev="14100000"/>
+            </a:lightRig>
+          </a:scene3d>
+          <a:sp3d prstMaterial="softEdge">
+            <a:bevelT w="127000" prst="artDeco"/>
+          </a:sp3d>
+        </p:spPr>
+        <p:style>
+          <a:lnRef idx="2">
+            <a:schemeClr val="accent1">
+              <a:shade val="50000"/>
+            </a:schemeClr>
+          </a:lnRef>
+          <a:fillRef idx="1">
+            <a:schemeClr val="accent1"/>
+          </a:fillRef>
+          <a:effectRef idx="0">
+            <a:schemeClr val="accent1"/>
+          </a:effectRef>
+          <a:fontRef idx="minor">
+            <a:schemeClr val="lt1"/>
+          </a:fontRef>
+        </p:style>
+        <p:txBody>
+          <a:bodyPr rtlCol="0" anchor="ctr"/>
+          <a:lstStyle/>
+          <a:p>
+            <a:pPr algn="ctr"/>
+            <a:r>
+              <a:rPr lang="fr-FR" sz="2400" dirty="0">
+                <a:solidFill>
+                  <a:schemeClr val="bg1"/>
+                </a:solidFill>
+              </a:rPr>
+              <a:t>Continuer</a:t>
+            </a:r>
+          </a:p>
+        </p:txBody>
+      </p:sp>
+      <p:sp>
+        <p:nvSpPr>
+          <p:cNvPr id="21" name="ZoneTexte 20">
+            <a:extLst>
+              <a:ext uri="{FF2B5EF4-FFF2-40B4-BE49-F238E27FC236}">
+                <a16:creationId xmlns:a16="http://schemas.microsoft.com/office/drawing/2014/main" id="{77380A2B-E761-463E-985C-D89B36B5D2D1}"/>
+              </a:ext>
+            </a:extLst>
+          </p:cNvPr>
+          <p:cNvSpPr txBox="1"/>
+          <p:nvPr/>
+        </p:nvSpPr>
+        <p:spPr>
+          <a:xfrm>
+            <a:off x="1748965" y="3619263"/>
+            <a:ext cx="5759246" cy="400110"/>
+          </a:xfrm>
+          <a:prstGeom prst="rect">
+            <a:avLst/>
+          </a:prstGeom>
+          <a:noFill/>
+        </p:spPr>
+        <p:txBody>
+          <a:bodyPr wrap="square" rtlCol="0">
+            <a:spAutoFit/>
+          </a:bodyPr>
+          <a:lstStyle/>
+          <a:p>
+            <a:pPr algn="ctr"/>
+            <a:r>
+              <a:rPr lang="fr-FR" sz="2000" dirty="0">
+                <a:solidFill>
+                  <a:schemeClr val="bg1"/>
+                </a:solidFill>
+              </a:rPr>
+              <a:t>Appuyez sur </a:t>
+            </a:r>
+            <a:r>
+              <a:rPr lang="fr-FR" sz="2000" b="1" i="1" dirty="0">
+                <a:solidFill>
+                  <a:schemeClr val="bg1"/>
+                </a:solidFill>
+              </a:rPr>
+              <a:t>Continuer</a:t>
+            </a:r>
+            <a:r>
+              <a:rPr lang="fr-FR" sz="2000" dirty="0">
+                <a:solidFill>
+                  <a:schemeClr val="bg1"/>
+                </a:solidFill>
+              </a:rPr>
+              <a:t> pour récupérer votre carte</a:t>
+            </a:r>
+          </a:p>
+        </p:txBody>
+      </p:sp>
+    </p:spTree>
+    <p:extLst>
+      <p:ext uri="{BB962C8B-B14F-4D97-AF65-F5344CB8AC3E}">
+        <p14:creationId xmlns:p14="http://schemas.microsoft.com/office/powerpoint/2010/main" val="2203812783"/>
+      </p:ext>
+    </p:extLst>
+  </p:cSld>
+  <p:clrMapOvr>
+    <a:masterClrMapping/>
+  </p:clrMapOvr>
+</p:sld>
+</file>
+
+<file path=ppt/slides/slide3.xml><?xml version="1.0" encoding="utf-8"?>
+<p:sld xmlns:a="http://schemas.openxmlformats.org/drawingml/2006/main" xmlns:r="http://schemas.openxmlformats.org/officeDocument/2006/relationships" xmlns:p="http://schemas.openxmlformats.org/presentationml/2006/main">
+  <p:cSld>
+    <p:spTree>
+      <p:nvGrpSpPr>
+        <p:cNvPr id="1" name=""/>
+        <p:cNvGrpSpPr/>
+        <p:nvPr/>
+      </p:nvGrpSpPr>
+      <p:grpSpPr>
+        <a:xfrm>
+          <a:off x="0" y="0"/>
+          <a:ext cx="0" cy="0"/>
+          <a:chOff x="0" y="0"/>
+          <a:chExt cx="0" cy="0"/>
+        </a:xfrm>
+      </p:grpSpPr>
+      <p:sp>
+        <p:nvSpPr>
+          <p:cNvPr id="12" name="Sous-titre 2">
+            <a:extLst>
+              <a:ext uri="{FF2B5EF4-FFF2-40B4-BE49-F238E27FC236}">
+                <a16:creationId xmlns:a16="http://schemas.microsoft.com/office/drawing/2014/main" id="{B7B52974-B731-454E-B237-2421A49809BF}"/>
+              </a:ext>
+            </a:extLst>
+          </p:cNvPr>
+          <p:cNvSpPr txBox="1">
+            <a:spLocks/>
+          </p:cNvSpPr>
+          <p:nvPr/>
+        </p:nvSpPr>
+        <p:spPr>
+          <a:xfrm>
+            <a:off x="0" y="6171674"/>
+            <a:ext cx="8891588" cy="686326"/>
+          </a:xfrm>
+          <a:prstGeom prst="rect">
+            <a:avLst/>
+          </a:prstGeom>
+          <a:solidFill>
+            <a:schemeClr val="bg2">
+              <a:lumMod val="25000"/>
+            </a:schemeClr>
+          </a:solidFill>
+          <a:ln>
+            <a:solidFill>
+              <a:schemeClr val="tx1"/>
+            </a:solidFill>
+          </a:ln>
+        </p:spPr>
+        <p:txBody>
+          <a:bodyPr vert="horz" lIns="91440" tIns="45720" rIns="91440" bIns="45720" rtlCol="0" anchor="ctr">
+            <a:normAutofit/>
+          </a:bodyPr>
+          <a:lstStyle>
+            <a:lvl1pPr marL="222291" indent="-222291" algn="l" defTabSz="889163" rtl="0" eaLnBrk="1" latinLnBrk="0" hangingPunct="1">
+              <a:lnSpc>
+                <a:spcPct val="90000"/>
+              </a:lnSpc>
+              <a:spcBef>
+                <a:spcPts val="972"/>
+              </a:spcBef>
+              <a:buFont typeface="Arial" panose="020B0604020202020204" pitchFamily="34" charset="0"/>
+              <a:buChar char="•"/>
+              <a:defRPr sz="2723" kern="1200">
+                <a:solidFill>
+                  <a:schemeClr val="tx1"/>
+                </a:solidFill>
+                <a:latin typeface="+mn-lt"/>
+                <a:ea typeface="+mn-ea"/>
+                <a:cs typeface="+mn-cs"/>
+              </a:defRPr>
+            </a:lvl1pPr>
+            <a:lvl2pPr marL="666872" indent="-222291" algn="l" defTabSz="889163" rtl="0" eaLnBrk="1" latinLnBrk="0" hangingPunct="1">
+              <a:lnSpc>
+                <a:spcPct val="90000"/>
+              </a:lnSpc>
+              <a:spcBef>
+                <a:spcPts val="486"/>
+              </a:spcBef>
+              <a:buFont typeface="Arial" panose="020B0604020202020204" pitchFamily="34" charset="0"/>
+              <a:buChar char="•"/>
+              <a:defRPr sz="2334" kern="1200">
+                <a:solidFill>
+                  <a:schemeClr val="tx1"/>
+                </a:solidFill>
+                <a:latin typeface="+mn-lt"/>
+                <a:ea typeface="+mn-ea"/>
+                <a:cs typeface="+mn-cs"/>
+              </a:defRPr>
+            </a:lvl2pPr>
+            <a:lvl3pPr marL="1111453" indent="-222291" algn="l" defTabSz="889163" rtl="0" eaLnBrk="1" latinLnBrk="0" hangingPunct="1">
+              <a:lnSpc>
+                <a:spcPct val="90000"/>
+              </a:lnSpc>
+              <a:spcBef>
+                <a:spcPts val="486"/>
+              </a:spcBef>
+              <a:buFont typeface="Arial" panose="020B0604020202020204" pitchFamily="34" charset="0"/>
+              <a:buChar char="•"/>
+              <a:defRPr sz="1945" kern="1200">
+                <a:solidFill>
+                  <a:schemeClr val="tx1"/>
+                </a:solidFill>
+                <a:latin typeface="+mn-lt"/>
+                <a:ea typeface="+mn-ea"/>
+                <a:cs typeface="+mn-cs"/>
+              </a:defRPr>
+            </a:lvl3pPr>
+            <a:lvl4pPr marL="1556034" indent="-222291" algn="l" defTabSz="889163" rtl="0" eaLnBrk="1" latinLnBrk="0" hangingPunct="1">
+              <a:lnSpc>
+                <a:spcPct val="90000"/>
+              </a:lnSpc>
+              <a:spcBef>
+                <a:spcPts val="486"/>
+              </a:spcBef>
+              <a:buFont typeface="Arial" panose="020B0604020202020204" pitchFamily="34" charset="0"/>
+              <a:buChar char="•"/>
+              <a:defRPr sz="1750" kern="1200">
+                <a:solidFill>
+                  <a:schemeClr val="tx1"/>
+                </a:solidFill>
+                <a:latin typeface="+mn-lt"/>
+                <a:ea typeface="+mn-ea"/>
+                <a:cs typeface="+mn-cs"/>
+              </a:defRPr>
+            </a:lvl4pPr>
+            <a:lvl5pPr marL="2000616" indent="-222291" algn="l" defTabSz="889163" rtl="0" eaLnBrk="1" latinLnBrk="0" hangingPunct="1">
+              <a:lnSpc>
+                <a:spcPct val="90000"/>
+              </a:lnSpc>
+              <a:spcBef>
+                <a:spcPts val="486"/>
+              </a:spcBef>
+              <a:buFont typeface="Arial" panose="020B0604020202020204" pitchFamily="34" charset="0"/>
+              <a:buChar char="•"/>
+              <a:defRPr sz="1750" kern="1200">
+                <a:solidFill>
+                  <a:schemeClr val="tx1"/>
+                </a:solidFill>
+                <a:latin typeface="+mn-lt"/>
+                <a:ea typeface="+mn-ea"/>
+                <a:cs typeface="+mn-cs"/>
+              </a:defRPr>
+            </a:lvl5pPr>
+            <a:lvl6pPr marL="2445197" indent="-222291" algn="l" defTabSz="889163" rtl="0" eaLnBrk="1" latinLnBrk="0" hangingPunct="1">
+              <a:lnSpc>
+                <a:spcPct val="90000"/>
+              </a:lnSpc>
+              <a:spcBef>
+                <a:spcPts val="486"/>
+              </a:spcBef>
+              <a:buFont typeface="Arial" panose="020B0604020202020204" pitchFamily="34" charset="0"/>
+              <a:buChar char="•"/>
+              <a:defRPr sz="1750" kern="1200">
+                <a:solidFill>
+                  <a:schemeClr val="tx1"/>
+                </a:solidFill>
+                <a:latin typeface="+mn-lt"/>
+                <a:ea typeface="+mn-ea"/>
+                <a:cs typeface="+mn-cs"/>
+              </a:defRPr>
+            </a:lvl6pPr>
+            <a:lvl7pPr marL="2889778" indent="-222291" algn="l" defTabSz="889163" rtl="0" eaLnBrk="1" latinLnBrk="0" hangingPunct="1">
+              <a:lnSpc>
+                <a:spcPct val="90000"/>
+              </a:lnSpc>
+              <a:spcBef>
+                <a:spcPts val="486"/>
+              </a:spcBef>
+              <a:buFont typeface="Arial" panose="020B0604020202020204" pitchFamily="34" charset="0"/>
+              <a:buChar char="•"/>
+              <a:defRPr sz="1750" kern="1200">
+                <a:solidFill>
+                  <a:schemeClr val="tx1"/>
+                </a:solidFill>
+                <a:latin typeface="+mn-lt"/>
+                <a:ea typeface="+mn-ea"/>
+                <a:cs typeface="+mn-cs"/>
+              </a:defRPr>
+            </a:lvl7pPr>
+            <a:lvl8pPr marL="3334360" indent="-222291" algn="l" defTabSz="889163" rtl="0" eaLnBrk="1" latinLnBrk="0" hangingPunct="1">
+              <a:lnSpc>
+                <a:spcPct val="90000"/>
+              </a:lnSpc>
+              <a:spcBef>
+                <a:spcPts val="486"/>
+              </a:spcBef>
+              <a:buFont typeface="Arial" panose="020B0604020202020204" pitchFamily="34" charset="0"/>
+              <a:buChar char="•"/>
+              <a:defRPr sz="1750" kern="1200">
+                <a:solidFill>
+                  <a:schemeClr val="tx1"/>
+                </a:solidFill>
+                <a:latin typeface="+mn-lt"/>
+                <a:ea typeface="+mn-ea"/>
+                <a:cs typeface="+mn-cs"/>
+              </a:defRPr>
+            </a:lvl8pPr>
+            <a:lvl9pPr marL="3778941" indent="-222291" algn="l" defTabSz="889163" rtl="0" eaLnBrk="1" latinLnBrk="0" hangingPunct="1">
+              <a:lnSpc>
+                <a:spcPct val="90000"/>
+              </a:lnSpc>
+              <a:spcBef>
+                <a:spcPts val="486"/>
+              </a:spcBef>
+              <a:buFont typeface="Arial" panose="020B0604020202020204" pitchFamily="34" charset="0"/>
+              <a:buChar char="•"/>
+              <a:defRPr sz="1750" kern="1200">
+                <a:solidFill>
+                  <a:schemeClr val="tx1"/>
+                </a:solidFill>
+                <a:latin typeface="+mn-lt"/>
+                <a:ea typeface="+mn-ea"/>
+                <a:cs typeface="+mn-cs"/>
+              </a:defRPr>
+            </a:lvl9pPr>
+          </a:lstStyle>
+          <a:p>
+            <a:pPr marL="0" indent="0" algn="ctr">
+              <a:buNone/>
+            </a:pPr>
+            <a:r>
+              <a:rPr lang="fr-FR" sz="3200" dirty="0">
+                <a:solidFill>
+                  <a:schemeClr val="bg1"/>
+                </a:solidFill>
+              </a:rPr>
+              <a:t>Carte invalide non-rendue</a:t>
+            </a:r>
+          </a:p>
+        </p:txBody>
+      </p:sp>
+      <p:sp>
+        <p:nvSpPr>
+          <p:cNvPr id="14" name="Rectangle : coins arrondis 13">
+            <a:extLst>
+              <a:ext uri="{FF2B5EF4-FFF2-40B4-BE49-F238E27FC236}">
+                <a16:creationId xmlns:a16="http://schemas.microsoft.com/office/drawing/2014/main" id="{516D344F-4515-43C1-9032-98953D4963F5}"/>
+              </a:ext>
+            </a:extLst>
+          </p:cNvPr>
+          <p:cNvSpPr/>
+          <p:nvPr/>
+        </p:nvSpPr>
+        <p:spPr>
+          <a:xfrm>
+            <a:off x="250031" y="179747"/>
+            <a:ext cx="8391525" cy="5632283"/>
+          </a:xfrm>
+          <a:prstGeom prst="roundRect">
+            <a:avLst>
+              <a:gd name="adj" fmla="val 1999"/>
+            </a:avLst>
+          </a:prstGeom>
+          <a:gradFill flip="none" rotWithShape="1">
+            <a:gsLst>
+              <a:gs pos="8000">
+                <a:schemeClr val="accent1"/>
+              </a:gs>
+              <a:gs pos="100000">
+                <a:schemeClr val="accent1">
+                  <a:lumMod val="40000"/>
+                  <a:lumOff val="60000"/>
+                </a:schemeClr>
+              </a:gs>
+            </a:gsLst>
+            <a:lin ang="16200000" scaled="1"/>
+            <a:tileRect/>
+          </a:gradFill>
+          <a:ln w="57150">
+            <a:solidFill>
+              <a:schemeClr val="tx1"/>
+            </a:solidFill>
+          </a:ln>
+          <a:effectLst>
+            <a:softEdge rad="0"/>
+          </a:effectLst>
+        </p:spPr>
+        <p:style>
+          <a:lnRef idx="2">
+            <a:schemeClr val="accent1">
+              <a:shade val="50000"/>
+            </a:schemeClr>
+          </a:lnRef>
+          <a:fillRef idx="1">
+            <a:schemeClr val="accent1"/>
+          </a:fillRef>
+          <a:effectRef idx="0">
+            <a:schemeClr val="accent1"/>
+          </a:effectRef>
+          <a:fontRef idx="minor">
+            <a:schemeClr val="lt1"/>
+          </a:fontRef>
+        </p:style>
+        <p:txBody>
+          <a:bodyPr rtlCol="0" anchor="ctr"/>
+          <a:lstStyle/>
+          <a:p>
+            <a:pPr algn="ctr"/>
+            <a:endParaRPr lang="fr-FR"/>
+          </a:p>
+        </p:txBody>
+      </p:sp>
+      <p:sp>
+        <p:nvSpPr>
+          <p:cNvPr id="15" name="Rectangle : coins arrondis 14">
+            <a:extLst>
+              <a:ext uri="{FF2B5EF4-FFF2-40B4-BE49-F238E27FC236}">
+                <a16:creationId xmlns:a16="http://schemas.microsoft.com/office/drawing/2014/main" id="{D96FF100-503D-4E43-ACEB-62802412FC0E}"/>
+              </a:ext>
+            </a:extLst>
+          </p:cNvPr>
+          <p:cNvSpPr/>
+          <p:nvPr/>
+        </p:nvSpPr>
+        <p:spPr>
+          <a:xfrm>
+            <a:off x="1132448" y="2058921"/>
+            <a:ext cx="6626687" cy="2519195"/>
+          </a:xfrm>
+          <a:prstGeom prst="roundRect">
+            <a:avLst>
+              <a:gd name="adj" fmla="val 3991"/>
+            </a:avLst>
+          </a:prstGeom>
+          <a:solidFill>
+            <a:schemeClr val="accent1">
+              <a:lumMod val="50000"/>
+            </a:schemeClr>
+          </a:solidFill>
+          <a:ln>
+            <a:noFill/>
+          </a:ln>
+          <a:effectLst/>
+          <a:scene3d>
+            <a:camera prst="orthographicFront">
+              <a:rot lat="0" lon="0" rev="0"/>
+            </a:camera>
+            <a:lightRig rig="glow" dir="t">
+              <a:rot lat="0" lon="0" rev="14100000"/>
+            </a:lightRig>
+          </a:scene3d>
+          <a:sp3d prstMaterial="softEdge">
+            <a:bevelT w="127000" prst="artDeco"/>
+          </a:sp3d>
+        </p:spPr>
+        <p:style>
+          <a:lnRef idx="2">
+            <a:schemeClr val="accent1">
+              <a:shade val="50000"/>
+            </a:schemeClr>
+          </a:lnRef>
+          <a:fillRef idx="1">
+            <a:schemeClr val="accent1"/>
+          </a:fillRef>
+          <a:effectRef idx="0">
+            <a:schemeClr val="accent1"/>
+          </a:effectRef>
+          <a:fontRef idx="minor">
+            <a:schemeClr val="lt1"/>
+          </a:fontRef>
+        </p:style>
+        <p:txBody>
+          <a:bodyPr rtlCol="0" anchor="ctr"/>
+          <a:lstStyle/>
+          <a:p>
+            <a:pPr algn="ctr"/>
+            <a:endParaRPr lang="fr-FR" sz="3600" dirty="0">
+              <a:solidFill>
+                <a:schemeClr val="bg1"/>
+              </a:solidFill>
+            </a:endParaRPr>
+          </a:p>
+        </p:txBody>
+      </p:sp>
+      <p:sp>
+        <p:nvSpPr>
+          <p:cNvPr id="16" name="Rectangle 15">
+            <a:extLst>
+              <a:ext uri="{FF2B5EF4-FFF2-40B4-BE49-F238E27FC236}">
+                <a16:creationId xmlns:a16="http://schemas.microsoft.com/office/drawing/2014/main" id="{49EF0595-69F0-48CC-A387-A461C6BC1E6E}"/>
+              </a:ext>
+            </a:extLst>
+          </p:cNvPr>
+          <p:cNvSpPr/>
+          <p:nvPr/>
+        </p:nvSpPr>
+        <p:spPr>
+          <a:xfrm>
+            <a:off x="1132449" y="321165"/>
+            <a:ext cx="6626687" cy="923330"/>
+          </a:xfrm>
+          <a:prstGeom prst="rect">
+            <a:avLst/>
+          </a:prstGeom>
+          <a:noFill/>
+        </p:spPr>
+        <p:txBody>
+          <a:bodyPr wrap="none" lIns="91440" tIns="45720" rIns="91440" bIns="45720">
+            <a:spAutoFit/>
+          </a:bodyPr>
+          <a:lstStyle/>
+          <a:p>
+            <a:pPr algn="ctr"/>
+            <a:r>
+              <a:rPr lang="fr-FR" sz="5400" b="1" dirty="0">
+                <a:ln w="9525">
+                  <a:solidFill>
+                    <a:schemeClr val="bg2">
+                      <a:lumMod val="50000"/>
+                    </a:schemeClr>
+                  </a:solidFill>
+                  <a:prstDash val="solid"/>
+                </a:ln>
+                <a:solidFill>
+                  <a:schemeClr val="accent4">
+                    <a:lumMod val="60000"/>
+                    <a:lumOff val="40000"/>
+                  </a:schemeClr>
+                </a:solidFill>
+                <a:effectLst>
+                  <a:outerShdw blurRad="12700" dist="38100" dir="2700000" algn="tl" rotWithShape="0">
+                    <a:schemeClr val="bg1">
+                      <a:lumMod val="50000"/>
+                    </a:schemeClr>
+                  </a:outerShdw>
+                </a:effectLst>
+              </a:rPr>
+              <a:t>-Unified Process Bank-</a:t>
+            </a:r>
+          </a:p>
+        </p:txBody>
+      </p:sp>
+      <p:sp>
+        <p:nvSpPr>
+          <p:cNvPr id="18" name="ZoneTexte 17">
+            <a:extLst>
+              <a:ext uri="{FF2B5EF4-FFF2-40B4-BE49-F238E27FC236}">
+                <a16:creationId xmlns:a16="http://schemas.microsoft.com/office/drawing/2014/main" id="{4C837BDD-0D8C-4C15-BE90-294897226D46}"/>
+              </a:ext>
+            </a:extLst>
+          </p:cNvPr>
+          <p:cNvSpPr txBox="1"/>
+          <p:nvPr/>
+        </p:nvSpPr>
+        <p:spPr>
+          <a:xfrm>
+            <a:off x="2691581" y="2400898"/>
+            <a:ext cx="4711274" cy="830997"/>
+          </a:xfrm>
+          <a:prstGeom prst="rect">
+            <a:avLst/>
+          </a:prstGeom>
+          <a:noFill/>
+        </p:spPr>
+        <p:txBody>
+          <a:bodyPr wrap="square" rtlCol="0">
+            <a:spAutoFit/>
+          </a:bodyPr>
+          <a:lstStyle/>
+          <a:p>
+            <a:r>
+              <a:rPr lang="fr-FR" sz="2400" b="1" dirty="0">
+                <a:solidFill>
+                  <a:schemeClr val="bg1"/>
+                </a:solidFill>
+              </a:rPr>
+              <a:t>Carte invalide : «Message personnalisé en fonction du cas»</a:t>
+            </a:r>
+          </a:p>
+        </p:txBody>
+      </p:sp>
+      <p:sp>
+        <p:nvSpPr>
+          <p:cNvPr id="21" name="ZoneTexte 20">
+            <a:extLst>
+              <a:ext uri="{FF2B5EF4-FFF2-40B4-BE49-F238E27FC236}">
+                <a16:creationId xmlns:a16="http://schemas.microsoft.com/office/drawing/2014/main" id="{77380A2B-E761-463E-985C-D89B36B5D2D1}"/>
+              </a:ext>
+            </a:extLst>
+          </p:cNvPr>
+          <p:cNvSpPr txBox="1"/>
+          <p:nvPr/>
+        </p:nvSpPr>
+        <p:spPr>
+          <a:xfrm>
+            <a:off x="1566168" y="3681242"/>
+            <a:ext cx="5759246" cy="461665"/>
+          </a:xfrm>
+          <a:prstGeom prst="rect">
+            <a:avLst/>
+          </a:prstGeom>
+          <a:noFill/>
+        </p:spPr>
+        <p:txBody>
+          <a:bodyPr wrap="square" rtlCol="0">
+            <a:spAutoFit/>
+          </a:bodyPr>
+          <a:lstStyle/>
+          <a:p>
+            <a:pPr algn="ctr"/>
+            <a:r>
+              <a:rPr lang="fr-FR" sz="2400" dirty="0">
+                <a:solidFill>
+                  <a:schemeClr val="bg1"/>
+                </a:solidFill>
+              </a:rPr>
+              <a:t>Carte avalée, veuillez contacter un agent.</a:t>
+            </a:r>
+          </a:p>
+        </p:txBody>
+      </p:sp>
+      <p:pic>
+        <p:nvPicPr>
+          <p:cNvPr id="1036" name="Picture 12" descr="Cancel Button PNG Transparent Images | PNG All">
+            <a:extLst>
+              <a:ext uri="{FF2B5EF4-FFF2-40B4-BE49-F238E27FC236}">
+                <a16:creationId xmlns:a16="http://schemas.microsoft.com/office/drawing/2014/main" id="{74143104-551C-49C3-8B92-EF17DB2313CE}"/>
+              </a:ext>
+            </a:extLst>
+          </p:cNvPr>
+          <p:cNvPicPr>
+            <a:picLocks noChangeAspect="1" noChangeArrowheads="1"/>
+          </p:cNvPicPr>
+          <p:nvPr/>
+        </p:nvPicPr>
+        <p:blipFill>
+          <a:blip r:embed="rId2">
+            <a:duotone>
+              <a:schemeClr val="accent2">
+                <a:shade val="45000"/>
+                <a:satMod val="135000"/>
+              </a:schemeClr>
+              <a:prstClr val="white"/>
+            </a:duotone>
+            <a:extLst>
+              <a:ext uri="{28A0092B-C50C-407E-A947-70E740481C1C}">
+                <a14:useLocalDpi xmlns:a14="http://schemas.microsoft.com/office/drawing/2010/main" val="0"/>
+              </a:ext>
+            </a:extLst>
+          </a:blip>
+          <a:srcRect/>
+          <a:stretch>
+            <a:fillRect/>
+          </a:stretch>
+        </p:blipFill>
+        <p:spPr bwMode="auto">
+          <a:xfrm>
+            <a:off x="1500332" y="2395864"/>
+            <a:ext cx="990856" cy="990856"/>
+          </a:xfrm>
+          <a:prstGeom prst="rect">
+            <a:avLst/>
+          </a:prstGeom>
+          <a:noFill/>
+          <a:extLst>
+            <a:ext uri="{909E8E84-426E-40DD-AFC4-6F175D3DCCD1}">
+              <a14:hiddenFill xmlns:a14="http://schemas.microsoft.com/office/drawing/2010/main">
+                <a:solidFill>
+                  <a:srgbClr val="FFFFFF"/>
+                </a:solidFill>
+              </a14:hiddenFill>
+            </a:ext>
+          </a:extLst>
+        </p:spPr>
+      </p:pic>
+    </p:spTree>
+    <p:extLst>
+      <p:ext uri="{BB962C8B-B14F-4D97-AF65-F5344CB8AC3E}">
+        <p14:creationId xmlns:p14="http://schemas.microsoft.com/office/powerpoint/2010/main" val="2066401197"/>
+      </p:ext>
+    </p:extLst>
+  </p:cSld>
+  <p:clrMapOvr>
+    <a:masterClrMapping/>
+  </p:clrMapOvr>
+</p:sld>
+</file>
+
+<file path=ppt/slides/slide4.xml><?xml version="1.0" encoding="utf-8"?>
+<p:sld xmlns:a="http://schemas.openxmlformats.org/drawingml/2006/main" xmlns:r="http://schemas.openxmlformats.org/officeDocument/2006/relationships" xmlns:p="http://schemas.openxmlformats.org/presentationml/2006/main">
+  <p:cSld>
+    <p:spTree>
+      <p:nvGrpSpPr>
+        <p:cNvPr id="1" name=""/>
+        <p:cNvGrpSpPr/>
+        <p:nvPr/>
+      </p:nvGrpSpPr>
+      <p:grpSpPr>
+        <a:xfrm>
+          <a:off x="0" y="0"/>
+          <a:ext cx="0" cy="0"/>
+          <a:chOff x="0" y="0"/>
+          <a:chExt cx="0" cy="0"/>
+        </a:xfrm>
+      </p:grpSpPr>
+      <p:sp>
+        <p:nvSpPr>
           <p:cNvPr id="2" name="Sous-titre 2">
             <a:extLst>
               <a:ext uri="{FF2B5EF4-FFF2-40B4-BE49-F238E27FC236}">
@@ -7285,7 +10580,7 @@
 </p:sld>
 </file>
 
-<file path=ppt/slides/slide3.xml><?xml version="1.0" encoding="utf-8"?>
+<file path=ppt/slides/slide5.xml><?xml version="1.0" encoding="utf-8"?>
 <p:sld xmlns:a="http://schemas.openxmlformats.org/drawingml/2006/main" xmlns:r="http://schemas.openxmlformats.org/officeDocument/2006/relationships" xmlns:p="http://schemas.openxmlformats.org/presentationml/2006/main">
   <p:cSld>
     <p:spTree>
@@ -8029,7 +11324,7 @@
 </p:sld>
 </file>
 
-<file path=ppt/slides/slide4.xml><?xml version="1.0" encoding="utf-8"?>
+<file path=ppt/slides/slide6.xml><?xml version="1.0" encoding="utf-8"?>
 <p:sld xmlns:a="http://schemas.openxmlformats.org/drawingml/2006/main" xmlns:r="http://schemas.openxmlformats.org/officeDocument/2006/relationships" xmlns:p="http://schemas.openxmlformats.org/presentationml/2006/main">
   <p:cSld>
     <p:spTree>
@@ -8618,7 +11913,7 @@
 </p:sld>
 </file>
 
-<file path=ppt/slides/slide5.xml><?xml version="1.0" encoding="utf-8"?>
+<file path=ppt/slides/slide7.xml><?xml version="1.0" encoding="utf-8"?>
 <p:sld xmlns:a="http://schemas.openxmlformats.org/drawingml/2006/main" xmlns:r="http://schemas.openxmlformats.org/officeDocument/2006/relationships" xmlns:p="http://schemas.openxmlformats.org/presentationml/2006/main">
   <p:cSld>
     <p:spTree>
@@ -8679,7 +11974,7 @@
                   <a:schemeClr val="bg1"/>
                 </a:solidFill>
               </a:rPr>
-              <a:t>Sélection d’une opération </a:t>
+              <a:t>Sélection d’une opération client interne </a:t>
             </a:r>
           </a:p>
         </p:txBody>
@@ -9333,7 +12628,414 @@
 </p:sld>
 </file>
 
-<file path=ppt/slides/slide6.xml><?xml version="1.0" encoding="utf-8"?>
+<file path=ppt/slides/slide8.xml><?xml version="1.0" encoding="utf-8"?>
+<p:sld xmlns:a="http://schemas.openxmlformats.org/drawingml/2006/main" xmlns:r="http://schemas.openxmlformats.org/officeDocument/2006/relationships" xmlns:p="http://schemas.openxmlformats.org/presentationml/2006/main">
+  <p:cSld>
+    <p:spTree>
+      <p:nvGrpSpPr>
+        <p:cNvPr id="1" name=""/>
+        <p:cNvGrpSpPr/>
+        <p:nvPr/>
+      </p:nvGrpSpPr>
+      <p:grpSpPr>
+        <a:xfrm>
+          <a:off x="0" y="0"/>
+          <a:ext cx="0" cy="0"/>
+          <a:chOff x="0" y="0"/>
+          <a:chExt cx="0" cy="0"/>
+        </a:xfrm>
+      </p:grpSpPr>
+      <p:sp>
+        <p:nvSpPr>
+          <p:cNvPr id="31" name="Sous-titre 2">
+            <a:extLst>
+              <a:ext uri="{FF2B5EF4-FFF2-40B4-BE49-F238E27FC236}">
+                <a16:creationId xmlns:a16="http://schemas.microsoft.com/office/drawing/2014/main" id="{EE0EF1DF-1BCF-4342-9913-12992DB11858}"/>
+              </a:ext>
+            </a:extLst>
+          </p:cNvPr>
+          <p:cNvSpPr>
+            <a:spLocks noGrp="1"/>
+          </p:cNvSpPr>
+          <p:nvPr>
+            <p:ph type="subTitle" idx="1"/>
+          </p:nvPr>
+        </p:nvSpPr>
+        <p:spPr>
+          <a:xfrm>
+            <a:off x="0" y="6171674"/>
+            <a:ext cx="8891588" cy="686326"/>
+          </a:xfrm>
+          <a:solidFill>
+            <a:schemeClr val="bg2">
+              <a:lumMod val="25000"/>
+            </a:schemeClr>
+          </a:solidFill>
+          <a:ln>
+            <a:solidFill>
+              <a:schemeClr val="tx1"/>
+            </a:solidFill>
+          </a:ln>
+        </p:spPr>
+        <p:txBody>
+          <a:bodyPr anchor="ctr">
+            <a:normAutofit/>
+          </a:bodyPr>
+          <a:lstStyle/>
+          <a:p>
+            <a:r>
+              <a:rPr lang="fr-FR" sz="3200" dirty="0">
+                <a:solidFill>
+                  <a:schemeClr val="bg1"/>
+                </a:solidFill>
+              </a:rPr>
+              <a:t>Sélection d’une opération client externe</a:t>
+            </a:r>
+          </a:p>
+        </p:txBody>
+      </p:sp>
+      <p:grpSp>
+        <p:nvGrpSpPr>
+          <p:cNvPr id="46" name="Groupe 45">
+            <a:extLst>
+              <a:ext uri="{FF2B5EF4-FFF2-40B4-BE49-F238E27FC236}">
+                <a16:creationId xmlns:a16="http://schemas.microsoft.com/office/drawing/2014/main" id="{773043D6-ABF0-49D7-8C17-D27B10A08520}"/>
+              </a:ext>
+            </a:extLst>
+          </p:cNvPr>
+          <p:cNvGrpSpPr/>
+          <p:nvPr/>
+        </p:nvGrpSpPr>
+        <p:grpSpPr>
+          <a:xfrm>
+            <a:off x="250032" y="179747"/>
+            <a:ext cx="8391525" cy="5632283"/>
+            <a:chOff x="250031" y="274446"/>
+            <a:chExt cx="8391525" cy="5632283"/>
+          </a:xfrm>
+        </p:grpSpPr>
+        <p:sp>
+          <p:nvSpPr>
+            <p:cNvPr id="32" name="Rectangle : coins arrondis 31">
+              <a:extLst>
+                <a:ext uri="{FF2B5EF4-FFF2-40B4-BE49-F238E27FC236}">
+                  <a16:creationId xmlns:a16="http://schemas.microsoft.com/office/drawing/2014/main" id="{4DE178AC-27A6-428A-8071-5076C0403CE3}"/>
+                </a:ext>
+              </a:extLst>
+            </p:cNvPr>
+            <p:cNvSpPr/>
+            <p:nvPr/>
+          </p:nvSpPr>
+          <p:spPr>
+            <a:xfrm>
+              <a:off x="250031" y="274446"/>
+              <a:ext cx="8391525" cy="5632283"/>
+            </a:xfrm>
+            <a:prstGeom prst="roundRect">
+              <a:avLst>
+                <a:gd name="adj" fmla="val 1999"/>
+              </a:avLst>
+            </a:prstGeom>
+            <a:gradFill flip="none" rotWithShape="1">
+              <a:gsLst>
+                <a:gs pos="8000">
+                  <a:schemeClr val="accent1"/>
+                </a:gs>
+                <a:gs pos="100000">
+                  <a:schemeClr val="accent1">
+                    <a:lumMod val="40000"/>
+                    <a:lumOff val="60000"/>
+                  </a:schemeClr>
+                </a:gs>
+              </a:gsLst>
+              <a:lin ang="16200000" scaled="1"/>
+              <a:tileRect/>
+            </a:gradFill>
+            <a:ln w="57150">
+              <a:solidFill>
+                <a:schemeClr val="tx1"/>
+              </a:solidFill>
+            </a:ln>
+            <a:effectLst>
+              <a:softEdge rad="0"/>
+            </a:effectLst>
+          </p:spPr>
+          <p:style>
+            <a:lnRef idx="2">
+              <a:schemeClr val="accent1">
+                <a:shade val="50000"/>
+              </a:schemeClr>
+            </a:lnRef>
+            <a:fillRef idx="1">
+              <a:schemeClr val="accent1"/>
+            </a:fillRef>
+            <a:effectRef idx="0">
+              <a:schemeClr val="accent1"/>
+            </a:effectRef>
+            <a:fontRef idx="minor">
+              <a:schemeClr val="lt1"/>
+            </a:fontRef>
+          </p:style>
+          <p:txBody>
+            <a:bodyPr rtlCol="0" anchor="ctr"/>
+            <a:lstStyle/>
+            <a:p>
+              <a:pPr algn="ctr"/>
+              <a:endParaRPr lang="fr-FR"/>
+            </a:p>
+          </p:txBody>
+        </p:sp>
+        <p:sp>
+          <p:nvSpPr>
+            <p:cNvPr id="34" name="Rectangle : coins arrondis 33">
+              <a:extLst>
+                <a:ext uri="{FF2B5EF4-FFF2-40B4-BE49-F238E27FC236}">
+                  <a16:creationId xmlns:a16="http://schemas.microsoft.com/office/drawing/2014/main" id="{7B567319-A339-43E4-A8DE-74937A67823D}"/>
+                </a:ext>
+              </a:extLst>
+            </p:cNvPr>
+            <p:cNvSpPr/>
+            <p:nvPr/>
+          </p:nvSpPr>
+          <p:spPr>
+            <a:xfrm>
+              <a:off x="369093" y="834356"/>
+              <a:ext cx="8172452" cy="1199753"/>
+            </a:xfrm>
+            <a:prstGeom prst="roundRect">
+              <a:avLst>
+                <a:gd name="adj" fmla="val 3991"/>
+              </a:avLst>
+            </a:prstGeom>
+            <a:solidFill>
+              <a:schemeClr val="accent1">
+                <a:lumMod val="50000"/>
+              </a:schemeClr>
+            </a:solidFill>
+            <a:ln>
+              <a:noFill/>
+            </a:ln>
+            <a:effectLst/>
+            <a:scene3d>
+              <a:camera prst="orthographicFront">
+                <a:rot lat="0" lon="0" rev="0"/>
+              </a:camera>
+              <a:lightRig rig="glow" dir="t">
+                <a:rot lat="0" lon="0" rev="14100000"/>
+              </a:lightRig>
+            </a:scene3d>
+            <a:sp3d prstMaterial="softEdge">
+              <a:bevelT w="127000" prst="artDeco"/>
+            </a:sp3d>
+          </p:spPr>
+          <p:style>
+            <a:lnRef idx="2">
+              <a:schemeClr val="accent1">
+                <a:shade val="50000"/>
+              </a:schemeClr>
+            </a:lnRef>
+            <a:fillRef idx="1">
+              <a:schemeClr val="accent1"/>
+            </a:fillRef>
+            <a:effectRef idx="0">
+              <a:schemeClr val="accent1"/>
+            </a:effectRef>
+            <a:fontRef idx="minor">
+              <a:schemeClr val="lt1"/>
+            </a:fontRef>
+          </p:style>
+          <p:txBody>
+            <a:bodyPr rtlCol="0" anchor="ctr"/>
+            <a:lstStyle/>
+            <a:p>
+              <a:pPr algn="ctr"/>
+              <a:r>
+                <a:rPr lang="fr-FR" sz="3600" dirty="0">
+                  <a:solidFill>
+                    <a:schemeClr val="bg1"/>
+                  </a:solidFill>
+                </a:rPr>
+                <a:t>Quelle opération </a:t>
+              </a:r>
+            </a:p>
+            <a:p>
+              <a:pPr algn="ctr"/>
+              <a:r>
+                <a:rPr lang="fr-FR" sz="3600" dirty="0">
+                  <a:solidFill>
+                    <a:schemeClr val="bg1"/>
+                  </a:solidFill>
+                </a:rPr>
+                <a:t>désirez-vous effectuer ?</a:t>
+              </a:r>
+            </a:p>
+          </p:txBody>
+        </p:sp>
+        <p:sp>
+          <p:nvSpPr>
+            <p:cNvPr id="41" name="Rectangle : coins arrondis 40">
+              <a:extLst>
+                <a:ext uri="{FF2B5EF4-FFF2-40B4-BE49-F238E27FC236}">
+                  <a16:creationId xmlns:a16="http://schemas.microsoft.com/office/drawing/2014/main" id="{8FA9D1A8-38F9-401D-B9A7-065B1BBB2A8F}"/>
+                </a:ext>
+              </a:extLst>
+            </p:cNvPr>
+            <p:cNvSpPr/>
+            <p:nvPr/>
+          </p:nvSpPr>
+          <p:spPr>
+            <a:xfrm>
+              <a:off x="284268" y="4952091"/>
+              <a:ext cx="3557683" cy="676275"/>
+            </a:xfrm>
+            <a:prstGeom prst="roundRect">
+              <a:avLst>
+                <a:gd name="adj" fmla="val 3991"/>
+              </a:avLst>
+            </a:prstGeom>
+            <a:solidFill>
+              <a:schemeClr val="bg2">
+                <a:lumMod val="25000"/>
+              </a:schemeClr>
+            </a:solidFill>
+            <a:ln>
+              <a:noFill/>
+            </a:ln>
+            <a:effectLst/>
+            <a:scene3d>
+              <a:camera prst="orthographicFront">
+                <a:rot lat="0" lon="0" rev="0"/>
+              </a:camera>
+              <a:lightRig rig="glow" dir="t">
+                <a:rot lat="0" lon="0" rev="14100000"/>
+              </a:lightRig>
+            </a:scene3d>
+            <a:sp3d prstMaterial="softEdge">
+              <a:bevelT w="127000" prst="artDeco"/>
+            </a:sp3d>
+          </p:spPr>
+          <p:style>
+            <a:lnRef idx="2">
+              <a:schemeClr val="accent1">
+                <a:shade val="50000"/>
+              </a:schemeClr>
+            </a:lnRef>
+            <a:fillRef idx="1">
+              <a:schemeClr val="accent1"/>
+            </a:fillRef>
+            <a:effectRef idx="0">
+              <a:schemeClr val="accent1"/>
+            </a:effectRef>
+            <a:fontRef idx="minor">
+              <a:schemeClr val="lt1"/>
+            </a:fontRef>
+          </p:style>
+          <p:txBody>
+            <a:bodyPr rtlCol="0" anchor="ctr"/>
+            <a:lstStyle/>
+            <a:p>
+              <a:pPr algn="ctr"/>
+              <a:r>
+                <a:rPr lang="fr-FR" sz="2400" dirty="0">
+                  <a:solidFill>
+                    <a:schemeClr val="bg1"/>
+                  </a:solidFill>
+                </a:rPr>
+                <a:t>Retrait</a:t>
+              </a:r>
+            </a:p>
+          </p:txBody>
+        </p:sp>
+        <p:sp>
+          <p:nvSpPr>
+            <p:cNvPr id="45" name="Rectangle : coins arrondis 44">
+              <a:extLst>
+                <a:ext uri="{FF2B5EF4-FFF2-40B4-BE49-F238E27FC236}">
+                  <a16:creationId xmlns:a16="http://schemas.microsoft.com/office/drawing/2014/main" id="{C7908840-B4EC-4B04-85AF-30B0B51B172F}"/>
+                </a:ext>
+              </a:extLst>
+            </p:cNvPr>
+            <p:cNvSpPr/>
+            <p:nvPr/>
+          </p:nvSpPr>
+          <p:spPr>
+            <a:xfrm>
+              <a:off x="5064383" y="4952091"/>
+              <a:ext cx="3543174" cy="676275"/>
+            </a:xfrm>
+            <a:prstGeom prst="roundRect">
+              <a:avLst>
+                <a:gd name="adj" fmla="val 3991"/>
+              </a:avLst>
+            </a:prstGeom>
+            <a:solidFill>
+              <a:schemeClr val="bg2">
+                <a:lumMod val="25000"/>
+              </a:schemeClr>
+            </a:solidFill>
+            <a:ln>
+              <a:noFill/>
+            </a:ln>
+            <a:effectLst/>
+            <a:scene3d>
+              <a:camera prst="orthographicFront">
+                <a:rot lat="0" lon="0" rev="0"/>
+              </a:camera>
+              <a:lightRig rig="glow" dir="t">
+                <a:rot lat="0" lon="0" rev="14100000"/>
+              </a:lightRig>
+            </a:scene3d>
+            <a:sp3d prstMaterial="softEdge">
+              <a:bevelT w="127000" prst="artDeco"/>
+            </a:sp3d>
+          </p:spPr>
+          <p:style>
+            <a:lnRef idx="2">
+              <a:schemeClr val="accent1">
+                <a:shade val="50000"/>
+              </a:schemeClr>
+            </a:lnRef>
+            <a:fillRef idx="1">
+              <a:schemeClr val="accent1"/>
+            </a:fillRef>
+            <a:effectRef idx="0">
+              <a:schemeClr val="accent1"/>
+            </a:effectRef>
+            <a:fontRef idx="minor">
+              <a:schemeClr val="lt1"/>
+            </a:fontRef>
+          </p:style>
+          <p:txBody>
+            <a:bodyPr rtlCol="0" anchor="ctr"/>
+            <a:lstStyle/>
+            <a:p>
+              <a:pPr algn="ctr"/>
+              <a:r>
+                <a:rPr lang="fr-FR" sz="2400" dirty="0">
+                  <a:solidFill>
+                    <a:schemeClr val="bg1"/>
+                  </a:solidFill>
+                </a:rPr>
+                <a:t>Restituer la carte</a:t>
+              </a:r>
+            </a:p>
+          </p:txBody>
+        </p:sp>
+      </p:grpSp>
+    </p:spTree>
+    <p:extLst>
+      <p:ext uri="{BB962C8B-B14F-4D97-AF65-F5344CB8AC3E}">
+        <p14:creationId xmlns:p14="http://schemas.microsoft.com/office/powerpoint/2010/main" val="1009918359"/>
+      </p:ext>
+    </p:extLst>
+  </p:cSld>
+  <p:clrMapOvr>
+    <a:masterClrMapping/>
+  </p:clrMapOvr>
+</p:sld>
+</file>
+
+<file path=ppt/slides/slide9.xml><?xml version="1.0" encoding="utf-8"?>
 <p:sld xmlns:a="http://schemas.openxmlformats.org/drawingml/2006/main" xmlns:r="http://schemas.openxmlformats.org/officeDocument/2006/relationships" xmlns:p="http://schemas.openxmlformats.org/presentationml/2006/main">
   <p:cSld>
     <p:spTree>
@@ -9504,8 +13206,8 @@
           </p:nvSpPr>
           <p:spPr>
             <a:xfrm>
-              <a:off x="284269" y="2330283"/>
-              <a:ext cx="2183948" cy="676275"/>
+              <a:off x="284269" y="2867208"/>
+              <a:ext cx="2183948" cy="574240"/>
             </a:xfrm>
             <a:prstGeom prst="roundRect">
               <a:avLst>
@@ -9665,7 +13367,7 @@
           </p:nvSpPr>
           <p:spPr>
             <a:xfrm>
-              <a:off x="2721769" y="2852737"/>
+              <a:off x="2721769" y="3243565"/>
               <a:ext cx="3467100" cy="2002215"/>
             </a:xfrm>
             <a:prstGeom prst="rect">
@@ -9746,7 +13448,7 @@
           </p:blipFill>
           <p:spPr bwMode="auto">
             <a:xfrm>
-              <a:off x="3194378" y="3179773"/>
+              <a:off x="3194378" y="3570601"/>
               <a:ext cx="2521880" cy="1568164"/>
             </a:xfrm>
             <a:prstGeom prst="rect">
@@ -9778,7 +13480,7 @@
           </p:nvSpPr>
           <p:spPr>
             <a:xfrm>
-              <a:off x="5519873" y="3654557"/>
+              <a:off x="5519873" y="4045385"/>
               <a:ext cx="533400" cy="322869"/>
             </a:xfrm>
             <a:prstGeom prst="notchedRightArrow">
@@ -9837,7 +13539,7 @@
           </p:nvSpPr>
           <p:spPr>
             <a:xfrm rot="10800000">
-              <a:off x="2857363" y="3659319"/>
+              <a:off x="2857363" y="4050147"/>
               <a:ext cx="533400" cy="322869"/>
             </a:xfrm>
             <a:prstGeom prst="notchedRightArrow">
@@ -9896,8 +13598,8 @@
           </p:nvSpPr>
           <p:spPr>
             <a:xfrm>
-              <a:off x="284269" y="3204219"/>
-              <a:ext cx="2183948" cy="676275"/>
+              <a:off x="285205" y="3605950"/>
+              <a:ext cx="2183948" cy="574240"/>
             </a:xfrm>
             <a:prstGeom prst="roundRect">
               <a:avLst>
@@ -9971,8 +13673,8 @@
           </p:nvSpPr>
           <p:spPr>
             <a:xfrm>
-              <a:off x="284269" y="4078155"/>
-              <a:ext cx="2183948" cy="676275"/>
+              <a:off x="269080" y="4331855"/>
+              <a:ext cx="2183948" cy="574240"/>
             </a:xfrm>
             <a:prstGeom prst="roundRect">
               <a:avLst>
@@ -10046,8 +13748,8 @@
           </p:nvSpPr>
           <p:spPr>
             <a:xfrm>
-              <a:off x="284269" y="4952091"/>
-              <a:ext cx="2183948" cy="676275"/>
+              <a:off x="284269" y="5054126"/>
+              <a:ext cx="2183948" cy="574240"/>
             </a:xfrm>
             <a:prstGeom prst="roundRect">
               <a:avLst>
@@ -10121,8 +13823,8 @@
           </p:nvSpPr>
           <p:spPr>
             <a:xfrm>
-              <a:off x="6408861" y="2330283"/>
-              <a:ext cx="2183948" cy="676275"/>
+              <a:off x="6416235" y="2876950"/>
+              <a:ext cx="2183948" cy="574240"/>
             </a:xfrm>
             <a:prstGeom prst="roundRect">
               <a:avLst>
@@ -10196,8 +13898,8 @@
           </p:nvSpPr>
           <p:spPr>
             <a:xfrm>
-              <a:off x="6408861" y="3204219"/>
-              <a:ext cx="2183948" cy="676275"/>
+              <a:off x="6415059" y="3605950"/>
+              <a:ext cx="2183948" cy="574240"/>
             </a:xfrm>
             <a:prstGeom prst="roundRect">
               <a:avLst>
@@ -10271,8 +13973,8 @@
           </p:nvSpPr>
           <p:spPr>
             <a:xfrm>
-              <a:off x="6408861" y="4078155"/>
-              <a:ext cx="2183948" cy="676275"/>
+              <a:off x="6416235" y="4331855"/>
+              <a:ext cx="2183948" cy="574240"/>
             </a:xfrm>
             <a:prstGeom prst="roundRect">
               <a:avLst>
@@ -10346,8 +14048,8 @@
           </p:nvSpPr>
           <p:spPr>
             <a:xfrm>
-              <a:off x="6408861" y="4952091"/>
-              <a:ext cx="2183948" cy="676275"/>
+              <a:off x="6416235" y="5054126"/>
+              <a:ext cx="2183948" cy="574240"/>
             </a:xfrm>
             <a:prstGeom prst="roundRect">
               <a:avLst>
@@ -10408,519 +14110,12 @@
           </p:txBody>
         </p:sp>
       </p:grpSp>
-    </p:spTree>
-    <p:extLst>
-      <p:ext uri="{BB962C8B-B14F-4D97-AF65-F5344CB8AC3E}">
-        <p14:creationId xmlns:p14="http://schemas.microsoft.com/office/powerpoint/2010/main" val="1361024183"/>
-      </p:ext>
-    </p:extLst>
-  </p:cSld>
-  <p:clrMapOvr>
-    <a:masterClrMapping/>
-  </p:clrMapOvr>
-</p:sld>
-</file>
-
-<file path=ppt/slides/slide7.xml><?xml version="1.0" encoding="utf-8"?>
-<p:sld xmlns:a="http://schemas.openxmlformats.org/drawingml/2006/main" xmlns:r="http://schemas.openxmlformats.org/officeDocument/2006/relationships" xmlns:p="http://schemas.openxmlformats.org/presentationml/2006/main">
-  <p:cSld>
-    <p:spTree>
-      <p:nvGrpSpPr>
-        <p:cNvPr id="1" name=""/>
-        <p:cNvGrpSpPr/>
-        <p:nvPr/>
-      </p:nvGrpSpPr>
-      <p:grpSpPr>
-        <a:xfrm>
-          <a:off x="0" y="0"/>
-          <a:ext cx="0" cy="0"/>
-          <a:chOff x="0" y="0"/>
-          <a:chExt cx="0" cy="0"/>
-        </a:xfrm>
-      </p:grpSpPr>
       <p:sp>
         <p:nvSpPr>
-          <p:cNvPr id="2" name="Sous-titre 2">
+          <p:cNvPr id="20" name="Rectangle : coins arrondis 19">
             <a:extLst>
               <a:ext uri="{FF2B5EF4-FFF2-40B4-BE49-F238E27FC236}">
-                <a16:creationId xmlns:a16="http://schemas.microsoft.com/office/drawing/2014/main" id="{3091645F-2B9C-42AF-ACAC-4B76C34809DB}"/>
-              </a:ext>
-            </a:extLst>
-          </p:cNvPr>
-          <p:cNvSpPr txBox="1">
-            <a:spLocks/>
-          </p:cNvSpPr>
-          <p:nvPr/>
-        </p:nvSpPr>
-        <p:spPr>
-          <a:xfrm>
-            <a:off x="0" y="6171674"/>
-            <a:ext cx="8891588" cy="686326"/>
-          </a:xfrm>
-          <a:prstGeom prst="rect">
-            <a:avLst/>
-          </a:prstGeom>
-          <a:solidFill>
-            <a:schemeClr val="bg2">
-              <a:lumMod val="25000"/>
-            </a:schemeClr>
-          </a:solidFill>
-          <a:ln>
-            <a:solidFill>
-              <a:schemeClr val="tx1"/>
-            </a:solidFill>
-          </a:ln>
-        </p:spPr>
-        <p:txBody>
-          <a:bodyPr vert="horz" lIns="91440" tIns="45720" rIns="91440" bIns="45720" rtlCol="0" anchor="ctr">
-            <a:normAutofit/>
-          </a:bodyPr>
-          <a:lstStyle>
-            <a:lvl1pPr marL="222291" indent="-222291" algn="l" defTabSz="889163" rtl="0" eaLnBrk="1" latinLnBrk="0" hangingPunct="1">
-              <a:lnSpc>
-                <a:spcPct val="90000"/>
-              </a:lnSpc>
-              <a:spcBef>
-                <a:spcPts val="972"/>
-              </a:spcBef>
-              <a:buFont typeface="Arial" panose="020B0604020202020204" pitchFamily="34" charset="0"/>
-              <a:buChar char="•"/>
-              <a:defRPr sz="2723" kern="1200">
-                <a:solidFill>
-                  <a:schemeClr val="tx1"/>
-                </a:solidFill>
-                <a:latin typeface="+mn-lt"/>
-                <a:ea typeface="+mn-ea"/>
-                <a:cs typeface="+mn-cs"/>
-              </a:defRPr>
-            </a:lvl1pPr>
-            <a:lvl2pPr marL="666872" indent="-222291" algn="l" defTabSz="889163" rtl="0" eaLnBrk="1" latinLnBrk="0" hangingPunct="1">
-              <a:lnSpc>
-                <a:spcPct val="90000"/>
-              </a:lnSpc>
-              <a:spcBef>
-                <a:spcPts val="486"/>
-              </a:spcBef>
-              <a:buFont typeface="Arial" panose="020B0604020202020204" pitchFamily="34" charset="0"/>
-              <a:buChar char="•"/>
-              <a:defRPr sz="2334" kern="1200">
-                <a:solidFill>
-                  <a:schemeClr val="tx1"/>
-                </a:solidFill>
-                <a:latin typeface="+mn-lt"/>
-                <a:ea typeface="+mn-ea"/>
-                <a:cs typeface="+mn-cs"/>
-              </a:defRPr>
-            </a:lvl2pPr>
-            <a:lvl3pPr marL="1111453" indent="-222291" algn="l" defTabSz="889163" rtl="0" eaLnBrk="1" latinLnBrk="0" hangingPunct="1">
-              <a:lnSpc>
-                <a:spcPct val="90000"/>
-              </a:lnSpc>
-              <a:spcBef>
-                <a:spcPts val="486"/>
-              </a:spcBef>
-              <a:buFont typeface="Arial" panose="020B0604020202020204" pitchFamily="34" charset="0"/>
-              <a:buChar char="•"/>
-              <a:defRPr sz="1945" kern="1200">
-                <a:solidFill>
-                  <a:schemeClr val="tx1"/>
-                </a:solidFill>
-                <a:latin typeface="+mn-lt"/>
-                <a:ea typeface="+mn-ea"/>
-                <a:cs typeface="+mn-cs"/>
-              </a:defRPr>
-            </a:lvl3pPr>
-            <a:lvl4pPr marL="1556034" indent="-222291" algn="l" defTabSz="889163" rtl="0" eaLnBrk="1" latinLnBrk="0" hangingPunct="1">
-              <a:lnSpc>
-                <a:spcPct val="90000"/>
-              </a:lnSpc>
-              <a:spcBef>
-                <a:spcPts val="486"/>
-              </a:spcBef>
-              <a:buFont typeface="Arial" panose="020B0604020202020204" pitchFamily="34" charset="0"/>
-              <a:buChar char="•"/>
-              <a:defRPr sz="1750" kern="1200">
-                <a:solidFill>
-                  <a:schemeClr val="tx1"/>
-                </a:solidFill>
-                <a:latin typeface="+mn-lt"/>
-                <a:ea typeface="+mn-ea"/>
-                <a:cs typeface="+mn-cs"/>
-              </a:defRPr>
-            </a:lvl4pPr>
-            <a:lvl5pPr marL="2000616" indent="-222291" algn="l" defTabSz="889163" rtl="0" eaLnBrk="1" latinLnBrk="0" hangingPunct="1">
-              <a:lnSpc>
-                <a:spcPct val="90000"/>
-              </a:lnSpc>
-              <a:spcBef>
-                <a:spcPts val="486"/>
-              </a:spcBef>
-              <a:buFont typeface="Arial" panose="020B0604020202020204" pitchFamily="34" charset="0"/>
-              <a:buChar char="•"/>
-              <a:defRPr sz="1750" kern="1200">
-                <a:solidFill>
-                  <a:schemeClr val="tx1"/>
-                </a:solidFill>
-                <a:latin typeface="+mn-lt"/>
-                <a:ea typeface="+mn-ea"/>
-                <a:cs typeface="+mn-cs"/>
-              </a:defRPr>
-            </a:lvl5pPr>
-            <a:lvl6pPr marL="2445197" indent="-222291" algn="l" defTabSz="889163" rtl="0" eaLnBrk="1" latinLnBrk="0" hangingPunct="1">
-              <a:lnSpc>
-                <a:spcPct val="90000"/>
-              </a:lnSpc>
-              <a:spcBef>
-                <a:spcPts val="486"/>
-              </a:spcBef>
-              <a:buFont typeface="Arial" panose="020B0604020202020204" pitchFamily="34" charset="0"/>
-              <a:buChar char="•"/>
-              <a:defRPr sz="1750" kern="1200">
-                <a:solidFill>
-                  <a:schemeClr val="tx1"/>
-                </a:solidFill>
-                <a:latin typeface="+mn-lt"/>
-                <a:ea typeface="+mn-ea"/>
-                <a:cs typeface="+mn-cs"/>
-              </a:defRPr>
-            </a:lvl6pPr>
-            <a:lvl7pPr marL="2889778" indent="-222291" algn="l" defTabSz="889163" rtl="0" eaLnBrk="1" latinLnBrk="0" hangingPunct="1">
-              <a:lnSpc>
-                <a:spcPct val="90000"/>
-              </a:lnSpc>
-              <a:spcBef>
-                <a:spcPts val="486"/>
-              </a:spcBef>
-              <a:buFont typeface="Arial" panose="020B0604020202020204" pitchFamily="34" charset="0"/>
-              <a:buChar char="•"/>
-              <a:defRPr sz="1750" kern="1200">
-                <a:solidFill>
-                  <a:schemeClr val="tx1"/>
-                </a:solidFill>
-                <a:latin typeface="+mn-lt"/>
-                <a:ea typeface="+mn-ea"/>
-                <a:cs typeface="+mn-cs"/>
-              </a:defRPr>
-            </a:lvl7pPr>
-            <a:lvl8pPr marL="3334360" indent="-222291" algn="l" defTabSz="889163" rtl="0" eaLnBrk="1" latinLnBrk="0" hangingPunct="1">
-              <a:lnSpc>
-                <a:spcPct val="90000"/>
-              </a:lnSpc>
-              <a:spcBef>
-                <a:spcPts val="486"/>
-              </a:spcBef>
-              <a:buFont typeface="Arial" panose="020B0604020202020204" pitchFamily="34" charset="0"/>
-              <a:buChar char="•"/>
-              <a:defRPr sz="1750" kern="1200">
-                <a:solidFill>
-                  <a:schemeClr val="tx1"/>
-                </a:solidFill>
-                <a:latin typeface="+mn-lt"/>
-                <a:ea typeface="+mn-ea"/>
-                <a:cs typeface="+mn-cs"/>
-              </a:defRPr>
-            </a:lvl8pPr>
-            <a:lvl9pPr marL="3778941" indent="-222291" algn="l" defTabSz="889163" rtl="0" eaLnBrk="1" latinLnBrk="0" hangingPunct="1">
-              <a:lnSpc>
-                <a:spcPct val="90000"/>
-              </a:lnSpc>
-              <a:spcBef>
-                <a:spcPts val="486"/>
-              </a:spcBef>
-              <a:buFont typeface="Arial" panose="020B0604020202020204" pitchFamily="34" charset="0"/>
-              <a:buChar char="•"/>
-              <a:defRPr sz="1750" kern="1200">
-                <a:solidFill>
-                  <a:schemeClr val="tx1"/>
-                </a:solidFill>
-                <a:latin typeface="+mn-lt"/>
-                <a:ea typeface="+mn-ea"/>
-                <a:cs typeface="+mn-cs"/>
-              </a:defRPr>
-            </a:lvl9pPr>
-          </a:lstStyle>
-          <a:p>
-            <a:pPr marL="0" indent="0" algn="ctr">
-              <a:buNone/>
-            </a:pPr>
-            <a:r>
-              <a:rPr lang="fr-FR" sz="3200" dirty="0">
-                <a:solidFill>
-                  <a:schemeClr val="bg1"/>
-                </a:solidFill>
-              </a:rPr>
-              <a:t>Saisir un montant</a:t>
-            </a:r>
-          </a:p>
-        </p:txBody>
-      </p:sp>
-      <p:grpSp>
-        <p:nvGrpSpPr>
-          <p:cNvPr id="3" name="Groupe 2">
-            <a:extLst>
-              <a:ext uri="{FF2B5EF4-FFF2-40B4-BE49-F238E27FC236}">
-                <a16:creationId xmlns:a16="http://schemas.microsoft.com/office/drawing/2014/main" id="{912A1E3A-4EC6-4908-AD23-CCC64166B2B5}"/>
-              </a:ext>
-            </a:extLst>
-          </p:cNvPr>
-          <p:cNvGrpSpPr/>
-          <p:nvPr/>
-        </p:nvGrpSpPr>
-        <p:grpSpPr>
-          <a:xfrm>
-            <a:off x="250031" y="179747"/>
-            <a:ext cx="8391525" cy="5632283"/>
-            <a:chOff x="1900237" y="311317"/>
-            <a:chExt cx="8391525" cy="5632283"/>
-          </a:xfrm>
-        </p:grpSpPr>
-        <p:sp>
-          <p:nvSpPr>
-            <p:cNvPr id="4" name="Rectangle : coins arrondis 3">
-              <a:extLst>
-                <a:ext uri="{FF2B5EF4-FFF2-40B4-BE49-F238E27FC236}">
-                  <a16:creationId xmlns:a16="http://schemas.microsoft.com/office/drawing/2014/main" id="{280E73EF-439E-48F9-9122-8210DE6592C6}"/>
-                </a:ext>
-              </a:extLst>
-            </p:cNvPr>
-            <p:cNvSpPr/>
-            <p:nvPr/>
-          </p:nvSpPr>
-          <p:spPr>
-            <a:xfrm>
-              <a:off x="1900237" y="311317"/>
-              <a:ext cx="8391525" cy="5632283"/>
-            </a:xfrm>
-            <a:prstGeom prst="roundRect">
-              <a:avLst>
-                <a:gd name="adj" fmla="val 1999"/>
-              </a:avLst>
-            </a:prstGeom>
-            <a:gradFill flip="none" rotWithShape="1">
-              <a:gsLst>
-                <a:gs pos="8000">
-                  <a:schemeClr val="accent1"/>
-                </a:gs>
-                <a:gs pos="100000">
-                  <a:schemeClr val="accent1">
-                    <a:lumMod val="40000"/>
-                    <a:lumOff val="60000"/>
-                  </a:schemeClr>
-                </a:gs>
-              </a:gsLst>
-              <a:lin ang="16200000" scaled="1"/>
-              <a:tileRect/>
-            </a:gradFill>
-            <a:ln w="57150">
-              <a:solidFill>
-                <a:schemeClr val="tx1"/>
-              </a:solidFill>
-            </a:ln>
-            <a:effectLst>
-              <a:softEdge rad="0"/>
-            </a:effectLst>
-          </p:spPr>
-          <p:style>
-            <a:lnRef idx="2">
-              <a:schemeClr val="accent1">
-                <a:shade val="50000"/>
-              </a:schemeClr>
-            </a:lnRef>
-            <a:fillRef idx="1">
-              <a:schemeClr val="accent1"/>
-            </a:fillRef>
-            <a:effectRef idx="0">
-              <a:schemeClr val="accent1"/>
-            </a:effectRef>
-            <a:fontRef idx="minor">
-              <a:schemeClr val="lt1"/>
-            </a:fontRef>
-          </p:style>
-          <p:txBody>
-            <a:bodyPr rtlCol="0" anchor="ctr"/>
-            <a:lstStyle/>
-            <a:p>
-              <a:pPr algn="ctr"/>
-              <a:endParaRPr lang="fr-FR"/>
-            </a:p>
-          </p:txBody>
-        </p:sp>
-        <p:sp>
-          <p:nvSpPr>
-            <p:cNvPr id="5" name="Rectangle : coins arrondis 4">
-              <a:extLst>
-                <a:ext uri="{FF2B5EF4-FFF2-40B4-BE49-F238E27FC236}">
-                  <a16:creationId xmlns:a16="http://schemas.microsoft.com/office/drawing/2014/main" id="{63F6DF86-3ADF-46E7-B525-B37DD4263275}"/>
-                </a:ext>
-              </a:extLst>
-            </p:cNvPr>
-            <p:cNvSpPr/>
-            <p:nvPr/>
-          </p:nvSpPr>
-          <p:spPr>
-            <a:xfrm>
-              <a:off x="2682441" y="1793611"/>
-              <a:ext cx="6827114" cy="2777803"/>
-            </a:xfrm>
-            <a:prstGeom prst="roundRect">
-              <a:avLst>
-                <a:gd name="adj" fmla="val 3991"/>
-              </a:avLst>
-            </a:prstGeom>
-            <a:solidFill>
-              <a:schemeClr val="accent1">
-                <a:lumMod val="50000"/>
-              </a:schemeClr>
-            </a:solidFill>
-            <a:ln>
-              <a:noFill/>
-            </a:ln>
-            <a:effectLst/>
-            <a:scene3d>
-              <a:camera prst="orthographicFront">
-                <a:rot lat="0" lon="0" rev="0"/>
-              </a:camera>
-              <a:lightRig rig="glow" dir="t">
-                <a:rot lat="0" lon="0" rev="14100000"/>
-              </a:lightRig>
-            </a:scene3d>
-            <a:sp3d prstMaterial="softEdge">
-              <a:bevelT w="127000" prst="artDeco"/>
-            </a:sp3d>
-          </p:spPr>
-          <p:style>
-            <a:lnRef idx="2">
-              <a:schemeClr val="accent1">
-                <a:shade val="50000"/>
-              </a:schemeClr>
-            </a:lnRef>
-            <a:fillRef idx="1">
-              <a:schemeClr val="accent1"/>
-            </a:fillRef>
-            <a:effectRef idx="0">
-              <a:schemeClr val="accent1"/>
-            </a:effectRef>
-            <a:fontRef idx="minor">
-              <a:schemeClr val="lt1"/>
-            </a:fontRef>
-          </p:style>
-          <p:txBody>
-            <a:bodyPr rtlCol="0" anchor="ctr"/>
-            <a:lstStyle/>
-            <a:p>
-              <a:pPr algn="ctr"/>
-              <a:endParaRPr lang="fr-FR" sz="3600" dirty="0">
-                <a:solidFill>
-                  <a:schemeClr val="bg1"/>
-                </a:solidFill>
-              </a:endParaRPr>
-            </a:p>
-          </p:txBody>
-        </p:sp>
-        <p:sp>
-          <p:nvSpPr>
-            <p:cNvPr id="6" name="Rectangle 5">
-              <a:extLst>
-                <a:ext uri="{FF2B5EF4-FFF2-40B4-BE49-F238E27FC236}">
-                  <a16:creationId xmlns:a16="http://schemas.microsoft.com/office/drawing/2014/main" id="{2D28C16A-428D-4889-B5A4-0C14DA483AC8}"/>
-                </a:ext>
-              </a:extLst>
-            </p:cNvPr>
-            <p:cNvSpPr/>
-            <p:nvPr/>
-          </p:nvSpPr>
-          <p:spPr>
-            <a:xfrm>
-              <a:off x="2782655" y="452735"/>
-              <a:ext cx="6626687" cy="923330"/>
-            </a:xfrm>
-            <a:prstGeom prst="rect">
-              <a:avLst/>
-            </a:prstGeom>
-            <a:noFill/>
-          </p:spPr>
-          <p:txBody>
-            <a:bodyPr wrap="none" lIns="91440" tIns="45720" rIns="91440" bIns="45720">
-              <a:spAutoFit/>
-            </a:bodyPr>
-            <a:lstStyle/>
-            <a:p>
-              <a:pPr algn="ctr"/>
-              <a:r>
-                <a:rPr lang="fr-FR" sz="5400" b="1" dirty="0">
-                  <a:ln w="9525">
-                    <a:solidFill>
-                      <a:schemeClr val="bg2">
-                        <a:lumMod val="50000"/>
-                      </a:schemeClr>
-                    </a:solidFill>
-                    <a:prstDash val="solid"/>
-                  </a:ln>
-                  <a:solidFill>
-                    <a:schemeClr val="accent4">
-                      <a:lumMod val="60000"/>
-                      <a:lumOff val="40000"/>
-                    </a:schemeClr>
-                  </a:solidFill>
-                  <a:effectLst>
-                    <a:outerShdw blurRad="12700" dist="38100" dir="2700000" algn="tl" rotWithShape="0">
-                      <a:schemeClr val="bg1">
-                        <a:lumMod val="50000"/>
-                      </a:schemeClr>
-                    </a:outerShdw>
-                  </a:effectLst>
-                </a:rPr>
-                <a:t>-Unified Process Bank-</a:t>
-              </a:r>
-            </a:p>
-          </p:txBody>
-        </p:sp>
-        <p:sp>
-          <p:nvSpPr>
-            <p:cNvPr id="8" name="ZoneTexte 7">
-              <a:extLst>
-                <a:ext uri="{FF2B5EF4-FFF2-40B4-BE49-F238E27FC236}">
-                  <a16:creationId xmlns:a16="http://schemas.microsoft.com/office/drawing/2014/main" id="{07A7DA36-9961-4BF8-96F5-804F97294176}"/>
-                </a:ext>
-              </a:extLst>
-            </p:cNvPr>
-            <p:cNvSpPr txBox="1"/>
-            <p:nvPr/>
-          </p:nvSpPr>
-          <p:spPr>
-            <a:xfrm>
-              <a:off x="3165901" y="2643903"/>
-              <a:ext cx="2866726" cy="1077218"/>
-            </a:xfrm>
-            <a:prstGeom prst="rect">
-              <a:avLst/>
-            </a:prstGeom>
-            <a:noFill/>
-          </p:spPr>
-          <p:txBody>
-            <a:bodyPr wrap="square" rtlCol="0">
-              <a:spAutoFit/>
-            </a:bodyPr>
-            <a:lstStyle/>
-            <a:p>
-              <a:r>
-                <a:rPr lang="fr-FR" sz="3200" b="1" dirty="0">
-                  <a:solidFill>
-                    <a:schemeClr val="bg1"/>
-                  </a:solidFill>
-                </a:rPr>
-                <a:t>Veuillez saisir le montant désiré </a:t>
-              </a:r>
-            </a:p>
-          </p:txBody>
-        </p:sp>
-      </p:grpSp>
-      <p:sp>
-        <p:nvSpPr>
-          <p:cNvPr id="10" name="Rectangle : coins arrondis 9">
-            <a:extLst>
-              <a:ext uri="{FF2B5EF4-FFF2-40B4-BE49-F238E27FC236}">
-                <a16:creationId xmlns:a16="http://schemas.microsoft.com/office/drawing/2014/main" id="{07EEF76F-782C-484F-B1FE-49B5C8C8E12C}"/>
+                <a16:creationId xmlns:a16="http://schemas.microsoft.com/office/drawing/2014/main" id="{0E65BC50-0126-41B6-8F44-25E7C381E3F6}"/>
               </a:ext>
             </a:extLst>
           </p:cNvPr>
@@ -10929,113 +14124,8 @@
         </p:nvSpPr>
         <p:spPr>
           <a:xfrm>
-            <a:off x="4865881" y="2742674"/>
-            <a:ext cx="2510000" cy="686326"/>
-          </a:xfrm>
-          <a:prstGeom prst="roundRect">
-            <a:avLst/>
-          </a:prstGeom>
-          <a:solidFill>
-            <a:schemeClr val="bg1"/>
-          </a:solidFill>
-          <a:ln>
-            <a:solidFill>
-              <a:schemeClr val="accent1">
-                <a:lumMod val="50000"/>
-              </a:schemeClr>
-            </a:solidFill>
-          </a:ln>
-          <a:effectLst/>
-          <a:scene3d>
-            <a:camera prst="orthographicFront">
-              <a:rot lat="0" lon="0" rev="0"/>
-            </a:camera>
-            <a:lightRig rig="glow" dir="t">
-              <a:rot lat="0" lon="0" rev="14100000"/>
-            </a:lightRig>
-          </a:scene3d>
-          <a:sp3d prstMaterial="softEdge">
-            <a:bevelT w="127000" prst="artDeco"/>
-          </a:sp3d>
-        </p:spPr>
-        <p:style>
-          <a:lnRef idx="2">
-            <a:schemeClr val="accent1">
-              <a:shade val="50000"/>
-            </a:schemeClr>
-          </a:lnRef>
-          <a:fillRef idx="1">
-            <a:schemeClr val="accent1"/>
-          </a:fillRef>
-          <a:effectRef idx="0">
-            <a:schemeClr val="accent1"/>
-          </a:effectRef>
-          <a:fontRef idx="minor">
-            <a:schemeClr val="lt1"/>
-          </a:fontRef>
-        </p:style>
-        <p:txBody>
-          <a:bodyPr rtlCol="0" anchor="ctr"/>
-          <a:lstStyle/>
-          <a:p>
-            <a:pPr algn="ctr"/>
-            <a:endParaRPr lang="fr-FR"/>
-          </a:p>
-        </p:txBody>
-      </p:sp>
-      <p:cxnSp>
-        <p:nvCxnSpPr>
-          <p:cNvPr id="12" name="Connecteur droit 11">
-            <a:extLst>
-              <a:ext uri="{FF2B5EF4-FFF2-40B4-BE49-F238E27FC236}">
-                <a16:creationId xmlns:a16="http://schemas.microsoft.com/office/drawing/2014/main" id="{BFDCCA59-46CE-4D39-9001-9D7ACF886226}"/>
-              </a:ext>
-            </a:extLst>
-          </p:cNvPr>
-          <p:cNvCxnSpPr/>
-          <p:nvPr/>
-        </p:nvCxnSpPr>
-        <p:spPr>
-          <a:xfrm>
-            <a:off x="7130837" y="2888683"/>
-            <a:ext cx="0" cy="412955"/>
-          </a:xfrm>
-          <a:prstGeom prst="line">
-            <a:avLst/>
-          </a:prstGeom>
-          <a:ln w="28575"/>
-        </p:spPr>
-        <p:style>
-          <a:lnRef idx="1">
-            <a:schemeClr val="accent1"/>
-          </a:lnRef>
-          <a:fillRef idx="0">
-            <a:schemeClr val="accent1"/>
-          </a:fillRef>
-          <a:effectRef idx="0">
-            <a:schemeClr val="accent1"/>
-          </a:effectRef>
-          <a:fontRef idx="minor">
-            <a:schemeClr val="tx1"/>
-          </a:fontRef>
-        </p:style>
-      </p:cxnSp>
-      <p:sp>
-        <p:nvSpPr>
-          <p:cNvPr id="13" name="Rectangle : coins arrondis 12">
-            <a:extLst>
-              <a:ext uri="{FF2B5EF4-FFF2-40B4-BE49-F238E27FC236}">
-                <a16:creationId xmlns:a16="http://schemas.microsoft.com/office/drawing/2014/main" id="{0CFD2F57-4366-4255-A828-54F18122800A}"/>
-              </a:ext>
-            </a:extLst>
-          </p:cNvPr>
-          <p:cNvSpPr/>
-          <p:nvPr/>
-        </p:nvSpPr>
-        <p:spPr>
-          <a:xfrm>
-            <a:off x="6423612" y="4886887"/>
-            <a:ext cx="2183948" cy="676275"/>
+            <a:off x="6415060" y="2102590"/>
+            <a:ext cx="2183948" cy="574240"/>
           </a:xfrm>
           <a:prstGeom prst="roundRect">
             <a:avLst>
@@ -11098,1276 +14188,7 @@
     </p:spTree>
     <p:extLst>
       <p:ext uri="{BB962C8B-B14F-4D97-AF65-F5344CB8AC3E}">
-        <p14:creationId xmlns:p14="http://schemas.microsoft.com/office/powerpoint/2010/main" val="3463567121"/>
-      </p:ext>
-    </p:extLst>
-  </p:cSld>
-  <p:clrMapOvr>
-    <a:masterClrMapping/>
-  </p:clrMapOvr>
-</p:sld>
-</file>
-
-<file path=ppt/slides/slide8.xml><?xml version="1.0" encoding="utf-8"?>
-<p:sld xmlns:a="http://schemas.openxmlformats.org/drawingml/2006/main" xmlns:r="http://schemas.openxmlformats.org/officeDocument/2006/relationships" xmlns:p="http://schemas.openxmlformats.org/presentationml/2006/main">
-  <p:cSld>
-    <p:spTree>
-      <p:nvGrpSpPr>
-        <p:cNvPr id="1" name=""/>
-        <p:cNvGrpSpPr/>
-        <p:nvPr/>
-      </p:nvGrpSpPr>
-      <p:grpSpPr>
-        <a:xfrm>
-          <a:off x="0" y="0"/>
-          <a:ext cx="0" cy="0"/>
-          <a:chOff x="0" y="0"/>
-          <a:chExt cx="0" cy="0"/>
-        </a:xfrm>
-      </p:grpSpPr>
-      <p:sp>
-        <p:nvSpPr>
-          <p:cNvPr id="12" name="Sous-titre 2">
-            <a:extLst>
-              <a:ext uri="{FF2B5EF4-FFF2-40B4-BE49-F238E27FC236}">
-                <a16:creationId xmlns:a16="http://schemas.microsoft.com/office/drawing/2014/main" id="{B7B52974-B731-454E-B237-2421A49809BF}"/>
-              </a:ext>
-            </a:extLst>
-          </p:cNvPr>
-          <p:cNvSpPr txBox="1">
-            <a:spLocks/>
-          </p:cNvSpPr>
-          <p:nvPr/>
-        </p:nvSpPr>
-        <p:spPr>
-          <a:xfrm>
-            <a:off x="0" y="6171674"/>
-            <a:ext cx="8891588" cy="686326"/>
-          </a:xfrm>
-          <a:prstGeom prst="rect">
-            <a:avLst/>
-          </a:prstGeom>
-          <a:solidFill>
-            <a:schemeClr val="bg2">
-              <a:lumMod val="25000"/>
-            </a:schemeClr>
-          </a:solidFill>
-          <a:ln>
-            <a:solidFill>
-              <a:schemeClr val="tx1"/>
-            </a:solidFill>
-          </a:ln>
-        </p:spPr>
-        <p:txBody>
-          <a:bodyPr vert="horz" lIns="91440" tIns="45720" rIns="91440" bIns="45720" rtlCol="0" anchor="ctr">
-            <a:normAutofit/>
-          </a:bodyPr>
-          <a:lstStyle>
-            <a:lvl1pPr marL="222291" indent="-222291" algn="l" defTabSz="889163" rtl="0" eaLnBrk="1" latinLnBrk="0" hangingPunct="1">
-              <a:lnSpc>
-                <a:spcPct val="90000"/>
-              </a:lnSpc>
-              <a:spcBef>
-                <a:spcPts val="972"/>
-              </a:spcBef>
-              <a:buFont typeface="Arial" panose="020B0604020202020204" pitchFamily="34" charset="0"/>
-              <a:buChar char="•"/>
-              <a:defRPr sz="2723" kern="1200">
-                <a:solidFill>
-                  <a:schemeClr val="tx1"/>
-                </a:solidFill>
-                <a:latin typeface="+mn-lt"/>
-                <a:ea typeface="+mn-ea"/>
-                <a:cs typeface="+mn-cs"/>
-              </a:defRPr>
-            </a:lvl1pPr>
-            <a:lvl2pPr marL="666872" indent="-222291" algn="l" defTabSz="889163" rtl="0" eaLnBrk="1" latinLnBrk="0" hangingPunct="1">
-              <a:lnSpc>
-                <a:spcPct val="90000"/>
-              </a:lnSpc>
-              <a:spcBef>
-                <a:spcPts val="486"/>
-              </a:spcBef>
-              <a:buFont typeface="Arial" panose="020B0604020202020204" pitchFamily="34" charset="0"/>
-              <a:buChar char="•"/>
-              <a:defRPr sz="2334" kern="1200">
-                <a:solidFill>
-                  <a:schemeClr val="tx1"/>
-                </a:solidFill>
-                <a:latin typeface="+mn-lt"/>
-                <a:ea typeface="+mn-ea"/>
-                <a:cs typeface="+mn-cs"/>
-              </a:defRPr>
-            </a:lvl2pPr>
-            <a:lvl3pPr marL="1111453" indent="-222291" algn="l" defTabSz="889163" rtl="0" eaLnBrk="1" latinLnBrk="0" hangingPunct="1">
-              <a:lnSpc>
-                <a:spcPct val="90000"/>
-              </a:lnSpc>
-              <a:spcBef>
-                <a:spcPts val="486"/>
-              </a:spcBef>
-              <a:buFont typeface="Arial" panose="020B0604020202020204" pitchFamily="34" charset="0"/>
-              <a:buChar char="•"/>
-              <a:defRPr sz="1945" kern="1200">
-                <a:solidFill>
-                  <a:schemeClr val="tx1"/>
-                </a:solidFill>
-                <a:latin typeface="+mn-lt"/>
-                <a:ea typeface="+mn-ea"/>
-                <a:cs typeface="+mn-cs"/>
-              </a:defRPr>
-            </a:lvl3pPr>
-            <a:lvl4pPr marL="1556034" indent="-222291" algn="l" defTabSz="889163" rtl="0" eaLnBrk="1" latinLnBrk="0" hangingPunct="1">
-              <a:lnSpc>
-                <a:spcPct val="90000"/>
-              </a:lnSpc>
-              <a:spcBef>
-                <a:spcPts val="486"/>
-              </a:spcBef>
-              <a:buFont typeface="Arial" panose="020B0604020202020204" pitchFamily="34" charset="0"/>
-              <a:buChar char="•"/>
-              <a:defRPr sz="1750" kern="1200">
-                <a:solidFill>
-                  <a:schemeClr val="tx1"/>
-                </a:solidFill>
-                <a:latin typeface="+mn-lt"/>
-                <a:ea typeface="+mn-ea"/>
-                <a:cs typeface="+mn-cs"/>
-              </a:defRPr>
-            </a:lvl4pPr>
-            <a:lvl5pPr marL="2000616" indent="-222291" algn="l" defTabSz="889163" rtl="0" eaLnBrk="1" latinLnBrk="0" hangingPunct="1">
-              <a:lnSpc>
-                <a:spcPct val="90000"/>
-              </a:lnSpc>
-              <a:spcBef>
-                <a:spcPts val="486"/>
-              </a:spcBef>
-              <a:buFont typeface="Arial" panose="020B0604020202020204" pitchFamily="34" charset="0"/>
-              <a:buChar char="•"/>
-              <a:defRPr sz="1750" kern="1200">
-                <a:solidFill>
-                  <a:schemeClr val="tx1"/>
-                </a:solidFill>
-                <a:latin typeface="+mn-lt"/>
-                <a:ea typeface="+mn-ea"/>
-                <a:cs typeface="+mn-cs"/>
-              </a:defRPr>
-            </a:lvl5pPr>
-            <a:lvl6pPr marL="2445197" indent="-222291" algn="l" defTabSz="889163" rtl="0" eaLnBrk="1" latinLnBrk="0" hangingPunct="1">
-              <a:lnSpc>
-                <a:spcPct val="90000"/>
-              </a:lnSpc>
-              <a:spcBef>
-                <a:spcPts val="486"/>
-              </a:spcBef>
-              <a:buFont typeface="Arial" panose="020B0604020202020204" pitchFamily="34" charset="0"/>
-              <a:buChar char="•"/>
-              <a:defRPr sz="1750" kern="1200">
-                <a:solidFill>
-                  <a:schemeClr val="tx1"/>
-                </a:solidFill>
-                <a:latin typeface="+mn-lt"/>
-                <a:ea typeface="+mn-ea"/>
-                <a:cs typeface="+mn-cs"/>
-              </a:defRPr>
-            </a:lvl6pPr>
-            <a:lvl7pPr marL="2889778" indent="-222291" algn="l" defTabSz="889163" rtl="0" eaLnBrk="1" latinLnBrk="0" hangingPunct="1">
-              <a:lnSpc>
-                <a:spcPct val="90000"/>
-              </a:lnSpc>
-              <a:spcBef>
-                <a:spcPts val="486"/>
-              </a:spcBef>
-              <a:buFont typeface="Arial" panose="020B0604020202020204" pitchFamily="34" charset="0"/>
-              <a:buChar char="•"/>
-              <a:defRPr sz="1750" kern="1200">
-                <a:solidFill>
-                  <a:schemeClr val="tx1"/>
-                </a:solidFill>
-                <a:latin typeface="+mn-lt"/>
-                <a:ea typeface="+mn-ea"/>
-                <a:cs typeface="+mn-cs"/>
-              </a:defRPr>
-            </a:lvl7pPr>
-            <a:lvl8pPr marL="3334360" indent="-222291" algn="l" defTabSz="889163" rtl="0" eaLnBrk="1" latinLnBrk="0" hangingPunct="1">
-              <a:lnSpc>
-                <a:spcPct val="90000"/>
-              </a:lnSpc>
-              <a:spcBef>
-                <a:spcPts val="486"/>
-              </a:spcBef>
-              <a:buFont typeface="Arial" panose="020B0604020202020204" pitchFamily="34" charset="0"/>
-              <a:buChar char="•"/>
-              <a:defRPr sz="1750" kern="1200">
-                <a:solidFill>
-                  <a:schemeClr val="tx1"/>
-                </a:solidFill>
-                <a:latin typeface="+mn-lt"/>
-                <a:ea typeface="+mn-ea"/>
-                <a:cs typeface="+mn-cs"/>
-              </a:defRPr>
-            </a:lvl8pPr>
-            <a:lvl9pPr marL="3778941" indent="-222291" algn="l" defTabSz="889163" rtl="0" eaLnBrk="1" latinLnBrk="0" hangingPunct="1">
-              <a:lnSpc>
-                <a:spcPct val="90000"/>
-              </a:lnSpc>
-              <a:spcBef>
-                <a:spcPts val="486"/>
-              </a:spcBef>
-              <a:buFont typeface="Arial" panose="020B0604020202020204" pitchFamily="34" charset="0"/>
-              <a:buChar char="•"/>
-              <a:defRPr sz="1750" kern="1200">
-                <a:solidFill>
-                  <a:schemeClr val="tx1"/>
-                </a:solidFill>
-                <a:latin typeface="+mn-lt"/>
-                <a:ea typeface="+mn-ea"/>
-                <a:cs typeface="+mn-cs"/>
-              </a:defRPr>
-            </a:lvl9pPr>
-          </a:lstStyle>
-          <a:p>
-            <a:pPr marL="0" indent="0" algn="ctr">
-              <a:buNone/>
-            </a:pPr>
-            <a:r>
-              <a:rPr lang="fr-FR" sz="3200" dirty="0">
-                <a:solidFill>
-                  <a:schemeClr val="bg1"/>
-                </a:solidFill>
-              </a:rPr>
-              <a:t>Fonds insuffisants dans le DAB</a:t>
-            </a:r>
-          </a:p>
-        </p:txBody>
-      </p:sp>
-      <p:sp>
-        <p:nvSpPr>
-          <p:cNvPr id="14" name="Rectangle : coins arrondis 13">
-            <a:extLst>
-              <a:ext uri="{FF2B5EF4-FFF2-40B4-BE49-F238E27FC236}">
-                <a16:creationId xmlns:a16="http://schemas.microsoft.com/office/drawing/2014/main" id="{516D344F-4515-43C1-9032-98953D4963F5}"/>
-              </a:ext>
-            </a:extLst>
-          </p:cNvPr>
-          <p:cNvSpPr/>
-          <p:nvPr/>
-        </p:nvSpPr>
-        <p:spPr>
-          <a:xfrm>
-            <a:off x="250031" y="179747"/>
-            <a:ext cx="8391525" cy="5632283"/>
-          </a:xfrm>
-          <a:prstGeom prst="roundRect">
-            <a:avLst>
-              <a:gd name="adj" fmla="val 1999"/>
-            </a:avLst>
-          </a:prstGeom>
-          <a:gradFill flip="none" rotWithShape="1">
-            <a:gsLst>
-              <a:gs pos="8000">
-                <a:schemeClr val="accent1"/>
-              </a:gs>
-              <a:gs pos="100000">
-                <a:schemeClr val="accent1">
-                  <a:lumMod val="40000"/>
-                  <a:lumOff val="60000"/>
-                </a:schemeClr>
-              </a:gs>
-            </a:gsLst>
-            <a:lin ang="16200000" scaled="1"/>
-            <a:tileRect/>
-          </a:gradFill>
-          <a:ln w="57150">
-            <a:solidFill>
-              <a:schemeClr val="tx1"/>
-            </a:solidFill>
-          </a:ln>
-          <a:effectLst>
-            <a:softEdge rad="0"/>
-          </a:effectLst>
-        </p:spPr>
-        <p:style>
-          <a:lnRef idx="2">
-            <a:schemeClr val="accent1">
-              <a:shade val="50000"/>
-            </a:schemeClr>
-          </a:lnRef>
-          <a:fillRef idx="1">
-            <a:schemeClr val="accent1"/>
-          </a:fillRef>
-          <a:effectRef idx="0">
-            <a:schemeClr val="accent1"/>
-          </a:effectRef>
-          <a:fontRef idx="minor">
-            <a:schemeClr val="lt1"/>
-          </a:fontRef>
-        </p:style>
-        <p:txBody>
-          <a:bodyPr rtlCol="0" anchor="ctr"/>
-          <a:lstStyle/>
-          <a:p>
-            <a:pPr algn="ctr"/>
-            <a:endParaRPr lang="fr-FR"/>
-          </a:p>
-        </p:txBody>
-      </p:sp>
-      <p:sp>
-        <p:nvSpPr>
-          <p:cNvPr id="15" name="Rectangle : coins arrondis 14">
-            <a:extLst>
-              <a:ext uri="{FF2B5EF4-FFF2-40B4-BE49-F238E27FC236}">
-                <a16:creationId xmlns:a16="http://schemas.microsoft.com/office/drawing/2014/main" id="{D96FF100-503D-4E43-ACEB-62802412FC0E}"/>
-              </a:ext>
-            </a:extLst>
-          </p:cNvPr>
-          <p:cNvSpPr/>
-          <p:nvPr/>
-        </p:nvSpPr>
-        <p:spPr>
-          <a:xfrm>
-            <a:off x="1132449" y="1800922"/>
-            <a:ext cx="6626687" cy="2519195"/>
-          </a:xfrm>
-          <a:prstGeom prst="roundRect">
-            <a:avLst>
-              <a:gd name="adj" fmla="val 3991"/>
-            </a:avLst>
-          </a:prstGeom>
-          <a:solidFill>
-            <a:schemeClr val="accent1">
-              <a:lumMod val="50000"/>
-            </a:schemeClr>
-          </a:solidFill>
-          <a:ln>
-            <a:noFill/>
-          </a:ln>
-          <a:effectLst/>
-          <a:scene3d>
-            <a:camera prst="orthographicFront">
-              <a:rot lat="0" lon="0" rev="0"/>
-            </a:camera>
-            <a:lightRig rig="glow" dir="t">
-              <a:rot lat="0" lon="0" rev="14100000"/>
-            </a:lightRig>
-          </a:scene3d>
-          <a:sp3d prstMaterial="softEdge">
-            <a:bevelT w="127000" prst="artDeco"/>
-          </a:sp3d>
-        </p:spPr>
-        <p:style>
-          <a:lnRef idx="2">
-            <a:schemeClr val="accent1">
-              <a:shade val="50000"/>
-            </a:schemeClr>
-          </a:lnRef>
-          <a:fillRef idx="1">
-            <a:schemeClr val="accent1"/>
-          </a:fillRef>
-          <a:effectRef idx="0">
-            <a:schemeClr val="accent1"/>
-          </a:effectRef>
-          <a:fontRef idx="minor">
-            <a:schemeClr val="lt1"/>
-          </a:fontRef>
-        </p:style>
-        <p:txBody>
-          <a:bodyPr rtlCol="0" anchor="ctr"/>
-          <a:lstStyle/>
-          <a:p>
-            <a:pPr algn="ctr"/>
-            <a:endParaRPr lang="fr-FR" sz="3600" dirty="0">
-              <a:solidFill>
-                <a:schemeClr val="bg1"/>
-              </a:solidFill>
-            </a:endParaRPr>
-          </a:p>
-        </p:txBody>
-      </p:sp>
-      <p:sp>
-        <p:nvSpPr>
-          <p:cNvPr id="16" name="Rectangle 15">
-            <a:extLst>
-              <a:ext uri="{FF2B5EF4-FFF2-40B4-BE49-F238E27FC236}">
-                <a16:creationId xmlns:a16="http://schemas.microsoft.com/office/drawing/2014/main" id="{49EF0595-69F0-48CC-A387-A461C6BC1E6E}"/>
-              </a:ext>
-            </a:extLst>
-          </p:cNvPr>
-          <p:cNvSpPr/>
-          <p:nvPr/>
-        </p:nvSpPr>
-        <p:spPr>
-          <a:xfrm>
-            <a:off x="1132449" y="321165"/>
-            <a:ext cx="6626687" cy="923330"/>
-          </a:xfrm>
-          <a:prstGeom prst="rect">
-            <a:avLst/>
-          </a:prstGeom>
-          <a:noFill/>
-        </p:spPr>
-        <p:txBody>
-          <a:bodyPr wrap="none" lIns="91440" tIns="45720" rIns="91440" bIns="45720">
-            <a:spAutoFit/>
-          </a:bodyPr>
-          <a:lstStyle/>
-          <a:p>
-            <a:pPr algn="ctr"/>
-            <a:r>
-              <a:rPr lang="fr-FR" sz="5400" b="1" dirty="0">
-                <a:ln w="9525">
-                  <a:solidFill>
-                    <a:schemeClr val="bg2">
-                      <a:lumMod val="50000"/>
-                    </a:schemeClr>
-                  </a:solidFill>
-                  <a:prstDash val="solid"/>
-                </a:ln>
-                <a:solidFill>
-                  <a:schemeClr val="accent4">
-                    <a:lumMod val="60000"/>
-                    <a:lumOff val="40000"/>
-                  </a:schemeClr>
-                </a:solidFill>
-                <a:effectLst>
-                  <a:outerShdw blurRad="12700" dist="38100" dir="2700000" algn="tl" rotWithShape="0">
-                    <a:schemeClr val="bg1">
-                      <a:lumMod val="50000"/>
-                    </a:schemeClr>
-                  </a:outerShdw>
-                </a:effectLst>
-              </a:rPr>
-              <a:t>-Unified Process Bank-</a:t>
-            </a:r>
-          </a:p>
-        </p:txBody>
-      </p:sp>
-      <p:sp>
-        <p:nvSpPr>
-          <p:cNvPr id="18" name="ZoneTexte 17">
-            <a:extLst>
-              <a:ext uri="{FF2B5EF4-FFF2-40B4-BE49-F238E27FC236}">
-                <a16:creationId xmlns:a16="http://schemas.microsoft.com/office/drawing/2014/main" id="{4C837BDD-0D8C-4C15-BE90-294897226D46}"/>
-              </a:ext>
-            </a:extLst>
-          </p:cNvPr>
-          <p:cNvSpPr txBox="1"/>
-          <p:nvPr/>
-        </p:nvSpPr>
-        <p:spPr>
-          <a:xfrm>
-            <a:off x="3136550" y="2216234"/>
-            <a:ext cx="3939654" cy="1200329"/>
-          </a:xfrm>
-          <a:prstGeom prst="rect">
-            <a:avLst/>
-          </a:prstGeom>
-          <a:noFill/>
-        </p:spPr>
-        <p:txBody>
-          <a:bodyPr wrap="square" rtlCol="0">
-            <a:spAutoFit/>
-          </a:bodyPr>
-          <a:lstStyle/>
-          <a:p>
-            <a:r>
-              <a:rPr lang="fr-FR" sz="3600" b="1" dirty="0">
-                <a:solidFill>
-                  <a:schemeClr val="bg1"/>
-                </a:solidFill>
-              </a:rPr>
-              <a:t>Le montant désiré n’est pas disponible</a:t>
-            </a:r>
-          </a:p>
-        </p:txBody>
-      </p:sp>
-      <p:pic>
-        <p:nvPicPr>
-          <p:cNvPr id="5124" name="Picture 4" descr="Image result for information png transparent">
-            <a:extLst>
-              <a:ext uri="{FF2B5EF4-FFF2-40B4-BE49-F238E27FC236}">
-                <a16:creationId xmlns:a16="http://schemas.microsoft.com/office/drawing/2014/main" id="{7A860CF9-3043-4676-B0FB-CB45652A5A4E}"/>
-              </a:ext>
-            </a:extLst>
-          </p:cNvPr>
-          <p:cNvPicPr>
-            <a:picLocks noChangeAspect="1" noChangeArrowheads="1"/>
-          </p:cNvPicPr>
-          <p:nvPr/>
-        </p:nvPicPr>
-        <p:blipFill>
-          <a:blip r:embed="rId2">
-            <a:duotone>
-              <a:schemeClr val="accent4">
-                <a:shade val="45000"/>
-                <a:satMod val="135000"/>
-              </a:schemeClr>
-              <a:prstClr val="white"/>
-            </a:duotone>
-            <a:extLst>
-              <a:ext uri="{28A0092B-C50C-407E-A947-70E740481C1C}">
-                <a14:useLocalDpi xmlns:a14="http://schemas.microsoft.com/office/drawing/2010/main" val="0"/>
-              </a:ext>
-            </a:extLst>
-          </a:blip>
-          <a:srcRect/>
-          <a:stretch>
-            <a:fillRect/>
-          </a:stretch>
-        </p:blipFill>
-        <p:spPr bwMode="auto">
-          <a:xfrm>
-            <a:off x="1488733" y="2170631"/>
-            <a:ext cx="1291533" cy="1291533"/>
-          </a:xfrm>
-          <a:prstGeom prst="rect">
-            <a:avLst/>
-          </a:prstGeom>
-          <a:noFill/>
-          <a:extLst>
-            <a:ext uri="{909E8E84-426E-40DD-AFC4-6F175D3DCCD1}">
-              <a14:hiddenFill xmlns:a14="http://schemas.microsoft.com/office/drawing/2010/main">
-                <a:solidFill>
-                  <a:srgbClr val="FFFFFF"/>
-                </a:solidFill>
-              </a14:hiddenFill>
-            </a:ext>
-          </a:extLst>
-        </p:spPr>
-      </p:pic>
-      <p:sp>
-        <p:nvSpPr>
-          <p:cNvPr id="20" name="Rectangle : coins arrondis 19">
-            <a:extLst>
-              <a:ext uri="{FF2B5EF4-FFF2-40B4-BE49-F238E27FC236}">
-                <a16:creationId xmlns:a16="http://schemas.microsoft.com/office/drawing/2014/main" id="{AC97BC73-C1D1-49FB-9EFC-23DF8722218A}"/>
-              </a:ext>
-            </a:extLst>
-          </p:cNvPr>
-          <p:cNvSpPr/>
-          <p:nvPr/>
-        </p:nvSpPr>
-        <p:spPr>
-          <a:xfrm>
-            <a:off x="6416237" y="4783649"/>
-            <a:ext cx="2183948" cy="676275"/>
-          </a:xfrm>
-          <a:prstGeom prst="roundRect">
-            <a:avLst>
-              <a:gd name="adj" fmla="val 3991"/>
-            </a:avLst>
-          </a:prstGeom>
-          <a:solidFill>
-            <a:schemeClr val="bg2">
-              <a:lumMod val="25000"/>
-            </a:schemeClr>
-          </a:solidFill>
-          <a:ln>
-            <a:noFill/>
-          </a:ln>
-          <a:effectLst/>
-          <a:scene3d>
-            <a:camera prst="orthographicFront">
-              <a:rot lat="0" lon="0" rev="0"/>
-            </a:camera>
-            <a:lightRig rig="glow" dir="t">
-              <a:rot lat="0" lon="0" rev="14100000"/>
-            </a:lightRig>
-          </a:scene3d>
-          <a:sp3d prstMaterial="softEdge">
-            <a:bevelT w="127000" prst="artDeco"/>
-          </a:sp3d>
-        </p:spPr>
-        <p:style>
-          <a:lnRef idx="2">
-            <a:schemeClr val="accent1">
-              <a:shade val="50000"/>
-            </a:schemeClr>
-          </a:lnRef>
-          <a:fillRef idx="1">
-            <a:schemeClr val="accent1"/>
-          </a:fillRef>
-          <a:effectRef idx="0">
-            <a:schemeClr val="accent1"/>
-          </a:effectRef>
-          <a:fontRef idx="minor">
-            <a:schemeClr val="lt1"/>
-          </a:fontRef>
-        </p:style>
-        <p:txBody>
-          <a:bodyPr rtlCol="0" anchor="ctr"/>
-          <a:lstStyle/>
-          <a:p>
-            <a:pPr algn="ctr"/>
-            <a:r>
-              <a:rPr lang="fr-FR" sz="2400" dirty="0">
-                <a:solidFill>
-                  <a:schemeClr val="bg1"/>
-                </a:solidFill>
-              </a:rPr>
-              <a:t>Continuer</a:t>
-            </a:r>
-          </a:p>
-        </p:txBody>
-      </p:sp>
-      <p:sp>
-        <p:nvSpPr>
-          <p:cNvPr id="21" name="ZoneTexte 20">
-            <a:extLst>
-              <a:ext uri="{FF2B5EF4-FFF2-40B4-BE49-F238E27FC236}">
-                <a16:creationId xmlns:a16="http://schemas.microsoft.com/office/drawing/2014/main" id="{77380A2B-E761-463E-985C-D89B36B5D2D1}"/>
-              </a:ext>
-            </a:extLst>
-          </p:cNvPr>
-          <p:cNvSpPr txBox="1"/>
-          <p:nvPr/>
-        </p:nvSpPr>
-        <p:spPr>
-          <a:xfrm>
-            <a:off x="1748965" y="3619263"/>
-            <a:ext cx="5759246" cy="461665"/>
-          </a:xfrm>
-          <a:prstGeom prst="rect">
-            <a:avLst/>
-          </a:prstGeom>
-          <a:noFill/>
-        </p:spPr>
-        <p:txBody>
-          <a:bodyPr wrap="square" rtlCol="0">
-            <a:spAutoFit/>
-          </a:bodyPr>
-          <a:lstStyle/>
-          <a:p>
-            <a:r>
-              <a:rPr lang="fr-FR" sz="2400" b="1" dirty="0">
-                <a:solidFill>
-                  <a:schemeClr val="bg1"/>
-                </a:solidFill>
-              </a:rPr>
-              <a:t>Veuillez sélectionner un montant inférieur </a:t>
-            </a:r>
-          </a:p>
-        </p:txBody>
-      </p:sp>
-    </p:spTree>
-    <p:extLst>
-      <p:ext uri="{BB962C8B-B14F-4D97-AF65-F5344CB8AC3E}">
-        <p14:creationId xmlns:p14="http://schemas.microsoft.com/office/powerpoint/2010/main" val="592091665"/>
-      </p:ext>
-    </p:extLst>
-  </p:cSld>
-  <p:clrMapOvr>
-    <a:masterClrMapping/>
-  </p:clrMapOvr>
-</p:sld>
-</file>
-
-<file path=ppt/slides/slide9.xml><?xml version="1.0" encoding="utf-8"?>
-<p:sld xmlns:a="http://schemas.openxmlformats.org/drawingml/2006/main" xmlns:r="http://schemas.openxmlformats.org/officeDocument/2006/relationships" xmlns:p="http://schemas.openxmlformats.org/presentationml/2006/main">
-  <p:cSld>
-    <p:spTree>
-      <p:nvGrpSpPr>
-        <p:cNvPr id="1" name=""/>
-        <p:cNvGrpSpPr/>
-        <p:nvPr/>
-      </p:nvGrpSpPr>
-      <p:grpSpPr>
-        <a:xfrm>
-          <a:off x="0" y="0"/>
-          <a:ext cx="0" cy="0"/>
-          <a:chOff x="0" y="0"/>
-          <a:chExt cx="0" cy="0"/>
-        </a:xfrm>
-      </p:grpSpPr>
-      <p:sp>
-        <p:nvSpPr>
-          <p:cNvPr id="12" name="Sous-titre 2">
-            <a:extLst>
-              <a:ext uri="{FF2B5EF4-FFF2-40B4-BE49-F238E27FC236}">
-                <a16:creationId xmlns:a16="http://schemas.microsoft.com/office/drawing/2014/main" id="{B7B52974-B731-454E-B237-2421A49809BF}"/>
-              </a:ext>
-            </a:extLst>
-          </p:cNvPr>
-          <p:cNvSpPr txBox="1">
-            <a:spLocks/>
-          </p:cNvSpPr>
-          <p:nvPr/>
-        </p:nvSpPr>
-        <p:spPr>
-          <a:xfrm>
-            <a:off x="0" y="6171674"/>
-            <a:ext cx="8891588" cy="686326"/>
-          </a:xfrm>
-          <a:prstGeom prst="rect">
-            <a:avLst/>
-          </a:prstGeom>
-          <a:solidFill>
-            <a:schemeClr val="bg2">
-              <a:lumMod val="25000"/>
-            </a:schemeClr>
-          </a:solidFill>
-          <a:ln>
-            <a:solidFill>
-              <a:schemeClr val="tx1"/>
-            </a:solidFill>
-          </a:ln>
-        </p:spPr>
-        <p:txBody>
-          <a:bodyPr vert="horz" lIns="91440" tIns="45720" rIns="91440" bIns="45720" rtlCol="0" anchor="ctr">
-            <a:normAutofit/>
-          </a:bodyPr>
-          <a:lstStyle>
-            <a:lvl1pPr marL="222291" indent="-222291" algn="l" defTabSz="889163" rtl="0" eaLnBrk="1" latinLnBrk="0" hangingPunct="1">
-              <a:lnSpc>
-                <a:spcPct val="90000"/>
-              </a:lnSpc>
-              <a:spcBef>
-                <a:spcPts val="972"/>
-              </a:spcBef>
-              <a:buFont typeface="Arial" panose="020B0604020202020204" pitchFamily="34" charset="0"/>
-              <a:buChar char="•"/>
-              <a:defRPr sz="2723" kern="1200">
-                <a:solidFill>
-                  <a:schemeClr val="tx1"/>
-                </a:solidFill>
-                <a:latin typeface="+mn-lt"/>
-                <a:ea typeface="+mn-ea"/>
-                <a:cs typeface="+mn-cs"/>
-              </a:defRPr>
-            </a:lvl1pPr>
-            <a:lvl2pPr marL="666872" indent="-222291" algn="l" defTabSz="889163" rtl="0" eaLnBrk="1" latinLnBrk="0" hangingPunct="1">
-              <a:lnSpc>
-                <a:spcPct val="90000"/>
-              </a:lnSpc>
-              <a:spcBef>
-                <a:spcPts val="486"/>
-              </a:spcBef>
-              <a:buFont typeface="Arial" panose="020B0604020202020204" pitchFamily="34" charset="0"/>
-              <a:buChar char="•"/>
-              <a:defRPr sz="2334" kern="1200">
-                <a:solidFill>
-                  <a:schemeClr val="tx1"/>
-                </a:solidFill>
-                <a:latin typeface="+mn-lt"/>
-                <a:ea typeface="+mn-ea"/>
-                <a:cs typeface="+mn-cs"/>
-              </a:defRPr>
-            </a:lvl2pPr>
-            <a:lvl3pPr marL="1111453" indent="-222291" algn="l" defTabSz="889163" rtl="0" eaLnBrk="1" latinLnBrk="0" hangingPunct="1">
-              <a:lnSpc>
-                <a:spcPct val="90000"/>
-              </a:lnSpc>
-              <a:spcBef>
-                <a:spcPts val="486"/>
-              </a:spcBef>
-              <a:buFont typeface="Arial" panose="020B0604020202020204" pitchFamily="34" charset="0"/>
-              <a:buChar char="•"/>
-              <a:defRPr sz="1945" kern="1200">
-                <a:solidFill>
-                  <a:schemeClr val="tx1"/>
-                </a:solidFill>
-                <a:latin typeface="+mn-lt"/>
-                <a:ea typeface="+mn-ea"/>
-                <a:cs typeface="+mn-cs"/>
-              </a:defRPr>
-            </a:lvl3pPr>
-            <a:lvl4pPr marL="1556034" indent="-222291" algn="l" defTabSz="889163" rtl="0" eaLnBrk="1" latinLnBrk="0" hangingPunct="1">
-              <a:lnSpc>
-                <a:spcPct val="90000"/>
-              </a:lnSpc>
-              <a:spcBef>
-                <a:spcPts val="486"/>
-              </a:spcBef>
-              <a:buFont typeface="Arial" panose="020B0604020202020204" pitchFamily="34" charset="0"/>
-              <a:buChar char="•"/>
-              <a:defRPr sz="1750" kern="1200">
-                <a:solidFill>
-                  <a:schemeClr val="tx1"/>
-                </a:solidFill>
-                <a:latin typeface="+mn-lt"/>
-                <a:ea typeface="+mn-ea"/>
-                <a:cs typeface="+mn-cs"/>
-              </a:defRPr>
-            </a:lvl4pPr>
-            <a:lvl5pPr marL="2000616" indent="-222291" algn="l" defTabSz="889163" rtl="0" eaLnBrk="1" latinLnBrk="0" hangingPunct="1">
-              <a:lnSpc>
-                <a:spcPct val="90000"/>
-              </a:lnSpc>
-              <a:spcBef>
-                <a:spcPts val="486"/>
-              </a:spcBef>
-              <a:buFont typeface="Arial" panose="020B0604020202020204" pitchFamily="34" charset="0"/>
-              <a:buChar char="•"/>
-              <a:defRPr sz="1750" kern="1200">
-                <a:solidFill>
-                  <a:schemeClr val="tx1"/>
-                </a:solidFill>
-                <a:latin typeface="+mn-lt"/>
-                <a:ea typeface="+mn-ea"/>
-                <a:cs typeface="+mn-cs"/>
-              </a:defRPr>
-            </a:lvl5pPr>
-            <a:lvl6pPr marL="2445197" indent="-222291" algn="l" defTabSz="889163" rtl="0" eaLnBrk="1" latinLnBrk="0" hangingPunct="1">
-              <a:lnSpc>
-                <a:spcPct val="90000"/>
-              </a:lnSpc>
-              <a:spcBef>
-                <a:spcPts val="486"/>
-              </a:spcBef>
-              <a:buFont typeface="Arial" panose="020B0604020202020204" pitchFamily="34" charset="0"/>
-              <a:buChar char="•"/>
-              <a:defRPr sz="1750" kern="1200">
-                <a:solidFill>
-                  <a:schemeClr val="tx1"/>
-                </a:solidFill>
-                <a:latin typeface="+mn-lt"/>
-                <a:ea typeface="+mn-ea"/>
-                <a:cs typeface="+mn-cs"/>
-              </a:defRPr>
-            </a:lvl6pPr>
-            <a:lvl7pPr marL="2889778" indent="-222291" algn="l" defTabSz="889163" rtl="0" eaLnBrk="1" latinLnBrk="0" hangingPunct="1">
-              <a:lnSpc>
-                <a:spcPct val="90000"/>
-              </a:lnSpc>
-              <a:spcBef>
-                <a:spcPts val="486"/>
-              </a:spcBef>
-              <a:buFont typeface="Arial" panose="020B0604020202020204" pitchFamily="34" charset="0"/>
-              <a:buChar char="•"/>
-              <a:defRPr sz="1750" kern="1200">
-                <a:solidFill>
-                  <a:schemeClr val="tx1"/>
-                </a:solidFill>
-                <a:latin typeface="+mn-lt"/>
-                <a:ea typeface="+mn-ea"/>
-                <a:cs typeface="+mn-cs"/>
-              </a:defRPr>
-            </a:lvl7pPr>
-            <a:lvl8pPr marL="3334360" indent="-222291" algn="l" defTabSz="889163" rtl="0" eaLnBrk="1" latinLnBrk="0" hangingPunct="1">
-              <a:lnSpc>
-                <a:spcPct val="90000"/>
-              </a:lnSpc>
-              <a:spcBef>
-                <a:spcPts val="486"/>
-              </a:spcBef>
-              <a:buFont typeface="Arial" panose="020B0604020202020204" pitchFamily="34" charset="0"/>
-              <a:buChar char="•"/>
-              <a:defRPr sz="1750" kern="1200">
-                <a:solidFill>
-                  <a:schemeClr val="tx1"/>
-                </a:solidFill>
-                <a:latin typeface="+mn-lt"/>
-                <a:ea typeface="+mn-ea"/>
-                <a:cs typeface="+mn-cs"/>
-              </a:defRPr>
-            </a:lvl8pPr>
-            <a:lvl9pPr marL="3778941" indent="-222291" algn="l" defTabSz="889163" rtl="0" eaLnBrk="1" latinLnBrk="0" hangingPunct="1">
-              <a:lnSpc>
-                <a:spcPct val="90000"/>
-              </a:lnSpc>
-              <a:spcBef>
-                <a:spcPts val="486"/>
-              </a:spcBef>
-              <a:buFont typeface="Arial" panose="020B0604020202020204" pitchFamily="34" charset="0"/>
-              <a:buChar char="•"/>
-              <a:defRPr sz="1750" kern="1200">
-                <a:solidFill>
-                  <a:schemeClr val="tx1"/>
-                </a:solidFill>
-                <a:latin typeface="+mn-lt"/>
-                <a:ea typeface="+mn-ea"/>
-                <a:cs typeface="+mn-cs"/>
-              </a:defRPr>
-            </a:lvl9pPr>
-          </a:lstStyle>
-          <a:p>
-            <a:pPr marL="0" indent="0" algn="ctr">
-              <a:buNone/>
-            </a:pPr>
-            <a:r>
-              <a:rPr lang="fr-FR" sz="3200" dirty="0">
-                <a:solidFill>
-                  <a:schemeClr val="bg1"/>
-                </a:solidFill>
-              </a:rPr>
-              <a:t>Fonds insuffisants sur le compte</a:t>
-            </a:r>
-          </a:p>
-        </p:txBody>
-      </p:sp>
-      <p:sp>
-        <p:nvSpPr>
-          <p:cNvPr id="14" name="Rectangle : coins arrondis 13">
-            <a:extLst>
-              <a:ext uri="{FF2B5EF4-FFF2-40B4-BE49-F238E27FC236}">
-                <a16:creationId xmlns:a16="http://schemas.microsoft.com/office/drawing/2014/main" id="{516D344F-4515-43C1-9032-98953D4963F5}"/>
-              </a:ext>
-            </a:extLst>
-          </p:cNvPr>
-          <p:cNvSpPr/>
-          <p:nvPr/>
-        </p:nvSpPr>
-        <p:spPr>
-          <a:xfrm>
-            <a:off x="250031" y="179747"/>
-            <a:ext cx="8391525" cy="5632283"/>
-          </a:xfrm>
-          <a:prstGeom prst="roundRect">
-            <a:avLst>
-              <a:gd name="adj" fmla="val 1999"/>
-            </a:avLst>
-          </a:prstGeom>
-          <a:gradFill flip="none" rotWithShape="1">
-            <a:gsLst>
-              <a:gs pos="8000">
-                <a:schemeClr val="accent1"/>
-              </a:gs>
-              <a:gs pos="100000">
-                <a:schemeClr val="accent1">
-                  <a:lumMod val="40000"/>
-                  <a:lumOff val="60000"/>
-                </a:schemeClr>
-              </a:gs>
-            </a:gsLst>
-            <a:lin ang="16200000" scaled="1"/>
-            <a:tileRect/>
-          </a:gradFill>
-          <a:ln w="57150">
-            <a:solidFill>
-              <a:schemeClr val="tx1"/>
-            </a:solidFill>
-          </a:ln>
-          <a:effectLst>
-            <a:softEdge rad="0"/>
-          </a:effectLst>
-        </p:spPr>
-        <p:style>
-          <a:lnRef idx="2">
-            <a:schemeClr val="accent1">
-              <a:shade val="50000"/>
-            </a:schemeClr>
-          </a:lnRef>
-          <a:fillRef idx="1">
-            <a:schemeClr val="accent1"/>
-          </a:fillRef>
-          <a:effectRef idx="0">
-            <a:schemeClr val="accent1"/>
-          </a:effectRef>
-          <a:fontRef idx="minor">
-            <a:schemeClr val="lt1"/>
-          </a:fontRef>
-        </p:style>
-        <p:txBody>
-          <a:bodyPr rtlCol="0" anchor="ctr"/>
-          <a:lstStyle/>
-          <a:p>
-            <a:pPr algn="ctr"/>
-            <a:endParaRPr lang="fr-FR"/>
-          </a:p>
-        </p:txBody>
-      </p:sp>
-      <p:sp>
-        <p:nvSpPr>
-          <p:cNvPr id="15" name="Rectangle : coins arrondis 14">
-            <a:extLst>
-              <a:ext uri="{FF2B5EF4-FFF2-40B4-BE49-F238E27FC236}">
-                <a16:creationId xmlns:a16="http://schemas.microsoft.com/office/drawing/2014/main" id="{D96FF100-503D-4E43-ACEB-62802412FC0E}"/>
-              </a:ext>
-            </a:extLst>
-          </p:cNvPr>
-          <p:cNvSpPr/>
-          <p:nvPr/>
-        </p:nvSpPr>
-        <p:spPr>
-          <a:xfrm>
-            <a:off x="1132449" y="1800922"/>
-            <a:ext cx="6626687" cy="2519195"/>
-          </a:xfrm>
-          <a:prstGeom prst="roundRect">
-            <a:avLst>
-              <a:gd name="adj" fmla="val 3991"/>
-            </a:avLst>
-          </a:prstGeom>
-          <a:solidFill>
-            <a:schemeClr val="accent1">
-              <a:lumMod val="50000"/>
-            </a:schemeClr>
-          </a:solidFill>
-          <a:ln>
-            <a:noFill/>
-          </a:ln>
-          <a:effectLst/>
-          <a:scene3d>
-            <a:camera prst="orthographicFront">
-              <a:rot lat="0" lon="0" rev="0"/>
-            </a:camera>
-            <a:lightRig rig="glow" dir="t">
-              <a:rot lat="0" lon="0" rev="14100000"/>
-            </a:lightRig>
-          </a:scene3d>
-          <a:sp3d prstMaterial="softEdge">
-            <a:bevelT w="127000" prst="artDeco"/>
-          </a:sp3d>
-        </p:spPr>
-        <p:style>
-          <a:lnRef idx="2">
-            <a:schemeClr val="accent1">
-              <a:shade val="50000"/>
-            </a:schemeClr>
-          </a:lnRef>
-          <a:fillRef idx="1">
-            <a:schemeClr val="accent1"/>
-          </a:fillRef>
-          <a:effectRef idx="0">
-            <a:schemeClr val="accent1"/>
-          </a:effectRef>
-          <a:fontRef idx="minor">
-            <a:schemeClr val="lt1"/>
-          </a:fontRef>
-        </p:style>
-        <p:txBody>
-          <a:bodyPr rtlCol="0" anchor="ctr"/>
-          <a:lstStyle/>
-          <a:p>
-            <a:pPr algn="ctr"/>
-            <a:endParaRPr lang="fr-FR" sz="3600" dirty="0">
-              <a:solidFill>
-                <a:schemeClr val="bg1"/>
-              </a:solidFill>
-            </a:endParaRPr>
-          </a:p>
-        </p:txBody>
-      </p:sp>
-      <p:sp>
-        <p:nvSpPr>
-          <p:cNvPr id="16" name="Rectangle 15">
-            <a:extLst>
-              <a:ext uri="{FF2B5EF4-FFF2-40B4-BE49-F238E27FC236}">
-                <a16:creationId xmlns:a16="http://schemas.microsoft.com/office/drawing/2014/main" id="{49EF0595-69F0-48CC-A387-A461C6BC1E6E}"/>
-              </a:ext>
-            </a:extLst>
-          </p:cNvPr>
-          <p:cNvSpPr/>
-          <p:nvPr/>
-        </p:nvSpPr>
-        <p:spPr>
-          <a:xfrm>
-            <a:off x="1132449" y="321165"/>
-            <a:ext cx="6626687" cy="923330"/>
-          </a:xfrm>
-          <a:prstGeom prst="rect">
-            <a:avLst/>
-          </a:prstGeom>
-          <a:noFill/>
-        </p:spPr>
-        <p:txBody>
-          <a:bodyPr wrap="none" lIns="91440" tIns="45720" rIns="91440" bIns="45720">
-            <a:spAutoFit/>
-          </a:bodyPr>
-          <a:lstStyle/>
-          <a:p>
-            <a:pPr algn="ctr"/>
-            <a:r>
-              <a:rPr lang="fr-FR" sz="5400" b="1" dirty="0">
-                <a:ln w="9525">
-                  <a:solidFill>
-                    <a:schemeClr val="bg2">
-                      <a:lumMod val="50000"/>
-                    </a:schemeClr>
-                  </a:solidFill>
-                  <a:prstDash val="solid"/>
-                </a:ln>
-                <a:solidFill>
-                  <a:schemeClr val="accent4">
-                    <a:lumMod val="60000"/>
-                    <a:lumOff val="40000"/>
-                  </a:schemeClr>
-                </a:solidFill>
-                <a:effectLst>
-                  <a:outerShdw blurRad="12700" dist="38100" dir="2700000" algn="tl" rotWithShape="0">
-                    <a:schemeClr val="bg1">
-                      <a:lumMod val="50000"/>
-                    </a:schemeClr>
-                  </a:outerShdw>
-                </a:effectLst>
-              </a:rPr>
-              <a:t>-Unified Process Bank-</a:t>
-            </a:r>
-          </a:p>
-        </p:txBody>
-      </p:sp>
-      <p:sp>
-        <p:nvSpPr>
-          <p:cNvPr id="18" name="ZoneTexte 17">
-            <a:extLst>
-              <a:ext uri="{FF2B5EF4-FFF2-40B4-BE49-F238E27FC236}">
-                <a16:creationId xmlns:a16="http://schemas.microsoft.com/office/drawing/2014/main" id="{4C837BDD-0D8C-4C15-BE90-294897226D46}"/>
-              </a:ext>
-            </a:extLst>
-          </p:cNvPr>
-          <p:cNvSpPr txBox="1"/>
-          <p:nvPr/>
-        </p:nvSpPr>
-        <p:spPr>
-          <a:xfrm>
-            <a:off x="3136550" y="2275689"/>
-            <a:ext cx="3898431" cy="1569660"/>
-          </a:xfrm>
-          <a:prstGeom prst="rect">
-            <a:avLst/>
-          </a:prstGeom>
-          <a:noFill/>
-        </p:spPr>
-        <p:txBody>
-          <a:bodyPr wrap="square" rtlCol="0">
-            <a:spAutoFit/>
-          </a:bodyPr>
-          <a:lstStyle/>
-          <a:p>
-            <a:r>
-              <a:rPr lang="fr-FR" sz="3200" b="1" dirty="0">
-                <a:solidFill>
-                  <a:schemeClr val="bg1"/>
-                </a:solidFill>
-              </a:rPr>
-              <a:t>Vous ne disposez pas des fonds nécessaires pour ce retrait.</a:t>
-            </a:r>
-          </a:p>
-        </p:txBody>
-      </p:sp>
-      <p:pic>
-        <p:nvPicPr>
-          <p:cNvPr id="5124" name="Picture 4" descr="Image result for information png transparent">
-            <a:extLst>
-              <a:ext uri="{FF2B5EF4-FFF2-40B4-BE49-F238E27FC236}">
-                <a16:creationId xmlns:a16="http://schemas.microsoft.com/office/drawing/2014/main" id="{7A860CF9-3043-4676-B0FB-CB45652A5A4E}"/>
-              </a:ext>
-            </a:extLst>
-          </p:cNvPr>
-          <p:cNvPicPr>
-            <a:picLocks noChangeAspect="1" noChangeArrowheads="1"/>
-          </p:cNvPicPr>
-          <p:nvPr/>
-        </p:nvPicPr>
-        <p:blipFill>
-          <a:blip r:embed="rId2">
-            <a:duotone>
-              <a:schemeClr val="accent4">
-                <a:shade val="45000"/>
-                <a:satMod val="135000"/>
-              </a:schemeClr>
-              <a:prstClr val="white"/>
-            </a:duotone>
-            <a:extLst>
-              <a:ext uri="{28A0092B-C50C-407E-A947-70E740481C1C}">
-                <a14:useLocalDpi xmlns:a14="http://schemas.microsoft.com/office/drawing/2010/main" val="0"/>
-              </a:ext>
-            </a:extLst>
-          </a:blip>
-          <a:srcRect/>
-          <a:stretch>
-            <a:fillRect/>
-          </a:stretch>
-        </p:blipFill>
-        <p:spPr bwMode="auto">
-          <a:xfrm>
-            <a:off x="1488733" y="2170631"/>
-            <a:ext cx="1291533" cy="1291533"/>
-          </a:xfrm>
-          <a:prstGeom prst="rect">
-            <a:avLst/>
-          </a:prstGeom>
-          <a:noFill/>
-          <a:extLst>
-            <a:ext uri="{909E8E84-426E-40DD-AFC4-6F175D3DCCD1}">
-              <a14:hiddenFill xmlns:a14="http://schemas.microsoft.com/office/drawing/2010/main">
-                <a:solidFill>
-                  <a:srgbClr val="FFFFFF"/>
-                </a:solidFill>
-              </a14:hiddenFill>
-            </a:ext>
-          </a:extLst>
-        </p:spPr>
-      </p:pic>
-      <p:sp>
-        <p:nvSpPr>
-          <p:cNvPr id="20" name="Rectangle : coins arrondis 19">
-            <a:extLst>
-              <a:ext uri="{FF2B5EF4-FFF2-40B4-BE49-F238E27FC236}">
-                <a16:creationId xmlns:a16="http://schemas.microsoft.com/office/drawing/2014/main" id="{AC97BC73-C1D1-49FB-9EFC-23DF8722218A}"/>
-              </a:ext>
-            </a:extLst>
-          </p:cNvPr>
-          <p:cNvSpPr/>
-          <p:nvPr/>
-        </p:nvSpPr>
-        <p:spPr>
-          <a:xfrm>
-            <a:off x="5899355" y="4783649"/>
-            <a:ext cx="2700830" cy="676275"/>
-          </a:xfrm>
-          <a:prstGeom prst="roundRect">
-            <a:avLst>
-              <a:gd name="adj" fmla="val 3991"/>
-            </a:avLst>
-          </a:prstGeom>
-          <a:solidFill>
-            <a:schemeClr val="bg2">
-              <a:lumMod val="25000"/>
-            </a:schemeClr>
-          </a:solidFill>
-          <a:ln>
-            <a:noFill/>
-          </a:ln>
-          <a:effectLst/>
-          <a:scene3d>
-            <a:camera prst="orthographicFront">
-              <a:rot lat="0" lon="0" rev="0"/>
-            </a:camera>
-            <a:lightRig rig="glow" dir="t">
-              <a:rot lat="0" lon="0" rev="14100000"/>
-            </a:lightRig>
-          </a:scene3d>
-          <a:sp3d prstMaterial="softEdge">
-            <a:bevelT w="127000" prst="artDeco"/>
-          </a:sp3d>
-        </p:spPr>
-        <p:style>
-          <a:lnRef idx="2">
-            <a:schemeClr val="accent1">
-              <a:shade val="50000"/>
-            </a:schemeClr>
-          </a:lnRef>
-          <a:fillRef idx="1">
-            <a:schemeClr val="accent1"/>
-          </a:fillRef>
-          <a:effectRef idx="0">
-            <a:schemeClr val="accent1"/>
-          </a:effectRef>
-          <a:fontRef idx="minor">
-            <a:schemeClr val="lt1"/>
-          </a:fontRef>
-        </p:style>
-        <p:txBody>
-          <a:bodyPr rtlCol="0" anchor="ctr"/>
-          <a:lstStyle/>
-          <a:p>
-            <a:pPr algn="ctr"/>
-            <a:r>
-              <a:rPr lang="fr-FR" sz="2400" dirty="0">
-                <a:solidFill>
-                  <a:schemeClr val="bg1"/>
-                </a:solidFill>
-              </a:rPr>
-              <a:t>Récupérer la carte</a:t>
-            </a:r>
-          </a:p>
-        </p:txBody>
-      </p:sp>
-    </p:spTree>
-    <p:extLst>
-      <p:ext uri="{BB962C8B-B14F-4D97-AF65-F5344CB8AC3E}">
-        <p14:creationId xmlns:p14="http://schemas.microsoft.com/office/powerpoint/2010/main" val="1366676928"/>
+        <p14:creationId xmlns:p14="http://schemas.microsoft.com/office/powerpoint/2010/main" val="1361024183"/>
       </p:ext>
     </p:extLst>
   </p:cSld>
